--- a/slides/main.pptx
+++ b/slides/main.pptx
@@ -5,19 +5,30 @@
     <p:sldMasterId id="2147483660" r:id="rId1"/>
   </p:sldMasterIdLst>
   <p:notesMasterIdLst>
-    <p:notesMasterId r:id="rId12"/>
+    <p:notesMasterId r:id="rId23"/>
   </p:notesMasterIdLst>
   <p:sldIdLst>
     <p:sldId id="256" r:id="rId2"/>
     <p:sldId id="257" r:id="rId3"/>
     <p:sldId id="258" r:id="rId4"/>
-    <p:sldId id="259" r:id="rId5"/>
-    <p:sldId id="260" r:id="rId6"/>
-    <p:sldId id="261" r:id="rId7"/>
-    <p:sldId id="262" r:id="rId8"/>
-    <p:sldId id="263" r:id="rId9"/>
-    <p:sldId id="264" r:id="rId10"/>
-    <p:sldId id="265" r:id="rId11"/>
+    <p:sldId id="272" r:id="rId5"/>
+    <p:sldId id="259" r:id="rId6"/>
+    <p:sldId id="260" r:id="rId7"/>
+    <p:sldId id="261" r:id="rId8"/>
+    <p:sldId id="273" r:id="rId9"/>
+    <p:sldId id="274" r:id="rId10"/>
+    <p:sldId id="275" r:id="rId11"/>
+    <p:sldId id="276" r:id="rId12"/>
+    <p:sldId id="262" r:id="rId13"/>
+    <p:sldId id="263" r:id="rId14"/>
+    <p:sldId id="264" r:id="rId15"/>
+    <p:sldId id="265" r:id="rId16"/>
+    <p:sldId id="266" r:id="rId17"/>
+    <p:sldId id="267" r:id="rId18"/>
+    <p:sldId id="268" r:id="rId19"/>
+    <p:sldId id="269" r:id="rId20"/>
+    <p:sldId id="270" r:id="rId21"/>
+    <p:sldId id="271" r:id="rId22"/>
   </p:sldIdLst>
   <p:sldSz cx="9144000" cy="6858000" type="screen4x3"/>
   <p:notesSz cx="6858000" cy="9144000"/>
@@ -116,6 +127,11 @@
       </a:defRPr>
     </a:lvl9pPr>
   </p:defaultTextStyle>
+  <p:extLst>
+    <p:ext uri="{EFAFB233-063F-42B5-8137-9DF3F51BA10A}">
+      <p15:sldGuideLst xmlns:p15="http://schemas.microsoft.com/office/powerpoint/2012/main"/>
+    </p:ext>
+  </p:extLst>
 </p:presentation>
 </file>
 
@@ -546,7 +562,7 @@
           <a:p>
             <a:fld id="{4B64A397-3365-40F8-85DC-A2D526C76720}" type="slidenum">
               <a:rPr lang="en-SG" smtClean="0"/>
-              <a:t>8</a:t>
+              <a:t>13</a:t>
             </a:fld>
             <a:endParaRPr lang="en-SG"/>
           </a:p>
@@ -630,7 +646,7 @@
           <a:p>
             <a:fld id="{4B64A397-3365-40F8-85DC-A2D526C76720}" type="slidenum">
               <a:rPr lang="en-SG" smtClean="0"/>
-              <a:t>9</a:t>
+              <a:t>14</a:t>
             </a:fld>
             <a:endParaRPr lang="en-SG"/>
           </a:p>
@@ -714,7 +730,7 @@
           <a:p>
             <a:fld id="{4B64A397-3365-40F8-85DC-A2D526C76720}" type="slidenum">
               <a:rPr lang="en-SG" smtClean="0"/>
-              <a:t>10</a:t>
+              <a:t>15</a:t>
             </a:fld>
             <a:endParaRPr lang="en-SG"/>
           </a:p>
@@ -3726,6 +3742,1017 @@
 </file>
 
 <file path=ppt/slides/slide10.xml><?xml version="1.0" encoding="utf-8"?>
+<p:sld xmlns:a="http://schemas.openxmlformats.org/drawingml/2006/main" xmlns:r="http://schemas.openxmlformats.org/officeDocument/2006/relationships" xmlns:p="http://schemas.openxmlformats.org/presentationml/2006/main">
+  <p:cSld>
+    <p:spTree>
+      <p:nvGrpSpPr>
+        <p:cNvPr id="1" name=""/>
+        <p:cNvGrpSpPr/>
+        <p:nvPr/>
+      </p:nvGrpSpPr>
+      <p:grpSpPr>
+        <a:xfrm>
+          <a:off x="0" y="0"/>
+          <a:ext cx="0" cy="0"/>
+          <a:chOff x="0" y="0"/>
+          <a:chExt cx="0" cy="0"/>
+        </a:xfrm>
+      </p:grpSpPr>
+      <p:sp>
+        <p:nvSpPr>
+          <p:cNvPr id="2" name="Title 1"/>
+          <p:cNvSpPr>
+            <a:spLocks noGrp="1"/>
+          </p:cNvSpPr>
+          <p:nvPr>
+            <p:ph type="title"/>
+          </p:nvPr>
+        </p:nvSpPr>
+        <p:spPr/>
+        <p:txBody>
+          <a:bodyPr/>
+          <a:lstStyle/>
+          <a:p>
+            <a:r>
+              <a:rPr lang="en-US" dirty="0"/>
+              <a:t>Neural Network (Cont’d)</a:t>
+            </a:r>
+            <a:endParaRPr lang="en-SG" dirty="0"/>
+          </a:p>
+        </p:txBody>
+      </p:sp>
+      <p:sp>
+        <p:nvSpPr>
+          <p:cNvPr id="4" name="Content Placeholder 3"/>
+          <p:cNvSpPr>
+            <a:spLocks noGrp="1"/>
+          </p:cNvSpPr>
+          <p:nvPr>
+            <p:ph sz="half" idx="1"/>
+          </p:nvPr>
+        </p:nvSpPr>
+        <p:spPr/>
+        <p:txBody>
+          <a:bodyPr/>
+          <a:lstStyle/>
+          <a:p>
+            <a:r>
+              <a:rPr lang="en-US" dirty="0"/>
+              <a:t>Architecture:</a:t>
+            </a:r>
+          </a:p>
+          <a:p>
+            <a:pPr lvl="1"/>
+            <a:r>
+              <a:rPr lang="en-US" dirty="0"/>
+              <a:t>Embedding layers for </a:t>
+            </a:r>
+            <a:r>
+              <a:rPr lang="en-US" i="1" dirty="0" err="1"/>
+              <a:t>StoreID</a:t>
+            </a:r>
+            <a:r>
+              <a:rPr lang="en-US" dirty="0"/>
+              <a:t>, </a:t>
+            </a:r>
+            <a:r>
+              <a:rPr lang="en-US" i="1" dirty="0" err="1"/>
+              <a:t>DayOfWeek</a:t>
+            </a:r>
+            <a:r>
+              <a:rPr lang="en-US" dirty="0"/>
+              <a:t>, </a:t>
+            </a:r>
+            <a:r>
+              <a:rPr lang="en-US" i="1" dirty="0"/>
+              <a:t>Day</a:t>
+            </a:r>
+            <a:r>
+              <a:rPr lang="en-US" dirty="0"/>
+              <a:t>, </a:t>
+            </a:r>
+            <a:r>
+              <a:rPr lang="en-US" i="1" dirty="0"/>
+              <a:t>Month</a:t>
+            </a:r>
+            <a:r>
+              <a:rPr lang="en-US" dirty="0"/>
+              <a:t>, </a:t>
+            </a:r>
+            <a:r>
+              <a:rPr lang="en-US" i="1" dirty="0"/>
+              <a:t>Year</a:t>
+            </a:r>
+            <a:r>
+              <a:rPr lang="en-US" dirty="0"/>
+              <a:t>, </a:t>
+            </a:r>
+            <a:r>
+              <a:rPr lang="en-US" i="1" dirty="0" err="1"/>
+              <a:t>StoreType</a:t>
+            </a:r>
+            <a:r>
+              <a:rPr lang="en-US" dirty="0"/>
+              <a:t>, </a:t>
+            </a:r>
+            <a:r>
+              <a:rPr lang="en-US" i="1" dirty="0"/>
+              <a:t>Assortment</a:t>
+            </a:r>
+          </a:p>
+          <a:p>
+            <a:pPr lvl="1"/>
+            <a:r>
+              <a:rPr lang="en-US" dirty="0"/>
+              <a:t>1</a:t>
+            </a:r>
+            <a:r>
+              <a:rPr lang="en-US" baseline="30000" dirty="0"/>
+              <a:t>st</a:t>
+            </a:r>
+            <a:r>
+              <a:rPr lang="en-US" dirty="0"/>
+              <a:t> hidden layer (128 units)</a:t>
+            </a:r>
+          </a:p>
+          <a:p>
+            <a:pPr lvl="1"/>
+            <a:r>
+              <a:rPr lang="en-US" dirty="0"/>
+              <a:t>2</a:t>
+            </a:r>
+            <a:r>
+              <a:rPr lang="en-US" baseline="30000" dirty="0"/>
+              <a:t>nd</a:t>
+            </a:r>
+            <a:r>
+              <a:rPr lang="en-US" dirty="0"/>
+              <a:t> hidden layer (64 units)</a:t>
+            </a:r>
+          </a:p>
+          <a:p>
+            <a:pPr lvl="1"/>
+            <a:r>
+              <a:rPr lang="en-US" dirty="0"/>
+              <a:t>Output layer</a:t>
+            </a:r>
+            <a:endParaRPr lang="en-SG" dirty="0"/>
+          </a:p>
+        </p:txBody>
+      </p:sp>
+      <p:sp>
+        <p:nvSpPr>
+          <p:cNvPr id="5" name="Content Placeholder 4"/>
+          <p:cNvSpPr>
+            <a:spLocks noGrp="1"/>
+          </p:cNvSpPr>
+          <p:nvPr>
+            <p:ph sz="half" idx="2"/>
+          </p:nvPr>
+        </p:nvSpPr>
+        <p:spPr/>
+        <p:txBody>
+          <a:bodyPr/>
+          <a:lstStyle/>
+          <a:p>
+            <a:r>
+              <a:rPr lang="en-US" dirty="0"/>
+              <a:t>Training method:</a:t>
+            </a:r>
+          </a:p>
+          <a:p>
+            <a:pPr lvl="1"/>
+            <a:r>
+              <a:rPr lang="en-US" dirty="0"/>
+              <a:t>Type: </a:t>
+            </a:r>
+            <a:r>
+              <a:rPr lang="en-US" dirty="0" err="1"/>
+              <a:t>Nesterov</a:t>
+            </a:r>
+            <a:endParaRPr lang="en-US" dirty="0"/>
+          </a:p>
+          <a:p>
+            <a:pPr lvl="1"/>
+            <a:r>
+              <a:rPr lang="en-US" dirty="0"/>
+              <a:t>Momentum: 0.9</a:t>
+            </a:r>
+          </a:p>
+          <a:p>
+            <a:pPr lvl="1"/>
+            <a:r>
+              <a:rPr lang="en-US" dirty="0" err="1"/>
+              <a:t>base_lr</a:t>
+            </a:r>
+            <a:r>
+              <a:rPr lang="en-US" dirty="0"/>
+              <a:t>: 0.01</a:t>
+            </a:r>
+          </a:p>
+          <a:p>
+            <a:pPr lvl="1"/>
+            <a:r>
+              <a:rPr lang="en-US" dirty="0" err="1"/>
+              <a:t>lr_decay</a:t>
+            </a:r>
+            <a:r>
+              <a:rPr lang="en-US" dirty="0"/>
+              <a:t>: 1e-6</a:t>
+            </a:r>
+            <a:endParaRPr lang="en-SG" dirty="0"/>
+          </a:p>
+        </p:txBody>
+      </p:sp>
+    </p:spTree>
+    <p:extLst>
+      <p:ext uri="{BB962C8B-B14F-4D97-AF65-F5344CB8AC3E}">
+        <p14:creationId xmlns:p14="http://schemas.microsoft.com/office/powerpoint/2010/main" val="1074570312"/>
+      </p:ext>
+    </p:extLst>
+  </p:cSld>
+  <p:clrMapOvr>
+    <a:masterClrMapping/>
+  </p:clrMapOvr>
+</p:sld>
+</file>
+
+<file path=ppt/slides/slide11.xml><?xml version="1.0" encoding="utf-8"?>
+<p:sld xmlns:a="http://schemas.openxmlformats.org/drawingml/2006/main" xmlns:r="http://schemas.openxmlformats.org/officeDocument/2006/relationships" xmlns:p="http://schemas.openxmlformats.org/presentationml/2006/main">
+  <p:cSld>
+    <p:spTree>
+      <p:nvGrpSpPr>
+        <p:cNvPr id="1" name=""/>
+        <p:cNvGrpSpPr/>
+        <p:nvPr/>
+      </p:nvGrpSpPr>
+      <p:grpSpPr>
+        <a:xfrm>
+          <a:off x="0" y="0"/>
+          <a:ext cx="0" cy="0"/>
+          <a:chOff x="0" y="0"/>
+          <a:chExt cx="0" cy="0"/>
+        </a:xfrm>
+      </p:grpSpPr>
+      <p:sp>
+        <p:nvSpPr>
+          <p:cNvPr id="2" name="Title 1"/>
+          <p:cNvSpPr>
+            <a:spLocks noGrp="1"/>
+          </p:cNvSpPr>
+          <p:nvPr>
+            <p:ph type="title"/>
+          </p:nvPr>
+        </p:nvSpPr>
+        <p:spPr/>
+        <p:txBody>
+          <a:bodyPr/>
+          <a:lstStyle/>
+          <a:p>
+            <a:r>
+              <a:rPr lang="en-US" dirty="0"/>
+              <a:t>Neural Network (Cont’d)</a:t>
+            </a:r>
+            <a:endParaRPr lang="en-SG" dirty="0"/>
+          </a:p>
+        </p:txBody>
+      </p:sp>
+      <p:sp>
+        <p:nvSpPr>
+          <p:cNvPr id="5" name="Content Placeholder 4"/>
+          <p:cNvSpPr>
+            <a:spLocks noGrp="1"/>
+          </p:cNvSpPr>
+          <p:nvPr>
+            <p:ph idx="1"/>
+          </p:nvPr>
+        </p:nvSpPr>
+        <p:spPr/>
+        <p:txBody>
+          <a:bodyPr/>
+          <a:lstStyle/>
+          <a:p>
+            <a:r>
+              <a:rPr lang="en-US" dirty="0"/>
+              <a:t>Batch size: 5000</a:t>
+            </a:r>
+          </a:p>
+          <a:p>
+            <a:r>
+              <a:rPr lang="en-US" dirty="0"/>
+              <a:t>Number of epochs: 25</a:t>
+            </a:r>
+          </a:p>
+          <a:p>
+            <a:r>
+              <a:rPr lang="en-US" dirty="0"/>
+              <a:t>Validate at every epoch</a:t>
+            </a:r>
+          </a:p>
+          <a:p>
+            <a:r>
+              <a:rPr lang="en-US" dirty="0"/>
+              <a:t>Hardware: GTX 850m</a:t>
+            </a:r>
+          </a:p>
+          <a:p>
+            <a:r>
+              <a:rPr lang="en-US" dirty="0"/>
+              <a:t>Duration &lt; 1 hour</a:t>
+            </a:r>
+          </a:p>
+          <a:p>
+            <a:r>
+              <a:rPr lang="en-US" dirty="0"/>
+              <a:t>Result</a:t>
+            </a:r>
+          </a:p>
+          <a:p>
+            <a:pPr lvl="1"/>
+            <a:r>
+              <a:rPr lang="en-US" dirty="0"/>
+              <a:t>Private score: 0.20356</a:t>
+            </a:r>
+          </a:p>
+          <a:p>
+            <a:pPr lvl="1"/>
+            <a:r>
+              <a:rPr lang="en-US" dirty="0"/>
+              <a:t>Public score: 0.20298</a:t>
+            </a:r>
+            <a:endParaRPr lang="en-SG" dirty="0"/>
+          </a:p>
+        </p:txBody>
+      </p:sp>
+    </p:spTree>
+    <p:extLst>
+      <p:ext uri="{BB962C8B-B14F-4D97-AF65-F5344CB8AC3E}">
+        <p14:creationId xmlns:p14="http://schemas.microsoft.com/office/powerpoint/2010/main" val="1433024377"/>
+      </p:ext>
+    </p:extLst>
+  </p:cSld>
+  <p:clrMapOvr>
+    <a:masterClrMapping/>
+  </p:clrMapOvr>
+</p:sld>
+</file>
+
+<file path=ppt/slides/slide12.xml><?xml version="1.0" encoding="utf-8"?>
+<p:sld xmlns:a="http://schemas.openxmlformats.org/drawingml/2006/main" xmlns:r="http://schemas.openxmlformats.org/officeDocument/2006/relationships" xmlns:p="http://schemas.openxmlformats.org/presentationml/2006/main">
+  <p:cSld>
+    <p:spTree>
+      <p:nvGrpSpPr>
+        <p:cNvPr id="1" name=""/>
+        <p:cNvGrpSpPr/>
+        <p:nvPr/>
+      </p:nvGrpSpPr>
+      <p:grpSpPr>
+        <a:xfrm>
+          <a:off x="0" y="0"/>
+          <a:ext cx="0" cy="0"/>
+          <a:chOff x="0" y="0"/>
+          <a:chExt cx="0" cy="0"/>
+        </a:xfrm>
+      </p:grpSpPr>
+      <p:sp>
+        <p:nvSpPr>
+          <p:cNvPr id="2" name="Title 1"/>
+          <p:cNvSpPr>
+            <a:spLocks noGrp="1"/>
+          </p:cNvSpPr>
+          <p:nvPr>
+            <p:ph type="ctrTitle"/>
+          </p:nvPr>
+        </p:nvSpPr>
+        <p:spPr/>
+        <p:txBody>
+          <a:bodyPr/>
+          <a:lstStyle/>
+          <a:p>
+            <a:r>
+              <a:rPr lang="en-SG" dirty="0"/>
+              <a:t>Lasso &amp; Ridge</a:t>
+            </a:r>
+          </a:p>
+        </p:txBody>
+      </p:sp>
+      <p:sp>
+        <p:nvSpPr>
+          <p:cNvPr id="3" name="Subtitle 2"/>
+          <p:cNvSpPr>
+            <a:spLocks noGrp="1"/>
+          </p:cNvSpPr>
+          <p:nvPr>
+            <p:ph type="subTitle" idx="1"/>
+          </p:nvPr>
+        </p:nvSpPr>
+        <p:spPr/>
+        <p:txBody>
+          <a:bodyPr/>
+          <a:lstStyle/>
+          <a:p>
+            <a:r>
+              <a:rPr lang="en-SG" dirty="0"/>
+              <a:t>Regression</a:t>
+            </a:r>
+          </a:p>
+        </p:txBody>
+      </p:sp>
+    </p:spTree>
+    <p:extLst>
+      <p:ext uri="{BB962C8B-B14F-4D97-AF65-F5344CB8AC3E}">
+        <p14:creationId xmlns:p14="http://schemas.microsoft.com/office/powerpoint/2010/main" val="408571491"/>
+      </p:ext>
+    </p:extLst>
+  </p:cSld>
+  <p:clrMapOvr>
+    <a:masterClrMapping/>
+  </p:clrMapOvr>
+</p:sld>
+</file>
+
+<file path=ppt/slides/slide13.xml><?xml version="1.0" encoding="utf-8"?>
+<p:sld xmlns:a="http://schemas.openxmlformats.org/drawingml/2006/main" xmlns:r="http://schemas.openxmlformats.org/officeDocument/2006/relationships" xmlns:p="http://schemas.openxmlformats.org/presentationml/2006/main">
+  <p:cSld>
+    <p:spTree>
+      <p:nvGrpSpPr>
+        <p:cNvPr id="1" name=""/>
+        <p:cNvGrpSpPr/>
+        <p:nvPr/>
+      </p:nvGrpSpPr>
+      <p:grpSpPr>
+        <a:xfrm>
+          <a:off x="0" y="0"/>
+          <a:ext cx="0" cy="0"/>
+          <a:chOff x="0" y="0"/>
+          <a:chExt cx="0" cy="0"/>
+        </a:xfrm>
+      </p:grpSpPr>
+      <p:sp>
+        <p:nvSpPr>
+          <p:cNvPr id="4" name="Title 3"/>
+          <p:cNvSpPr>
+            <a:spLocks noGrp="1"/>
+          </p:cNvSpPr>
+          <p:nvPr>
+            <p:ph type="title"/>
+          </p:nvPr>
+        </p:nvSpPr>
+        <p:spPr/>
+        <p:txBody>
+          <a:bodyPr/>
+          <a:lstStyle/>
+          <a:p>
+            <a:r>
+              <a:rPr lang="en-SG" dirty="0"/>
+              <a:t>Definition</a:t>
+            </a:r>
+          </a:p>
+        </p:txBody>
+      </p:sp>
+      <mc:AlternateContent xmlns:mc="http://schemas.openxmlformats.org/markup-compatibility/2006" xmlns:a14="http://schemas.microsoft.com/office/drawing/2010/main">
+        <mc:Choice Requires="a14">
+          <p:sp>
+            <p:nvSpPr>
+              <p:cNvPr id="6" name="Content Placeholder 5"/>
+              <p:cNvSpPr>
+                <a:spLocks noGrp="1"/>
+              </p:cNvSpPr>
+              <p:nvPr>
+                <p:ph idx="1"/>
+              </p:nvPr>
+            </p:nvSpPr>
+            <p:spPr/>
+            <p:txBody>
+              <a:bodyPr>
+                <a:normAutofit fontScale="85000" lnSpcReduction="10000"/>
+              </a:bodyPr>
+              <a:lstStyle/>
+              <a:p>
+                <a:pPr>
+                  <a:lnSpc>
+                    <a:spcPct val="150000"/>
+                  </a:lnSpc>
+                </a:pPr>
+                <a:r>
+                  <a:rPr lang="en-SG" dirty="0"/>
+                  <a:t>Lasso Regression</a:t>
+                </a:r>
+              </a:p>
+              <a:p>
+                <a:pPr lvl="1">
+                  <a:lnSpc>
+                    <a:spcPct val="150000"/>
+                  </a:lnSpc>
+                </a:pPr>
+                <a:r>
+                  <a:rPr lang="en-SG" dirty="0"/>
+                  <a:t>L1 Regularization on OLS</a:t>
+                </a:r>
+              </a:p>
+              <a:p>
+                <a:pPr lvl="1">
+                  <a:lnSpc>
+                    <a:spcPct val="150000"/>
+                  </a:lnSpc>
+                </a:pPr>
+                <a:r>
+                  <a:rPr lang="en-SG" dirty="0"/>
+                  <a:t>Sum of the absolute of the weights</a:t>
+                </a:r>
+              </a:p>
+              <a:p>
+                <a:pPr lvl="1">
+                  <a:lnSpc>
+                    <a:spcPct val="150000"/>
+                  </a:lnSpc>
+                </a:pPr>
+                <a14:m>
+                  <m:oMath xmlns:m="http://schemas.openxmlformats.org/officeDocument/2006/math">
+                    <m:r>
+                      <a:rPr lang="en-SG" i="1" smtClean="0">
+                        <a:latin typeface="Cambria Math" panose="02040503050406030204" pitchFamily="18" charset="0"/>
+                        <a:ea typeface="Cambria Math" panose="02040503050406030204" pitchFamily="18" charset="0"/>
+                      </a:rPr>
+                      <m:t>𝜆</m:t>
+                    </m:r>
+                    <m:nary>
+                      <m:naryPr>
+                        <m:chr m:val="∑"/>
+                        <m:ctrlPr>
+                          <a:rPr lang="en-SG" i="1" smtClean="0">
+                            <a:latin typeface="Cambria Math" panose="02040503050406030204" pitchFamily="18" charset="0"/>
+                            <a:ea typeface="Cambria Math" panose="02040503050406030204" pitchFamily="18" charset="0"/>
+                          </a:rPr>
+                        </m:ctrlPr>
+                      </m:naryPr>
+                      <m:sub>
+                        <m:r>
+                          <m:rPr>
+                            <m:brk m:alnAt="23"/>
+                          </m:rPr>
+                          <a:rPr lang="en-SG" b="0" i="1" smtClean="0">
+                            <a:latin typeface="Cambria Math" panose="02040503050406030204" pitchFamily="18" charset="0"/>
+                            <a:ea typeface="Cambria Math" panose="02040503050406030204" pitchFamily="18" charset="0"/>
+                          </a:rPr>
+                          <m:t>𝑖</m:t>
+                        </m:r>
+                        <m:r>
+                          <a:rPr lang="en-SG" b="0" i="1" smtClean="0">
+                            <a:latin typeface="Cambria Math" panose="02040503050406030204" pitchFamily="18" charset="0"/>
+                            <a:ea typeface="Cambria Math" panose="02040503050406030204" pitchFamily="18" charset="0"/>
+                          </a:rPr>
+                          <m:t>=1</m:t>
+                        </m:r>
+                      </m:sub>
+                      <m:sup>
+                        <m:r>
+                          <a:rPr lang="en-SG" b="0" i="1" smtClean="0">
+                            <a:latin typeface="Cambria Math" panose="02040503050406030204" pitchFamily="18" charset="0"/>
+                            <a:ea typeface="Cambria Math" panose="02040503050406030204" pitchFamily="18" charset="0"/>
+                          </a:rPr>
+                          <m:t>𝑁</m:t>
+                        </m:r>
+                      </m:sup>
+                      <m:e>
+                        <m:sSub>
+                          <m:sSubPr>
+                            <m:ctrlPr>
+                              <a:rPr lang="en-SG" b="0" i="1" smtClean="0">
+                                <a:latin typeface="Cambria Math" panose="02040503050406030204" pitchFamily="18" charset="0"/>
+                                <a:ea typeface="Cambria Math" panose="02040503050406030204" pitchFamily="18" charset="0"/>
+                              </a:rPr>
+                            </m:ctrlPr>
+                          </m:sSubPr>
+                          <m:e>
+                            <m:r>
+                              <a:rPr lang="en-SG" b="0" i="1" smtClean="0">
+                                <a:latin typeface="Cambria Math" panose="02040503050406030204" pitchFamily="18" charset="0"/>
+                                <a:ea typeface="Cambria Math" panose="02040503050406030204" pitchFamily="18" charset="0"/>
+                              </a:rPr>
+                              <m:t>|</m:t>
+                            </m:r>
+                            <m:r>
+                              <a:rPr lang="en-SG" b="0" i="1" smtClean="0">
+                                <a:latin typeface="Cambria Math" panose="02040503050406030204" pitchFamily="18" charset="0"/>
+                                <a:ea typeface="Cambria Math" panose="02040503050406030204" pitchFamily="18" charset="0"/>
+                              </a:rPr>
+                              <m:t>𝑤</m:t>
+                            </m:r>
+                          </m:e>
+                          <m:sub>
+                            <m:r>
+                              <a:rPr lang="en-SG" b="0" i="1" smtClean="0">
+                                <a:latin typeface="Cambria Math" panose="02040503050406030204" pitchFamily="18" charset="0"/>
+                                <a:ea typeface="Cambria Math" panose="02040503050406030204" pitchFamily="18" charset="0"/>
+                              </a:rPr>
+                              <m:t>𝑖</m:t>
+                            </m:r>
+                          </m:sub>
+                        </m:sSub>
+                        <m:r>
+                          <a:rPr lang="en-SG" b="0" i="1" smtClean="0">
+                            <a:latin typeface="Cambria Math" panose="02040503050406030204" pitchFamily="18" charset="0"/>
+                            <a:ea typeface="Cambria Math" panose="02040503050406030204" pitchFamily="18" charset="0"/>
+                          </a:rPr>
+                          <m:t>| </m:t>
+                        </m:r>
+                      </m:e>
+                    </m:nary>
+                  </m:oMath>
+                </a14:m>
+                <a:endParaRPr lang="en-SG" dirty="0"/>
+              </a:p>
+              <a:p>
+                <a:pPr>
+                  <a:lnSpc>
+                    <a:spcPct val="150000"/>
+                  </a:lnSpc>
+                </a:pPr>
+                <a:r>
+                  <a:rPr lang="en-SG" dirty="0"/>
+                  <a:t>Ridge Regression</a:t>
+                </a:r>
+              </a:p>
+              <a:p>
+                <a:pPr lvl="1">
+                  <a:lnSpc>
+                    <a:spcPct val="150000"/>
+                  </a:lnSpc>
+                </a:pPr>
+                <a:r>
+                  <a:rPr lang="en-SG" dirty="0"/>
+                  <a:t>L2 Regularization on OLS</a:t>
+                </a:r>
+              </a:p>
+              <a:p>
+                <a:pPr lvl="1">
+                  <a:lnSpc>
+                    <a:spcPct val="150000"/>
+                  </a:lnSpc>
+                </a:pPr>
+                <a:r>
+                  <a:rPr lang="en-SG" dirty="0"/>
+                  <a:t>Sum of the square of the weights</a:t>
+                </a:r>
+              </a:p>
+              <a:p>
+                <a:pPr lvl="1">
+                  <a:lnSpc>
+                    <a:spcPct val="150000"/>
+                  </a:lnSpc>
+                </a:pPr>
+                <a14:m>
+                  <m:oMath xmlns:m="http://schemas.openxmlformats.org/officeDocument/2006/math">
+                    <m:r>
+                      <a:rPr lang="en-SG" i="1">
+                        <a:latin typeface="Cambria Math" panose="02040503050406030204" pitchFamily="18" charset="0"/>
+                        <a:ea typeface="Cambria Math" panose="02040503050406030204" pitchFamily="18" charset="0"/>
+                      </a:rPr>
+                      <m:t>𝜆</m:t>
+                    </m:r>
+                    <m:nary>
+                      <m:naryPr>
+                        <m:chr m:val="∑"/>
+                        <m:ctrlPr>
+                          <a:rPr lang="en-SG" i="1">
+                            <a:latin typeface="Cambria Math" panose="02040503050406030204" pitchFamily="18" charset="0"/>
+                            <a:ea typeface="Cambria Math" panose="02040503050406030204" pitchFamily="18" charset="0"/>
+                          </a:rPr>
+                        </m:ctrlPr>
+                      </m:naryPr>
+                      <m:sub>
+                        <m:r>
+                          <m:rPr>
+                            <m:brk m:alnAt="23"/>
+                          </m:rPr>
+                          <a:rPr lang="en-SG" i="1">
+                            <a:latin typeface="Cambria Math" panose="02040503050406030204" pitchFamily="18" charset="0"/>
+                            <a:ea typeface="Cambria Math" panose="02040503050406030204" pitchFamily="18" charset="0"/>
+                          </a:rPr>
+                          <m:t>𝑖</m:t>
+                        </m:r>
+                        <m:r>
+                          <a:rPr lang="en-SG" i="1">
+                            <a:latin typeface="Cambria Math" panose="02040503050406030204" pitchFamily="18" charset="0"/>
+                            <a:ea typeface="Cambria Math" panose="02040503050406030204" pitchFamily="18" charset="0"/>
+                          </a:rPr>
+                          <m:t>=1</m:t>
+                        </m:r>
+                      </m:sub>
+                      <m:sup>
+                        <m:r>
+                          <a:rPr lang="en-SG" i="1">
+                            <a:latin typeface="Cambria Math" panose="02040503050406030204" pitchFamily="18" charset="0"/>
+                            <a:ea typeface="Cambria Math" panose="02040503050406030204" pitchFamily="18" charset="0"/>
+                          </a:rPr>
+                          <m:t>𝑁</m:t>
+                        </m:r>
+                      </m:sup>
+                      <m:e>
+                        <m:sSubSup>
+                          <m:sSubSupPr>
+                            <m:ctrlPr>
+                              <a:rPr lang="en-SG" b="0" i="1" smtClean="0">
+                                <a:latin typeface="Cambria Math" panose="02040503050406030204" pitchFamily="18" charset="0"/>
+                                <a:ea typeface="Cambria Math" panose="02040503050406030204" pitchFamily="18" charset="0"/>
+                              </a:rPr>
+                            </m:ctrlPr>
+                          </m:sSubSupPr>
+                          <m:e>
+                            <m:r>
+                              <a:rPr lang="en-SG" i="1">
+                                <a:latin typeface="Cambria Math" panose="02040503050406030204" pitchFamily="18" charset="0"/>
+                                <a:ea typeface="Cambria Math" panose="02040503050406030204" pitchFamily="18" charset="0"/>
+                              </a:rPr>
+                              <m:t>𝑤</m:t>
+                            </m:r>
+                          </m:e>
+                          <m:sub>
+                            <m:r>
+                              <a:rPr lang="en-SG" i="1">
+                                <a:latin typeface="Cambria Math" panose="02040503050406030204" pitchFamily="18" charset="0"/>
+                                <a:ea typeface="Cambria Math" panose="02040503050406030204" pitchFamily="18" charset="0"/>
+                              </a:rPr>
+                              <m:t>𝑖</m:t>
+                            </m:r>
+                          </m:sub>
+                          <m:sup>
+                            <m:r>
+                              <a:rPr lang="en-SG" b="0" i="1" smtClean="0">
+                                <a:latin typeface="Cambria Math" panose="02040503050406030204" pitchFamily="18" charset="0"/>
+                                <a:ea typeface="Cambria Math" panose="02040503050406030204" pitchFamily="18" charset="0"/>
+                              </a:rPr>
+                              <m:t>2</m:t>
+                            </m:r>
+                          </m:sup>
+                        </m:sSubSup>
+                        <m:r>
+                          <a:rPr lang="en-SG" i="1">
+                            <a:latin typeface="Cambria Math" panose="02040503050406030204" pitchFamily="18" charset="0"/>
+                            <a:ea typeface="Cambria Math" panose="02040503050406030204" pitchFamily="18" charset="0"/>
+                          </a:rPr>
+                          <m:t> </m:t>
+                        </m:r>
+                      </m:e>
+                    </m:nary>
+                  </m:oMath>
+                </a14:m>
+                <a:endParaRPr lang="en-SG" dirty="0"/>
+              </a:p>
+              <a:p>
+                <a:pPr marL="0" indent="0">
+                  <a:buNone/>
+                </a:pPr>
+                <a:endParaRPr lang="en-SG" dirty="0"/>
+              </a:p>
+            </p:txBody>
+          </p:sp>
+        </mc:Choice>
+        <mc:Fallback xmlns="">
+          <p:sp>
+            <p:nvSpPr>
+              <p:cNvPr id="6" name="Content Placeholder 5"/>
+              <p:cNvSpPr>
+                <a:spLocks noGrp="1" noRot="1" noChangeAspect="1" noMove="1" noResize="1" noEditPoints="1" noAdjustHandles="1" noChangeArrowheads="1" noChangeShapeType="1" noTextEdit="1"/>
+              </p:cNvSpPr>
+              <p:nvPr>
+                <p:ph idx="1"/>
+              </p:nvPr>
+            </p:nvSpPr>
+            <p:spPr>
+              <a:blipFill>
+                <a:blip r:embed="rId3"/>
+                <a:stretch>
+                  <a:fillRect l="-1005" b="-14426"/>
+                </a:stretch>
+              </a:blipFill>
+            </p:spPr>
+            <p:txBody>
+              <a:bodyPr/>
+              <a:lstStyle/>
+              <a:p>
+                <a:r>
+                  <a:rPr lang="en-SG">
+                    <a:noFill/>
+                  </a:rPr>
+                  <a:t> </a:t>
+                </a:r>
+              </a:p>
+            </p:txBody>
+          </p:sp>
+        </mc:Fallback>
+      </mc:AlternateContent>
+    </p:spTree>
+    <p:extLst>
+      <p:ext uri="{BB962C8B-B14F-4D97-AF65-F5344CB8AC3E}">
+        <p14:creationId xmlns:p14="http://schemas.microsoft.com/office/powerpoint/2010/main" val="3368539950"/>
+      </p:ext>
+    </p:extLst>
+  </p:cSld>
+  <p:clrMapOvr>
+    <a:masterClrMapping/>
+  </p:clrMapOvr>
+</p:sld>
+</file>
+
+<file path=ppt/slides/slide14.xml><?xml version="1.0" encoding="utf-8"?>
+<p:sld xmlns:a="http://schemas.openxmlformats.org/drawingml/2006/main" xmlns:r="http://schemas.openxmlformats.org/officeDocument/2006/relationships" xmlns:p="http://schemas.openxmlformats.org/presentationml/2006/main">
+  <p:cSld>
+    <p:spTree>
+      <p:nvGrpSpPr>
+        <p:cNvPr id="1" name=""/>
+        <p:cNvGrpSpPr/>
+        <p:nvPr/>
+      </p:nvGrpSpPr>
+      <p:grpSpPr>
+        <a:xfrm>
+          <a:off x="0" y="0"/>
+          <a:ext cx="0" cy="0"/>
+          <a:chOff x="0" y="0"/>
+          <a:chExt cx="0" cy="0"/>
+        </a:xfrm>
+      </p:grpSpPr>
+      <p:sp>
+        <p:nvSpPr>
+          <p:cNvPr id="7" name="Title 6"/>
+          <p:cNvSpPr>
+            <a:spLocks noGrp="1"/>
+          </p:cNvSpPr>
+          <p:nvPr>
+            <p:ph type="title"/>
+          </p:nvPr>
+        </p:nvSpPr>
+        <p:spPr/>
+        <p:txBody>
+          <a:bodyPr/>
+          <a:lstStyle/>
+          <a:p>
+            <a:r>
+              <a:rPr lang="en-SG" dirty="0"/>
+              <a:t>Implementation</a:t>
+            </a:r>
+          </a:p>
+        </p:txBody>
+      </p:sp>
+      <p:sp>
+        <p:nvSpPr>
+          <p:cNvPr id="8" name="Content Placeholder 7"/>
+          <p:cNvSpPr>
+            <a:spLocks noGrp="1"/>
+          </p:cNvSpPr>
+          <p:nvPr>
+            <p:ph idx="1"/>
+          </p:nvPr>
+        </p:nvSpPr>
+        <p:spPr/>
+        <p:txBody>
+          <a:bodyPr>
+            <a:normAutofit fontScale="62500" lnSpcReduction="20000"/>
+          </a:bodyPr>
+          <a:lstStyle/>
+          <a:p>
+            <a:pPr>
+              <a:lnSpc>
+                <a:spcPct val="150000"/>
+              </a:lnSpc>
+            </a:pPr>
+            <a:r>
+              <a:rPr lang="en-SG" dirty="0" err="1"/>
+              <a:t>Preprocessing</a:t>
+            </a:r>
+            <a:endParaRPr lang="en-SG" dirty="0"/>
+          </a:p>
+          <a:p>
+            <a:pPr lvl="1">
+              <a:lnSpc>
+                <a:spcPct val="150000"/>
+              </a:lnSpc>
+            </a:pPr>
+            <a:r>
+              <a:rPr lang="en-SG" dirty="0"/>
+              <a:t>Normalization</a:t>
+            </a:r>
+          </a:p>
+          <a:p>
+            <a:pPr lvl="1">
+              <a:lnSpc>
+                <a:spcPct val="150000"/>
+              </a:lnSpc>
+            </a:pPr>
+            <a:r>
+              <a:rPr lang="en-SG" dirty="0"/>
+              <a:t>Features Addition</a:t>
+            </a:r>
+          </a:p>
+          <a:p>
+            <a:pPr lvl="1">
+              <a:lnSpc>
+                <a:spcPct val="150000"/>
+              </a:lnSpc>
+            </a:pPr>
+            <a:r>
+              <a:rPr lang="en-SG" dirty="0"/>
+              <a:t>Features Removal</a:t>
+            </a:r>
+          </a:p>
+          <a:p>
+            <a:pPr>
+              <a:lnSpc>
+                <a:spcPct val="150000"/>
+              </a:lnSpc>
+            </a:pPr>
+            <a:r>
+              <a:rPr lang="en-SG" dirty="0"/>
+              <a:t>Training</a:t>
+            </a:r>
+          </a:p>
+          <a:p>
+            <a:pPr lvl="1">
+              <a:lnSpc>
+                <a:spcPct val="150000"/>
+              </a:lnSpc>
+            </a:pPr>
+            <a:r>
+              <a:rPr lang="en-SG" dirty="0"/>
+              <a:t>Model per Store</a:t>
+            </a:r>
+          </a:p>
+          <a:p>
+            <a:pPr lvl="1">
+              <a:lnSpc>
+                <a:spcPct val="150000"/>
+              </a:lnSpc>
+            </a:pPr>
+            <a:r>
+              <a:rPr lang="en-SG" dirty="0"/>
+              <a:t>K-Fold Cross Validation</a:t>
+            </a:r>
+          </a:p>
+          <a:p>
+            <a:pPr>
+              <a:lnSpc>
+                <a:spcPct val="150000"/>
+              </a:lnSpc>
+            </a:pPr>
+            <a:r>
+              <a:rPr lang="en-SG" dirty="0"/>
+              <a:t>Prediction</a:t>
+            </a:r>
+          </a:p>
+          <a:p>
+            <a:pPr lvl="1">
+              <a:lnSpc>
+                <a:spcPct val="150000"/>
+              </a:lnSpc>
+            </a:pPr>
+            <a:r>
+              <a:rPr lang="en-SG" dirty="0"/>
+              <a:t>Predict per store</a:t>
+            </a:r>
+          </a:p>
+          <a:p>
+            <a:pPr lvl="1">
+              <a:lnSpc>
+                <a:spcPct val="150000"/>
+              </a:lnSpc>
+            </a:pPr>
+            <a:r>
+              <a:rPr lang="en-SG" dirty="0"/>
+              <a:t>Predict only open stores (sales prediction for closed store will be set to 0)</a:t>
+            </a:r>
+          </a:p>
+          <a:p>
+            <a:pPr lvl="1">
+              <a:lnSpc>
+                <a:spcPct val="150000"/>
+              </a:lnSpc>
+            </a:pPr>
+            <a:r>
+              <a:rPr lang="en-SG" dirty="0" err="1"/>
+              <a:t>Denormalize</a:t>
+            </a:r>
+            <a:r>
+              <a:rPr lang="en-SG" dirty="0"/>
+              <a:t> prediction result</a:t>
+            </a:r>
+          </a:p>
+        </p:txBody>
+      </p:sp>
+    </p:spTree>
+    <p:extLst>
+      <p:ext uri="{BB962C8B-B14F-4D97-AF65-F5344CB8AC3E}">
+        <p14:creationId xmlns:p14="http://schemas.microsoft.com/office/powerpoint/2010/main" val="2082610179"/>
+      </p:ext>
+    </p:extLst>
+  </p:cSld>
+  <p:clrMapOvr>
+    <a:masterClrMapping/>
+  </p:clrMapOvr>
+</p:sld>
+</file>
+
+<file path=ppt/slides/slide15.xml><?xml version="1.0" encoding="utf-8"?>
 <p:sld xmlns:a="http://schemas.openxmlformats.org/drawingml/2006/main" xmlns:r="http://schemas.openxmlformats.org/officeDocument/2006/relationships" xmlns:p="http://schemas.openxmlformats.org/presentationml/2006/main">
   <p:cSld>
     <p:spTree>
@@ -4203,12 +5230,8 @@
                         <a:buChar char="•"/>
                       </a:pPr>
                       <a:r>
-                        <a:rPr lang="en-SG"/>
-                        <a:t>28 </a:t>
-                      </a:r>
-                      <a:r>
                         <a:rPr lang="en-SG" dirty="0"/>
-                        <a:t>features</a:t>
+                        <a:t>28 features</a:t>
                       </a:r>
                     </a:p>
                     <a:p>
@@ -4323,6 +5346,393 @@
 </p:sld>
 </file>
 
+<file path=ppt/slides/slide16.xml><?xml version="1.0" encoding="utf-8"?>
+<p:sld xmlns:a="http://schemas.openxmlformats.org/drawingml/2006/main" xmlns:r="http://schemas.openxmlformats.org/officeDocument/2006/relationships" xmlns:p="http://schemas.openxmlformats.org/presentationml/2006/main">
+  <p:cSld>
+    <p:spTree>
+      <p:nvGrpSpPr>
+        <p:cNvPr id="1" name=""/>
+        <p:cNvGrpSpPr/>
+        <p:nvPr/>
+      </p:nvGrpSpPr>
+      <p:grpSpPr>
+        <a:xfrm>
+          <a:off x="0" y="0"/>
+          <a:ext cx="0" cy="0"/>
+          <a:chOff x="0" y="0"/>
+          <a:chExt cx="0" cy="0"/>
+        </a:xfrm>
+      </p:grpSpPr>
+      <p:sp>
+        <p:nvSpPr>
+          <p:cNvPr id="2" name="Title 1"/>
+          <p:cNvSpPr>
+            <a:spLocks noGrp="1"/>
+          </p:cNvSpPr>
+          <p:nvPr>
+            <p:ph type="ctrTitle"/>
+          </p:nvPr>
+        </p:nvSpPr>
+        <p:spPr/>
+        <p:txBody>
+          <a:bodyPr/>
+          <a:lstStyle/>
+          <a:p>
+            <a:r>
+              <a:rPr lang="en-US" dirty="0"/>
+              <a:t>Random Forest</a:t>
+            </a:r>
+          </a:p>
+        </p:txBody>
+      </p:sp>
+      <p:sp>
+        <p:nvSpPr>
+          <p:cNvPr id="3" name="Subtitle 2"/>
+          <p:cNvSpPr>
+            <a:spLocks noGrp="1"/>
+          </p:cNvSpPr>
+          <p:nvPr>
+            <p:ph type="subTitle" idx="1"/>
+          </p:nvPr>
+        </p:nvSpPr>
+        <p:spPr/>
+        <p:txBody>
+          <a:bodyPr/>
+          <a:lstStyle/>
+          <a:p>
+            <a:endParaRPr lang="en-US" dirty="0"/>
+          </a:p>
+        </p:txBody>
+      </p:sp>
+    </p:spTree>
+    <p:extLst>
+      <p:ext uri="{BB962C8B-B14F-4D97-AF65-F5344CB8AC3E}">
+        <p14:creationId xmlns:p14="http://schemas.microsoft.com/office/powerpoint/2010/main" val="2800532170"/>
+      </p:ext>
+    </p:extLst>
+  </p:cSld>
+  <p:clrMapOvr>
+    <a:masterClrMapping/>
+  </p:clrMapOvr>
+</p:sld>
+</file>
+
+<file path=ppt/slides/slide17.xml><?xml version="1.0" encoding="utf-8"?>
+<p:sld xmlns:a="http://schemas.openxmlformats.org/drawingml/2006/main" xmlns:r="http://schemas.openxmlformats.org/officeDocument/2006/relationships" xmlns:p="http://schemas.openxmlformats.org/presentationml/2006/main">
+  <p:cSld>
+    <p:spTree>
+      <p:nvGrpSpPr>
+        <p:cNvPr id="1" name=""/>
+        <p:cNvGrpSpPr/>
+        <p:nvPr/>
+      </p:nvGrpSpPr>
+      <p:grpSpPr>
+        <a:xfrm>
+          <a:off x="0" y="0"/>
+          <a:ext cx="0" cy="0"/>
+          <a:chOff x="0" y="0"/>
+          <a:chExt cx="0" cy="0"/>
+        </a:xfrm>
+      </p:grpSpPr>
+      <p:sp>
+        <p:nvSpPr>
+          <p:cNvPr id="2" name="Title 1"/>
+          <p:cNvSpPr>
+            <a:spLocks noGrp="1"/>
+          </p:cNvSpPr>
+          <p:nvPr>
+            <p:ph type="title"/>
+          </p:nvPr>
+        </p:nvSpPr>
+        <p:spPr/>
+        <p:txBody>
+          <a:bodyPr/>
+          <a:lstStyle/>
+          <a:p>
+            <a:r>
+              <a:rPr lang="en-US" dirty="0"/>
+              <a:t>What is Random Forest?</a:t>
+            </a:r>
+          </a:p>
+        </p:txBody>
+      </p:sp>
+      <p:sp>
+        <p:nvSpPr>
+          <p:cNvPr id="3" name="Content Placeholder 2"/>
+          <p:cNvSpPr>
+            <a:spLocks noGrp="1"/>
+          </p:cNvSpPr>
+          <p:nvPr>
+            <p:ph idx="1"/>
+          </p:nvPr>
+        </p:nvSpPr>
+        <p:spPr/>
+        <p:txBody>
+          <a:bodyPr/>
+          <a:lstStyle/>
+          <a:p>
+            <a:r>
+              <a:rPr lang="en-US" dirty="0"/>
+              <a:t>Random forest is an algorithm that operate by constructing a multitude of decision trees at training time and outputting the prediction of the individual trees. </a:t>
+            </a:r>
+          </a:p>
+          <a:p>
+            <a:r>
+              <a:rPr lang="en-US" dirty="0"/>
+              <a:t>Library: </a:t>
+            </a:r>
+            <a:r>
+              <a:rPr lang="en-US" dirty="0" err="1"/>
+              <a:t>Scikit</a:t>
+            </a:r>
+            <a:r>
+              <a:rPr lang="en-US" dirty="0"/>
+              <a:t>-learn </a:t>
+            </a:r>
+            <a:r>
+              <a:rPr lang="en-US" dirty="0" err="1"/>
+              <a:t>RandomForestRegressor</a:t>
+            </a:r>
+            <a:endParaRPr lang="en-US" dirty="0"/>
+          </a:p>
+          <a:p>
+            <a:r>
+              <a:rPr lang="en-US" dirty="0"/>
+              <a:t>Dependency: </a:t>
+            </a:r>
+            <a:r>
+              <a:rPr lang="en-US" dirty="0" err="1"/>
+              <a:t>numpy</a:t>
+            </a:r>
+            <a:r>
+              <a:rPr lang="en-US" dirty="0"/>
+              <a:t>, pandas</a:t>
+            </a:r>
+          </a:p>
+        </p:txBody>
+      </p:sp>
+    </p:spTree>
+    <p:extLst>
+      <p:ext uri="{BB962C8B-B14F-4D97-AF65-F5344CB8AC3E}">
+        <p14:creationId xmlns:p14="http://schemas.microsoft.com/office/powerpoint/2010/main" val="1413317331"/>
+      </p:ext>
+    </p:extLst>
+  </p:cSld>
+  <p:clrMapOvr>
+    <a:masterClrMapping/>
+  </p:clrMapOvr>
+</p:sld>
+</file>
+
+<file path=ppt/slides/slide18.xml><?xml version="1.0" encoding="utf-8"?>
+<p:sld xmlns:a="http://schemas.openxmlformats.org/drawingml/2006/main" xmlns:r="http://schemas.openxmlformats.org/officeDocument/2006/relationships" xmlns:p="http://schemas.openxmlformats.org/presentationml/2006/main">
+  <p:cSld>
+    <p:spTree>
+      <p:nvGrpSpPr>
+        <p:cNvPr id="1" name=""/>
+        <p:cNvGrpSpPr/>
+        <p:nvPr/>
+      </p:nvGrpSpPr>
+      <p:grpSpPr>
+        <a:xfrm>
+          <a:off x="0" y="0"/>
+          <a:ext cx="0" cy="0"/>
+          <a:chOff x="0" y="0"/>
+          <a:chExt cx="0" cy="0"/>
+        </a:xfrm>
+      </p:grpSpPr>
+      <p:sp>
+        <p:nvSpPr>
+          <p:cNvPr id="2" name="Title 1"/>
+          <p:cNvSpPr>
+            <a:spLocks noGrp="1"/>
+          </p:cNvSpPr>
+          <p:nvPr>
+            <p:ph type="title"/>
+          </p:nvPr>
+        </p:nvSpPr>
+        <p:spPr/>
+        <p:txBody>
+          <a:bodyPr/>
+          <a:lstStyle/>
+          <a:p>
+            <a:r>
+              <a:rPr lang="en-US" dirty="0"/>
+              <a:t>Preprocessing</a:t>
+            </a:r>
+          </a:p>
+        </p:txBody>
+      </p:sp>
+      <p:sp>
+        <p:nvSpPr>
+          <p:cNvPr id="3" name="Content Placeholder 2"/>
+          <p:cNvSpPr>
+            <a:spLocks noGrp="1"/>
+          </p:cNvSpPr>
+          <p:nvPr>
+            <p:ph idx="1"/>
+          </p:nvPr>
+        </p:nvSpPr>
+        <p:spPr/>
+        <p:txBody>
+          <a:bodyPr/>
+          <a:lstStyle/>
+          <a:p>
+            <a:r>
+              <a:rPr lang="en-US" dirty="0"/>
+              <a:t>Implemented one-hot encoding for </a:t>
+            </a:r>
+            <a:r>
+              <a:rPr lang="en-US" dirty="0" err="1"/>
+              <a:t>DayOfWeek</a:t>
+            </a:r>
+            <a:r>
+              <a:rPr lang="en-US" dirty="0"/>
+              <a:t>, State Holiday, Assortment, and Store Type</a:t>
+            </a:r>
+          </a:p>
+          <a:p>
+            <a:r>
+              <a:rPr lang="en-US" dirty="0"/>
+              <a:t>Number of Features: 26</a:t>
+            </a:r>
+          </a:p>
+          <a:p>
+            <a:r>
+              <a:rPr lang="en-US" dirty="0"/>
+              <a:t>Each feature from each store was normalized using its corresponding standard deviation and mean</a:t>
+            </a:r>
+          </a:p>
+          <a:p>
+            <a:pPr marL="0" indent="0">
+              <a:buNone/>
+            </a:pPr>
+            <a:r>
+              <a:rPr lang="en-US" dirty="0"/>
+              <a:t> </a:t>
+            </a:r>
+          </a:p>
+        </p:txBody>
+      </p:sp>
+    </p:spTree>
+    <p:extLst>
+      <p:ext uri="{BB962C8B-B14F-4D97-AF65-F5344CB8AC3E}">
+        <p14:creationId xmlns:p14="http://schemas.microsoft.com/office/powerpoint/2010/main" val="880531649"/>
+      </p:ext>
+    </p:extLst>
+  </p:cSld>
+  <p:clrMapOvr>
+    <a:masterClrMapping/>
+  </p:clrMapOvr>
+</p:sld>
+</file>
+
+<file path=ppt/slides/slide19.xml><?xml version="1.0" encoding="utf-8"?>
+<p:sld xmlns:a="http://schemas.openxmlformats.org/drawingml/2006/main" xmlns:r="http://schemas.openxmlformats.org/officeDocument/2006/relationships" xmlns:p="http://schemas.openxmlformats.org/presentationml/2006/main">
+  <p:cSld>
+    <p:spTree>
+      <p:nvGrpSpPr>
+        <p:cNvPr id="1" name=""/>
+        <p:cNvGrpSpPr/>
+        <p:nvPr/>
+      </p:nvGrpSpPr>
+      <p:grpSpPr>
+        <a:xfrm>
+          <a:off x="0" y="0"/>
+          <a:ext cx="0" cy="0"/>
+          <a:chOff x="0" y="0"/>
+          <a:chExt cx="0" cy="0"/>
+        </a:xfrm>
+      </p:grpSpPr>
+      <p:sp>
+        <p:nvSpPr>
+          <p:cNvPr id="2" name="Title 1"/>
+          <p:cNvSpPr>
+            <a:spLocks noGrp="1"/>
+          </p:cNvSpPr>
+          <p:nvPr>
+            <p:ph type="title"/>
+          </p:nvPr>
+        </p:nvSpPr>
+        <p:spPr/>
+        <p:txBody>
+          <a:bodyPr/>
+          <a:lstStyle/>
+          <a:p>
+            <a:r>
+              <a:rPr lang="en-US" dirty="0"/>
+              <a:t>Training	</a:t>
+            </a:r>
+          </a:p>
+        </p:txBody>
+      </p:sp>
+      <p:sp>
+        <p:nvSpPr>
+          <p:cNvPr id="3" name="Content Placeholder 2"/>
+          <p:cNvSpPr>
+            <a:spLocks noGrp="1"/>
+          </p:cNvSpPr>
+          <p:nvPr>
+            <p:ph idx="1"/>
+          </p:nvPr>
+        </p:nvSpPr>
+        <p:spPr/>
+        <p:txBody>
+          <a:bodyPr/>
+          <a:lstStyle/>
+          <a:p>
+            <a:r>
+              <a:rPr lang="en-US" dirty="0"/>
+              <a:t>Training and Validation Ratio:</a:t>
+            </a:r>
+          </a:p>
+          <a:p>
+            <a:pPr lvl="1"/>
+            <a:r>
+              <a:rPr lang="en-US" dirty="0"/>
+              <a:t>First Trial: 80:20</a:t>
+            </a:r>
+          </a:p>
+          <a:p>
+            <a:pPr lvl="1"/>
+            <a:r>
+              <a:rPr lang="en-US" dirty="0"/>
+              <a:t>Second Trial: 50:50</a:t>
+            </a:r>
+          </a:p>
+          <a:p>
+            <a:r>
+              <a:rPr lang="en-US" dirty="0"/>
+              <a:t>Each store was trained, validated, and predicted independently from each other</a:t>
+            </a:r>
+          </a:p>
+          <a:p>
+            <a:r>
+              <a:rPr lang="en-US" dirty="0"/>
+              <a:t>Number of Trees: 30 (100)</a:t>
+            </a:r>
+          </a:p>
+          <a:p>
+            <a:r>
+              <a:rPr lang="en-US" dirty="0"/>
+              <a:t>Maximum Features: 0.7</a:t>
+            </a:r>
+          </a:p>
+        </p:txBody>
+      </p:sp>
+    </p:spTree>
+    <p:extLst>
+      <p:ext uri="{BB962C8B-B14F-4D97-AF65-F5344CB8AC3E}">
+        <p14:creationId xmlns:p14="http://schemas.microsoft.com/office/powerpoint/2010/main" val="4278187125"/>
+      </p:ext>
+    </p:extLst>
+  </p:cSld>
+  <p:clrMapOvr>
+    <a:masterClrMapping/>
+  </p:clrMapOvr>
+</p:sld>
+</file>
+
 <file path=ppt/slides/slide2.xml><?xml version="1.0" encoding="utf-8"?>
 <p:sld xmlns:a="http://schemas.openxmlformats.org/drawingml/2006/main" xmlns:r="http://schemas.openxmlformats.org/officeDocument/2006/relationships" xmlns:p="http://schemas.openxmlformats.org/presentationml/2006/main">
   <p:cSld>
@@ -4509,6 +5919,201 @@
     <p:extLst>
       <p:ext uri="{BB962C8B-B14F-4D97-AF65-F5344CB8AC3E}">
         <p14:creationId xmlns:p14="http://schemas.microsoft.com/office/powerpoint/2010/main" val="912276473"/>
+      </p:ext>
+    </p:extLst>
+  </p:cSld>
+  <p:clrMapOvr>
+    <a:masterClrMapping/>
+  </p:clrMapOvr>
+</p:sld>
+</file>
+
+<file path=ppt/slides/slide20.xml><?xml version="1.0" encoding="utf-8"?>
+<p:sld xmlns:a="http://schemas.openxmlformats.org/drawingml/2006/main" xmlns:r="http://schemas.openxmlformats.org/officeDocument/2006/relationships" xmlns:p="http://schemas.openxmlformats.org/presentationml/2006/main">
+  <p:cSld>
+    <p:spTree>
+      <p:nvGrpSpPr>
+        <p:cNvPr id="1" name=""/>
+        <p:cNvGrpSpPr/>
+        <p:nvPr/>
+      </p:nvGrpSpPr>
+      <p:grpSpPr>
+        <a:xfrm>
+          <a:off x="0" y="0"/>
+          <a:ext cx="0" cy="0"/>
+          <a:chOff x="0" y="0"/>
+          <a:chExt cx="0" cy="0"/>
+        </a:xfrm>
+      </p:grpSpPr>
+      <p:sp>
+        <p:nvSpPr>
+          <p:cNvPr id="2" name="Title 1"/>
+          <p:cNvSpPr>
+            <a:spLocks noGrp="1"/>
+          </p:cNvSpPr>
+          <p:nvPr>
+            <p:ph type="title"/>
+          </p:nvPr>
+        </p:nvSpPr>
+        <p:spPr/>
+        <p:txBody>
+          <a:bodyPr/>
+          <a:lstStyle/>
+          <a:p>
+            <a:r>
+              <a:rPr lang="en-US" dirty="0"/>
+              <a:t>Result</a:t>
+            </a:r>
+          </a:p>
+        </p:txBody>
+      </p:sp>
+      <p:sp>
+        <p:nvSpPr>
+          <p:cNvPr id="3" name="Content Placeholder 2"/>
+          <p:cNvSpPr>
+            <a:spLocks noGrp="1"/>
+          </p:cNvSpPr>
+          <p:nvPr>
+            <p:ph idx="1"/>
+          </p:nvPr>
+        </p:nvSpPr>
+        <p:spPr/>
+        <p:txBody>
+          <a:bodyPr/>
+          <a:lstStyle/>
+          <a:p>
+            <a:r>
+              <a:rPr lang="en-US" dirty="0"/>
+              <a:t>Training vs Validation ratio 80:20</a:t>
+            </a:r>
+          </a:p>
+          <a:p>
+            <a:pPr lvl="1"/>
+            <a:r>
+              <a:rPr lang="en-US" dirty="0"/>
+              <a:t>Private Score: 0.15815</a:t>
+            </a:r>
+          </a:p>
+          <a:p>
+            <a:pPr lvl="1"/>
+            <a:r>
+              <a:rPr lang="en-US" dirty="0"/>
+              <a:t>Public Score: 0.14731</a:t>
+            </a:r>
+          </a:p>
+          <a:p>
+            <a:r>
+              <a:rPr lang="en-US" dirty="0"/>
+              <a:t>Training vs Validation ratio 50:50</a:t>
+            </a:r>
+          </a:p>
+          <a:p>
+            <a:pPr lvl="1"/>
+            <a:r>
+              <a:rPr lang="en-US" dirty="0"/>
+              <a:t>Private Score: 0.15703</a:t>
+            </a:r>
+          </a:p>
+          <a:p>
+            <a:pPr lvl="1"/>
+            <a:r>
+              <a:rPr lang="en-US"/>
+              <a:t>Public Score: 0.14604</a:t>
+            </a:r>
+            <a:endParaRPr lang="en-US" dirty="0"/>
+          </a:p>
+        </p:txBody>
+      </p:sp>
+    </p:spTree>
+    <p:extLst>
+      <p:ext uri="{BB962C8B-B14F-4D97-AF65-F5344CB8AC3E}">
+        <p14:creationId xmlns:p14="http://schemas.microsoft.com/office/powerpoint/2010/main" val="143699956"/>
+      </p:ext>
+    </p:extLst>
+  </p:cSld>
+  <p:clrMapOvr>
+    <a:masterClrMapping/>
+  </p:clrMapOvr>
+</p:sld>
+</file>
+
+<file path=ppt/slides/slide21.xml><?xml version="1.0" encoding="utf-8"?>
+<p:sld xmlns:a="http://schemas.openxmlformats.org/drawingml/2006/main" xmlns:r="http://schemas.openxmlformats.org/officeDocument/2006/relationships" xmlns:p="http://schemas.openxmlformats.org/presentationml/2006/main">
+  <p:cSld>
+    <p:spTree>
+      <p:nvGrpSpPr>
+        <p:cNvPr id="1" name=""/>
+        <p:cNvGrpSpPr/>
+        <p:nvPr/>
+      </p:nvGrpSpPr>
+      <p:grpSpPr>
+        <a:xfrm>
+          <a:off x="0" y="0"/>
+          <a:ext cx="0" cy="0"/>
+          <a:chOff x="0" y="0"/>
+          <a:chExt cx="0" cy="0"/>
+        </a:xfrm>
+      </p:grpSpPr>
+      <p:sp>
+        <p:nvSpPr>
+          <p:cNvPr id="2" name="Title 1"/>
+          <p:cNvSpPr>
+            <a:spLocks noGrp="1"/>
+          </p:cNvSpPr>
+          <p:nvPr>
+            <p:ph type="title"/>
+          </p:nvPr>
+        </p:nvSpPr>
+        <p:spPr/>
+        <p:txBody>
+          <a:bodyPr/>
+          <a:lstStyle/>
+          <a:p>
+            <a:r>
+              <a:rPr lang="en-US" dirty="0"/>
+              <a:t>Conclusion</a:t>
+            </a:r>
+            <a:endParaRPr lang="en-SG" dirty="0"/>
+          </a:p>
+        </p:txBody>
+      </p:sp>
+      <p:sp>
+        <p:nvSpPr>
+          <p:cNvPr id="3" name="Content Placeholder 2"/>
+          <p:cNvSpPr>
+            <a:spLocks noGrp="1"/>
+          </p:cNvSpPr>
+          <p:nvPr>
+            <p:ph idx="1"/>
+          </p:nvPr>
+        </p:nvSpPr>
+        <p:spPr/>
+        <p:txBody>
+          <a:bodyPr/>
+          <a:lstStyle/>
+          <a:p>
+            <a:r>
+              <a:rPr lang="en-US" dirty="0"/>
+              <a:t>LSTM per store and NN are not performing well.</a:t>
+            </a:r>
+          </a:p>
+          <a:p>
+            <a:pPr lvl="1"/>
+            <a:r>
+              <a:rPr lang="en-US" dirty="0"/>
+              <a:t>Unable to increase the number of hidden units in LSTM or hidden layer due to </a:t>
+            </a:r>
+            <a:r>
+              <a:rPr lang="en-US"/>
+              <a:t>hardware limitation</a:t>
+            </a:r>
+          </a:p>
+        </p:txBody>
+      </p:sp>
+    </p:spTree>
+    <p:extLst>
+      <p:ext uri="{BB962C8B-B14F-4D97-AF65-F5344CB8AC3E}">
+        <p14:creationId xmlns:p14="http://schemas.microsoft.com/office/powerpoint/2010/main" val="3229727196"/>
       </p:ext>
     </p:extLst>
   </p:cSld>
@@ -4710,7 +6315,7 @@
       </p:grpSpPr>
       <p:sp>
         <p:nvSpPr>
-          <p:cNvPr id="2" name="Title 1"/>
+          <p:cNvPr id="4" name="Title 3"/>
           <p:cNvSpPr>
             <a:spLocks noGrp="1"/>
           </p:cNvSpPr>
@@ -4725,7 +6330,7 @@
           <a:p>
             <a:r>
               <a:rPr lang="en-US" dirty="0"/>
-              <a:t>Our Model: LSTM per store</a:t>
+              <a:t>LSTM per store</a:t>
             </a:r>
             <a:endParaRPr lang="en-SG" dirty="0"/>
           </a:p>
@@ -4733,150 +6338,31 @@
       </p:sp>
       <p:sp>
         <p:nvSpPr>
-          <p:cNvPr id="3" name="Content Placeholder 2"/>
-          <p:cNvSpPr>
-            <a:spLocks noGrp="1"/>
-          </p:cNvSpPr>
-          <p:nvPr>
-            <p:ph idx="1"/>
-          </p:nvPr>
-        </p:nvSpPr>
-        <p:spPr/>
-        <p:txBody>
-          <a:bodyPr>
-            <a:normAutofit lnSpcReduction="10000"/>
-          </a:bodyPr>
-          <a:lstStyle/>
-          <a:p>
-            <a:r>
-              <a:rPr lang="en-US" dirty="0"/>
-              <a:t>Dependencies: CUDA 8.0, </a:t>
-            </a:r>
-            <a:r>
-              <a:rPr lang="en-US" dirty="0" err="1"/>
-              <a:t>cuDNN</a:t>
-            </a:r>
-            <a:r>
-              <a:rPr lang="en-US" dirty="0"/>
-              <a:t> v5.1, Caffe, pandas, </a:t>
-            </a:r>
-            <a:r>
-              <a:rPr lang="en-US" dirty="0" err="1"/>
-              <a:t>numpy</a:t>
-            </a:r>
-            <a:endParaRPr lang="en-US" dirty="0"/>
-          </a:p>
-          <a:p>
-            <a:r>
-              <a:rPr lang="en-US" dirty="0"/>
-              <a:t>Preprocessing:</a:t>
-            </a:r>
-          </a:p>
-          <a:p>
-            <a:pPr lvl="1"/>
-            <a:r>
-              <a:rPr lang="en-US" dirty="0"/>
-              <a:t>Split the data by stores</a:t>
-            </a:r>
-          </a:p>
-          <a:p>
-            <a:pPr lvl="1"/>
-            <a:r>
-              <a:rPr lang="en-US" dirty="0"/>
-              <a:t>Sort each by </a:t>
-            </a:r>
-            <a:r>
-              <a:rPr lang="en-US" i="1" dirty="0"/>
-              <a:t>Date</a:t>
-            </a:r>
-            <a:r>
-              <a:rPr lang="en-US" dirty="0"/>
-              <a:t> in ascending manner</a:t>
-            </a:r>
-          </a:p>
-          <a:p>
-            <a:pPr lvl="1"/>
-            <a:r>
-              <a:rPr lang="en-US" dirty="0"/>
-              <a:t>Drop </a:t>
-            </a:r>
-            <a:r>
-              <a:rPr lang="en-US" i="1" dirty="0"/>
-              <a:t>Customers</a:t>
-            </a:r>
-            <a:r>
-              <a:rPr lang="en-US" dirty="0"/>
-              <a:t> column</a:t>
-            </a:r>
-          </a:p>
-          <a:p>
-            <a:pPr lvl="1"/>
-            <a:r>
-              <a:rPr lang="en-US" dirty="0"/>
-              <a:t>Normalize </a:t>
-            </a:r>
-            <a:r>
-              <a:rPr lang="en-US" i="1" dirty="0"/>
-              <a:t>Sales</a:t>
-            </a:r>
-            <a:r>
-              <a:rPr lang="en-US" dirty="0"/>
-              <a:t> by stores NOT globally</a:t>
-            </a:r>
-          </a:p>
-          <a:p>
-            <a:pPr lvl="1"/>
-            <a:r>
-              <a:rPr lang="en-US" dirty="0"/>
-              <a:t>Drop </a:t>
-            </a:r>
-            <a:r>
-              <a:rPr lang="en-US" i="1" dirty="0" err="1"/>
-              <a:t>StoreType</a:t>
-            </a:r>
-            <a:r>
-              <a:rPr lang="en-US" dirty="0"/>
-              <a:t>, </a:t>
-            </a:r>
-            <a:r>
-              <a:rPr lang="en-US" i="1" dirty="0"/>
-              <a:t>Assortment</a:t>
-            </a:r>
-            <a:r>
-              <a:rPr lang="en-US" dirty="0"/>
-              <a:t>, </a:t>
-            </a:r>
-            <a:r>
-              <a:rPr lang="en-US" i="1" dirty="0" err="1"/>
-              <a:t>HasCompetition</a:t>
-            </a:r>
-            <a:r>
-              <a:rPr lang="en-US" dirty="0"/>
-              <a:t>, and </a:t>
-            </a:r>
-            <a:r>
-              <a:rPr lang="en-US" i="1" dirty="0" err="1"/>
-              <a:t>CompetitionDistance</a:t>
-            </a:r>
-            <a:r>
-              <a:rPr lang="en-US" dirty="0"/>
-              <a:t> since each store is trained separately</a:t>
+          <p:cNvPr id="5" name="Text Placeholder 4"/>
+          <p:cNvSpPr>
+            <a:spLocks noGrp="1"/>
+          </p:cNvSpPr>
+          <p:nvPr>
+            <p:ph type="body" idx="1"/>
+          </p:nvPr>
+        </p:nvSpPr>
+        <p:spPr/>
+        <p:txBody>
+          <a:bodyPr/>
+          <a:lstStyle/>
+          <a:p>
+            <a:r>
+              <a:rPr lang="en-US" dirty="0"/>
+              <a:t>Each store has its own predictive model</a:t>
             </a:r>
             <a:endParaRPr lang="en-SG" dirty="0"/>
-          </a:p>
-          <a:p>
-            <a:pPr lvl="1"/>
-            <a:r>
-              <a:rPr lang="en-US" dirty="0"/>
-              <a:t>Take last 50 days data for validation</a:t>
-            </a:r>
           </a:p>
         </p:txBody>
       </p:sp>
     </p:spTree>
     <p:extLst>
       <p:ext uri="{BB962C8B-B14F-4D97-AF65-F5344CB8AC3E}">
-        <p14:creationId xmlns:p14="http://schemas.microsoft.com/office/powerpoint/2010/main" val="2001544568"/>
+        <p14:creationId xmlns:p14="http://schemas.microsoft.com/office/powerpoint/2010/main" val="1054265063"/>
       </p:ext>
     </p:extLst>
   </p:cSld>
@@ -4920,7 +6406,7 @@
           <a:p>
             <a:r>
               <a:rPr lang="en-US" dirty="0"/>
-              <a:t>Our Model: LSTM per store (Cont’d)</a:t>
+              <a:t>LSTM per store</a:t>
             </a:r>
             <a:endParaRPr lang="en-SG" dirty="0"/>
           </a:p>
@@ -4938,116 +6424,140 @@
         </p:nvSpPr>
         <p:spPr/>
         <p:txBody>
-          <a:bodyPr/>
-          <a:lstStyle/>
-          <a:p>
-            <a:r>
-              <a:rPr lang="en-US" dirty="0"/>
-              <a:t>Architecture:</a:t>
-            </a:r>
-          </a:p>
-          <a:p>
-            <a:r>
-              <a:rPr lang="en-US" dirty="0"/>
-              <a:t>Training method:</a:t>
+          <a:bodyPr>
+            <a:normAutofit lnSpcReduction="10000"/>
+          </a:bodyPr>
+          <a:lstStyle/>
+          <a:p>
+            <a:r>
+              <a:rPr lang="en-US" dirty="0"/>
+              <a:t>Dependencies: CUDA 8.0, </a:t>
+            </a:r>
+            <a:r>
+              <a:rPr lang="en-US" dirty="0" err="1"/>
+              <a:t>cuDNN</a:t>
+            </a:r>
+            <a:r>
+              <a:rPr lang="en-US" dirty="0"/>
+              <a:t> v5.1, Caffe, pandas, </a:t>
+            </a:r>
+            <a:r>
+              <a:rPr lang="en-US" dirty="0" err="1"/>
+              <a:t>numpy</a:t>
+            </a:r>
+            <a:endParaRPr lang="en-US" dirty="0"/>
+          </a:p>
+          <a:p>
+            <a:r>
+              <a:rPr lang="en-US" dirty="0"/>
+              <a:t>Preprocessing:</a:t>
             </a:r>
           </a:p>
           <a:p>
             <a:pPr lvl="1"/>
             <a:r>
-              <a:rPr lang="en-US" dirty="0" err="1"/>
-              <a:t>RMSProp</a:t>
-            </a:r>
-            <a:endParaRPr lang="en-US" dirty="0"/>
+              <a:rPr lang="en-US" dirty="0"/>
+              <a:t>Split the data by stores</a:t>
+            </a:r>
           </a:p>
           <a:p>
             <a:pPr lvl="1"/>
             <a:r>
-              <a:rPr lang="en-US" dirty="0" err="1"/>
-              <a:t>rms_decay</a:t>
-            </a:r>
-            <a:r>
-              <a:rPr lang="en-US" dirty="0"/>
-              <a:t>: 0.9</a:t>
+              <a:rPr lang="en-US" dirty="0"/>
+              <a:t>Sort each by </a:t>
+            </a:r>
+            <a:r>
+              <a:rPr lang="en-US" i="1" dirty="0"/>
+              <a:t>Date</a:t>
+            </a:r>
+            <a:r>
+              <a:rPr lang="en-US" dirty="0"/>
+              <a:t> in ascending manner</a:t>
             </a:r>
           </a:p>
           <a:p>
             <a:pPr lvl="1"/>
             <a:r>
-              <a:rPr lang="en-US" dirty="0" err="1"/>
-              <a:t>base_lr</a:t>
-            </a:r>
-            <a:r>
-              <a:rPr lang="en-US" dirty="0"/>
-              <a:t>: 0.001</a:t>
+              <a:rPr lang="en-US" dirty="0"/>
+              <a:t>Drop </a:t>
+            </a:r>
+            <a:r>
+              <a:rPr lang="en-US" i="1" dirty="0"/>
+              <a:t>Customers</a:t>
+            </a:r>
+            <a:r>
+              <a:rPr lang="en-US" dirty="0"/>
+              <a:t> column</a:t>
             </a:r>
           </a:p>
           <a:p>
             <a:pPr lvl="1"/>
             <a:r>
-              <a:rPr lang="en-US" dirty="0" err="1"/>
-              <a:t>lr_policy</a:t>
-            </a:r>
-            <a:r>
-              <a:rPr lang="en-US" dirty="0"/>
-              <a:t>: “</a:t>
-            </a:r>
-            <a:r>
-              <a:rPr lang="en-US" dirty="0" err="1"/>
-              <a:t>inv</a:t>
-            </a:r>
-            <a:r>
-              <a:rPr lang="en-US" dirty="0"/>
-              <a:t>”</a:t>
+              <a:rPr lang="en-US" dirty="0"/>
+              <a:t>Normalize </a:t>
+            </a:r>
+            <a:r>
+              <a:rPr lang="en-US" i="1" dirty="0"/>
+              <a:t>Sales</a:t>
+            </a:r>
+            <a:r>
+              <a:rPr lang="en-US" dirty="0"/>
+              <a:t> by stores NOT globally</a:t>
             </a:r>
           </a:p>
           <a:p>
             <a:pPr lvl="1"/>
             <a:r>
-              <a:rPr lang="en-US" dirty="0" err="1"/>
-              <a:t>lr_decay</a:t>
-            </a:r>
-            <a:r>
-              <a:rPr lang="en-US" dirty="0"/>
-              <a:t>: 1e-6</a:t>
-            </a:r>
-          </a:p>
-        </p:txBody>
-      </p:sp>
-      <p:pic>
-        <p:nvPicPr>
-          <p:cNvPr id="5" name="Picture 4"/>
-          <p:cNvPicPr>
-            <a:picLocks noChangeAspect="1"/>
-          </p:cNvPicPr>
-          <p:nvPr/>
-        </p:nvPicPr>
-        <p:blipFill>
-          <a:blip r:embed="rId2">
-            <a:extLst>
-              <a:ext uri="{28A0092B-C50C-407E-A947-70E740481C1C}">
-                <a14:useLocalDpi xmlns:a14="http://schemas.microsoft.com/office/drawing/2010/main" val="0"/>
-              </a:ext>
-            </a:extLst>
-          </a:blip>
-          <a:stretch>
-            <a:fillRect/>
-          </a:stretch>
-        </p:blipFill>
-        <p:spPr>
-          <a:xfrm>
-            <a:off x="3239578" y="1825625"/>
-            <a:ext cx="5739475" cy="5101755"/>
-          </a:xfrm>
-          <a:prstGeom prst="rect">
-            <a:avLst/>
-          </a:prstGeom>
-        </p:spPr>
-      </p:pic>
+              <a:rPr lang="en-US" dirty="0"/>
+              <a:t>Drop </a:t>
+            </a:r>
+            <a:r>
+              <a:rPr lang="en-US" i="1" dirty="0" err="1"/>
+              <a:t>StoreType</a:t>
+            </a:r>
+            <a:r>
+              <a:rPr lang="en-US" dirty="0"/>
+              <a:t>, </a:t>
+            </a:r>
+            <a:r>
+              <a:rPr lang="en-US" i="1" dirty="0"/>
+              <a:t>Assortment</a:t>
+            </a:r>
+            <a:r>
+              <a:rPr lang="en-US" dirty="0"/>
+              <a:t>, </a:t>
+            </a:r>
+            <a:r>
+              <a:rPr lang="en-US" i="1" dirty="0" err="1"/>
+              <a:t>HasCompetition</a:t>
+            </a:r>
+            <a:r>
+              <a:rPr lang="en-US" dirty="0"/>
+              <a:t>, and </a:t>
+            </a:r>
+            <a:r>
+              <a:rPr lang="en-US" i="1" dirty="0" err="1"/>
+              <a:t>CompetitionDistance</a:t>
+            </a:r>
+            <a:r>
+              <a:rPr lang="en-US" dirty="0"/>
+              <a:t> since each store is trained separately</a:t>
+            </a:r>
+            <a:endParaRPr lang="en-SG" dirty="0"/>
+          </a:p>
+          <a:p>
+            <a:pPr lvl="1"/>
+            <a:r>
+              <a:rPr lang="en-US" dirty="0"/>
+              <a:t>Take last 50 days data for validation</a:t>
+            </a:r>
+          </a:p>
+        </p:txBody>
+      </p:sp>
     </p:spTree>
     <p:extLst>
       <p:ext uri="{BB962C8B-B14F-4D97-AF65-F5344CB8AC3E}">
-        <p14:creationId xmlns:p14="http://schemas.microsoft.com/office/powerpoint/2010/main" val="979485502"/>
+        <p14:creationId xmlns:p14="http://schemas.microsoft.com/office/powerpoint/2010/main" val="2001544568"/>
       </p:ext>
     </p:extLst>
   </p:cSld>
@@ -5091,7 +6601,7 @@
           <a:p>
             <a:r>
               <a:rPr lang="en-US" dirty="0"/>
-              <a:t>Our Model: LSTM per store (Cont’d)</a:t>
+              <a:t>LSTM per store (Cont’d)</a:t>
             </a:r>
             <a:endParaRPr lang="en-SG" dirty="0"/>
           </a:p>
@@ -5099,33 +6609,266 @@
       </p:sp>
       <p:sp>
         <p:nvSpPr>
-          <p:cNvPr id="3" name="Content Placeholder 2"/>
-          <p:cNvSpPr>
-            <a:spLocks noGrp="1"/>
-          </p:cNvSpPr>
-          <p:nvPr>
-            <p:ph idx="1"/>
-          </p:nvPr>
-        </p:nvSpPr>
-        <p:spPr/>
-        <p:txBody>
-          <a:bodyPr/>
-          <a:lstStyle/>
-          <a:p>
-            <a:r>
-              <a:rPr lang="en-US" dirty="0"/>
-              <a:t>Result:</a:t>
-            </a:r>
-          </a:p>
-          <a:p>
-            <a:endParaRPr lang="en-SG" dirty="0"/>
-          </a:p>
-        </p:txBody>
-      </p:sp>
+          <p:cNvPr id="4" name="Content Placeholder 3"/>
+          <p:cNvSpPr>
+            <a:spLocks noGrp="1"/>
+          </p:cNvSpPr>
+          <p:nvPr>
+            <p:ph sz="half" idx="1"/>
+          </p:nvPr>
+        </p:nvSpPr>
+        <p:spPr/>
+        <p:txBody>
+          <a:bodyPr/>
+          <a:lstStyle/>
+          <a:p>
+            <a:r>
+              <a:rPr lang="en-US" dirty="0"/>
+              <a:t>Architecture:</a:t>
+            </a:r>
+          </a:p>
+          <a:p>
+            <a:pPr lvl="1"/>
+            <a:r>
+              <a:rPr lang="en-US" dirty="0"/>
+              <a:t>Input layer: 15 features</a:t>
+            </a:r>
+          </a:p>
+          <a:p>
+            <a:pPr lvl="1"/>
+            <a:r>
+              <a:rPr lang="en-US" dirty="0"/>
+              <a:t>LSTM: 50 hidden units</a:t>
+            </a:r>
+          </a:p>
+          <a:p>
+            <a:pPr lvl="1"/>
+            <a:r>
+              <a:rPr lang="en-US" dirty="0"/>
+              <a:t>Fully connected layers: 50 units</a:t>
+            </a:r>
+          </a:p>
+          <a:p>
+            <a:pPr lvl="1"/>
+            <a:r>
+              <a:rPr lang="en-US" dirty="0"/>
+              <a:t>Output layer</a:t>
+            </a:r>
+          </a:p>
+        </p:txBody>
+      </p:sp>
+      <mc:AlternateContent xmlns:mc="http://schemas.openxmlformats.org/markup-compatibility/2006">
+        <mc:Choice xmlns:a14="http://schemas.microsoft.com/office/drawing/2010/main" Requires="a14">
+          <p:sp>
+            <p:nvSpPr>
+              <p:cNvPr id="6" name="Content Placeholder 5"/>
+              <p:cNvSpPr>
+                <a:spLocks noGrp="1"/>
+              </p:cNvSpPr>
+              <p:nvPr>
+                <p:ph sz="half" idx="2"/>
+              </p:nvPr>
+            </p:nvSpPr>
+            <p:spPr/>
+            <p:txBody>
+              <a:bodyPr/>
+              <a:lstStyle/>
+              <a:p>
+                <a:r>
+                  <a:rPr lang="en-US" dirty="0"/>
+                  <a:t>Training method:</a:t>
+                </a:r>
+              </a:p>
+              <a:p>
+                <a:pPr lvl="1"/>
+                <a:r>
+                  <a:rPr lang="en-US" dirty="0"/>
+                  <a:t>Type: </a:t>
+                </a:r>
+                <a:r>
+                  <a:rPr lang="en-US" dirty="0" err="1"/>
+                  <a:t>RMSProp</a:t>
+                </a:r>
+                <a:endParaRPr lang="en-US" dirty="0"/>
+              </a:p>
+              <a:p>
+                <a:pPr lvl="1"/>
+                <a:r>
+                  <a:rPr lang="en-US" dirty="0" err="1"/>
+                  <a:t>rms_decay</a:t>
+                </a:r>
+                <a:r>
+                  <a:rPr lang="en-US" dirty="0"/>
+                  <a:t>: 0.9</a:t>
+                </a:r>
+              </a:p>
+              <a:p>
+                <a:pPr lvl="1"/>
+                <a:r>
+                  <a:rPr lang="en-US" dirty="0" err="1"/>
+                  <a:t>base_lr</a:t>
+                </a:r>
+                <a:r>
+                  <a:rPr lang="en-US" dirty="0"/>
+                  <a:t>: 0.001</a:t>
+                </a:r>
+              </a:p>
+              <a:p>
+                <a:pPr lvl="1"/>
+                <a:r>
+                  <a:rPr lang="en-US" dirty="0" err="1"/>
+                  <a:t>lr_decay</a:t>
+                </a:r>
+                <a:r>
+                  <a:rPr lang="en-US" dirty="0"/>
+                  <a:t>: 1e-6</a:t>
+                </a:r>
+              </a:p>
+              <a:p>
+                <a:pPr lvl="1"/>
+                <a:r>
+                  <a:rPr lang="en-US" b="0" dirty="0" err="1"/>
+                  <a:t>Learing</a:t>
+                </a:r>
+                <a:r>
+                  <a:rPr lang="en-US" b="0" dirty="0"/>
+                  <a:t> rate update: </a:t>
+                </a:r>
+                <a14:m>
+                  <m:oMath xmlns:m="http://schemas.openxmlformats.org/officeDocument/2006/math">
+                    <m:r>
+                      <a:rPr lang="en-US" b="0" i="1" smtClean="0">
+                        <a:latin typeface="Cambria Math" panose="02040503050406030204" pitchFamily="18" charset="0"/>
+                      </a:rPr>
+                      <m:t>𝛼</m:t>
+                    </m:r>
+                    <m:f>
+                      <m:fPr>
+                        <m:ctrlPr>
+                          <a:rPr lang="en-US" b="0" i="1" smtClean="0">
+                            <a:latin typeface="Cambria Math" panose="02040503050406030204" pitchFamily="18" charset="0"/>
+                          </a:rPr>
+                        </m:ctrlPr>
+                      </m:fPr>
+                      <m:num>
+                        <m:r>
+                          <a:rPr lang="en-US" b="0" i="1" smtClean="0">
+                            <a:latin typeface="Cambria Math" panose="02040503050406030204" pitchFamily="18" charset="0"/>
+                          </a:rPr>
+                          <m:t>1</m:t>
+                        </m:r>
+                      </m:num>
+                      <m:den>
+                        <m:r>
+                          <a:rPr lang="en-US" b="0" i="1" smtClean="0">
+                            <a:latin typeface="Cambria Math" panose="02040503050406030204" pitchFamily="18" charset="0"/>
+                          </a:rPr>
+                          <m:t>(1+</m:t>
+                        </m:r>
+                        <m:r>
+                          <a:rPr lang="en-US" b="0" i="1" smtClean="0">
+                            <a:latin typeface="Cambria Math" panose="02040503050406030204" pitchFamily="18" charset="0"/>
+                          </a:rPr>
+                          <m:t>𝑘</m:t>
+                        </m:r>
+                        <m:r>
+                          <a:rPr lang="en-US" b="0" i="1" smtClean="0">
+                            <a:latin typeface="Cambria Math" panose="02040503050406030204" pitchFamily="18" charset="0"/>
+                          </a:rPr>
+                          <m:t>𝛾</m:t>
+                        </m:r>
+                        <m:r>
+                          <a:rPr lang="en-US" b="0" i="1" smtClean="0">
+                            <a:latin typeface="Cambria Math" panose="02040503050406030204" pitchFamily="18" charset="0"/>
+                          </a:rPr>
+                          <m:t>)</m:t>
+                        </m:r>
+                      </m:den>
+                    </m:f>
+                  </m:oMath>
+                </a14:m>
+                <a:r>
+                  <a:rPr lang="en-US" dirty="0"/>
+                  <a:t>, where </a:t>
+                </a:r>
+                <a14:m>
+                  <m:oMath xmlns:m="http://schemas.openxmlformats.org/officeDocument/2006/math">
+                    <m:r>
+                      <a:rPr lang="en-US" b="0" i="1" smtClean="0">
+                        <a:latin typeface="Cambria Math" panose="02040503050406030204" pitchFamily="18" charset="0"/>
+                      </a:rPr>
+                      <m:t>𝛼</m:t>
+                    </m:r>
+                  </m:oMath>
+                </a14:m>
+                <a:r>
+                  <a:rPr lang="en-US" dirty="0"/>
+                  <a:t> is </a:t>
+                </a:r>
+                <a:r>
+                  <a:rPr lang="en-US" dirty="0" err="1"/>
+                  <a:t>lr</a:t>
+                </a:r>
+                <a:r>
+                  <a:rPr lang="en-US" dirty="0"/>
+                  <a:t>, k is number of iterations, and </a:t>
+                </a:r>
+                <a14:m>
+                  <m:oMath xmlns:m="http://schemas.openxmlformats.org/officeDocument/2006/math">
+                    <m:r>
+                      <a:rPr lang="en-US" b="0" i="1" smtClean="0">
+                        <a:latin typeface="Cambria Math" panose="02040503050406030204" pitchFamily="18" charset="0"/>
+                      </a:rPr>
+                      <m:t>𝛾</m:t>
+                    </m:r>
+                  </m:oMath>
+                </a14:m>
+                <a:r>
+                  <a:rPr lang="en-US" dirty="0"/>
+                  <a:t> is decay rate.</a:t>
+                </a:r>
+              </a:p>
+            </p:txBody>
+          </p:sp>
+        </mc:Choice>
+        <mc:Fallback>
+          <p:sp>
+            <p:nvSpPr>
+              <p:cNvPr id="6" name="Content Placeholder 5"/>
+              <p:cNvSpPr>
+                <a:spLocks noGrp="1" noRot="1" noChangeAspect="1" noMove="1" noResize="1" noEditPoints="1" noAdjustHandles="1" noChangeArrowheads="1" noChangeShapeType="1" noTextEdit="1"/>
+              </p:cNvSpPr>
+              <p:nvPr>
+                <p:ph sz="half" idx="2"/>
+              </p:nvPr>
+            </p:nvSpPr>
+            <p:spPr>
+              <a:blipFill>
+                <a:blip r:embed="rId2"/>
+                <a:stretch>
+                  <a:fillRect l="-2821" t="-2241" r="-2038"/>
+                </a:stretch>
+              </a:blipFill>
+            </p:spPr>
+            <p:txBody>
+              <a:bodyPr/>
+              <a:lstStyle/>
+              <a:p>
+                <a:r>
+                  <a:rPr lang="en-SG">
+                    <a:noFill/>
+                  </a:rPr>
+                  <a:t> </a:t>
+                </a:r>
+              </a:p>
+            </p:txBody>
+          </p:sp>
+        </mc:Fallback>
+      </mc:AlternateContent>
     </p:spTree>
     <p:extLst>
       <p:ext uri="{BB962C8B-B14F-4D97-AF65-F5344CB8AC3E}">
-        <p14:creationId xmlns:p14="http://schemas.microsoft.com/office/powerpoint/2010/main" val="2377363105"/>
+        <p14:creationId xmlns:p14="http://schemas.microsoft.com/office/powerpoint/2010/main" val="979485502"/>
       </p:ext>
     </p:extLst>
   </p:cSld>
@@ -5159,39 +6902,78 @@
             <a:spLocks noGrp="1"/>
           </p:cNvSpPr>
           <p:nvPr>
-            <p:ph type="ctrTitle"/>
-          </p:nvPr>
-        </p:nvSpPr>
-        <p:spPr/>
-        <p:txBody>
-          <a:bodyPr/>
-          <a:lstStyle/>
-          <a:p>
-            <a:r>
-              <a:rPr lang="en-SG" dirty="0"/>
-              <a:t>Lasso &amp; Ridge</a:t>
-            </a:r>
-          </a:p>
-        </p:txBody>
-      </p:sp>
-      <p:sp>
-        <p:nvSpPr>
-          <p:cNvPr id="3" name="Subtitle 2"/>
-          <p:cNvSpPr>
-            <a:spLocks noGrp="1"/>
-          </p:cNvSpPr>
-          <p:nvPr>
-            <p:ph type="subTitle" idx="1"/>
-          </p:nvPr>
-        </p:nvSpPr>
-        <p:spPr/>
-        <p:txBody>
-          <a:bodyPr/>
-          <a:lstStyle/>
-          <a:p>
-            <a:r>
-              <a:rPr lang="en-SG" dirty="0"/>
-              <a:t>Regression</a:t>
+            <p:ph type="title"/>
+          </p:nvPr>
+        </p:nvSpPr>
+        <p:spPr/>
+        <p:txBody>
+          <a:bodyPr/>
+          <a:lstStyle/>
+          <a:p>
+            <a:r>
+              <a:rPr lang="en-US" dirty="0"/>
+              <a:t>LSTM per store (Cont’d)</a:t>
+            </a:r>
+            <a:endParaRPr lang="en-SG" dirty="0"/>
+          </a:p>
+        </p:txBody>
+      </p:sp>
+      <p:sp>
+        <p:nvSpPr>
+          <p:cNvPr id="3" name="Content Placeholder 2"/>
+          <p:cNvSpPr>
+            <a:spLocks noGrp="1"/>
+          </p:cNvSpPr>
+          <p:nvPr>
+            <p:ph idx="1"/>
+          </p:nvPr>
+        </p:nvSpPr>
+        <p:spPr/>
+        <p:txBody>
+          <a:bodyPr/>
+          <a:lstStyle/>
+          <a:p>
+            <a:r>
+              <a:rPr lang="en-US" dirty="0"/>
+              <a:t>Number of epochs: 200</a:t>
+            </a:r>
+          </a:p>
+          <a:p>
+            <a:r>
+              <a:rPr lang="en-US" dirty="0"/>
+              <a:t>Validate every: 4 epochs</a:t>
+            </a:r>
+          </a:p>
+          <a:p>
+            <a:r>
+              <a:rPr lang="en-US" dirty="0"/>
+              <a:t>Hardware: GTX 850m</a:t>
+            </a:r>
+          </a:p>
+          <a:p>
+            <a:r>
+              <a:rPr lang="en-US" dirty="0"/>
+              <a:t>Duration: 4 hours</a:t>
+            </a:r>
+          </a:p>
+          <a:p>
+            <a:r>
+              <a:rPr lang="en-US" dirty="0"/>
+              <a:t>Result</a:t>
+            </a:r>
+          </a:p>
+          <a:p>
+            <a:pPr lvl="1"/>
+            <a:r>
+              <a:rPr lang="en-US" dirty="0"/>
+              <a:t>Private score: 0.16002</a:t>
+            </a:r>
+          </a:p>
+          <a:p>
+            <a:pPr lvl="1"/>
+            <a:r>
+              <a:rPr lang="en-US" dirty="0"/>
+              <a:t>Public score: 0.16815</a:t>
             </a:r>
           </a:p>
         </p:txBody>
@@ -5199,7 +6981,7 @@
     </p:spTree>
     <p:extLst>
       <p:ext uri="{BB962C8B-B14F-4D97-AF65-F5344CB8AC3E}">
-        <p14:creationId xmlns:p14="http://schemas.microsoft.com/office/powerpoint/2010/main" val="408571491"/>
+        <p14:creationId xmlns:p14="http://schemas.microsoft.com/office/powerpoint/2010/main" val="2377363105"/>
       </p:ext>
     </p:extLst>
   </p:cSld>
@@ -5242,349 +7024,40 @@
           <a:lstStyle/>
           <a:p>
             <a:r>
-              <a:rPr lang="en-SG" dirty="0"/>
-              <a:t>Definition</a:t>
-            </a:r>
-          </a:p>
-        </p:txBody>
-      </p:sp>
-      <mc:AlternateContent xmlns:mc="http://schemas.openxmlformats.org/markup-compatibility/2006" xmlns:a14="http://schemas.microsoft.com/office/drawing/2010/main">
-        <mc:Choice Requires="a14">
-          <p:sp>
-            <p:nvSpPr>
-              <p:cNvPr id="6" name="Content Placeholder 5"/>
-              <p:cNvSpPr>
-                <a:spLocks noGrp="1"/>
-              </p:cNvSpPr>
-              <p:nvPr>
-                <p:ph idx="1"/>
-              </p:nvPr>
-            </p:nvSpPr>
-            <p:spPr/>
-            <p:txBody>
-              <a:bodyPr>
-                <a:normAutofit fontScale="85000" lnSpcReduction="10000"/>
-              </a:bodyPr>
-              <a:lstStyle/>
-              <a:p>
-                <a:pPr>
-                  <a:lnSpc>
-                    <a:spcPct val="150000"/>
-                  </a:lnSpc>
-                </a:pPr>
-                <a:r>
-                  <a:rPr lang="en-SG" dirty="0"/>
-                  <a:t>Lasso Regression</a:t>
-                </a:r>
-              </a:p>
-              <a:p>
-                <a:pPr lvl="1">
-                  <a:lnSpc>
-                    <a:spcPct val="150000"/>
-                  </a:lnSpc>
-                </a:pPr>
-                <a:r>
-                  <a:rPr lang="en-SG" dirty="0"/>
-                  <a:t>L1 Regularization on OLS</a:t>
-                </a:r>
-              </a:p>
-              <a:p>
-                <a:pPr lvl="1">
-                  <a:lnSpc>
-                    <a:spcPct val="150000"/>
-                  </a:lnSpc>
-                </a:pPr>
-                <a:r>
-                  <a:rPr lang="en-SG" dirty="0"/>
-                  <a:t>Sum of the absolute of the weights</a:t>
-                </a:r>
-              </a:p>
-              <a:p>
-                <a:pPr lvl="1">
-                  <a:lnSpc>
-                    <a:spcPct val="150000"/>
-                  </a:lnSpc>
-                </a:pPr>
-                <a14:m>
-                  <m:oMath xmlns:m="http://schemas.openxmlformats.org/officeDocument/2006/math">
-                    <m:r>
-                      <a:rPr lang="en-SG" i="1" smtClean="0">
-                        <a:latin typeface="Cambria Math" panose="02040503050406030204" pitchFamily="18" charset="0"/>
-                        <a:ea typeface="Cambria Math" panose="02040503050406030204" pitchFamily="18" charset="0"/>
-                      </a:rPr>
-                      <m:t>𝜆</m:t>
-                    </m:r>
-                    <m:nary>
-                      <m:naryPr>
-                        <m:chr m:val="∑"/>
-                        <m:ctrlPr>
-                          <a:rPr lang="en-SG" i="1" smtClean="0">
-                            <a:latin typeface="Cambria Math" panose="02040503050406030204" pitchFamily="18" charset="0"/>
-                            <a:ea typeface="Cambria Math" panose="02040503050406030204" pitchFamily="18" charset="0"/>
-                          </a:rPr>
-                        </m:ctrlPr>
-                      </m:naryPr>
-                      <m:sub>
-                        <m:r>
-                          <m:rPr>
-                            <m:brk m:alnAt="23"/>
-                          </m:rPr>
-                          <a:rPr lang="en-SG" b="0" i="1" smtClean="0">
-                            <a:latin typeface="Cambria Math" panose="02040503050406030204" pitchFamily="18" charset="0"/>
-                            <a:ea typeface="Cambria Math" panose="02040503050406030204" pitchFamily="18" charset="0"/>
-                          </a:rPr>
-                          <m:t>𝑖</m:t>
-                        </m:r>
-                        <m:r>
-                          <a:rPr lang="en-SG" b="0" i="1" smtClean="0">
-                            <a:latin typeface="Cambria Math" panose="02040503050406030204" pitchFamily="18" charset="0"/>
-                            <a:ea typeface="Cambria Math" panose="02040503050406030204" pitchFamily="18" charset="0"/>
-                          </a:rPr>
-                          <m:t>=1</m:t>
-                        </m:r>
-                      </m:sub>
-                      <m:sup>
-                        <m:r>
-                          <a:rPr lang="en-SG" b="0" i="1" smtClean="0">
-                            <a:latin typeface="Cambria Math" panose="02040503050406030204" pitchFamily="18" charset="0"/>
-                            <a:ea typeface="Cambria Math" panose="02040503050406030204" pitchFamily="18" charset="0"/>
-                          </a:rPr>
-                          <m:t>𝑁</m:t>
-                        </m:r>
-                      </m:sup>
-                      <m:e>
-                        <m:sSub>
-                          <m:sSubPr>
-                            <m:ctrlPr>
-                              <a:rPr lang="en-SG" b="0" i="1" smtClean="0">
-                                <a:latin typeface="Cambria Math" panose="02040503050406030204" pitchFamily="18" charset="0"/>
-                                <a:ea typeface="Cambria Math" panose="02040503050406030204" pitchFamily="18" charset="0"/>
-                              </a:rPr>
-                            </m:ctrlPr>
-                          </m:sSubPr>
-                          <m:e>
-                            <m:r>
-                              <a:rPr lang="en-SG" b="0" i="1" smtClean="0">
-                                <a:latin typeface="Cambria Math" panose="02040503050406030204" pitchFamily="18" charset="0"/>
-                                <a:ea typeface="Cambria Math" panose="02040503050406030204" pitchFamily="18" charset="0"/>
-                              </a:rPr>
-                              <m:t>|</m:t>
-                            </m:r>
-                            <m:r>
-                              <a:rPr lang="en-SG" b="0" i="1" smtClean="0">
-                                <a:latin typeface="Cambria Math" panose="02040503050406030204" pitchFamily="18" charset="0"/>
-                                <a:ea typeface="Cambria Math" panose="02040503050406030204" pitchFamily="18" charset="0"/>
-                              </a:rPr>
-                              <m:t>𝑤</m:t>
-                            </m:r>
-                          </m:e>
-                          <m:sub>
-                            <m:r>
-                              <a:rPr lang="en-SG" b="0" i="1" smtClean="0">
-                                <a:latin typeface="Cambria Math" panose="02040503050406030204" pitchFamily="18" charset="0"/>
-                                <a:ea typeface="Cambria Math" panose="02040503050406030204" pitchFamily="18" charset="0"/>
-                              </a:rPr>
-                              <m:t>𝑖</m:t>
-                            </m:r>
-                          </m:sub>
-                        </m:sSub>
-                        <m:r>
-                          <a:rPr lang="en-SG" b="0" i="1" smtClean="0">
-                            <a:latin typeface="Cambria Math" panose="02040503050406030204" pitchFamily="18" charset="0"/>
-                            <a:ea typeface="Cambria Math" panose="02040503050406030204" pitchFamily="18" charset="0"/>
-                          </a:rPr>
-                          <m:t>| </m:t>
-                        </m:r>
-                      </m:e>
-                    </m:nary>
-                  </m:oMath>
-                </a14:m>
-                <a:endParaRPr lang="en-SG" dirty="0"/>
-              </a:p>
-              <a:p>
-                <a:pPr>
-                  <a:lnSpc>
-                    <a:spcPct val="150000"/>
-                  </a:lnSpc>
-                </a:pPr>
-                <a:r>
-                  <a:rPr lang="en-SG" dirty="0"/>
-                  <a:t>Ridge Regression</a:t>
-                </a:r>
-              </a:p>
-              <a:p>
-                <a:pPr lvl="1">
-                  <a:lnSpc>
-                    <a:spcPct val="150000"/>
-                  </a:lnSpc>
-                </a:pPr>
-                <a:r>
-                  <a:rPr lang="en-SG" dirty="0"/>
-                  <a:t>L2 Regularization on OLS</a:t>
-                </a:r>
-              </a:p>
-              <a:p>
-                <a:pPr lvl="1">
-                  <a:lnSpc>
-                    <a:spcPct val="150000"/>
-                  </a:lnSpc>
-                </a:pPr>
-                <a:r>
-                  <a:rPr lang="en-SG" dirty="0"/>
-                  <a:t>Sum of the square of the weights</a:t>
-                </a:r>
-              </a:p>
-              <a:p>
-                <a:pPr lvl="1">
-                  <a:lnSpc>
-                    <a:spcPct val="150000"/>
-                  </a:lnSpc>
-                </a:pPr>
-                <a14:m>
-                  <m:oMath xmlns:m="http://schemas.openxmlformats.org/officeDocument/2006/math">
-                    <m:r>
-                      <a:rPr lang="en-SG" i="1">
-                        <a:latin typeface="Cambria Math" panose="02040503050406030204" pitchFamily="18" charset="0"/>
-                        <a:ea typeface="Cambria Math" panose="02040503050406030204" pitchFamily="18" charset="0"/>
-                      </a:rPr>
-                      <m:t>𝜆</m:t>
-                    </m:r>
-                    <m:nary>
-                      <m:naryPr>
-                        <m:chr m:val="∑"/>
-                        <m:ctrlPr>
-                          <a:rPr lang="en-SG" i="1">
-                            <a:latin typeface="Cambria Math" panose="02040503050406030204" pitchFamily="18" charset="0"/>
-                            <a:ea typeface="Cambria Math" panose="02040503050406030204" pitchFamily="18" charset="0"/>
-                          </a:rPr>
-                        </m:ctrlPr>
-                      </m:naryPr>
-                      <m:sub>
-                        <m:r>
-                          <m:rPr>
-                            <m:brk m:alnAt="23"/>
-                          </m:rPr>
-                          <a:rPr lang="en-SG" i="1">
-                            <a:latin typeface="Cambria Math" panose="02040503050406030204" pitchFamily="18" charset="0"/>
-                            <a:ea typeface="Cambria Math" panose="02040503050406030204" pitchFamily="18" charset="0"/>
-                          </a:rPr>
-                          <m:t>𝑖</m:t>
-                        </m:r>
-                        <m:r>
-                          <a:rPr lang="en-SG" i="1">
-                            <a:latin typeface="Cambria Math" panose="02040503050406030204" pitchFamily="18" charset="0"/>
-                            <a:ea typeface="Cambria Math" panose="02040503050406030204" pitchFamily="18" charset="0"/>
-                          </a:rPr>
-                          <m:t>=1</m:t>
-                        </m:r>
-                      </m:sub>
-                      <m:sup>
-                        <m:r>
-                          <a:rPr lang="en-SG" i="1">
-                            <a:latin typeface="Cambria Math" panose="02040503050406030204" pitchFamily="18" charset="0"/>
-                            <a:ea typeface="Cambria Math" panose="02040503050406030204" pitchFamily="18" charset="0"/>
-                          </a:rPr>
-                          <m:t>𝑁</m:t>
-                        </m:r>
-                      </m:sup>
-                      <m:e>
-                        <m:sSubSup>
-                          <m:sSubSupPr>
-                            <m:ctrlPr>
-                              <a:rPr lang="en-SG" b="0" i="1" smtClean="0">
-                                <a:latin typeface="Cambria Math" panose="02040503050406030204" pitchFamily="18" charset="0"/>
-                                <a:ea typeface="Cambria Math" panose="02040503050406030204" pitchFamily="18" charset="0"/>
-                              </a:rPr>
-                            </m:ctrlPr>
-                          </m:sSubSupPr>
-                          <m:e>
-                            <m:r>
-                              <a:rPr lang="en-SG" i="1">
-                                <a:latin typeface="Cambria Math" panose="02040503050406030204" pitchFamily="18" charset="0"/>
-                                <a:ea typeface="Cambria Math" panose="02040503050406030204" pitchFamily="18" charset="0"/>
-                              </a:rPr>
-                              <m:t>𝑤</m:t>
-                            </m:r>
-                          </m:e>
-                          <m:sub>
-                            <m:r>
-                              <a:rPr lang="en-SG" i="1">
-                                <a:latin typeface="Cambria Math" panose="02040503050406030204" pitchFamily="18" charset="0"/>
-                                <a:ea typeface="Cambria Math" panose="02040503050406030204" pitchFamily="18" charset="0"/>
-                              </a:rPr>
-                              <m:t>𝑖</m:t>
-                            </m:r>
-                          </m:sub>
-                          <m:sup>
-                            <m:r>
-                              <a:rPr lang="en-SG" b="0" i="1" smtClean="0">
-                                <a:latin typeface="Cambria Math" panose="02040503050406030204" pitchFamily="18" charset="0"/>
-                                <a:ea typeface="Cambria Math" panose="02040503050406030204" pitchFamily="18" charset="0"/>
-                              </a:rPr>
-                              <m:t>2</m:t>
-                            </m:r>
-                          </m:sup>
-                        </m:sSubSup>
-                        <m:r>
-                          <a:rPr lang="en-SG" i="1">
-                            <a:latin typeface="Cambria Math" panose="02040503050406030204" pitchFamily="18" charset="0"/>
-                            <a:ea typeface="Cambria Math" panose="02040503050406030204" pitchFamily="18" charset="0"/>
-                          </a:rPr>
-                          <m:t> </m:t>
-                        </m:r>
-                      </m:e>
-                    </m:nary>
-                  </m:oMath>
-                </a14:m>
-                <a:endParaRPr lang="en-SG" dirty="0"/>
-              </a:p>
-              <a:p>
-                <a:pPr marL="0" indent="0">
-                  <a:buNone/>
-                </a:pPr>
-                <a:endParaRPr lang="en-SG" dirty="0"/>
-              </a:p>
-            </p:txBody>
-          </p:sp>
-        </mc:Choice>
-        <mc:Fallback xmlns="">
-          <p:sp>
-            <p:nvSpPr>
-              <p:cNvPr id="6" name="Content Placeholder 5"/>
-              <p:cNvSpPr>
-                <a:spLocks noGrp="1" noRot="1" noChangeAspect="1" noMove="1" noResize="1" noEditPoints="1" noAdjustHandles="1" noChangeArrowheads="1" noChangeShapeType="1" noTextEdit="1"/>
-              </p:cNvSpPr>
-              <p:nvPr>
-                <p:ph idx="1"/>
-              </p:nvPr>
-            </p:nvSpPr>
-            <p:spPr>
-              <a:blipFill>
-                <a:blip r:embed="rId3"/>
-                <a:stretch>
-                  <a:fillRect l="-1005" b="-14426"/>
-                </a:stretch>
-              </a:blipFill>
-            </p:spPr>
-            <p:txBody>
-              <a:bodyPr/>
-              <a:lstStyle/>
-              <a:p>
-                <a:r>
-                  <a:rPr lang="en-SG">
-                    <a:noFill/>
-                  </a:rPr>
-                  <a:t> </a:t>
-                </a:r>
-              </a:p>
-            </p:txBody>
-          </p:sp>
-        </mc:Fallback>
-      </mc:AlternateContent>
+              <a:rPr lang="en-US" dirty="0"/>
+              <a:t>Neural Network</a:t>
+            </a:r>
+            <a:endParaRPr lang="en-SG" dirty="0"/>
+          </a:p>
+        </p:txBody>
+      </p:sp>
+      <p:sp>
+        <p:nvSpPr>
+          <p:cNvPr id="5" name="Text Placeholder 4"/>
+          <p:cNvSpPr>
+            <a:spLocks noGrp="1"/>
+          </p:cNvSpPr>
+          <p:nvPr>
+            <p:ph type="body" idx="1"/>
+          </p:nvPr>
+        </p:nvSpPr>
+        <p:spPr/>
+        <p:txBody>
+          <a:bodyPr/>
+          <a:lstStyle/>
+          <a:p>
+            <a:r>
+              <a:rPr lang="en-US" dirty="0"/>
+              <a:t>with 2 hidden layers</a:t>
+            </a:r>
+            <a:endParaRPr lang="en-SG" dirty="0"/>
+          </a:p>
+        </p:txBody>
+      </p:sp>
     </p:spTree>
     <p:extLst>
       <p:ext uri="{BB962C8B-B14F-4D97-AF65-F5344CB8AC3E}">
-        <p14:creationId xmlns:p14="http://schemas.microsoft.com/office/powerpoint/2010/main" val="3368539950"/>
+        <p14:creationId xmlns:p14="http://schemas.microsoft.com/office/powerpoint/2010/main" val="1975046552"/>
       </p:ext>
     </p:extLst>
   </p:cSld>
@@ -5613,7 +7086,7 @@
       </p:grpSpPr>
       <p:sp>
         <p:nvSpPr>
-          <p:cNvPr id="7" name="Title 6"/>
+          <p:cNvPr id="4" name="Title 3"/>
           <p:cNvSpPr>
             <a:spLocks noGrp="1"/>
           </p:cNvSpPr>
@@ -5627,15 +7100,16 @@
           <a:lstStyle/>
           <a:p>
             <a:r>
-              <a:rPr lang="en-SG" dirty="0"/>
-              <a:t>Implementation</a:t>
-            </a:r>
-          </a:p>
-        </p:txBody>
-      </p:sp>
-      <p:sp>
-        <p:nvSpPr>
-          <p:cNvPr id="8" name="Content Placeholder 7"/>
+              <a:rPr lang="en-US" dirty="0"/>
+              <a:t>Neural Network</a:t>
+            </a:r>
+            <a:endParaRPr lang="en-SG" dirty="0"/>
+          </a:p>
+        </p:txBody>
+      </p:sp>
+      <p:sp>
+        <p:nvSpPr>
+          <p:cNvPr id="5" name="Content Placeholder 4"/>
           <p:cNvSpPr>
             <a:spLocks noGrp="1"/>
           </p:cNvSpPr>
@@ -5645,134 +7119,131 @@
         </p:nvSpPr>
         <p:spPr/>
         <p:txBody>
-          <a:bodyPr>
-            <a:normAutofit fontScale="62500" lnSpcReduction="20000"/>
-          </a:bodyPr>
-          <a:lstStyle/>
-          <a:p>
-            <a:pPr>
-              <a:lnSpc>
-                <a:spcPct val="150000"/>
-              </a:lnSpc>
-            </a:pPr>
-            <a:r>
-              <a:rPr lang="en-SG" dirty="0" err="1"/>
-              <a:t>Preprocessing</a:t>
-            </a:r>
-            <a:endParaRPr lang="en-SG" dirty="0"/>
-          </a:p>
-          <a:p>
-            <a:pPr lvl="1">
-              <a:lnSpc>
-                <a:spcPct val="150000"/>
-              </a:lnSpc>
-            </a:pPr>
-            <a:r>
-              <a:rPr lang="en-SG" dirty="0"/>
-              <a:t>Normalization</a:t>
-            </a:r>
-          </a:p>
-          <a:p>
-            <a:pPr lvl="1">
-              <a:lnSpc>
-                <a:spcPct val="150000"/>
-              </a:lnSpc>
-            </a:pPr>
-            <a:r>
-              <a:rPr lang="en-SG" dirty="0"/>
-              <a:t>Features Addition</a:t>
-            </a:r>
-          </a:p>
-          <a:p>
-            <a:pPr lvl="1">
-              <a:lnSpc>
-                <a:spcPct val="150000"/>
-              </a:lnSpc>
-            </a:pPr>
-            <a:r>
-              <a:rPr lang="en-SG" dirty="0"/>
-              <a:t>Features Removal</a:t>
-            </a:r>
-          </a:p>
-          <a:p>
-            <a:pPr>
-              <a:lnSpc>
-                <a:spcPct val="150000"/>
-              </a:lnSpc>
-            </a:pPr>
-            <a:r>
-              <a:rPr lang="en-SG" dirty="0"/>
-              <a:t>Training</a:t>
-            </a:r>
-          </a:p>
-          <a:p>
-            <a:pPr lvl="1">
-              <a:lnSpc>
-                <a:spcPct val="150000"/>
-              </a:lnSpc>
-            </a:pPr>
-            <a:r>
-              <a:rPr lang="en-SG" dirty="0"/>
-              <a:t>Model per Store</a:t>
-            </a:r>
-          </a:p>
-          <a:p>
-            <a:pPr lvl="1">
-              <a:lnSpc>
-                <a:spcPct val="150000"/>
-              </a:lnSpc>
-            </a:pPr>
-            <a:r>
-              <a:rPr lang="en-SG" dirty="0"/>
-              <a:t>K-Fold Cross Validation</a:t>
-            </a:r>
-          </a:p>
-          <a:p>
-            <a:pPr>
-              <a:lnSpc>
-                <a:spcPct val="150000"/>
-              </a:lnSpc>
-            </a:pPr>
-            <a:r>
-              <a:rPr lang="en-SG" dirty="0"/>
-              <a:t>Prediction</a:t>
-            </a:r>
-          </a:p>
-          <a:p>
-            <a:pPr lvl="1">
-              <a:lnSpc>
-                <a:spcPct val="150000"/>
-              </a:lnSpc>
-            </a:pPr>
-            <a:r>
-              <a:rPr lang="en-SG" dirty="0"/>
-              <a:t>Predict per store</a:t>
-            </a:r>
-          </a:p>
-          <a:p>
-            <a:pPr lvl="1">
-              <a:lnSpc>
-                <a:spcPct val="150000"/>
-              </a:lnSpc>
-            </a:pPr>
-            <a:r>
-              <a:rPr lang="en-SG" dirty="0"/>
-              <a:t>Predict only open stores (sales prediction for closed store will be set to 0)</a:t>
-            </a:r>
-          </a:p>
-          <a:p>
-            <a:pPr lvl="1">
-              <a:lnSpc>
-                <a:spcPct val="150000"/>
-              </a:lnSpc>
-            </a:pPr>
-            <a:r>
-              <a:rPr lang="en-SG" dirty="0" err="1"/>
-              <a:t>Denormalize</a:t>
-            </a:r>
-            <a:r>
-              <a:rPr lang="en-SG" dirty="0"/>
-              <a:t> prediction result</a:t>
+          <a:bodyPr/>
+          <a:lstStyle/>
+          <a:p>
+            <a:r>
+              <a:rPr lang="en-US" dirty="0"/>
+              <a:t>Dependencies: CUDA 8.0, </a:t>
+            </a:r>
+            <a:r>
+              <a:rPr lang="en-US" dirty="0" err="1"/>
+              <a:t>cuDNN</a:t>
+            </a:r>
+            <a:r>
+              <a:rPr lang="en-US" dirty="0"/>
+              <a:t> v5.1, Caffe, pandas, </a:t>
+            </a:r>
+            <a:r>
+              <a:rPr lang="en-US" dirty="0" err="1"/>
+              <a:t>numpy</a:t>
+            </a:r>
+            <a:endParaRPr lang="en-US" dirty="0"/>
+          </a:p>
+          <a:p>
+            <a:r>
+              <a:rPr lang="en-US" dirty="0"/>
+              <a:t>Preprocessing:</a:t>
+            </a:r>
+          </a:p>
+          <a:p>
+            <a:pPr lvl="1"/>
+            <a:r>
+              <a:rPr lang="en-US" dirty="0"/>
+              <a:t>Shuffle the data (order is not important)</a:t>
+            </a:r>
+          </a:p>
+          <a:p>
+            <a:pPr lvl="1"/>
+            <a:r>
+              <a:rPr lang="en-US" dirty="0"/>
+              <a:t>Take 100k samples for validation</a:t>
+            </a:r>
+          </a:p>
+          <a:p>
+            <a:pPr lvl="1"/>
+            <a:r>
+              <a:rPr lang="en-US" dirty="0"/>
+              <a:t>Add 6 new features, </a:t>
+            </a:r>
+            <a:r>
+              <a:rPr lang="en-US" i="1" dirty="0" err="1"/>
+              <a:t>SalesAvg</a:t>
+            </a:r>
+            <a:r>
+              <a:rPr lang="en-US" dirty="0"/>
+              <a:t>, </a:t>
+            </a:r>
+            <a:r>
+              <a:rPr lang="en-US" i="1" dirty="0" err="1"/>
+              <a:t>SalesMax</a:t>
+            </a:r>
+            <a:r>
+              <a:rPr lang="en-US" dirty="0"/>
+              <a:t>, </a:t>
+            </a:r>
+            <a:r>
+              <a:rPr lang="en-US" i="1" dirty="0" err="1"/>
+              <a:t>SalesMean</a:t>
+            </a:r>
+            <a:r>
+              <a:rPr lang="en-US" dirty="0"/>
+              <a:t>, </a:t>
+            </a:r>
+            <a:r>
+              <a:rPr lang="en-US" i="1" dirty="0" err="1"/>
+              <a:t>CustomersAvg</a:t>
+            </a:r>
+            <a:r>
+              <a:rPr lang="en-US" dirty="0"/>
+              <a:t>, </a:t>
+            </a:r>
+            <a:r>
+              <a:rPr lang="en-US" i="1" dirty="0" err="1"/>
+              <a:t>CustomersMax</a:t>
+            </a:r>
+            <a:r>
+              <a:rPr lang="en-US" dirty="0"/>
+              <a:t>, </a:t>
+            </a:r>
+            <a:r>
+              <a:rPr lang="en-US" i="1" dirty="0" err="1"/>
+              <a:t>CustomersMean</a:t>
+            </a:r>
+            <a:r>
+              <a:rPr lang="en-US" dirty="0"/>
+              <a:t> for each store respectively, and normalize these features</a:t>
+            </a:r>
+            <a:endParaRPr lang="en-US" i="1" dirty="0"/>
+          </a:p>
+          <a:p>
+            <a:pPr lvl="1"/>
+            <a:r>
+              <a:rPr lang="en-US" dirty="0"/>
+              <a:t>Normalize </a:t>
+            </a:r>
+            <a:r>
+              <a:rPr lang="en-US" i="1" dirty="0"/>
+              <a:t>Sales</a:t>
+            </a:r>
+            <a:r>
+              <a:rPr lang="en-US" dirty="0"/>
+              <a:t> globally</a:t>
+            </a:r>
+          </a:p>
+          <a:p>
+            <a:pPr lvl="1"/>
+            <a:r>
+              <a:rPr lang="en-US" dirty="0"/>
+              <a:t>Drop </a:t>
+            </a:r>
+            <a:r>
+              <a:rPr lang="en-US" i="1" dirty="0"/>
+              <a:t>Customers</a:t>
+            </a:r>
+            <a:r>
+              <a:rPr lang="en-US" dirty="0"/>
+              <a:t> column</a:t>
             </a:r>
           </a:p>
         </p:txBody>
@@ -5780,7 +7251,7 @@
     </p:spTree>
     <p:extLst>
       <p:ext uri="{BB962C8B-B14F-4D97-AF65-F5344CB8AC3E}">
-        <p14:creationId xmlns:p14="http://schemas.microsoft.com/office/powerpoint/2010/main" val="2082610179"/>
+        <p14:creationId xmlns:p14="http://schemas.microsoft.com/office/powerpoint/2010/main" val="890720893"/>
       </p:ext>
     </p:extLst>
   </p:cSld>

--- a/slides/main.pptx
+++ b/slides/main.pptx
@@ -217,7 +217,7 @@
           <a:p>
             <a:fld id="{74F7D4B7-5E38-406D-B6AC-72CB1DF7713B}" type="datetimeFigureOut">
               <a:rPr lang="en-SG" smtClean="0"/>
-              <a:t>3/4/2017</a:t>
+              <a:t>4/4/2017</a:t>
             </a:fld>
             <a:endParaRPr lang="en-SG"/>
           </a:p>
@@ -880,7 +880,7 @@
           <a:p>
             <a:fld id="{3D45E4C3-D8E2-48C0-87AF-BE60E58FCFC6}" type="datetimeFigureOut">
               <a:rPr lang="en-SG" smtClean="0"/>
-              <a:t>3/4/2017</a:t>
+              <a:t>4/4/2017</a:t>
             </a:fld>
             <a:endParaRPr lang="en-SG"/>
           </a:p>
@@ -1050,7 +1050,7 @@
           <a:p>
             <a:fld id="{3D45E4C3-D8E2-48C0-87AF-BE60E58FCFC6}" type="datetimeFigureOut">
               <a:rPr lang="en-SG" smtClean="0"/>
-              <a:t>3/4/2017</a:t>
+              <a:t>4/4/2017</a:t>
             </a:fld>
             <a:endParaRPr lang="en-SG"/>
           </a:p>
@@ -1230,7 +1230,7 @@
           <a:p>
             <a:fld id="{3D45E4C3-D8E2-48C0-87AF-BE60E58FCFC6}" type="datetimeFigureOut">
               <a:rPr lang="en-SG" smtClean="0"/>
-              <a:t>3/4/2017</a:t>
+              <a:t>4/4/2017</a:t>
             </a:fld>
             <a:endParaRPr lang="en-SG"/>
           </a:p>
@@ -1400,7 +1400,7 @@
           <a:p>
             <a:fld id="{3D45E4C3-D8E2-48C0-87AF-BE60E58FCFC6}" type="datetimeFigureOut">
               <a:rPr lang="en-SG" smtClean="0"/>
-              <a:t>3/4/2017</a:t>
+              <a:t>4/4/2017</a:t>
             </a:fld>
             <a:endParaRPr lang="en-SG"/>
           </a:p>
@@ -1644,7 +1644,7 @@
           <a:p>
             <a:fld id="{3D45E4C3-D8E2-48C0-87AF-BE60E58FCFC6}" type="datetimeFigureOut">
               <a:rPr lang="en-SG" smtClean="0"/>
-              <a:t>3/4/2017</a:t>
+              <a:t>4/4/2017</a:t>
             </a:fld>
             <a:endParaRPr lang="en-SG"/>
           </a:p>
@@ -1876,7 +1876,7 @@
           <a:p>
             <a:fld id="{3D45E4C3-D8E2-48C0-87AF-BE60E58FCFC6}" type="datetimeFigureOut">
               <a:rPr lang="en-SG" smtClean="0"/>
-              <a:t>3/4/2017</a:t>
+              <a:t>4/4/2017</a:t>
             </a:fld>
             <a:endParaRPr lang="en-SG"/>
           </a:p>
@@ -2243,7 +2243,7 @@
           <a:p>
             <a:fld id="{3D45E4C3-D8E2-48C0-87AF-BE60E58FCFC6}" type="datetimeFigureOut">
               <a:rPr lang="en-SG" smtClean="0"/>
-              <a:t>3/4/2017</a:t>
+              <a:t>4/4/2017</a:t>
             </a:fld>
             <a:endParaRPr lang="en-SG"/>
           </a:p>
@@ -2361,7 +2361,7 @@
           <a:p>
             <a:fld id="{3D45E4C3-D8E2-48C0-87AF-BE60E58FCFC6}" type="datetimeFigureOut">
               <a:rPr lang="en-SG" smtClean="0"/>
-              <a:t>3/4/2017</a:t>
+              <a:t>4/4/2017</a:t>
             </a:fld>
             <a:endParaRPr lang="en-SG"/>
           </a:p>
@@ -2456,7 +2456,7 @@
           <a:p>
             <a:fld id="{3D45E4C3-D8E2-48C0-87AF-BE60E58FCFC6}" type="datetimeFigureOut">
               <a:rPr lang="en-SG" smtClean="0"/>
-              <a:t>3/4/2017</a:t>
+              <a:t>4/4/2017</a:t>
             </a:fld>
             <a:endParaRPr lang="en-SG"/>
           </a:p>
@@ -2733,7 +2733,7 @@
           <a:p>
             <a:fld id="{3D45E4C3-D8E2-48C0-87AF-BE60E58FCFC6}" type="datetimeFigureOut">
               <a:rPr lang="en-SG" smtClean="0"/>
-              <a:t>3/4/2017</a:t>
+              <a:t>4/4/2017</a:t>
             </a:fld>
             <a:endParaRPr lang="en-SG"/>
           </a:p>
@@ -2990,7 +2990,7 @@
           <a:p>
             <a:fld id="{3D45E4C3-D8E2-48C0-87AF-BE60E58FCFC6}" type="datetimeFigureOut">
               <a:rPr lang="en-SG" smtClean="0"/>
-              <a:t>3/4/2017</a:t>
+              <a:t>4/4/2017</a:t>
             </a:fld>
             <a:endParaRPr lang="en-SG"/>
           </a:p>
@@ -3203,7 +3203,7 @@
           <a:p>
             <a:fld id="{3D45E4C3-D8E2-48C0-87AF-BE60E58FCFC6}" type="datetimeFigureOut">
               <a:rPr lang="en-SG" smtClean="0"/>
-              <a:t>3/4/2017</a:t>
+              <a:t>4/4/2017</a:t>
             </a:fld>
             <a:endParaRPr lang="en-SG"/>
           </a:p>
@@ -6657,8 +6657,8 @@
           </a:p>
         </p:txBody>
       </p:sp>
-      <mc:AlternateContent xmlns:mc="http://schemas.openxmlformats.org/markup-compatibility/2006">
-        <mc:Choice xmlns:a14="http://schemas.microsoft.com/office/drawing/2010/main" Requires="a14">
+      <mc:AlternateContent xmlns:mc="http://schemas.openxmlformats.org/markup-compatibility/2006" xmlns:a14="http://schemas.microsoft.com/office/drawing/2010/main">
+        <mc:Choice Requires="a14">
           <p:sp>
             <p:nvSpPr>
               <p:cNvPr id="6" name="Content Placeholder 5"/>
@@ -6831,7 +6831,7 @@
             </p:txBody>
           </p:sp>
         </mc:Choice>
-        <mc:Fallback>
+        <mc:Fallback xmlns="">
           <p:sp>
             <p:nvSpPr>
               <p:cNvPr id="6" name="Content Placeholder 5"/>
@@ -6966,15 +6966,29 @@
             <a:pPr lvl="1"/>
             <a:r>
               <a:rPr lang="en-US" dirty="0"/>
-              <a:t>Private score: 0.16002</a:t>
-            </a:r>
+              <a:t>Private score: 0.</a:t>
+            </a:r>
+            <a:r>
+              <a:rPr lang="en-SG" dirty="0"/>
+              <a:t>15578</a:t>
+            </a:r>
+            <a:endParaRPr lang="en-US" dirty="0"/>
           </a:p>
           <a:p>
             <a:pPr lvl="1"/>
             <a:r>
               <a:rPr lang="en-US" dirty="0"/>
-              <a:t>Public score: 0.16815</a:t>
-            </a:r>
+              <a:t>Public score</a:t>
+            </a:r>
+            <a:r>
+              <a:rPr lang="en-US"/>
+              <a:t>: 0.</a:t>
+            </a:r>
+            <a:r>
+              <a:rPr lang="en-SG"/>
+              <a:t>15904</a:t>
+            </a:r>
+            <a:endParaRPr lang="en-US" dirty="0"/>
           </a:p>
         </p:txBody>
       </p:sp>

--- a/slides/main.pptx
+++ b/slides/main.pptx
@@ -2,10 +2,10 @@
 <file path=ppt/presentation.xml><?xml version="1.0" encoding="utf-8"?>
 <p:presentation xmlns:a="http://schemas.openxmlformats.org/drawingml/2006/main" xmlns:r="http://schemas.openxmlformats.org/officeDocument/2006/relationships" xmlns:p="http://schemas.openxmlformats.org/presentationml/2006/main" saveSubsetFonts="1">
   <p:sldMasterIdLst>
-    <p:sldMasterId id="2147483660" r:id="rId1"/>
+    <p:sldMasterId id="2147483672" r:id="rId1"/>
   </p:sldMasterIdLst>
   <p:notesMasterIdLst>
-    <p:notesMasterId r:id="rId23"/>
+    <p:notesMasterId r:id="rId24"/>
   </p:notesMasterIdLst>
   <p:sldIdLst>
     <p:sldId id="256" r:id="rId2"/>
@@ -24,11 +24,12 @@
     <p:sldId id="264" r:id="rId15"/>
     <p:sldId id="265" r:id="rId16"/>
     <p:sldId id="266" r:id="rId17"/>
-    <p:sldId id="267" r:id="rId18"/>
-    <p:sldId id="268" r:id="rId19"/>
-    <p:sldId id="269" r:id="rId20"/>
-    <p:sldId id="270" r:id="rId21"/>
-    <p:sldId id="271" r:id="rId22"/>
+    <p:sldId id="277" r:id="rId18"/>
+    <p:sldId id="267" r:id="rId19"/>
+    <p:sldId id="268" r:id="rId20"/>
+    <p:sldId id="269" r:id="rId21"/>
+    <p:sldId id="270" r:id="rId22"/>
+    <p:sldId id="271" r:id="rId23"/>
   </p:sldIdLst>
   <p:sldSz cx="9144000" cy="6858000" type="screen4x3"/>
   <p:notesSz cx="6858000" cy="9144000"/>
@@ -750,7 +751,7 @@
 </file>
 
 <file path=ppt/slideLayouts/slideLayout1.xml><?xml version="1.0" encoding="utf-8"?>
-<p:sldLayout xmlns:a="http://schemas.openxmlformats.org/drawingml/2006/main" xmlns:r="http://schemas.openxmlformats.org/officeDocument/2006/relationships" xmlns:p="http://schemas.openxmlformats.org/presentationml/2006/main" type="title" preserve="1">
+<p:sldLayout xmlns:a="http://schemas.openxmlformats.org/drawingml/2006/main" xmlns:r="http://schemas.openxmlformats.org/officeDocument/2006/relationships" xmlns:p="http://schemas.openxmlformats.org/presentationml/2006/main" showMasterSp="0" type="title" preserve="1">
   <p:cSld name="Title Slide">
     <p:spTree>
       <p:nvGrpSpPr>
@@ -768,25 +769,293 @@
       </p:grpSpPr>
       <p:sp>
         <p:nvSpPr>
-          <p:cNvPr id="2" name="Title 1"/>
-          <p:cNvSpPr>
-            <a:spLocks noGrp="1"/>
-          </p:cNvSpPr>
-          <p:nvPr>
-            <p:ph type="ctrTitle"/>
-          </p:nvPr>
+          <p:cNvPr id="7" name="Rectangle 6"/>
+          <p:cNvSpPr/>
+          <p:nvPr/>
         </p:nvSpPr>
         <p:spPr>
           <a:xfrm>
-            <a:off x="685800" y="1122363"/>
-            <a:ext cx="7772400" cy="2387600"/>
+            <a:off x="685800" y="1346947"/>
+            <a:ext cx="7772400" cy="80683"/>
+          </a:xfrm>
+          <a:prstGeom prst="rect">
+            <a:avLst/>
+          </a:prstGeom>
+          <a:blipFill dpi="0" rotWithShape="1">
+            <a:blip r:embed="rId2">
+              <a:alphaModFix amt="80000"/>
+              <a:lum bright="70000" contrast="-70000"/>
+              <a:extLst>
+                <a:ext uri="{BEBA8EAE-BF5A-486C-A8C5-ECC9F3942E4B}">
+                  <a14:imgProps xmlns:a14="http://schemas.microsoft.com/office/drawing/2010/main">
+                    <a14:imgLayer r:embed="rId3">
+                      <a14:imgEffect>
+                        <a14:sharpenSoften amount="61000"/>
+                      </a14:imgEffect>
+                    </a14:imgLayer>
+                  </a14:imgProps>
+                </a:ext>
+                <a:ext uri="{28A0092B-C50C-407E-A947-70E740481C1C}">
+                  <a14:useLocalDpi xmlns:a14="http://schemas.microsoft.com/office/drawing/2010/main" val="0"/>
+                </a:ext>
+              </a:extLst>
+            </a:blip>
+            <a:srcRect/>
+            <a:tile tx="0" ty="-762000" sx="92000" sy="89000" flip="xy" algn="ctr"/>
+          </a:blipFill>
+          <a:ln>
+            <a:noFill/>
+          </a:ln>
+        </p:spPr>
+        <p:style>
+          <a:lnRef idx="2">
+            <a:schemeClr val="accent1">
+              <a:shade val="50000"/>
+            </a:schemeClr>
+          </a:lnRef>
+          <a:fillRef idx="1">
+            <a:schemeClr val="accent1"/>
+          </a:fillRef>
+          <a:effectRef idx="0">
+            <a:schemeClr val="accent1"/>
+          </a:effectRef>
+          <a:fontRef idx="minor">
+            <a:schemeClr val="lt1"/>
+          </a:fontRef>
+        </p:style>
+      </p:sp>
+      <p:sp>
+        <p:nvSpPr>
+          <p:cNvPr id="8" name="Rectangle 7"/>
+          <p:cNvSpPr/>
+          <p:nvPr/>
+        </p:nvSpPr>
+        <p:spPr>
+          <a:xfrm>
+            <a:off x="685800" y="4282763"/>
+            <a:ext cx="7772400" cy="80683"/>
+          </a:xfrm>
+          <a:prstGeom prst="rect">
+            <a:avLst/>
+          </a:prstGeom>
+          <a:blipFill dpi="0" rotWithShape="1">
+            <a:blip r:embed="rId2">
+              <a:alphaModFix amt="80000"/>
+              <a:lum bright="70000" contrast="-70000"/>
+              <a:extLst>
+                <a:ext uri="{BEBA8EAE-BF5A-486C-A8C5-ECC9F3942E4B}">
+                  <a14:imgProps xmlns:a14="http://schemas.microsoft.com/office/drawing/2010/main">
+                    <a14:imgLayer r:embed="rId3">
+                      <a14:imgEffect>
+                        <a14:sharpenSoften amount="61000"/>
+                      </a14:imgEffect>
+                    </a14:imgLayer>
+                  </a14:imgProps>
+                </a:ext>
+                <a:ext uri="{28A0092B-C50C-407E-A947-70E740481C1C}">
+                  <a14:useLocalDpi xmlns:a14="http://schemas.microsoft.com/office/drawing/2010/main" val="0"/>
+                </a:ext>
+              </a:extLst>
+            </a:blip>
+            <a:srcRect/>
+            <a:tile tx="0" ty="-717550" sx="92000" sy="89000" flip="xy" algn="ctr"/>
+          </a:blipFill>
+          <a:ln>
+            <a:noFill/>
+          </a:ln>
+        </p:spPr>
+        <p:style>
+          <a:lnRef idx="2">
+            <a:schemeClr val="accent1">
+              <a:shade val="50000"/>
+            </a:schemeClr>
+          </a:lnRef>
+          <a:fillRef idx="1">
+            <a:schemeClr val="accent1"/>
+          </a:fillRef>
+          <a:effectRef idx="0">
+            <a:schemeClr val="accent1"/>
+          </a:effectRef>
+          <a:fontRef idx="minor">
+            <a:schemeClr val="lt1"/>
+          </a:fontRef>
+        </p:style>
+      </p:sp>
+      <p:sp>
+        <p:nvSpPr>
+          <p:cNvPr id="9" name="Rectangle 8"/>
+          <p:cNvSpPr/>
+          <p:nvPr/>
+        </p:nvSpPr>
+        <p:spPr>
+          <a:xfrm>
+            <a:off x="685800" y="1484779"/>
+            <a:ext cx="7772400" cy="2743200"/>
+          </a:xfrm>
+          <a:prstGeom prst="rect">
+            <a:avLst/>
+          </a:prstGeom>
+          <a:blipFill dpi="0" rotWithShape="1">
+            <a:blip r:embed="rId2">
+              <a:alphaModFix amt="80000"/>
+              <a:lum bright="70000" contrast="-70000"/>
+              <a:extLst>
+                <a:ext uri="{BEBA8EAE-BF5A-486C-A8C5-ECC9F3942E4B}">
+                  <a14:imgProps xmlns:a14="http://schemas.microsoft.com/office/drawing/2010/main">
+                    <a14:imgLayer r:embed="rId3">
+                      <a14:imgEffect>
+                        <a14:sharpenSoften amount="61000"/>
+                      </a14:imgEffect>
+                    </a14:imgLayer>
+                  </a14:imgProps>
+                </a:ext>
+                <a:ext uri="{28A0092B-C50C-407E-A947-70E740481C1C}">
+                  <a14:useLocalDpi xmlns:a14="http://schemas.microsoft.com/office/drawing/2010/main" val="0"/>
+                </a:ext>
+              </a:extLst>
+            </a:blip>
+            <a:srcRect/>
+            <a:tile tx="0" ty="-704850" sx="92000" sy="89000" flip="xy" algn="ctr"/>
+          </a:blipFill>
+          <a:ln>
+            <a:noFill/>
+          </a:ln>
+        </p:spPr>
+        <p:style>
+          <a:lnRef idx="2">
+            <a:schemeClr val="accent1">
+              <a:shade val="50000"/>
+            </a:schemeClr>
+          </a:lnRef>
+          <a:fillRef idx="1">
+            <a:schemeClr val="accent1"/>
+          </a:fillRef>
+          <a:effectRef idx="0">
+            <a:schemeClr val="accent1"/>
+          </a:effectRef>
+          <a:fontRef idx="minor">
+            <a:schemeClr val="lt1"/>
+          </a:fontRef>
+        </p:style>
+      </p:sp>
+      <p:grpSp>
+        <p:nvGrpSpPr>
+          <p:cNvPr id="10" name="Group 9"/>
+          <p:cNvGrpSpPr>
+            <a:grpSpLocks noChangeAspect="1"/>
+          </p:cNvGrpSpPr>
+          <p:nvPr/>
+        </p:nvGrpSpPr>
+        <p:grpSpPr>
+          <a:xfrm>
+            <a:off x="7234780" y="4107023"/>
+            <a:ext cx="914400" cy="914400"/>
+            <a:chOff x="9685338" y="4460675"/>
+            <a:chExt cx="1080904" cy="1080902"/>
+          </a:xfrm>
+        </p:grpSpPr>
+        <p:sp>
+          <p:nvSpPr>
+            <p:cNvPr id="11" name="Oval 10"/>
+            <p:cNvSpPr/>
+            <p:nvPr/>
+          </p:nvSpPr>
+          <p:spPr>
+            <a:xfrm>
+              <a:off x="9685338" y="4460675"/>
+              <a:ext cx="1080904" cy="1080902"/>
+            </a:xfrm>
+            <a:prstGeom prst="ellipse">
+              <a:avLst/>
+            </a:prstGeom>
+            <a:blipFill dpi="0" rotWithShape="1">
+              <a:blip r:embed="rId4">
+                <a:duotone>
+                  <a:schemeClr val="accent1">
+                    <a:shade val="45000"/>
+                    <a:satMod val="135000"/>
+                  </a:schemeClr>
+                  <a:prstClr val="white"/>
+                </a:duotone>
+                <a:extLst>
+                  <a:ext uri="{BEBA8EAE-BF5A-486C-A8C5-ECC9F3942E4B}">
+                    <a14:imgProps xmlns:a14="http://schemas.microsoft.com/office/drawing/2010/main">
+                      <a14:imgLayer r:embed="rId5">
+                        <a14:imgEffect>
+                          <a14:saturation sat="95000"/>
+                        </a14:imgEffect>
+                      </a14:imgLayer>
+                    </a14:imgProps>
+                  </a:ext>
+                </a:extLst>
+              </a:blip>
+              <a:srcRect/>
+              <a:tile tx="0" ty="0" sx="85000" sy="85000" flip="none" algn="tl"/>
+            </a:blipFill>
+            <a:ln w="25400" cap="flat" cmpd="sng" algn="ctr">
+              <a:noFill/>
+              <a:prstDash val="solid"/>
+            </a:ln>
+            <a:effectLst/>
+          </p:spPr>
+        </p:sp>
+        <p:sp>
+          <p:nvSpPr>
+            <p:cNvPr id="12" name="Oval 11"/>
+            <p:cNvSpPr/>
+            <p:nvPr/>
+          </p:nvSpPr>
+          <p:spPr>
+            <a:xfrm>
+              <a:off x="9793429" y="4568765"/>
+              <a:ext cx="864723" cy="864722"/>
+            </a:xfrm>
+            <a:prstGeom prst="ellipse">
+              <a:avLst/>
+            </a:prstGeom>
+            <a:noFill/>
+            <a:ln w="25400" cap="flat" cmpd="sng" algn="ctr">
+              <a:solidFill>
+                <a:sysClr val="window" lastClr="FFFFFF"/>
+              </a:solidFill>
+              <a:prstDash val="solid"/>
+            </a:ln>
+            <a:effectLst/>
+          </p:spPr>
+        </p:sp>
+      </p:grpSp>
+      <p:sp>
+        <p:nvSpPr>
+          <p:cNvPr id="2" name="Title 1"/>
+          <p:cNvSpPr>
+            <a:spLocks noGrp="1"/>
+          </p:cNvSpPr>
+          <p:nvPr>
+            <p:ph type="ctrTitle"/>
+          </p:nvPr>
+        </p:nvSpPr>
+        <p:spPr>
+          <a:xfrm>
+            <a:off x="788670" y="1432223"/>
+            <a:ext cx="7593330" cy="3035808"/>
           </a:xfrm>
         </p:spPr>
         <p:txBody>
-          <a:bodyPr anchor="b"/>
+          <a:bodyPr anchor="ctr">
+            <a:noAutofit/>
+          </a:bodyPr>
           <a:lstStyle>
-            <a:lvl1pPr algn="ctr">
-              <a:defRPr sz="6000"/>
+            <a:lvl1pPr algn="l">
+              <a:lnSpc>
+                <a:spcPct val="80000"/>
+              </a:lnSpc>
+              <a:defRPr sz="6400" b="0" cap="all" baseline="0">
+                <a:blipFill dpi="0" rotWithShape="1">
+                  <a:blip r:embed="rId4"/>
+                  <a:srcRect/>
+                  <a:tile tx="6350" ty="-127000" sx="65000" sy="64000" flip="none" algn="tl"/>
+                </a:blipFill>
+              </a:defRPr>
             </a:lvl1pPr>
           </a:lstStyle>
           <a:p>
@@ -810,20 +1079,26 @@
         </p:nvSpPr>
         <p:spPr>
           <a:xfrm>
-            <a:off x="1143000" y="3602038"/>
-            <a:ext cx="6858000" cy="1655762"/>
+            <a:off x="802386" y="4389120"/>
+            <a:ext cx="5918454" cy="1069848"/>
           </a:xfrm>
         </p:spPr>
         <p:txBody>
-          <a:bodyPr/>
+          <a:bodyPr>
+            <a:normAutofit/>
+          </a:bodyPr>
           <a:lstStyle>
-            <a:lvl1pPr marL="0" indent="0" algn="ctr">
+            <a:lvl1pPr marL="0" indent="0" algn="l">
               <a:buNone/>
-              <a:defRPr sz="2400"/>
+              <a:defRPr sz="1800" b="0">
+                <a:solidFill>
+                  <a:schemeClr val="tx1"/>
+                </a:solidFill>
+              </a:defRPr>
             </a:lvl1pPr>
             <a:lvl2pPr marL="457200" indent="0" algn="ctr">
               <a:buNone/>
-              <a:defRPr sz="2000"/>
+              <a:defRPr sz="1800"/>
             </a:lvl2pPr>
             <a:lvl3pPr marL="914400" indent="0" algn="ctr">
               <a:buNone/>
@@ -831,27 +1106,27 @@
             </a:lvl3pPr>
             <a:lvl4pPr marL="1371600" indent="0" algn="ctr">
               <a:buNone/>
-              <a:defRPr sz="1600"/>
+              <a:defRPr sz="1800"/>
             </a:lvl4pPr>
             <a:lvl5pPr marL="1828800" indent="0" algn="ctr">
               <a:buNone/>
-              <a:defRPr sz="1600"/>
+              <a:defRPr sz="1800"/>
             </a:lvl5pPr>
             <a:lvl6pPr marL="2286000" indent="0" algn="ctr">
               <a:buNone/>
-              <a:defRPr sz="1600"/>
+              <a:defRPr sz="1800"/>
             </a:lvl6pPr>
             <a:lvl7pPr marL="2743200" indent="0" algn="ctr">
               <a:buNone/>
-              <a:defRPr sz="1600"/>
+              <a:defRPr sz="1800"/>
             </a:lvl7pPr>
             <a:lvl8pPr marL="3200400" indent="0" algn="ctr">
               <a:buNone/>
-              <a:defRPr sz="1600"/>
+              <a:defRPr sz="1800"/>
             </a:lvl8pPr>
             <a:lvl9pPr marL="3657600" indent="0" algn="ctr">
               <a:buNone/>
-              <a:defRPr sz="1600"/>
+              <a:defRPr sz="1800"/>
             </a:lvl9pPr>
           </a:lstStyle>
           <a:p>
@@ -896,7 +1171,12 @@
             <p:ph type="ftr" sz="quarter" idx="11"/>
           </p:nvPr>
         </p:nvSpPr>
-        <p:spPr/>
+        <p:spPr>
+          <a:xfrm>
+            <a:off x="812805" y="6272785"/>
+            <a:ext cx="4745736" cy="365125"/>
+          </a:xfrm>
+        </p:spPr>
         <p:txBody>
           <a:bodyPr/>
           <a:lstStyle/>
@@ -915,10 +1195,19 @@
             <p:ph type="sldNum" sz="quarter" idx="12"/>
           </p:nvPr>
         </p:nvSpPr>
-        <p:spPr/>
+        <p:spPr>
+          <a:xfrm>
+            <a:off x="7244280" y="4227195"/>
+            <a:ext cx="895401" cy="640080"/>
+          </a:xfrm>
+        </p:spPr>
         <p:txBody>
           <a:bodyPr/>
-          <a:lstStyle/>
+          <a:lstStyle>
+            <a:lvl1pPr>
+              <a:defRPr sz="2800" b="1"/>
+            </a:lvl1pPr>
+          </a:lstStyle>
           <a:p>
             <a:fld id="{617BDF6C-29EC-46EC-8E64-665A8F8AD874}" type="slidenum">
               <a:rPr lang="en-SG" smtClean="0"/>
@@ -931,7 +1220,7 @@
     </p:spTree>
     <p:extLst>
       <p:ext uri="{BB962C8B-B14F-4D97-AF65-F5344CB8AC3E}">
-        <p14:creationId xmlns:p14="http://schemas.microsoft.com/office/powerpoint/2010/main" val="1011181071"/>
+        <p14:creationId xmlns:p14="http://schemas.microsoft.com/office/powerpoint/2010/main" val="1543025912"/>
       </p:ext>
     </p:extLst>
   </p:cSld>
@@ -1035,7 +1324,7 @@
       </p:sp>
       <p:sp>
         <p:nvSpPr>
-          <p:cNvPr id="4" name="Date Placeholder 3"/>
+          <p:cNvPr id="7" name="Date Placeholder 6"/>
           <p:cNvSpPr>
             <a:spLocks noGrp="1"/>
           </p:cNvSpPr>
@@ -1058,7 +1347,7 @@
       </p:sp>
       <p:sp>
         <p:nvSpPr>
-          <p:cNvPr id="5" name="Footer Placeholder 4"/>
+          <p:cNvPr id="8" name="Footer Placeholder 7"/>
           <p:cNvSpPr>
             <a:spLocks noGrp="1"/>
           </p:cNvSpPr>
@@ -1077,7 +1366,7 @@
       </p:sp>
       <p:sp>
         <p:nvSpPr>
-          <p:cNvPr id="6" name="Slide Number Placeholder 5"/>
+          <p:cNvPr id="9" name="Slide Number Placeholder 8"/>
           <p:cNvSpPr>
             <a:spLocks noGrp="1"/>
           </p:cNvSpPr>
@@ -1101,7 +1390,7 @@
     </p:spTree>
     <p:extLst>
       <p:ext uri="{BB962C8B-B14F-4D97-AF65-F5344CB8AC3E}">
-        <p14:creationId xmlns:p14="http://schemas.microsoft.com/office/powerpoint/2010/main" val="2821471704"/>
+        <p14:creationId xmlns:p14="http://schemas.microsoft.com/office/powerpoint/2010/main" val="287063533"/>
       </p:ext>
     </p:extLst>
   </p:cSld>
@@ -1140,13 +1429,17 @@
         </p:nvSpPr>
         <p:spPr>
           <a:xfrm>
-            <a:off x="6543675" y="365125"/>
-            <a:ext cx="1971675" cy="5811838"/>
+            <a:off x="6543675" y="533400"/>
+            <a:ext cx="1914525" cy="5638800"/>
           </a:xfrm>
         </p:spPr>
         <p:txBody>
           <a:bodyPr vert="eaVert"/>
-          <a:lstStyle/>
+          <a:lstStyle>
+            <a:lvl1pPr>
+              <a:defRPr b="0"/>
+            </a:lvl1pPr>
+          </a:lstStyle>
           <a:p>
             <a:r>
               <a:rPr lang="en-US"/>
@@ -1168,8 +1461,8 @@
         </p:nvSpPr>
         <p:spPr>
           <a:xfrm>
-            <a:off x="628650" y="365125"/>
-            <a:ext cx="5800725" cy="5811838"/>
+            <a:off x="800100" y="533400"/>
+            <a:ext cx="5629275" cy="5638800"/>
           </a:xfrm>
         </p:spPr>
         <p:txBody>
@@ -1215,7 +1508,7 @@
       </p:sp>
       <p:sp>
         <p:nvSpPr>
-          <p:cNvPr id="4" name="Date Placeholder 3"/>
+          <p:cNvPr id="7" name="Date Placeholder 6"/>
           <p:cNvSpPr>
             <a:spLocks noGrp="1"/>
           </p:cNvSpPr>
@@ -1238,7 +1531,7 @@
       </p:sp>
       <p:sp>
         <p:nvSpPr>
-          <p:cNvPr id="5" name="Footer Placeholder 4"/>
+          <p:cNvPr id="8" name="Footer Placeholder 7"/>
           <p:cNvSpPr>
             <a:spLocks noGrp="1"/>
           </p:cNvSpPr>
@@ -1257,7 +1550,7 @@
       </p:sp>
       <p:sp>
         <p:nvSpPr>
-          <p:cNvPr id="6" name="Slide Number Placeholder 5"/>
+          <p:cNvPr id="9" name="Slide Number Placeholder 8"/>
           <p:cNvSpPr>
             <a:spLocks noGrp="1"/>
           </p:cNvSpPr>
@@ -1281,7 +1574,7 @@
     </p:spTree>
     <p:extLst>
       <p:ext uri="{BB962C8B-B14F-4D97-AF65-F5344CB8AC3E}">
-        <p14:creationId xmlns:p14="http://schemas.microsoft.com/office/powerpoint/2010/main" val="2108660679"/>
+        <p14:creationId xmlns:p14="http://schemas.microsoft.com/office/powerpoint/2010/main" val="3999345243"/>
       </p:ext>
     </p:extLst>
   </p:cSld>
@@ -1385,7 +1678,7 @@
       </p:sp>
       <p:sp>
         <p:nvSpPr>
-          <p:cNvPr id="4" name="Date Placeholder 3"/>
+          <p:cNvPr id="7" name="Date Placeholder 6"/>
           <p:cNvSpPr>
             <a:spLocks noGrp="1"/>
           </p:cNvSpPr>
@@ -1408,7 +1701,7 @@
       </p:sp>
       <p:sp>
         <p:nvSpPr>
-          <p:cNvPr id="5" name="Footer Placeholder 4"/>
+          <p:cNvPr id="8" name="Footer Placeholder 7"/>
           <p:cNvSpPr>
             <a:spLocks noGrp="1"/>
           </p:cNvSpPr>
@@ -1427,7 +1720,7 @@
       </p:sp>
       <p:sp>
         <p:nvSpPr>
-          <p:cNvPr id="6" name="Slide Number Placeholder 5"/>
+          <p:cNvPr id="9" name="Slide Number Placeholder 8"/>
           <p:cNvSpPr>
             <a:spLocks noGrp="1"/>
           </p:cNvSpPr>
@@ -1451,7 +1744,7 @@
     </p:spTree>
     <p:extLst>
       <p:ext uri="{BB962C8B-B14F-4D97-AF65-F5344CB8AC3E}">
-        <p14:creationId xmlns:p14="http://schemas.microsoft.com/office/powerpoint/2010/main" val="1548013162"/>
+        <p14:creationId xmlns:p14="http://schemas.microsoft.com/office/powerpoint/2010/main" val="1062797276"/>
       </p:ext>
     </p:extLst>
   </p:cSld>
@@ -1462,7 +1755,7 @@
 </file>
 
 <file path=ppt/slideLayouts/slideLayout3.xml><?xml version="1.0" encoding="utf-8"?>
-<p:sldLayout xmlns:a="http://schemas.openxmlformats.org/drawingml/2006/main" xmlns:r="http://schemas.openxmlformats.org/officeDocument/2006/relationships" xmlns:p="http://schemas.openxmlformats.org/presentationml/2006/main" type="secHead" preserve="1">
+<p:sldLayout xmlns:a="http://schemas.openxmlformats.org/drawingml/2006/main" xmlns:r="http://schemas.openxmlformats.org/officeDocument/2006/relationships" xmlns:p="http://schemas.openxmlformats.org/presentationml/2006/main" showMasterSp="0" type="secHead" preserve="1">
   <p:cSld name="Section Header">
     <p:spTree>
       <p:nvGrpSpPr>
@@ -1480,25 +1773,87 @@
       </p:grpSpPr>
       <p:sp>
         <p:nvSpPr>
-          <p:cNvPr id="2" name="Title 1"/>
-          <p:cNvSpPr>
-            <a:spLocks noGrp="1"/>
-          </p:cNvSpPr>
-          <p:nvPr>
-            <p:ph type="title"/>
-          </p:nvPr>
+          <p:cNvPr id="7" name="Rectangle 6"/>
+          <p:cNvSpPr/>
+          <p:nvPr/>
         </p:nvSpPr>
         <p:spPr>
           <a:xfrm>
-            <a:off x="623888" y="1709739"/>
-            <a:ext cx="7886700" cy="2852737"/>
+            <a:off x="0" y="4917989"/>
+            <a:ext cx="9144000" cy="1940010"/>
+          </a:xfrm>
+          <a:prstGeom prst="rect">
+            <a:avLst/>
+          </a:prstGeom>
+          <a:blipFill dpi="0" rotWithShape="1">
+            <a:blip r:embed="rId2">
+              <a:alphaModFix amt="80000"/>
+              <a:lum bright="70000" contrast="-70000"/>
+              <a:extLst>
+                <a:ext uri="{BEBA8EAE-BF5A-486C-A8C5-ECC9F3942E4B}">
+                  <a14:imgProps xmlns:a14="http://schemas.microsoft.com/office/drawing/2010/main">
+                    <a14:imgLayer r:embed="rId3">
+                      <a14:imgEffect>
+                        <a14:sharpenSoften amount="61000"/>
+                      </a14:imgEffect>
+                    </a14:imgLayer>
+                  </a14:imgProps>
+                </a:ext>
+                <a:ext uri="{28A0092B-C50C-407E-A947-70E740481C1C}">
+                  <a14:useLocalDpi xmlns:a14="http://schemas.microsoft.com/office/drawing/2010/main" val="0"/>
+                </a:ext>
+              </a:extLst>
+            </a:blip>
+            <a:srcRect/>
+            <a:tile tx="0" ty="-704850" sx="92000" sy="89000" flip="xy" algn="ctr"/>
+          </a:blipFill>
+          <a:ln>
+            <a:noFill/>
+          </a:ln>
+        </p:spPr>
+        <p:style>
+          <a:lnRef idx="2">
+            <a:schemeClr val="accent1">
+              <a:shade val="50000"/>
+            </a:schemeClr>
+          </a:lnRef>
+          <a:fillRef idx="1">
+            <a:schemeClr val="accent1"/>
+          </a:fillRef>
+          <a:effectRef idx="0">
+            <a:schemeClr val="accent1"/>
+          </a:effectRef>
+          <a:fontRef idx="minor">
+            <a:schemeClr val="lt1"/>
+          </a:fontRef>
+        </p:style>
+      </p:sp>
+      <p:sp>
+        <p:nvSpPr>
+          <p:cNvPr id="2" name="Title 1"/>
+          <p:cNvSpPr>
+            <a:spLocks noGrp="1"/>
+          </p:cNvSpPr>
+          <p:nvPr>
+            <p:ph type="title"/>
+          </p:nvPr>
+        </p:nvSpPr>
+        <p:spPr>
+          <a:xfrm>
+            <a:off x="1625346" y="1225296"/>
+            <a:ext cx="6960870" cy="3520440"/>
           </a:xfrm>
         </p:spPr>
         <p:txBody>
-          <a:bodyPr anchor="b"/>
+          <a:bodyPr anchor="ctr">
+            <a:normAutofit/>
+          </a:bodyPr>
           <a:lstStyle>
             <a:lvl1pPr>
-              <a:defRPr sz="6000"/>
+              <a:lnSpc>
+                <a:spcPct val="80000"/>
+              </a:lnSpc>
+              <a:defRPr sz="6400" b="0"/>
             </a:lvl1pPr>
           </a:lstStyle>
           <a:p>
@@ -1522,24 +1877,28 @@
         </p:nvSpPr>
         <p:spPr>
           <a:xfrm>
-            <a:off x="623888" y="4589464"/>
-            <a:ext cx="7886700" cy="1500187"/>
+            <a:off x="1624330" y="5020056"/>
+            <a:ext cx="6789420" cy="1066800"/>
           </a:xfrm>
         </p:spPr>
         <p:txBody>
-          <a:bodyPr/>
+          <a:bodyPr anchor="t">
+            <a:normAutofit/>
+          </a:bodyPr>
           <a:lstStyle>
             <a:lvl1pPr marL="0" indent="0">
               <a:buNone/>
-              <a:defRPr sz="2400">
+              <a:defRPr sz="1800" b="0">
                 <a:solidFill>
-                  <a:schemeClr val="tx1"/>
+                  <a:schemeClr val="accent1">
+                    <a:lumMod val="50000"/>
+                  </a:schemeClr>
                 </a:solidFill>
               </a:defRPr>
             </a:lvl1pPr>
             <a:lvl2pPr marL="457200" indent="0">
               <a:buNone/>
-              <a:defRPr sz="2000">
+              <a:defRPr sz="1800">
                 <a:solidFill>
                   <a:schemeClr val="tx1">
                     <a:tint val="75000"/>
@@ -1549,7 +1908,7 @@
             </a:lvl2pPr>
             <a:lvl3pPr marL="914400" indent="0">
               <a:buNone/>
-              <a:defRPr sz="1800">
+              <a:defRPr sz="1600">
                 <a:solidFill>
                   <a:schemeClr val="tx1">
                     <a:tint val="75000"/>
@@ -1559,7 +1918,7 @@
             </a:lvl3pPr>
             <a:lvl4pPr marL="1371600" indent="0">
               <a:buNone/>
-              <a:defRPr sz="1600">
+              <a:defRPr sz="1400">
                 <a:solidFill>
                   <a:schemeClr val="tx1">
                     <a:tint val="75000"/>
@@ -1569,7 +1928,7 @@
             </a:lvl4pPr>
             <a:lvl5pPr marL="1828800" indent="0">
               <a:buNone/>
-              <a:defRPr sz="1600">
+              <a:defRPr sz="1400">
                 <a:solidFill>
                   <a:schemeClr val="tx1">
                     <a:tint val="75000"/>
@@ -1579,7 +1938,7 @@
             </a:lvl5pPr>
             <a:lvl6pPr marL="2286000" indent="0">
               <a:buNone/>
-              <a:defRPr sz="1600">
+              <a:defRPr sz="1400">
                 <a:solidFill>
                   <a:schemeClr val="tx1">
                     <a:tint val="75000"/>
@@ -1589,7 +1948,7 @@
             </a:lvl6pPr>
             <a:lvl7pPr marL="2743200" indent="0">
               <a:buNone/>
-              <a:defRPr sz="1600">
+              <a:defRPr sz="1400">
                 <a:solidFill>
                   <a:schemeClr val="tx1">
                     <a:tint val="75000"/>
@@ -1599,7 +1958,7 @@
             </a:lvl7pPr>
             <a:lvl8pPr marL="3200400" indent="0">
               <a:buNone/>
-              <a:defRPr sz="1600">
+              <a:defRPr sz="1400">
                 <a:solidFill>
                   <a:schemeClr val="tx1">
                     <a:tint val="75000"/>
@@ -1609,7 +1968,7 @@
             </a:lvl8pPr>
             <a:lvl9pPr marL="3657600" indent="0">
               <a:buNone/>
-              <a:defRPr sz="1600">
+              <a:defRPr sz="1400">
                 <a:solidFill>
                   <a:schemeClr val="tx1">
                     <a:tint val="75000"/>
@@ -1637,10 +1996,25 @@
             <p:ph type="dt" sz="half" idx="10"/>
           </p:nvPr>
         </p:nvSpPr>
-        <p:spPr/>
+        <p:spPr>
+          <a:xfrm>
+            <a:off x="6445251" y="6272785"/>
+            <a:ext cx="1983232" cy="365125"/>
+          </a:xfrm>
+        </p:spPr>
         <p:txBody>
           <a:bodyPr/>
-          <a:lstStyle/>
+          <a:lstStyle>
+            <a:lvl1pPr>
+              <a:defRPr>
+                <a:solidFill>
+                  <a:schemeClr val="accent1">
+                    <a:lumMod val="50000"/>
+                  </a:schemeClr>
+                </a:solidFill>
+              </a:defRPr>
+            </a:lvl1pPr>
+          </a:lstStyle>
           <a:p>
             <a:fld id="{3D45E4C3-D8E2-48C0-87AF-BE60E58FCFC6}" type="datetimeFigureOut">
               <a:rPr lang="en-SG" smtClean="0"/>
@@ -1660,15 +2034,116 @@
             <p:ph type="ftr" sz="quarter" idx="11"/>
           </p:nvPr>
         </p:nvSpPr>
-        <p:spPr/>
+        <p:spPr>
+          <a:xfrm>
+            <a:off x="1636099" y="6272784"/>
+            <a:ext cx="4745736" cy="365125"/>
+          </a:xfrm>
+        </p:spPr>
         <p:txBody>
           <a:bodyPr/>
-          <a:lstStyle/>
+          <a:lstStyle>
+            <a:lvl1pPr>
+              <a:defRPr>
+                <a:solidFill>
+                  <a:schemeClr val="accent1">
+                    <a:lumMod val="50000"/>
+                  </a:schemeClr>
+                </a:solidFill>
+              </a:defRPr>
+            </a:lvl1pPr>
+          </a:lstStyle>
           <a:p>
             <a:endParaRPr lang="en-SG"/>
           </a:p>
         </p:txBody>
       </p:sp>
+      <p:grpSp>
+        <p:nvGrpSpPr>
+          <p:cNvPr id="8" name="Group 7"/>
+          <p:cNvGrpSpPr>
+            <a:grpSpLocks noChangeAspect="1"/>
+          </p:cNvGrpSpPr>
+          <p:nvPr/>
+        </p:nvGrpSpPr>
+        <p:grpSpPr>
+          <a:xfrm>
+            <a:off x="633862" y="2430623"/>
+            <a:ext cx="914400" cy="914400"/>
+            <a:chOff x="9685338" y="4460675"/>
+            <a:chExt cx="1080904" cy="1080902"/>
+          </a:xfrm>
+        </p:grpSpPr>
+        <p:sp>
+          <p:nvSpPr>
+            <p:cNvPr id="9" name="Oval 8"/>
+            <p:cNvSpPr/>
+            <p:nvPr/>
+          </p:nvSpPr>
+          <p:spPr>
+            <a:xfrm>
+              <a:off x="9685338" y="4460675"/>
+              <a:ext cx="1080904" cy="1080902"/>
+            </a:xfrm>
+            <a:prstGeom prst="ellipse">
+              <a:avLst/>
+            </a:prstGeom>
+            <a:blipFill dpi="0" rotWithShape="1">
+              <a:blip r:embed="rId4">
+                <a:duotone>
+                  <a:schemeClr val="accent1">
+                    <a:shade val="45000"/>
+                    <a:satMod val="135000"/>
+                  </a:schemeClr>
+                  <a:prstClr val="white"/>
+                </a:duotone>
+                <a:extLst>
+                  <a:ext uri="{BEBA8EAE-BF5A-486C-A8C5-ECC9F3942E4B}">
+                    <a14:imgProps xmlns:a14="http://schemas.microsoft.com/office/drawing/2010/main">
+                      <a14:imgLayer r:embed="rId5">
+                        <a14:imgEffect>
+                          <a14:saturation sat="95000"/>
+                        </a14:imgEffect>
+                      </a14:imgLayer>
+                    </a14:imgProps>
+                  </a:ext>
+                </a:extLst>
+              </a:blip>
+              <a:srcRect/>
+              <a:tile tx="0" ty="0" sx="85000" sy="85000" flip="none" algn="tl"/>
+            </a:blipFill>
+            <a:ln w="25400" cap="flat" cmpd="sng" algn="ctr">
+              <a:noFill/>
+              <a:prstDash val="solid"/>
+            </a:ln>
+            <a:effectLst/>
+          </p:spPr>
+        </p:sp>
+        <p:sp>
+          <p:nvSpPr>
+            <p:cNvPr id="10" name="Oval 9"/>
+            <p:cNvSpPr/>
+            <p:nvPr/>
+          </p:nvSpPr>
+          <p:spPr>
+            <a:xfrm>
+              <a:off x="9793429" y="4568765"/>
+              <a:ext cx="864723" cy="864722"/>
+            </a:xfrm>
+            <a:prstGeom prst="ellipse">
+              <a:avLst/>
+            </a:prstGeom>
+            <a:noFill/>
+            <a:ln w="25400" cap="flat" cmpd="sng" algn="ctr">
+              <a:solidFill>
+                <a:sysClr val="window" lastClr="FFFFFF"/>
+              </a:solidFill>
+              <a:prstDash val="solid"/>
+            </a:ln>
+            <a:effectLst/>
+          </p:spPr>
+        </p:sp>
+      </p:grpSp>
       <p:sp>
         <p:nvSpPr>
           <p:cNvPr id="6" name="Slide Number Placeholder 5"/>
@@ -1679,10 +2154,19 @@
             <p:ph type="sldNum" sz="quarter" idx="12"/>
           </p:nvPr>
         </p:nvSpPr>
-        <p:spPr/>
+        <p:spPr>
+          <a:xfrm>
+            <a:off x="645450" y="2508607"/>
+            <a:ext cx="891224" cy="720332"/>
+          </a:xfrm>
+        </p:spPr>
         <p:txBody>
           <a:bodyPr/>
-          <a:lstStyle/>
+          <a:lstStyle>
+            <a:lvl1pPr>
+              <a:defRPr sz="2800"/>
+            </a:lvl1pPr>
+          </a:lstStyle>
           <a:p>
             <a:fld id="{617BDF6C-29EC-46EC-8E64-665A8F8AD874}" type="slidenum">
               <a:rPr lang="en-SG" smtClean="0"/>
@@ -1695,7 +2179,7 @@
     </p:spTree>
     <p:extLst>
       <p:ext uri="{BB962C8B-B14F-4D97-AF65-F5344CB8AC3E}">
-        <p14:creationId xmlns:p14="http://schemas.microsoft.com/office/powerpoint/2010/main" val="2444321972"/>
+        <p14:creationId xmlns:p14="http://schemas.microsoft.com/office/powerpoint/2010/main" val="1362853079"/>
       </p:ext>
     </p:extLst>
   </p:cSld>
@@ -1757,13 +2241,41 @@
         </p:nvSpPr>
         <p:spPr>
           <a:xfrm>
-            <a:off x="628650" y="1825625"/>
-            <a:ext cx="3886200" cy="4351338"/>
+            <a:off x="685800" y="2194560"/>
+            <a:ext cx="3657600" cy="3977640"/>
           </a:xfrm>
         </p:spPr>
         <p:txBody>
           <a:bodyPr/>
-          <a:lstStyle/>
+          <a:lstStyle>
+            <a:lvl1pPr>
+              <a:defRPr sz="2000"/>
+            </a:lvl1pPr>
+            <a:lvl2pPr>
+              <a:defRPr sz="1800"/>
+            </a:lvl2pPr>
+            <a:lvl3pPr>
+              <a:defRPr sz="1600"/>
+            </a:lvl3pPr>
+            <a:lvl4pPr>
+              <a:defRPr sz="1600"/>
+            </a:lvl4pPr>
+            <a:lvl5pPr>
+              <a:defRPr sz="1600"/>
+            </a:lvl5pPr>
+            <a:lvl6pPr>
+              <a:defRPr sz="1600"/>
+            </a:lvl6pPr>
+            <a:lvl7pPr>
+              <a:defRPr sz="1600"/>
+            </a:lvl7pPr>
+            <a:lvl8pPr>
+              <a:defRPr sz="1600"/>
+            </a:lvl8pPr>
+            <a:lvl9pPr>
+              <a:defRPr sz="1600"/>
+            </a:lvl9pPr>
+          </a:lstStyle>
           <a:p>
             <a:pPr lvl="0"/>
             <a:r>
@@ -1814,13 +2326,41 @@
         </p:nvSpPr>
         <p:spPr>
           <a:xfrm>
-            <a:off x="4629150" y="1825625"/>
-            <a:ext cx="3886200" cy="4351338"/>
+            <a:off x="4792218" y="2194560"/>
+            <a:ext cx="3657600" cy="3977640"/>
           </a:xfrm>
         </p:spPr>
         <p:txBody>
           <a:bodyPr/>
-          <a:lstStyle/>
+          <a:lstStyle>
+            <a:lvl1pPr>
+              <a:defRPr sz="2000"/>
+            </a:lvl1pPr>
+            <a:lvl2pPr>
+              <a:defRPr sz="1800"/>
+            </a:lvl2pPr>
+            <a:lvl3pPr>
+              <a:defRPr sz="1600"/>
+            </a:lvl3pPr>
+            <a:lvl4pPr>
+              <a:defRPr sz="1600"/>
+            </a:lvl4pPr>
+            <a:lvl5pPr>
+              <a:defRPr sz="1600"/>
+            </a:lvl5pPr>
+            <a:lvl6pPr>
+              <a:defRPr sz="1600"/>
+            </a:lvl6pPr>
+            <a:lvl7pPr>
+              <a:defRPr sz="1600"/>
+            </a:lvl7pPr>
+            <a:lvl8pPr>
+              <a:defRPr sz="1600"/>
+            </a:lvl8pPr>
+            <a:lvl9pPr>
+              <a:defRPr sz="1600"/>
+            </a:lvl9pPr>
+          </a:lstStyle>
           <a:p>
             <a:pPr lvl="0"/>
             <a:r>
@@ -1927,7 +2467,7 @@
     </p:spTree>
     <p:extLst>
       <p:ext uri="{BB962C8B-B14F-4D97-AF65-F5344CB8AC3E}">
-        <p14:creationId xmlns:p14="http://schemas.microsoft.com/office/powerpoint/2010/main" val="535876832"/>
+        <p14:creationId xmlns:p14="http://schemas.microsoft.com/office/powerpoint/2010/main" val="3305530693"/>
       </p:ext>
     </p:extLst>
   </p:cSld>
@@ -1956,54 +2496,57 @@
       </p:grpSpPr>
       <p:sp>
         <p:nvSpPr>
-          <p:cNvPr id="2" name="Title 1"/>
+          <p:cNvPr id="10" name="Title 9"/>
           <p:cNvSpPr>
             <a:spLocks noGrp="1"/>
           </p:cNvSpPr>
           <p:nvPr>
             <p:ph type="title"/>
+          </p:nvPr>
+        </p:nvSpPr>
+        <p:spPr/>
+        <p:txBody>
+          <a:bodyPr/>
+          <a:lstStyle/>
+          <a:p>
+            <a:r>
+              <a:rPr lang="en-US"/>
+              <a:t>Click to edit Master title style</a:t>
+            </a:r>
+            <a:endParaRPr lang="en-US" dirty="0"/>
+          </a:p>
+        </p:txBody>
+      </p:sp>
+      <p:sp>
+        <p:nvSpPr>
+          <p:cNvPr id="3" name="Text Placeholder 2"/>
+          <p:cNvSpPr>
+            <a:spLocks noGrp="1"/>
+          </p:cNvSpPr>
+          <p:nvPr>
+            <p:ph type="body" idx="1"/>
           </p:nvPr>
         </p:nvSpPr>
         <p:spPr>
           <a:xfrm>
-            <a:off x="629841" y="365126"/>
-            <a:ext cx="7886700" cy="1325563"/>
+            <a:off x="685800" y="2048256"/>
+            <a:ext cx="3657600" cy="640080"/>
           </a:xfrm>
         </p:spPr>
         <p:txBody>
-          <a:bodyPr/>
-          <a:lstStyle/>
-          <a:p>
-            <a:r>
-              <a:rPr lang="en-US"/>
-              <a:t>Click to edit Master title style</a:t>
-            </a:r>
-            <a:endParaRPr lang="en-US" dirty="0"/>
-          </a:p>
-        </p:txBody>
-      </p:sp>
-      <p:sp>
-        <p:nvSpPr>
-          <p:cNvPr id="3" name="Text Placeholder 2"/>
-          <p:cNvSpPr>
-            <a:spLocks noGrp="1"/>
-          </p:cNvSpPr>
-          <p:nvPr>
-            <p:ph type="body" idx="1"/>
-          </p:nvPr>
-        </p:nvSpPr>
-        <p:spPr>
-          <a:xfrm>
-            <a:off x="629842" y="1681163"/>
-            <a:ext cx="3868340" cy="823912"/>
-          </a:xfrm>
-        </p:spPr>
-        <p:txBody>
-          <a:bodyPr anchor="b"/>
+          <a:bodyPr anchor="ctr">
+            <a:normAutofit/>
+          </a:bodyPr>
           <a:lstStyle>
             <a:lvl1pPr marL="0" indent="0">
               <a:buNone/>
-              <a:defRPr sz="2400" b="1"/>
+              <a:defRPr sz="2000" b="1">
+                <a:solidFill>
+                  <a:schemeClr val="accent1">
+                    <a:lumMod val="75000"/>
+                  </a:schemeClr>
+                </a:solidFill>
+              </a:defRPr>
             </a:lvl1pPr>
             <a:lvl2pPr marL="457200" indent="0">
               <a:buNone/>
@@ -2059,13 +2602,41 @@
         </p:nvSpPr>
         <p:spPr>
           <a:xfrm>
-            <a:off x="629842" y="2505075"/>
-            <a:ext cx="3868340" cy="3684588"/>
+            <a:off x="685800" y="2743200"/>
+            <a:ext cx="3657600" cy="3291840"/>
           </a:xfrm>
         </p:spPr>
         <p:txBody>
           <a:bodyPr/>
-          <a:lstStyle/>
+          <a:lstStyle>
+            <a:lvl1pPr>
+              <a:defRPr sz="2000"/>
+            </a:lvl1pPr>
+            <a:lvl2pPr>
+              <a:defRPr sz="1800"/>
+            </a:lvl2pPr>
+            <a:lvl3pPr>
+              <a:defRPr sz="1600"/>
+            </a:lvl3pPr>
+            <a:lvl4pPr>
+              <a:defRPr sz="1600"/>
+            </a:lvl4pPr>
+            <a:lvl5pPr>
+              <a:defRPr sz="1600"/>
+            </a:lvl5pPr>
+            <a:lvl6pPr>
+              <a:defRPr sz="1600"/>
+            </a:lvl6pPr>
+            <a:lvl7pPr>
+              <a:defRPr sz="1600"/>
+            </a:lvl7pPr>
+            <a:lvl8pPr>
+              <a:defRPr sz="1600"/>
+            </a:lvl8pPr>
+            <a:lvl9pPr>
+              <a:defRPr sz="1600"/>
+            </a:lvl9pPr>
+          </a:lstStyle>
           <a:p>
             <a:pPr lvl="0"/>
             <a:r>
@@ -2116,16 +2687,24 @@
         </p:nvSpPr>
         <p:spPr>
           <a:xfrm>
-            <a:off x="4629150" y="1681163"/>
-            <a:ext cx="3887391" cy="823912"/>
+            <a:off x="4820793" y="2048256"/>
+            <a:ext cx="3657600" cy="640080"/>
           </a:xfrm>
         </p:spPr>
         <p:txBody>
-          <a:bodyPr anchor="b"/>
+          <a:bodyPr anchor="ctr">
+            <a:normAutofit/>
+          </a:bodyPr>
           <a:lstStyle>
             <a:lvl1pPr marL="0" indent="0">
               <a:buNone/>
-              <a:defRPr sz="2400" b="1"/>
+              <a:defRPr sz="2000" b="1">
+                <a:solidFill>
+                  <a:schemeClr val="accent1">
+                    <a:lumMod val="75000"/>
+                  </a:schemeClr>
+                </a:solidFill>
+              </a:defRPr>
             </a:lvl1pPr>
             <a:lvl2pPr marL="457200" indent="0">
               <a:buNone/>
@@ -2181,13 +2760,41 @@
         </p:nvSpPr>
         <p:spPr>
           <a:xfrm>
-            <a:off x="4629150" y="2505075"/>
-            <a:ext cx="3887391" cy="3684588"/>
+            <a:off x="4820793" y="2743200"/>
+            <a:ext cx="3657600" cy="3291840"/>
           </a:xfrm>
         </p:spPr>
         <p:txBody>
           <a:bodyPr/>
-          <a:lstStyle/>
+          <a:lstStyle>
+            <a:lvl1pPr>
+              <a:defRPr sz="2000"/>
+            </a:lvl1pPr>
+            <a:lvl2pPr>
+              <a:defRPr sz="1800"/>
+            </a:lvl2pPr>
+            <a:lvl3pPr>
+              <a:defRPr sz="1600"/>
+            </a:lvl3pPr>
+            <a:lvl4pPr>
+              <a:defRPr sz="1600"/>
+            </a:lvl4pPr>
+            <a:lvl5pPr>
+              <a:defRPr sz="1600"/>
+            </a:lvl5pPr>
+            <a:lvl6pPr>
+              <a:defRPr sz="1600"/>
+            </a:lvl6pPr>
+            <a:lvl7pPr>
+              <a:defRPr sz="1600"/>
+            </a:lvl7pPr>
+            <a:lvl8pPr>
+              <a:defRPr sz="1600"/>
+            </a:lvl8pPr>
+            <a:lvl9pPr>
+              <a:defRPr sz="1600"/>
+            </a:lvl9pPr>
+          </a:lstStyle>
           <a:p>
             <a:pPr lvl="0"/>
             <a:r>
@@ -2294,7 +2901,7 @@
     </p:spTree>
     <p:extLst>
       <p:ext uri="{BB962C8B-B14F-4D97-AF65-F5344CB8AC3E}">
-        <p14:creationId xmlns:p14="http://schemas.microsoft.com/office/powerpoint/2010/main" val="2344978269"/>
+        <p14:creationId xmlns:p14="http://schemas.microsoft.com/office/powerpoint/2010/main" val="847276441"/>
       </p:ext>
     </p:extLst>
   </p:cSld>
@@ -2323,7 +2930,7 @@
       </p:grpSpPr>
       <p:sp>
         <p:nvSpPr>
-          <p:cNvPr id="2" name="Title 1"/>
+          <p:cNvPr id="6" name="Title 5"/>
           <p:cNvSpPr>
             <a:spLocks noGrp="1"/>
           </p:cNvSpPr>
@@ -2357,7 +2964,17 @@
         <p:spPr/>
         <p:txBody>
           <a:bodyPr/>
-          <a:lstStyle/>
+          <a:lstStyle>
+            <a:lvl1pPr>
+              <a:defRPr>
+                <a:solidFill>
+                  <a:schemeClr val="accent1">
+                    <a:lumMod val="50000"/>
+                  </a:schemeClr>
+                </a:solidFill>
+              </a:defRPr>
+            </a:lvl1pPr>
+          </a:lstStyle>
           <a:p>
             <a:fld id="{3D45E4C3-D8E2-48C0-87AF-BE60E58FCFC6}" type="datetimeFigureOut">
               <a:rPr lang="en-SG" smtClean="0"/>
@@ -2380,7 +2997,17 @@
         <p:spPr/>
         <p:txBody>
           <a:bodyPr/>
-          <a:lstStyle/>
+          <a:lstStyle>
+            <a:lvl1pPr>
+              <a:defRPr>
+                <a:solidFill>
+                  <a:schemeClr val="accent1">
+                    <a:lumMod val="50000"/>
+                  </a:schemeClr>
+                </a:solidFill>
+              </a:defRPr>
+            </a:lvl1pPr>
+          </a:lstStyle>
           <a:p>
             <a:endParaRPr lang="en-SG"/>
           </a:p>
@@ -2412,7 +3039,7 @@
     </p:spTree>
     <p:extLst>
       <p:ext uri="{BB962C8B-B14F-4D97-AF65-F5344CB8AC3E}">
-        <p14:creationId xmlns:p14="http://schemas.microsoft.com/office/powerpoint/2010/main" val="1167501682"/>
+        <p14:creationId xmlns:p14="http://schemas.microsoft.com/office/powerpoint/2010/main" val="2661401544"/>
       </p:ext>
     </p:extLst>
   </p:cSld>
@@ -2507,7 +3134,7 @@
     </p:spTree>
     <p:extLst>
       <p:ext uri="{BB962C8B-B14F-4D97-AF65-F5344CB8AC3E}">
-        <p14:creationId xmlns:p14="http://schemas.microsoft.com/office/powerpoint/2010/main" val="2448541814"/>
+        <p14:creationId xmlns:p14="http://schemas.microsoft.com/office/powerpoint/2010/main" val="4292611276"/>
       </p:ext>
     </p:extLst>
   </p:cSld>
@@ -2518,7 +3145,7 @@
 </file>
 
 <file path=ppt/slideLayouts/slideLayout8.xml><?xml version="1.0" encoding="utf-8"?>
-<p:sldLayout xmlns:a="http://schemas.openxmlformats.org/drawingml/2006/main" xmlns:r="http://schemas.openxmlformats.org/officeDocument/2006/relationships" xmlns:p="http://schemas.openxmlformats.org/presentationml/2006/main" type="objTx" preserve="1">
+<p:sldLayout xmlns:a="http://schemas.openxmlformats.org/drawingml/2006/main" xmlns:r="http://schemas.openxmlformats.org/officeDocument/2006/relationships" xmlns:p="http://schemas.openxmlformats.org/presentationml/2006/main" showMasterSp="0" type="objTx" preserve="1">
   <p:cSld name="Content with Caption">
     <p:spTree>
       <p:nvGrpSpPr>
@@ -2536,25 +3163,84 @@
       </p:grpSpPr>
       <p:sp>
         <p:nvSpPr>
-          <p:cNvPr id="2" name="Title 1"/>
-          <p:cNvSpPr>
-            <a:spLocks noGrp="1"/>
-          </p:cNvSpPr>
-          <p:nvPr>
-            <p:ph type="title"/>
-          </p:nvPr>
+          <p:cNvPr id="8" name="Rectangle 7"/>
+          <p:cNvSpPr/>
+          <p:nvPr/>
         </p:nvSpPr>
         <p:spPr>
           <a:xfrm>
-            <a:off x="629841" y="457200"/>
-            <a:ext cx="2949178" cy="1600200"/>
+            <a:off x="6227806" y="1"/>
+            <a:ext cx="2916194" cy="6857999"/>
+          </a:xfrm>
+          <a:prstGeom prst="rect">
+            <a:avLst/>
+          </a:prstGeom>
+          <a:blipFill dpi="0" rotWithShape="1">
+            <a:blip r:embed="rId2">
+              <a:alphaModFix amt="60000"/>
+              <a:lum bright="70000" contrast="-70000"/>
+              <a:extLst>
+                <a:ext uri="{BEBA8EAE-BF5A-486C-A8C5-ECC9F3942E4B}">
+                  <a14:imgProps xmlns:a14="http://schemas.microsoft.com/office/drawing/2010/main">
+                    <a14:imgLayer r:embed="rId3">
+                      <a14:imgEffect>
+                        <a14:sharpenSoften amount="61000"/>
+                      </a14:imgEffect>
+                    </a14:imgLayer>
+                  </a14:imgProps>
+                </a:ext>
+                <a:ext uri="{28A0092B-C50C-407E-A947-70E740481C1C}">
+                  <a14:useLocalDpi xmlns:a14="http://schemas.microsoft.com/office/drawing/2010/main" val="0"/>
+                </a:ext>
+              </a:extLst>
+            </a:blip>
+            <a:srcRect/>
+            <a:tile tx="0" ty="-704850" sx="92000" sy="89000" flip="xy" algn="ctr"/>
+          </a:blipFill>
+          <a:ln>
+            <a:noFill/>
+          </a:ln>
+        </p:spPr>
+        <p:style>
+          <a:lnRef idx="2">
+            <a:schemeClr val="accent1">
+              <a:shade val="50000"/>
+            </a:schemeClr>
+          </a:lnRef>
+          <a:fillRef idx="1">
+            <a:schemeClr val="accent1"/>
+          </a:fillRef>
+          <a:effectRef idx="0">
+            <a:schemeClr val="accent1"/>
+          </a:effectRef>
+          <a:fontRef idx="minor">
+            <a:schemeClr val="lt1"/>
+          </a:fontRef>
+        </p:style>
+      </p:sp>
+      <p:sp>
+        <p:nvSpPr>
+          <p:cNvPr id="2" name="Title 1"/>
+          <p:cNvSpPr>
+            <a:spLocks noGrp="1"/>
+          </p:cNvSpPr>
+          <p:nvPr>
+            <p:ph type="title"/>
+          </p:nvPr>
+        </p:nvSpPr>
+        <p:spPr>
+          <a:xfrm>
+            <a:off x="6412230" y="685800"/>
+            <a:ext cx="2400300" cy="1737360"/>
           </a:xfrm>
         </p:spPr>
         <p:txBody>
-          <a:bodyPr anchor="b"/>
+          <a:bodyPr anchor="b">
+            <a:normAutofit/>
+          </a:bodyPr>
           <a:lstStyle>
             <a:lvl1pPr>
-              <a:defRPr sz="3200"/>
+              <a:defRPr sz="2800" b="0"/>
             </a:lvl1pPr>
           </a:lstStyle>
           <a:p>
@@ -2578,39 +3264,39 @@
         </p:nvSpPr>
         <p:spPr>
           <a:xfrm>
-            <a:off x="3887391" y="987426"/>
-            <a:ext cx="4629150" cy="4873625"/>
+            <a:off x="628650" y="685800"/>
+            <a:ext cx="5033772" cy="5020056"/>
           </a:xfrm>
         </p:spPr>
         <p:txBody>
           <a:bodyPr/>
           <a:lstStyle>
             <a:lvl1pPr>
-              <a:defRPr sz="3200"/>
+              <a:defRPr sz="2000"/>
             </a:lvl1pPr>
             <a:lvl2pPr>
-              <a:defRPr sz="2800"/>
+              <a:defRPr sz="1800"/>
             </a:lvl2pPr>
             <a:lvl3pPr>
-              <a:defRPr sz="2400"/>
+              <a:defRPr sz="1600"/>
             </a:lvl3pPr>
             <a:lvl4pPr>
-              <a:defRPr sz="2000"/>
+              <a:defRPr sz="1600"/>
             </a:lvl4pPr>
             <a:lvl5pPr>
-              <a:defRPr sz="2000"/>
+              <a:defRPr sz="1600"/>
             </a:lvl5pPr>
             <a:lvl6pPr>
-              <a:defRPr sz="2000"/>
+              <a:defRPr sz="1600"/>
             </a:lvl6pPr>
             <a:lvl7pPr>
-              <a:defRPr sz="2000"/>
+              <a:defRPr sz="1600"/>
             </a:lvl7pPr>
             <a:lvl8pPr>
-              <a:defRPr sz="2000"/>
+              <a:defRPr sz="1600"/>
             </a:lvl8pPr>
             <a:lvl9pPr>
-              <a:defRPr sz="2000"/>
+              <a:defRPr sz="1600"/>
             </a:lvl9pPr>
           </a:lstStyle>
           <a:p>
@@ -2663,48 +3349,62 @@
         </p:nvSpPr>
         <p:spPr>
           <a:xfrm>
-            <a:off x="629841" y="2057400"/>
-            <a:ext cx="2949178" cy="3811588"/>
+            <a:off x="6412230" y="2423160"/>
+            <a:ext cx="2400300" cy="3291840"/>
           </a:xfrm>
         </p:spPr>
         <p:txBody>
-          <a:bodyPr/>
+          <a:bodyPr>
+            <a:normAutofit/>
+          </a:bodyPr>
           <a:lstStyle>
             <a:lvl1pPr marL="0" indent="0">
+              <a:lnSpc>
+                <a:spcPct val="100000"/>
+              </a:lnSpc>
+              <a:spcBef>
+                <a:spcPts val="1000"/>
+              </a:spcBef>
               <a:buNone/>
-              <a:defRPr sz="1600"/>
+              <a:defRPr sz="1350">
+                <a:solidFill>
+                  <a:schemeClr val="accent1">
+                    <a:lumMod val="50000"/>
+                  </a:schemeClr>
+                </a:solidFill>
+              </a:defRPr>
             </a:lvl1pPr>
             <a:lvl2pPr marL="457200" indent="0">
               <a:buNone/>
-              <a:defRPr sz="1400"/>
+              <a:defRPr sz="1200"/>
             </a:lvl2pPr>
             <a:lvl3pPr marL="914400" indent="0">
               <a:buNone/>
-              <a:defRPr sz="1200"/>
+              <a:defRPr sz="1000"/>
             </a:lvl3pPr>
             <a:lvl4pPr marL="1371600" indent="0">
               <a:buNone/>
-              <a:defRPr sz="1000"/>
+              <a:defRPr sz="900"/>
             </a:lvl4pPr>
             <a:lvl5pPr marL="1828800" indent="0">
               <a:buNone/>
-              <a:defRPr sz="1000"/>
+              <a:defRPr sz="900"/>
             </a:lvl5pPr>
             <a:lvl6pPr marL="2286000" indent="0">
               <a:buNone/>
-              <a:defRPr sz="1000"/>
+              <a:defRPr sz="900"/>
             </a:lvl6pPr>
             <a:lvl7pPr marL="2743200" indent="0">
               <a:buNone/>
-              <a:defRPr sz="1000"/>
+              <a:defRPr sz="900"/>
             </a:lvl7pPr>
             <a:lvl8pPr marL="3200400" indent="0">
               <a:buNone/>
-              <a:defRPr sz="1000"/>
+              <a:defRPr sz="900"/>
             </a:lvl8pPr>
             <a:lvl9pPr marL="3657600" indent="0">
               <a:buNone/>
-              <a:defRPr sz="1000"/>
+              <a:defRPr sz="900"/>
             </a:lvl9pPr>
           </a:lstStyle>
           <a:p>
@@ -2716,9 +3416,100 @@
           </a:p>
         </p:txBody>
       </p:sp>
-      <p:sp>
-        <p:nvSpPr>
-          <p:cNvPr id="5" name="Date Placeholder 4"/>
+      <p:grpSp>
+        <p:nvGrpSpPr>
+          <p:cNvPr id="12" name="Group 11"/>
+          <p:cNvGrpSpPr/>
+          <p:nvPr/>
+        </p:nvGrpSpPr>
+        <p:grpSpPr>
+          <a:xfrm>
+            <a:off x="8522664" y="6255258"/>
+            <a:ext cx="393192" cy="393192"/>
+            <a:chOff x="8532189" y="5068824"/>
+            <a:chExt cx="393192" cy="393192"/>
+          </a:xfrm>
+        </p:grpSpPr>
+        <p:sp>
+          <p:nvSpPr>
+            <p:cNvPr id="13" name="Oval 12"/>
+            <p:cNvSpPr>
+              <a:spLocks noChangeAspect="1"/>
+            </p:cNvSpPr>
+            <p:nvPr/>
+          </p:nvSpPr>
+          <p:spPr>
+            <a:xfrm>
+              <a:off x="8532189" y="5068824"/>
+              <a:ext cx="393192" cy="393192"/>
+            </a:xfrm>
+            <a:prstGeom prst="ellipse">
+              <a:avLst/>
+            </a:prstGeom>
+            <a:blipFill dpi="0" rotWithShape="1">
+              <a:blip r:embed="rId4">
+                <a:duotone>
+                  <a:schemeClr val="accent1">
+                    <a:shade val="45000"/>
+                    <a:satMod val="135000"/>
+                  </a:schemeClr>
+                  <a:prstClr val="white"/>
+                </a:duotone>
+                <a:extLst>
+                  <a:ext uri="{BEBA8EAE-BF5A-486C-A8C5-ECC9F3942E4B}">
+                    <a14:imgProps xmlns:a14="http://schemas.microsoft.com/office/drawing/2010/main">
+                      <a14:imgLayer r:embed="rId5">
+                        <a14:imgEffect>
+                          <a14:saturation sat="95000"/>
+                        </a14:imgEffect>
+                        <a14:imgEffect>
+                          <a14:brightnessContrast bright="-40000" contrast="20000"/>
+                        </a14:imgEffect>
+                      </a14:imgLayer>
+                    </a14:imgProps>
+                  </a:ext>
+                </a:extLst>
+              </a:blip>
+              <a:srcRect/>
+              <a:tile tx="50800" ty="0" sx="85000" sy="85000" flip="none" algn="tl"/>
+            </a:blipFill>
+            <a:ln w="25400" cap="flat" cmpd="sng" algn="ctr">
+              <a:noFill/>
+              <a:prstDash val="solid"/>
+            </a:ln>
+            <a:effectLst/>
+          </p:spPr>
+        </p:sp>
+        <p:sp>
+          <p:nvSpPr>
+            <p:cNvPr id="14" name="Oval 13"/>
+            <p:cNvSpPr>
+              <a:spLocks noChangeAspect="1"/>
+            </p:cNvSpPr>
+            <p:nvPr/>
+          </p:nvSpPr>
+          <p:spPr>
+            <a:xfrm>
+              <a:off x="8568766" y="5105400"/>
+              <a:ext cx="320039" cy="320040"/>
+            </a:xfrm>
+            <a:prstGeom prst="ellipse">
+              <a:avLst/>
+            </a:prstGeom>
+            <a:noFill/>
+            <a:ln w="12700" cap="flat" cmpd="sng" algn="ctr">
+              <a:solidFill>
+                <a:srgbClr val="FFFFFF"/>
+              </a:solidFill>
+              <a:prstDash val="solid"/>
+            </a:ln>
+            <a:effectLst/>
+          </p:spPr>
+        </p:sp>
+      </p:grpSp>
+      <p:sp>
+        <p:nvSpPr>
+          <p:cNvPr id="9" name="Date Placeholder 8"/>
           <p:cNvSpPr>
             <a:spLocks noGrp="1"/>
           </p:cNvSpPr>
@@ -2741,7 +3532,7 @@
       </p:sp>
       <p:sp>
         <p:nvSpPr>
-          <p:cNvPr id="6" name="Footer Placeholder 5"/>
+          <p:cNvPr id="10" name="Footer Placeholder 9"/>
           <p:cNvSpPr>
             <a:spLocks noGrp="1"/>
           </p:cNvSpPr>
@@ -2760,7 +3551,7 @@
       </p:sp>
       <p:sp>
         <p:nvSpPr>
-          <p:cNvPr id="7" name="Slide Number Placeholder 6"/>
+          <p:cNvPr id="11" name="Slide Number Placeholder 10"/>
           <p:cNvSpPr>
             <a:spLocks noGrp="1"/>
           </p:cNvSpPr>
@@ -2784,7 +3575,7 @@
     </p:spTree>
     <p:extLst>
       <p:ext uri="{BB962C8B-B14F-4D97-AF65-F5344CB8AC3E}">
-        <p14:creationId xmlns:p14="http://schemas.microsoft.com/office/powerpoint/2010/main" val="320854112"/>
+        <p14:creationId xmlns:p14="http://schemas.microsoft.com/office/powerpoint/2010/main" val="2915280279"/>
       </p:ext>
     </p:extLst>
   </p:cSld>
@@ -2795,7 +3586,7 @@
 </file>
 
 <file path=ppt/slideLayouts/slideLayout9.xml><?xml version="1.0" encoding="utf-8"?>
-<p:sldLayout xmlns:a="http://schemas.openxmlformats.org/drawingml/2006/main" xmlns:r="http://schemas.openxmlformats.org/officeDocument/2006/relationships" xmlns:p="http://schemas.openxmlformats.org/presentationml/2006/main" type="picTx" preserve="1">
+<p:sldLayout xmlns:a="http://schemas.openxmlformats.org/drawingml/2006/main" xmlns:r="http://schemas.openxmlformats.org/officeDocument/2006/relationships" xmlns:p="http://schemas.openxmlformats.org/presentationml/2006/main" showMasterSp="0" type="picTx" preserve="1">
   <p:cSld name="Picture with Caption">
     <p:spTree>
       <p:nvGrpSpPr>
@@ -2813,25 +3604,84 @@
       </p:grpSpPr>
       <p:sp>
         <p:nvSpPr>
-          <p:cNvPr id="2" name="Title 1"/>
-          <p:cNvSpPr>
-            <a:spLocks noGrp="1"/>
-          </p:cNvSpPr>
-          <p:nvPr>
-            <p:ph type="title"/>
-          </p:nvPr>
+          <p:cNvPr id="11" name="Rectangle 10"/>
+          <p:cNvSpPr/>
+          <p:nvPr/>
         </p:nvSpPr>
         <p:spPr>
           <a:xfrm>
-            <a:off x="629841" y="457200"/>
-            <a:ext cx="2949178" cy="1600200"/>
+            <a:off x="6227806" y="1"/>
+            <a:ext cx="2916194" cy="6857999"/>
+          </a:xfrm>
+          <a:prstGeom prst="rect">
+            <a:avLst/>
+          </a:prstGeom>
+          <a:blipFill dpi="0" rotWithShape="1">
+            <a:blip r:embed="rId2">
+              <a:alphaModFix amt="60000"/>
+              <a:lum bright="70000" contrast="-70000"/>
+              <a:extLst>
+                <a:ext uri="{BEBA8EAE-BF5A-486C-A8C5-ECC9F3942E4B}">
+                  <a14:imgProps xmlns:a14="http://schemas.microsoft.com/office/drawing/2010/main">
+                    <a14:imgLayer r:embed="rId3">
+                      <a14:imgEffect>
+                        <a14:sharpenSoften amount="61000"/>
+                      </a14:imgEffect>
+                    </a14:imgLayer>
+                  </a14:imgProps>
+                </a:ext>
+                <a:ext uri="{28A0092B-C50C-407E-A947-70E740481C1C}">
+                  <a14:useLocalDpi xmlns:a14="http://schemas.microsoft.com/office/drawing/2010/main" val="0"/>
+                </a:ext>
+              </a:extLst>
+            </a:blip>
+            <a:srcRect/>
+            <a:tile tx="0" ty="-704850" sx="92000" sy="89000" flip="xy" algn="ctr"/>
+          </a:blipFill>
+          <a:ln>
+            <a:noFill/>
+          </a:ln>
+        </p:spPr>
+        <p:style>
+          <a:lnRef idx="2">
+            <a:schemeClr val="accent1">
+              <a:shade val="50000"/>
+            </a:schemeClr>
+          </a:lnRef>
+          <a:fillRef idx="1">
+            <a:schemeClr val="accent1"/>
+          </a:fillRef>
+          <a:effectRef idx="0">
+            <a:schemeClr val="accent1"/>
+          </a:effectRef>
+          <a:fontRef idx="minor">
+            <a:schemeClr val="lt1"/>
+          </a:fontRef>
+        </p:style>
+      </p:sp>
+      <p:sp>
+        <p:nvSpPr>
+          <p:cNvPr id="2" name="Title 1"/>
+          <p:cNvSpPr>
+            <a:spLocks noGrp="1"/>
+          </p:cNvSpPr>
+          <p:nvPr>
+            <p:ph type="title"/>
+          </p:nvPr>
+        </p:nvSpPr>
+        <p:spPr>
+          <a:xfrm>
+            <a:off x="6412230" y="685800"/>
+            <a:ext cx="2400300" cy="1737360"/>
           </a:xfrm>
         </p:spPr>
         <p:txBody>
-          <a:bodyPr anchor="b"/>
+          <a:bodyPr anchor="b">
+            <a:normAutofit/>
+          </a:bodyPr>
           <a:lstStyle>
             <a:lvl1pPr>
-              <a:defRPr sz="3200"/>
+              <a:defRPr sz="2800" b="0"/>
             </a:lvl1pPr>
           </a:lstStyle>
           <a:p>
@@ -2855,9 +3705,15 @@
         </p:nvSpPr>
         <p:spPr>
           <a:xfrm>
-            <a:off x="3887391" y="987426"/>
-            <a:ext cx="4629150" cy="4873625"/>
+            <a:off x="0" y="0"/>
+            <a:ext cx="6227805" cy="6858000"/>
           </a:xfrm>
+          <a:solidFill>
+            <a:schemeClr val="tx2">
+              <a:lumMod val="20000"/>
+              <a:lumOff val="80000"/>
+            </a:schemeClr>
+          </a:solidFill>
         </p:spPr>
         <p:txBody>
           <a:bodyPr anchor="t"/>
@@ -2920,48 +3776,62 @@
         </p:nvSpPr>
         <p:spPr>
           <a:xfrm>
-            <a:off x="629841" y="2057400"/>
-            <a:ext cx="2949178" cy="3811588"/>
+            <a:off x="6412230" y="2423160"/>
+            <a:ext cx="2400300" cy="3291840"/>
           </a:xfrm>
         </p:spPr>
         <p:txBody>
-          <a:bodyPr/>
+          <a:bodyPr>
+            <a:normAutofit/>
+          </a:bodyPr>
           <a:lstStyle>
             <a:lvl1pPr marL="0" indent="0">
+              <a:lnSpc>
+                <a:spcPct val="100000"/>
+              </a:lnSpc>
+              <a:spcBef>
+                <a:spcPts val="1000"/>
+              </a:spcBef>
               <a:buNone/>
-              <a:defRPr sz="1600"/>
+              <a:defRPr sz="1350">
+                <a:solidFill>
+                  <a:schemeClr val="accent1">
+                    <a:lumMod val="50000"/>
+                  </a:schemeClr>
+                </a:solidFill>
+              </a:defRPr>
             </a:lvl1pPr>
             <a:lvl2pPr marL="457200" indent="0">
               <a:buNone/>
-              <a:defRPr sz="1400"/>
+              <a:defRPr sz="1200"/>
             </a:lvl2pPr>
             <a:lvl3pPr marL="914400" indent="0">
               <a:buNone/>
-              <a:defRPr sz="1200"/>
+              <a:defRPr sz="1000"/>
             </a:lvl3pPr>
             <a:lvl4pPr marL="1371600" indent="0">
               <a:buNone/>
-              <a:defRPr sz="1000"/>
+              <a:defRPr sz="900"/>
             </a:lvl4pPr>
             <a:lvl5pPr marL="1828800" indent="0">
               <a:buNone/>
-              <a:defRPr sz="1000"/>
+              <a:defRPr sz="900"/>
             </a:lvl5pPr>
             <a:lvl6pPr marL="2286000" indent="0">
               <a:buNone/>
-              <a:defRPr sz="1000"/>
+              <a:defRPr sz="900"/>
             </a:lvl6pPr>
             <a:lvl7pPr marL="2743200" indent="0">
               <a:buNone/>
-              <a:defRPr sz="1000"/>
+              <a:defRPr sz="900"/>
             </a:lvl7pPr>
             <a:lvl8pPr marL="3200400" indent="0">
               <a:buNone/>
-              <a:defRPr sz="1000"/>
+              <a:defRPr sz="900"/>
             </a:lvl8pPr>
             <a:lvl9pPr marL="3657600" indent="0">
               <a:buNone/>
-              <a:defRPr sz="1000"/>
+              <a:defRPr sz="900"/>
             </a:lvl9pPr>
           </a:lstStyle>
           <a:p>
@@ -2973,9 +3843,100 @@
           </a:p>
         </p:txBody>
       </p:sp>
-      <p:sp>
-        <p:nvSpPr>
-          <p:cNvPr id="5" name="Date Placeholder 4"/>
+      <p:grpSp>
+        <p:nvGrpSpPr>
+          <p:cNvPr id="12" name="Group 11"/>
+          <p:cNvGrpSpPr/>
+          <p:nvPr/>
+        </p:nvGrpSpPr>
+        <p:grpSpPr>
+          <a:xfrm>
+            <a:off x="8522664" y="6255258"/>
+            <a:ext cx="393192" cy="393192"/>
+            <a:chOff x="8532189" y="5068824"/>
+            <a:chExt cx="393192" cy="393192"/>
+          </a:xfrm>
+        </p:grpSpPr>
+        <p:sp>
+          <p:nvSpPr>
+            <p:cNvPr id="13" name="Oval 12"/>
+            <p:cNvSpPr>
+              <a:spLocks noChangeAspect="1"/>
+            </p:cNvSpPr>
+            <p:nvPr/>
+          </p:nvSpPr>
+          <p:spPr>
+            <a:xfrm>
+              <a:off x="8532189" y="5068824"/>
+              <a:ext cx="393192" cy="393192"/>
+            </a:xfrm>
+            <a:prstGeom prst="ellipse">
+              <a:avLst/>
+            </a:prstGeom>
+            <a:blipFill dpi="0" rotWithShape="1">
+              <a:blip r:embed="rId4">
+                <a:duotone>
+                  <a:schemeClr val="accent1">
+                    <a:shade val="45000"/>
+                    <a:satMod val="135000"/>
+                  </a:schemeClr>
+                  <a:prstClr val="white"/>
+                </a:duotone>
+                <a:extLst>
+                  <a:ext uri="{BEBA8EAE-BF5A-486C-A8C5-ECC9F3942E4B}">
+                    <a14:imgProps xmlns:a14="http://schemas.microsoft.com/office/drawing/2010/main">
+                      <a14:imgLayer r:embed="rId5">
+                        <a14:imgEffect>
+                          <a14:saturation sat="95000"/>
+                        </a14:imgEffect>
+                        <a14:imgEffect>
+                          <a14:brightnessContrast bright="-40000" contrast="20000"/>
+                        </a14:imgEffect>
+                      </a14:imgLayer>
+                    </a14:imgProps>
+                  </a:ext>
+                </a:extLst>
+              </a:blip>
+              <a:srcRect/>
+              <a:tile tx="50800" ty="0" sx="85000" sy="85000" flip="none" algn="tl"/>
+            </a:blipFill>
+            <a:ln w="25400" cap="flat" cmpd="sng" algn="ctr">
+              <a:noFill/>
+              <a:prstDash val="solid"/>
+            </a:ln>
+            <a:effectLst/>
+          </p:spPr>
+        </p:sp>
+        <p:sp>
+          <p:nvSpPr>
+            <p:cNvPr id="14" name="Oval 13"/>
+            <p:cNvSpPr>
+              <a:spLocks noChangeAspect="1"/>
+            </p:cNvSpPr>
+            <p:nvPr/>
+          </p:nvSpPr>
+          <p:spPr>
+            <a:xfrm>
+              <a:off x="8568766" y="5105400"/>
+              <a:ext cx="320039" cy="320040"/>
+            </a:xfrm>
+            <a:prstGeom prst="ellipse">
+              <a:avLst/>
+            </a:prstGeom>
+            <a:noFill/>
+            <a:ln w="12700" cap="flat" cmpd="sng" algn="ctr">
+              <a:solidFill>
+                <a:srgbClr val="FFFFFF"/>
+              </a:solidFill>
+              <a:prstDash val="solid"/>
+            </a:ln>
+            <a:effectLst/>
+          </p:spPr>
+        </p:sp>
+      </p:grpSp>
+      <p:sp>
+        <p:nvSpPr>
+          <p:cNvPr id="8" name="Date Placeholder 7"/>
           <p:cNvSpPr>
             <a:spLocks noGrp="1"/>
           </p:cNvSpPr>
@@ -2998,26 +3959,7 @@
       </p:sp>
       <p:sp>
         <p:nvSpPr>
-          <p:cNvPr id="6" name="Footer Placeholder 5"/>
-          <p:cNvSpPr>
-            <a:spLocks noGrp="1"/>
-          </p:cNvSpPr>
-          <p:nvPr>
-            <p:ph type="ftr" sz="quarter" idx="11"/>
-          </p:nvPr>
-        </p:nvSpPr>
-        <p:spPr/>
-        <p:txBody>
-          <a:bodyPr/>
-          <a:lstStyle/>
-          <a:p>
-            <a:endParaRPr lang="en-SG"/>
-          </a:p>
-        </p:txBody>
-      </p:sp>
-      <p:sp>
-        <p:nvSpPr>
-          <p:cNvPr id="7" name="Slide Number Placeholder 6"/>
+          <p:cNvPr id="10" name="Slide Number Placeholder 9"/>
           <p:cNvSpPr>
             <a:spLocks noGrp="1"/>
           </p:cNvSpPr>
@@ -3041,7 +3983,7 @@
     </p:spTree>
     <p:extLst>
       <p:ext uri="{BB962C8B-B14F-4D97-AF65-F5344CB8AC3E}">
-        <p14:creationId xmlns:p14="http://schemas.microsoft.com/office/powerpoint/2010/main" val="591436121"/>
+        <p14:creationId xmlns:p14="http://schemas.microsoft.com/office/powerpoint/2010/main" val="501859154"/>
       </p:ext>
     </p:extLst>
   </p:cSld>
@@ -3073,6 +4015,97 @@
           <a:chExt cx="0" cy="0"/>
         </a:xfrm>
       </p:grpSpPr>
+      <p:grpSp>
+        <p:nvGrpSpPr>
+          <p:cNvPr id="12" name="Group 11"/>
+          <p:cNvGrpSpPr/>
+          <p:nvPr/>
+        </p:nvGrpSpPr>
+        <p:grpSpPr>
+          <a:xfrm>
+            <a:off x="8522664" y="6255258"/>
+            <a:ext cx="393192" cy="393192"/>
+            <a:chOff x="8532189" y="5068824"/>
+            <a:chExt cx="393192" cy="393192"/>
+          </a:xfrm>
+        </p:grpSpPr>
+        <p:sp>
+          <p:nvSpPr>
+            <p:cNvPr id="8" name="Oval 7"/>
+            <p:cNvSpPr>
+              <a:spLocks noChangeAspect="1"/>
+            </p:cNvSpPr>
+            <p:nvPr/>
+          </p:nvSpPr>
+          <p:spPr>
+            <a:xfrm>
+              <a:off x="8532189" y="5068824"/>
+              <a:ext cx="393192" cy="393192"/>
+            </a:xfrm>
+            <a:prstGeom prst="ellipse">
+              <a:avLst/>
+            </a:prstGeom>
+            <a:blipFill dpi="0" rotWithShape="1">
+              <a:blip r:embed="rId13">
+                <a:duotone>
+                  <a:schemeClr val="accent1">
+                    <a:shade val="45000"/>
+                    <a:satMod val="135000"/>
+                  </a:schemeClr>
+                  <a:prstClr val="white"/>
+                </a:duotone>
+                <a:extLst>
+                  <a:ext uri="{BEBA8EAE-BF5A-486C-A8C5-ECC9F3942E4B}">
+                    <a14:imgProps xmlns:a14="http://schemas.microsoft.com/office/drawing/2010/main">
+                      <a14:imgLayer r:embed="rId14">
+                        <a14:imgEffect>
+                          <a14:saturation sat="95000"/>
+                        </a14:imgEffect>
+                        <a14:imgEffect>
+                          <a14:brightnessContrast bright="-40000" contrast="20000"/>
+                        </a14:imgEffect>
+                      </a14:imgLayer>
+                    </a14:imgProps>
+                  </a:ext>
+                </a:extLst>
+              </a:blip>
+              <a:srcRect/>
+              <a:tile tx="50800" ty="0" sx="85000" sy="85000" flip="none" algn="tl"/>
+            </a:blipFill>
+            <a:ln w="25400" cap="flat" cmpd="sng" algn="ctr">
+              <a:noFill/>
+              <a:prstDash val="solid"/>
+            </a:ln>
+            <a:effectLst/>
+          </p:spPr>
+        </p:sp>
+        <p:sp>
+          <p:nvSpPr>
+            <p:cNvPr id="9" name="Oval 8"/>
+            <p:cNvSpPr>
+              <a:spLocks noChangeAspect="1"/>
+            </p:cNvSpPr>
+            <p:nvPr/>
+          </p:nvSpPr>
+          <p:spPr>
+            <a:xfrm>
+              <a:off x="8568766" y="5105400"/>
+              <a:ext cx="320039" cy="320040"/>
+            </a:xfrm>
+            <a:prstGeom prst="ellipse">
+              <a:avLst/>
+            </a:prstGeom>
+            <a:noFill/>
+            <a:ln w="12700" cap="flat" cmpd="sng" algn="ctr">
+              <a:solidFill>
+                <a:srgbClr val="FFFFFF"/>
+              </a:solidFill>
+              <a:prstDash val="solid"/>
+            </a:ln>
+            <a:effectLst/>
+          </p:spPr>
+        </p:sp>
+      </p:grpSp>
       <p:sp>
         <p:nvSpPr>
           <p:cNvPr id="2" name="Title Placeholder 1"/>
@@ -3085,8 +4118,8 @@
         </p:nvSpPr>
         <p:spPr>
           <a:xfrm>
-            <a:off x="628650" y="365126"/>
-            <a:ext cx="7886700" cy="1325563"/>
+            <a:off x="685800" y="484632"/>
+            <a:ext cx="7772400" cy="1609344"/>
           </a:xfrm>
           <a:prstGeom prst="rect">
             <a:avLst/>
@@ -3118,8 +4151,8 @@
         </p:nvSpPr>
         <p:spPr>
           <a:xfrm>
-            <a:off x="628650" y="1825625"/>
-            <a:ext cx="7886700" cy="4351338"/>
+            <a:off x="685800" y="2121408"/>
+            <a:ext cx="7772400" cy="4050792"/>
           </a:xfrm>
           <a:prstGeom prst="rect">
             <a:avLst/>
@@ -3180,8 +4213,8 @@
         </p:nvSpPr>
         <p:spPr>
           <a:xfrm>
-            <a:off x="628650" y="6356351"/>
-            <a:ext cx="2057400" cy="365125"/>
+            <a:off x="5992368" y="6272785"/>
+            <a:ext cx="2455164" cy="365125"/>
           </a:xfrm>
           <a:prstGeom prst="rect">
             <a:avLst/>
@@ -3190,11 +4223,11 @@
         <p:txBody>
           <a:bodyPr vert="horz" lIns="91440" tIns="45720" rIns="91440" bIns="45720" rtlCol="0" anchor="ctr"/>
           <a:lstStyle>
-            <a:lvl1pPr algn="l">
-              <a:defRPr sz="1200">
+            <a:lvl1pPr algn="r">
+              <a:defRPr sz="1000">
                 <a:solidFill>
-                  <a:schemeClr val="tx1">
-                    <a:tint val="75000"/>
+                  <a:schemeClr val="accent1">
+                    <a:lumMod val="50000"/>
                   </a:schemeClr>
                 </a:solidFill>
               </a:defRPr>
@@ -3221,8 +4254,8 @@
         </p:nvSpPr>
         <p:spPr>
           <a:xfrm>
-            <a:off x="3028950" y="6356351"/>
-            <a:ext cx="3086100" cy="365125"/>
+            <a:off x="685800" y="6272785"/>
+            <a:ext cx="4745736" cy="365125"/>
           </a:xfrm>
           <a:prstGeom prst="rect">
             <a:avLst/>
@@ -3231,11 +4264,11 @@
         <p:txBody>
           <a:bodyPr vert="horz" lIns="91440" tIns="45720" rIns="91440" bIns="45720" rtlCol="0" anchor="ctr"/>
           <a:lstStyle>
-            <a:lvl1pPr algn="ctr">
-              <a:defRPr sz="1200">
+            <a:lvl1pPr algn="l">
+              <a:defRPr sz="1000">
                 <a:solidFill>
-                  <a:schemeClr val="tx1">
-                    <a:tint val="75000"/>
+                  <a:schemeClr val="accent1">
+                    <a:lumMod val="50000"/>
                   </a:schemeClr>
                 </a:solidFill>
               </a:defRPr>
@@ -3258,8 +4291,8 @@
         </p:nvSpPr>
         <p:spPr>
           <a:xfrm>
-            <a:off x="6457950" y="6356351"/>
-            <a:ext cx="2057400" cy="365125"/>
+            <a:off x="8483346" y="6272785"/>
+            <a:ext cx="480060" cy="365125"/>
           </a:xfrm>
           <a:prstGeom prst="rect">
             <a:avLst/>
@@ -3268,13 +4301,12 @@
         <p:txBody>
           <a:bodyPr vert="horz" lIns="91440" tIns="45720" rIns="91440" bIns="45720" rtlCol="0" anchor="ctr"/>
           <a:lstStyle>
-            <a:lvl1pPr algn="r">
-              <a:defRPr sz="1200">
+            <a:lvl1pPr algn="ctr">
+              <a:defRPr sz="1100" b="1" spc="-70" baseline="0">
                 <a:solidFill>
-                  <a:schemeClr val="tx1">
-                    <a:tint val="75000"/>
-                  </a:schemeClr>
+                  <a:srgbClr val="FFFFFF"/>
                 </a:solidFill>
+                <a:latin typeface="+mn-lt"/>
               </a:defRPr>
             </a:lvl1pPr>
           </a:lstStyle>
@@ -3290,23 +4322,23 @@
     </p:spTree>
     <p:extLst>
       <p:ext uri="{BB962C8B-B14F-4D97-AF65-F5344CB8AC3E}">
-        <p14:creationId xmlns:p14="http://schemas.microsoft.com/office/powerpoint/2010/main" val="1773955631"/>
+        <p14:creationId xmlns:p14="http://schemas.microsoft.com/office/powerpoint/2010/main" val="95702650"/>
       </p:ext>
     </p:extLst>
   </p:cSld>
   <p:clrMap bg1="lt1" tx1="dk1" bg2="lt2" tx2="dk2" accent1="accent1" accent2="accent2" accent3="accent3" accent4="accent4" accent5="accent5" accent6="accent6" hlink="hlink" folHlink="folHlink"/>
   <p:sldLayoutIdLst>
-    <p:sldLayoutId id="2147483661" r:id="rId1"/>
-    <p:sldLayoutId id="2147483662" r:id="rId2"/>
-    <p:sldLayoutId id="2147483663" r:id="rId3"/>
-    <p:sldLayoutId id="2147483664" r:id="rId4"/>
-    <p:sldLayoutId id="2147483665" r:id="rId5"/>
-    <p:sldLayoutId id="2147483666" r:id="rId6"/>
-    <p:sldLayoutId id="2147483667" r:id="rId7"/>
-    <p:sldLayoutId id="2147483668" r:id="rId8"/>
-    <p:sldLayoutId id="2147483669" r:id="rId9"/>
-    <p:sldLayoutId id="2147483670" r:id="rId10"/>
-    <p:sldLayoutId id="2147483671" r:id="rId11"/>
+    <p:sldLayoutId id="2147483673" r:id="rId1"/>
+    <p:sldLayoutId id="2147483674" r:id="rId2"/>
+    <p:sldLayoutId id="2147483675" r:id="rId3"/>
+    <p:sldLayoutId id="2147483676" r:id="rId4"/>
+    <p:sldLayoutId id="2147483677" r:id="rId5"/>
+    <p:sldLayoutId id="2147483678" r:id="rId6"/>
+    <p:sldLayoutId id="2147483679" r:id="rId7"/>
+    <p:sldLayoutId id="2147483680" r:id="rId8"/>
+    <p:sldLayoutId id="2147483681" r:id="rId9"/>
+    <p:sldLayoutId id="2147483682" r:id="rId10"/>
+    <p:sldLayoutId id="2147483683" r:id="rId11"/>
   </p:sldLayoutIdLst>
   <p:txStyles>
     <p:titleStyle>
@@ -3318,10 +4350,17 @@
           <a:spcPct val="0"/>
         </a:spcBef>
         <a:buNone/>
-        <a:defRPr sz="4400" kern="1200">
-          <a:solidFill>
-            <a:schemeClr val="tx1"/>
-          </a:solidFill>
+        <a:defRPr sz="4200" b="0" kern="1200" cap="all" baseline="0">
+          <a:blipFill>
+            <a:blip r:embed="rId15">
+              <a:extLst>
+                <a:ext uri="{28A0092B-C50C-407E-A947-70E740481C1C}">
+                  <a14:useLocalDpi xmlns:a14="http://schemas.microsoft.com/office/drawing/2010/main" val="0"/>
+                </a:ext>
+              </a:extLst>
+            </a:blip>
+            <a:tile tx="6350" ty="-127000" sx="65000" sy="64000" flip="none" algn="tl"/>
+          </a:blipFill>
           <a:latin typeface="+mj-lt"/>
           <a:ea typeface="+mj-ea"/>
           <a:cs typeface="+mj-cs"/>
@@ -3329,16 +4368,22 @@
       </a:lvl1pPr>
     </p:titleStyle>
     <p:bodyStyle>
-      <a:lvl1pPr marL="228600" indent="-228600" algn="l" defTabSz="914400" rtl="0" eaLnBrk="1" latinLnBrk="0" hangingPunct="1">
+      <a:lvl1pPr marL="182880" indent="-182880" algn="l" defTabSz="914400" rtl="0" eaLnBrk="1" latinLnBrk="0" hangingPunct="1">
         <a:lnSpc>
           <a:spcPct val="90000"/>
         </a:lnSpc>
         <a:spcBef>
-          <a:spcPts val="1000"/>
+          <a:spcPts val="1200"/>
         </a:spcBef>
-        <a:buFont typeface="Arial" panose="020B0604020202020204" pitchFamily="34" charset="0"/>
-        <a:buChar char="•"/>
-        <a:defRPr sz="2800" kern="1200">
+        <a:buClr>
+          <a:schemeClr val="accent1">
+            <a:lumMod val="75000"/>
+          </a:schemeClr>
+        </a:buClr>
+        <a:buSzPct val="85000"/>
+        <a:buFont typeface="Wingdings" pitchFamily="2" charset="2"/>
+        <a:buChar char="§"/>
+        <a:defRPr sz="2000" kern="1200">
           <a:solidFill>
             <a:schemeClr val="tx1"/>
           </a:solidFill>
@@ -3347,16 +4392,25 @@
           <a:cs typeface="+mn-cs"/>
         </a:defRPr>
       </a:lvl1pPr>
-      <a:lvl2pPr marL="685800" indent="-228600" algn="l" defTabSz="914400" rtl="0" eaLnBrk="1" latinLnBrk="0" hangingPunct="1">
+      <a:lvl2pPr marL="457200" indent="-182880" algn="l" defTabSz="914400" rtl="0" eaLnBrk="1" latinLnBrk="0" hangingPunct="1">
         <a:lnSpc>
           <a:spcPct val="90000"/>
         </a:lnSpc>
         <a:spcBef>
-          <a:spcPts val="500"/>
+          <a:spcPts val="400"/>
         </a:spcBef>
-        <a:buFont typeface="Arial" panose="020B0604020202020204" pitchFamily="34" charset="0"/>
-        <a:buChar char="•"/>
-        <a:defRPr sz="2400" kern="1200">
+        <a:spcAft>
+          <a:spcPts val="200"/>
+        </a:spcAft>
+        <a:buClr>
+          <a:schemeClr val="accent1">
+            <a:lumMod val="75000"/>
+          </a:schemeClr>
+        </a:buClr>
+        <a:buSzPct val="85000"/>
+        <a:buFont typeface="Wingdings" pitchFamily="2" charset="2"/>
+        <a:buChar char="§"/>
+        <a:defRPr sz="1800" kern="1200">
           <a:solidFill>
             <a:schemeClr val="tx1"/>
           </a:solidFill>
@@ -3365,16 +4419,25 @@
           <a:cs typeface="+mn-cs"/>
         </a:defRPr>
       </a:lvl2pPr>
-      <a:lvl3pPr marL="1143000" indent="-228600" algn="l" defTabSz="914400" rtl="0" eaLnBrk="1" latinLnBrk="0" hangingPunct="1">
+      <a:lvl3pPr marL="731520" indent="-182880" algn="l" defTabSz="914400" rtl="0" eaLnBrk="1" latinLnBrk="0" hangingPunct="1">
         <a:lnSpc>
           <a:spcPct val="90000"/>
         </a:lnSpc>
         <a:spcBef>
-          <a:spcPts val="500"/>
+          <a:spcPts val="400"/>
         </a:spcBef>
-        <a:buFont typeface="Arial" panose="020B0604020202020204" pitchFamily="34" charset="0"/>
-        <a:buChar char="•"/>
-        <a:defRPr sz="2000" kern="1200">
+        <a:spcAft>
+          <a:spcPts val="200"/>
+        </a:spcAft>
+        <a:buClr>
+          <a:schemeClr val="accent1">
+            <a:lumMod val="75000"/>
+          </a:schemeClr>
+        </a:buClr>
+        <a:buSzPct val="85000"/>
+        <a:buFont typeface="Wingdings" pitchFamily="2" charset="2"/>
+        <a:buChar char="§"/>
+        <a:defRPr sz="1600" kern="1200">
           <a:solidFill>
             <a:schemeClr val="tx1"/>
           </a:solidFill>
@@ -3383,16 +4446,25 @@
           <a:cs typeface="+mn-cs"/>
         </a:defRPr>
       </a:lvl3pPr>
-      <a:lvl4pPr marL="1600200" indent="-228600" algn="l" defTabSz="914400" rtl="0" eaLnBrk="1" latinLnBrk="0" hangingPunct="1">
+      <a:lvl4pPr marL="1005840" indent="-182880" algn="l" defTabSz="914400" rtl="0" eaLnBrk="1" latinLnBrk="0" hangingPunct="1">
         <a:lnSpc>
           <a:spcPct val="90000"/>
         </a:lnSpc>
         <a:spcBef>
-          <a:spcPts val="500"/>
+          <a:spcPts val="400"/>
         </a:spcBef>
-        <a:buFont typeface="Arial" panose="020B0604020202020204" pitchFamily="34" charset="0"/>
-        <a:buChar char="•"/>
-        <a:defRPr sz="1800" kern="1200">
+        <a:spcAft>
+          <a:spcPts val="200"/>
+        </a:spcAft>
+        <a:buClr>
+          <a:schemeClr val="accent1">
+            <a:lumMod val="75000"/>
+          </a:schemeClr>
+        </a:buClr>
+        <a:buSzPct val="85000"/>
+        <a:buFont typeface="Wingdings" pitchFamily="2" charset="2"/>
+        <a:buChar char="§"/>
+        <a:defRPr sz="1600" kern="1200">
           <a:solidFill>
             <a:schemeClr val="tx1"/>
           </a:solidFill>
@@ -3401,16 +4473,25 @@
           <a:cs typeface="+mn-cs"/>
         </a:defRPr>
       </a:lvl4pPr>
-      <a:lvl5pPr marL="2057400" indent="-228600" algn="l" defTabSz="914400" rtl="0" eaLnBrk="1" latinLnBrk="0" hangingPunct="1">
+      <a:lvl5pPr marL="1280160" indent="-182880" algn="l" defTabSz="914400" rtl="0" eaLnBrk="1" latinLnBrk="0" hangingPunct="1">
         <a:lnSpc>
           <a:spcPct val="90000"/>
         </a:lnSpc>
         <a:spcBef>
-          <a:spcPts val="500"/>
+          <a:spcPts val="400"/>
         </a:spcBef>
-        <a:buFont typeface="Arial" panose="020B0604020202020204" pitchFamily="34" charset="0"/>
-        <a:buChar char="•"/>
-        <a:defRPr sz="1800" kern="1200">
+        <a:spcAft>
+          <a:spcPts val="200"/>
+        </a:spcAft>
+        <a:buClr>
+          <a:schemeClr val="accent1">
+            <a:lumMod val="75000"/>
+          </a:schemeClr>
+        </a:buClr>
+        <a:buSzPct val="85000"/>
+        <a:buFont typeface="Wingdings" pitchFamily="2" charset="2"/>
+        <a:buChar char="§"/>
+        <a:defRPr sz="1600" kern="1200">
           <a:solidFill>
             <a:schemeClr val="tx1"/>
           </a:solidFill>
@@ -3419,16 +4500,25 @@
           <a:cs typeface="+mn-cs"/>
         </a:defRPr>
       </a:lvl5pPr>
-      <a:lvl6pPr marL="2514600" indent="-228600" algn="l" defTabSz="914400" rtl="0" eaLnBrk="1" latinLnBrk="0" hangingPunct="1">
+      <a:lvl6pPr marL="1600000" indent="-228600" algn="l" defTabSz="914400" rtl="0" eaLnBrk="1" latinLnBrk="0" hangingPunct="1">
         <a:lnSpc>
           <a:spcPct val="90000"/>
         </a:lnSpc>
         <a:spcBef>
-          <a:spcPts val="500"/>
+          <a:spcPts val="400"/>
         </a:spcBef>
-        <a:buFont typeface="Arial" panose="020B0604020202020204" pitchFamily="34" charset="0"/>
-        <a:buChar char="•"/>
-        <a:defRPr sz="1800" kern="1200">
+        <a:spcAft>
+          <a:spcPts val="200"/>
+        </a:spcAft>
+        <a:buClr>
+          <a:schemeClr val="accent1">
+            <a:lumMod val="75000"/>
+          </a:schemeClr>
+        </a:buClr>
+        <a:buSzPct val="85000"/>
+        <a:buFont typeface="Wingdings" pitchFamily="2" charset="2"/>
+        <a:buChar char="§"/>
+        <a:defRPr sz="1600" kern="1200">
           <a:solidFill>
             <a:schemeClr val="tx1"/>
           </a:solidFill>
@@ -3437,16 +4527,25 @@
           <a:cs typeface="+mn-cs"/>
         </a:defRPr>
       </a:lvl6pPr>
-      <a:lvl7pPr marL="2971800" indent="-228600" algn="l" defTabSz="914400" rtl="0" eaLnBrk="1" latinLnBrk="0" hangingPunct="1">
+      <a:lvl7pPr marL="1900000" indent="-228600" algn="l" defTabSz="914400" rtl="0" eaLnBrk="1" latinLnBrk="0" hangingPunct="1">
         <a:lnSpc>
           <a:spcPct val="90000"/>
         </a:lnSpc>
         <a:spcBef>
-          <a:spcPts val="500"/>
+          <a:spcPts val="400"/>
         </a:spcBef>
-        <a:buFont typeface="Arial" panose="020B0604020202020204" pitchFamily="34" charset="0"/>
-        <a:buChar char="•"/>
-        <a:defRPr sz="1800" kern="1200">
+        <a:spcAft>
+          <a:spcPts val="200"/>
+        </a:spcAft>
+        <a:buClr>
+          <a:schemeClr val="accent1">
+            <a:lumMod val="75000"/>
+          </a:schemeClr>
+        </a:buClr>
+        <a:buSzPct val="85000"/>
+        <a:buFont typeface="Wingdings" pitchFamily="2" charset="2"/>
+        <a:buChar char="§"/>
+        <a:defRPr sz="1600" kern="1200">
           <a:solidFill>
             <a:schemeClr val="tx1"/>
           </a:solidFill>
@@ -3455,16 +4554,25 @@
           <a:cs typeface="+mn-cs"/>
         </a:defRPr>
       </a:lvl7pPr>
-      <a:lvl8pPr marL="3429000" indent="-228600" algn="l" defTabSz="914400" rtl="0" eaLnBrk="1" latinLnBrk="0" hangingPunct="1">
+      <a:lvl8pPr marL="2200000" indent="-228600" algn="l" defTabSz="914400" rtl="0" eaLnBrk="1" latinLnBrk="0" hangingPunct="1">
         <a:lnSpc>
           <a:spcPct val="90000"/>
         </a:lnSpc>
         <a:spcBef>
-          <a:spcPts val="500"/>
+          <a:spcPts val="400"/>
         </a:spcBef>
-        <a:buFont typeface="Arial" panose="020B0604020202020204" pitchFamily="34" charset="0"/>
-        <a:buChar char="•"/>
-        <a:defRPr sz="1800" kern="1200">
+        <a:spcAft>
+          <a:spcPts val="200"/>
+        </a:spcAft>
+        <a:buClr>
+          <a:schemeClr val="accent1">
+            <a:lumMod val="75000"/>
+          </a:schemeClr>
+        </a:buClr>
+        <a:buSzPct val="85000"/>
+        <a:buFont typeface="Wingdings" pitchFamily="2" charset="2"/>
+        <a:buChar char="§"/>
+        <a:defRPr sz="1600" kern="1200">
           <a:solidFill>
             <a:schemeClr val="tx1"/>
           </a:solidFill>
@@ -3473,16 +4581,25 @@
           <a:cs typeface="+mn-cs"/>
         </a:defRPr>
       </a:lvl8pPr>
-      <a:lvl9pPr marL="3886200" indent="-228600" algn="l" defTabSz="914400" rtl="0" eaLnBrk="1" latinLnBrk="0" hangingPunct="1">
+      <a:lvl9pPr marL="2500000" indent="-228600" algn="l" defTabSz="914400" rtl="0" eaLnBrk="1" latinLnBrk="0" hangingPunct="1">
         <a:lnSpc>
           <a:spcPct val="90000"/>
         </a:lnSpc>
         <a:spcBef>
-          <a:spcPts val="500"/>
+          <a:spcPts val="400"/>
         </a:spcBef>
-        <a:buFont typeface="Arial" panose="020B0604020202020204" pitchFamily="34" charset="0"/>
-        <a:buChar char="•"/>
-        <a:defRPr sz="1800" kern="1200">
+        <a:spcAft>
+          <a:spcPts val="200"/>
+        </a:spcAft>
+        <a:buClr>
+          <a:schemeClr val="accent1">
+            <a:lumMod val="75000"/>
+          </a:schemeClr>
+        </a:buClr>
+        <a:buSzPct val="85000"/>
+        <a:buFont typeface="Wingdings" pitchFamily="2" charset="2"/>
+        <a:buChar char="§"/>
+        <a:defRPr sz="1600" kern="1200">
           <a:solidFill>
             <a:schemeClr val="tx1"/>
           </a:solidFill>
@@ -4210,8 +5327,8 @@
           </a:p>
         </p:txBody>
       </p:sp>
-      <mc:AlternateContent xmlns:mc="http://schemas.openxmlformats.org/markup-compatibility/2006" xmlns:a14="http://schemas.microsoft.com/office/drawing/2010/main">
-        <mc:Choice Requires="a14">
+      <mc:AlternateContent xmlns:mc="http://schemas.openxmlformats.org/markup-compatibility/2006">
+        <mc:Choice xmlns:a14="http://schemas.microsoft.com/office/drawing/2010/main" Requires="a14">
           <p:sp>
             <p:nvSpPr>
               <p:cNvPr id="6" name="Content Placeholder 5"/>
@@ -4225,7 +5342,7 @@
             <p:spPr/>
             <p:txBody>
               <a:bodyPr>
-                <a:normAutofit fontScale="85000" lnSpcReduction="10000"/>
+                <a:normAutofit lnSpcReduction="10000"/>
               </a:bodyPr>
               <a:lstStyle/>
               <a:p>
@@ -4509,7 +5626,7 @@
             </p:txBody>
           </p:sp>
         </mc:Choice>
-        <mc:Fallback xmlns="">
+        <mc:Fallback>
           <p:sp>
             <p:nvSpPr>
               <p:cNvPr id="6" name="Content Placeholder 5"/>
@@ -4524,7 +5641,7 @@
               <a:blipFill>
                 <a:blip r:embed="rId3"/>
                 <a:stretch>
-                  <a:fillRect l="-1005" b="-14426"/>
+                  <a:fillRect l="-392" b="-12782"/>
                 </a:stretch>
               </a:blipFill>
             </p:spPr>
@@ -4608,7 +5725,7 @@
         <p:spPr/>
         <p:txBody>
           <a:bodyPr>
-            <a:normAutofit fontScale="62500" lnSpcReduction="20000"/>
+            <a:normAutofit fontScale="70000" lnSpcReduction="20000"/>
           </a:bodyPr>
           <a:lstStyle/>
           <a:p>
@@ -4807,8 +5924,8 @@
           </p:nvPr>
         </p:nvGraphicFramePr>
         <p:xfrm>
-          <a:off x="628650" y="1825625"/>
-          <a:ext cx="7886702" cy="4307840"/>
+          <a:off x="685800" y="2120900"/>
+          <a:ext cx="7772400" cy="4051300"/>
         </p:xfrm>
         <a:graphic>
           <a:graphicData uri="http://schemas.openxmlformats.org/drawingml/2006/table">
@@ -4817,35 +5934,35 @@
                 <a:tableStyleId>{5940675A-B579-460E-94D1-54222C63F5DA}</a:tableStyleId>
               </a:tblPr>
               <a:tblGrid>
-                <a:gridCol w="2482850">
+                <a:gridCol w="2446867">
                   <a:extLst>
                     <a:ext uri="{9D8B030D-6E8A-4147-A177-3AD203B41FA5}">
                       <a16:colId xmlns:a16="http://schemas.microsoft.com/office/drawing/2014/main" val="4014827172"/>
                     </a:ext>
                   </a:extLst>
                 </a:gridCol>
-                <a:gridCol w="1350963">
+                <a:gridCol w="1331384">
                   <a:extLst>
                     <a:ext uri="{9D8B030D-6E8A-4147-A177-3AD203B41FA5}">
                       <a16:colId xmlns:a16="http://schemas.microsoft.com/office/drawing/2014/main" val="492530524"/>
                     </a:ext>
                   </a:extLst>
                 </a:gridCol>
-                <a:gridCol w="1350963">
+                <a:gridCol w="1331384">
                   <a:extLst>
                     <a:ext uri="{9D8B030D-6E8A-4147-A177-3AD203B41FA5}">
                       <a16:colId xmlns:a16="http://schemas.microsoft.com/office/drawing/2014/main" val="2093994012"/>
                     </a:ext>
                   </a:extLst>
                 </a:gridCol>
-                <a:gridCol w="1350963">
+                <a:gridCol w="1331384">
                   <a:extLst>
                     <a:ext uri="{9D8B030D-6E8A-4147-A177-3AD203B41FA5}">
                       <a16:colId xmlns:a16="http://schemas.microsoft.com/office/drawing/2014/main" val="2619117964"/>
                     </a:ext>
                   </a:extLst>
                 </a:gridCol>
-                <a:gridCol w="1350963">
+                <a:gridCol w="1331384">
                   <a:extLst>
                     <a:ext uri="{9D8B030D-6E8A-4147-A177-3AD203B41FA5}">
                       <a16:colId xmlns:a16="http://schemas.microsoft.com/office/drawing/2014/main" val="3288823874"/>
@@ -4866,7 +5983,7 @@
                       </a:r>
                     </a:p>
                   </a:txBody>
-                  <a:tcPr anchor="ctr"/>
+                  <a:tcPr marL="90115" marR="90115" anchor="ctr"/>
                 </a:tc>
                 <a:tc gridSpan="2">
                   <a:txBody>
@@ -4880,7 +5997,7 @@
                       </a:r>
                     </a:p>
                   </a:txBody>
-                  <a:tcPr/>
+                  <a:tcPr marL="90115" marR="90115"/>
                 </a:tc>
                 <a:tc hMerge="1">
                   <a:txBody>
@@ -4904,7 +6021,7 @@
                       </a:r>
                     </a:p>
                   </a:txBody>
-                  <a:tcPr/>
+                  <a:tcPr marL="90115" marR="90115"/>
                 </a:tc>
                 <a:tc hMerge="1">
                   <a:txBody>
@@ -4949,7 +6066,7 @@
                       </a:r>
                     </a:p>
                   </a:txBody>
-                  <a:tcPr/>
+                  <a:tcPr marL="90115" marR="90115"/>
                 </a:tc>
                 <a:tc>
                   <a:txBody>
@@ -4963,7 +6080,7 @@
                       </a:r>
                     </a:p>
                   </a:txBody>
-                  <a:tcPr/>
+                  <a:tcPr marL="90115" marR="90115"/>
                 </a:tc>
                 <a:tc>
                   <a:txBody>
@@ -4977,7 +6094,7 @@
                       </a:r>
                     </a:p>
                   </a:txBody>
-                  <a:tcPr/>
+                  <a:tcPr marL="90115" marR="90115"/>
                 </a:tc>
                 <a:tc>
                   <a:txBody>
@@ -4991,7 +6108,7 @@
                       </a:r>
                     </a:p>
                   </a:txBody>
-                  <a:tcPr/>
+                  <a:tcPr marL="90115" marR="90115"/>
                 </a:tc>
                 <a:extLst>
                   <a:ext uri="{0D108BD9-81ED-4DB2-BD59-A6C34878D82A}">
@@ -5045,7 +6162,7 @@
                       </a:r>
                     </a:p>
                   </a:txBody>
-                  <a:tcPr/>
+                  <a:tcPr marL="90115" marR="90115"/>
                 </a:tc>
                 <a:tc>
                   <a:txBody>
@@ -5059,7 +6176,7 @@
                       </a:r>
                     </a:p>
                   </a:txBody>
-                  <a:tcPr anchor="ctr"/>
+                  <a:tcPr marL="90115" marR="90115" anchor="ctr"/>
                 </a:tc>
                 <a:tc>
                   <a:txBody>
@@ -5073,7 +6190,7 @@
                       </a:r>
                     </a:p>
                   </a:txBody>
-                  <a:tcPr anchor="ctr"/>
+                  <a:tcPr marL="90115" marR="90115" anchor="ctr"/>
                 </a:tc>
                 <a:tc>
                   <a:txBody>
@@ -5087,7 +6204,7 @@
                       </a:r>
                     </a:p>
                   </a:txBody>
-                  <a:tcPr anchor="ctr"/>
+                  <a:tcPr marL="90115" marR="90115" anchor="ctr"/>
                 </a:tc>
                 <a:tc>
                   <a:txBody>
@@ -5101,7 +6218,7 @@
                       </a:r>
                     </a:p>
                   </a:txBody>
-                  <a:tcPr anchor="ctr"/>
+                  <a:tcPr marL="90115" marR="90115" anchor="ctr"/>
                 </a:tc>
                 <a:extLst>
                   <a:ext uri="{0D108BD9-81ED-4DB2-BD59-A6C34878D82A}">
@@ -5155,7 +6272,7 @@
                       </a:r>
                     </a:p>
                   </a:txBody>
-                  <a:tcPr/>
+                  <a:tcPr marL="90115" marR="90115"/>
                 </a:tc>
                 <a:tc>
                   <a:txBody>
@@ -5169,7 +6286,7 @@
                       </a:r>
                     </a:p>
                   </a:txBody>
-                  <a:tcPr anchor="ctr"/>
+                  <a:tcPr marL="90115" marR="90115" anchor="ctr"/>
                 </a:tc>
                 <a:tc>
                   <a:txBody>
@@ -5183,7 +6300,7 @@
                       </a:r>
                     </a:p>
                   </a:txBody>
-                  <a:tcPr anchor="ctr"/>
+                  <a:tcPr marL="90115" marR="90115" anchor="ctr"/>
                 </a:tc>
                 <a:tc>
                   <a:txBody>
@@ -5197,7 +6314,7 @@
                       </a:r>
                     </a:p>
                   </a:txBody>
-                  <a:tcPr anchor="ctr"/>
+                  <a:tcPr marL="90115" marR="90115" anchor="ctr"/>
                 </a:tc>
                 <a:tc>
                   <a:txBody>
@@ -5211,7 +6328,7 @@
                       </a:r>
                     </a:p>
                   </a:txBody>
-                  <a:tcPr anchor="ctr"/>
+                  <a:tcPr marL="90115" marR="90115" anchor="ctr"/>
                 </a:tc>
                 <a:extLst>
                   <a:ext uri="{0D108BD9-81ED-4DB2-BD59-A6C34878D82A}">
@@ -5265,7 +6382,7 @@
                       </a:r>
                     </a:p>
                   </a:txBody>
-                  <a:tcPr/>
+                  <a:tcPr marL="90115" marR="90115"/>
                 </a:tc>
                 <a:tc>
                   <a:txBody>
@@ -5279,7 +6396,7 @@
                       </a:r>
                     </a:p>
                   </a:txBody>
-                  <a:tcPr anchor="ctr"/>
+                  <a:tcPr marL="90115" marR="90115" anchor="ctr"/>
                 </a:tc>
                 <a:tc>
                   <a:txBody>
@@ -5293,7 +6410,7 @@
                       </a:r>
                     </a:p>
                   </a:txBody>
-                  <a:tcPr anchor="ctr"/>
+                  <a:tcPr marL="90115" marR="90115" anchor="ctr"/>
                 </a:tc>
                 <a:tc>
                   <a:txBody>
@@ -5307,7 +6424,7 @@
                       </a:r>
                     </a:p>
                   </a:txBody>
-                  <a:tcPr anchor="ctr"/>
+                  <a:tcPr marL="90115" marR="90115" anchor="ctr"/>
                 </a:tc>
                 <a:tc>
                   <a:txBody>
@@ -5321,7 +6438,7 @@
                       </a:r>
                     </a:p>
                   </a:txBody>
-                  <a:tcPr anchor="ctr"/>
+                  <a:tcPr marL="90115" marR="90115" anchor="ctr"/>
                 </a:tc>
                 <a:extLst>
                   <a:ext uri="{0D108BD9-81ED-4DB2-BD59-A6C34878D82A}">
@@ -5436,12 +6553,12 @@
       </p:grpSpPr>
       <p:sp>
         <p:nvSpPr>
-          <p:cNvPr id="2" name="Title 1"/>
-          <p:cNvSpPr>
-            <a:spLocks noGrp="1"/>
-          </p:cNvSpPr>
-          <p:nvPr>
-            <p:ph type="title"/>
+          <p:cNvPr id="4" name="Title 3"/>
+          <p:cNvSpPr>
+            <a:spLocks noGrp="1"/>
+          </p:cNvSpPr>
+          <p:nvPr>
+            <p:ph type="ctrTitle"/>
           </p:nvPr>
         </p:nvSpPr>
         <p:spPr/>
@@ -5450,7 +6567,7 @@
           <a:lstStyle/>
           <a:p>
             <a:r>
-              <a:rPr lang="en-US" dirty="0"/>
+              <a:rPr lang="en-SG" dirty="0"/>
               <a:t>What is Random Forest?</a:t>
             </a:r>
           </a:p>
@@ -5458,12 +6575,12 @@
       </p:sp>
       <p:sp>
         <p:nvSpPr>
-          <p:cNvPr id="3" name="Content Placeholder 2"/>
-          <p:cNvSpPr>
-            <a:spLocks noGrp="1"/>
-          </p:cNvSpPr>
-          <p:nvPr>
-            <p:ph idx="1"/>
+          <p:cNvPr id="5" name="Subtitle 4"/>
+          <p:cNvSpPr>
+            <a:spLocks noGrp="1"/>
+          </p:cNvSpPr>
+          <p:nvPr>
+            <p:ph type="subTitle" idx="1"/>
           </p:nvPr>
         </p:nvSpPr>
         <p:spPr/>
@@ -5471,50 +6588,14 @@
           <a:bodyPr/>
           <a:lstStyle/>
           <a:p>
-            <a:r>
-              <a:rPr lang="en-US" dirty="0"/>
-              <a:t>Random forest is an algorithm that operate by constructing a multitude of decision trees at training time and outputting the prediction of the individual trees. </a:t>
-            </a:r>
-          </a:p>
-          <a:p>
-            <a:r>
-              <a:rPr lang="en-US" dirty="0"/>
-              <a:t>Library: </a:t>
-            </a:r>
-            <a:r>
-              <a:rPr lang="en-US" dirty="0" err="1"/>
-              <a:t>Scikit</a:t>
-            </a:r>
-            <a:r>
-              <a:rPr lang="en-US" dirty="0"/>
-              <a:t>-learn </a:t>
-            </a:r>
-            <a:r>
-              <a:rPr lang="en-US" dirty="0" err="1"/>
-              <a:t>RandomForestRegressor</a:t>
-            </a:r>
-            <a:endParaRPr lang="en-US" dirty="0"/>
-          </a:p>
-          <a:p>
-            <a:r>
-              <a:rPr lang="en-US" dirty="0"/>
-              <a:t>Dependency: </a:t>
-            </a:r>
-            <a:r>
-              <a:rPr lang="en-US" dirty="0" err="1"/>
-              <a:t>numpy</a:t>
-            </a:r>
-            <a:r>
-              <a:rPr lang="en-US" dirty="0"/>
-              <a:t>, pandas</a:t>
-            </a:r>
+            <a:endParaRPr lang="en-SG"/>
           </a:p>
         </p:txBody>
       </p:sp>
     </p:spTree>
     <p:extLst>
       <p:ext uri="{BB962C8B-B14F-4D97-AF65-F5344CB8AC3E}">
-        <p14:creationId xmlns:p14="http://schemas.microsoft.com/office/powerpoint/2010/main" val="1413317331"/>
+        <p14:creationId xmlns:p14="http://schemas.microsoft.com/office/powerpoint/2010/main" val="2986566242"/>
       </p:ext>
     </p:extLst>
   </p:cSld>
@@ -5558,7 +6639,7 @@
           <a:p>
             <a:r>
               <a:rPr lang="en-US" dirty="0"/>
-              <a:t>Preprocessing</a:t>
+              <a:t>Library and Dependency</a:t>
             </a:r>
           </a:p>
         </p:txBody>
@@ -5580,36 +6661,34 @@
           <a:p>
             <a:r>
               <a:rPr lang="en-US" dirty="0"/>
-              <a:t>Implemented one-hot encoding for </a:t>
+              <a:t>Library: </a:t>
             </a:r>
             <a:r>
               <a:rPr lang="en-US" dirty="0" err="1"/>
-              <a:t>DayOfWeek</a:t>
-            </a:r>
-            <a:r>
-              <a:rPr lang="en-US" dirty="0"/>
-              <a:t>, State Holiday, Assortment, and Store Type</a:t>
-            </a:r>
-          </a:p>
-          <a:p>
-            <a:r>
-              <a:rPr lang="en-US" dirty="0"/>
-              <a:t>Number of Features: 26</a:t>
-            </a:r>
-          </a:p>
-          <a:p>
-            <a:r>
-              <a:rPr lang="en-US" dirty="0"/>
-              <a:t>Each feature from each store was normalized using its corresponding standard deviation and mean</a:t>
-            </a:r>
-          </a:p>
-          <a:p>
-            <a:pPr marL="0" indent="0">
-              <a:buNone/>
-            </a:pPr>
-            <a:r>
-              <a:rPr lang="en-US" dirty="0"/>
-              <a:t> </a:t>
+              <a:t>Scikit</a:t>
+            </a:r>
+            <a:r>
+              <a:rPr lang="en-US" dirty="0"/>
+              <a:t>-learn </a:t>
+            </a:r>
+            <a:r>
+              <a:rPr lang="en-US" dirty="0" err="1"/>
+              <a:t>RandomForestRegressor</a:t>
+            </a:r>
+            <a:endParaRPr lang="en-US" dirty="0"/>
+          </a:p>
+          <a:p>
+            <a:r>
+              <a:rPr lang="en-US" dirty="0"/>
+              <a:t>Dependency: </a:t>
+            </a:r>
+            <a:r>
+              <a:rPr lang="en-US" dirty="0" err="1"/>
+              <a:t>numpy</a:t>
+            </a:r>
+            <a:r>
+              <a:rPr lang="en-US" dirty="0"/>
+              <a:t>, pandas</a:t>
             </a:r>
           </a:p>
         </p:txBody>
@@ -5617,7 +6696,7 @@
     </p:spTree>
     <p:extLst>
       <p:ext uri="{BB962C8B-B14F-4D97-AF65-F5344CB8AC3E}">
-        <p14:creationId xmlns:p14="http://schemas.microsoft.com/office/powerpoint/2010/main" val="880531649"/>
+        <p14:creationId xmlns:p14="http://schemas.microsoft.com/office/powerpoint/2010/main" val="1413317331"/>
       </p:ext>
     </p:extLst>
   </p:cSld>
@@ -5661,7 +6740,7 @@
           <a:p>
             <a:r>
               <a:rPr lang="en-US" dirty="0"/>
-              <a:t>Training	</a:t>
+              <a:t>Preprocessing</a:t>
             </a:r>
           </a:p>
         </p:txBody>
@@ -5683,39 +6762,42 @@
           <a:p>
             <a:r>
               <a:rPr lang="en-US" dirty="0"/>
-              <a:t>Training and Validation Ratio:</a:t>
-            </a:r>
-          </a:p>
-          <a:p>
-            <a:pPr lvl="1"/>
-            <a:r>
-              <a:rPr lang="en-US" dirty="0"/>
-              <a:t>First Trial: 80:20</a:t>
-            </a:r>
-          </a:p>
-          <a:p>
-            <a:pPr lvl="1"/>
-            <a:r>
-              <a:rPr lang="en-US" dirty="0"/>
-              <a:t>Second Trial: 50:50</a:t>
-            </a:r>
-          </a:p>
-          <a:p>
-            <a:r>
-              <a:rPr lang="en-US" dirty="0"/>
-              <a:t>Each store was trained, validated, and predicted independently from each other</a:t>
-            </a:r>
-          </a:p>
-          <a:p>
-            <a:r>
-              <a:rPr lang="en-US" dirty="0"/>
-              <a:t>Number of Trees: 30 (100)</a:t>
-            </a:r>
-          </a:p>
-          <a:p>
-            <a:r>
-              <a:rPr lang="en-US" dirty="0"/>
-              <a:t>Maximum Features: 0.7</a:t>
+              <a:t>Implemented one-hot encoding for </a:t>
+            </a:r>
+            <a:r>
+              <a:rPr lang="en-US" dirty="0" err="1"/>
+              <a:t>DayOfWeek</a:t>
+            </a:r>
+            <a:r>
+              <a:rPr lang="en-US" dirty="0"/>
+              <a:t>, State Holiday, Assortment, and Store Type</a:t>
+            </a:r>
+          </a:p>
+          <a:p>
+            <a:r>
+              <a:rPr lang="en-US" dirty="0"/>
+              <a:t>Number of Features: 26</a:t>
+            </a:r>
+          </a:p>
+          <a:p>
+            <a:r>
+              <a:rPr lang="en-US" dirty="0"/>
+              <a:t>Date is omitted</a:t>
+            </a:r>
+          </a:p>
+          <a:p>
+            <a:r>
+              <a:rPr lang="en-US" dirty="0"/>
+              <a:t>Each feature from each store was normalized using its corresponding standard deviation and mean</a:t>
+            </a:r>
+          </a:p>
+          <a:p>
+            <a:pPr marL="0" indent="0">
+              <a:buNone/>
+            </a:pPr>
+            <a:r>
+              <a:rPr lang="en-US" dirty="0"/>
+              <a:t> </a:t>
             </a:r>
           </a:p>
         </p:txBody>
@@ -5723,7 +6805,7 @@
     </p:spTree>
     <p:extLst>
       <p:ext uri="{BB962C8B-B14F-4D97-AF65-F5344CB8AC3E}">
-        <p14:creationId xmlns:p14="http://schemas.microsoft.com/office/powerpoint/2010/main" val="4278187125"/>
+        <p14:creationId xmlns:p14="http://schemas.microsoft.com/office/powerpoint/2010/main" val="880531649"/>
       </p:ext>
     </p:extLst>
   </p:cSld>
@@ -5962,7 +7044,7 @@
           <a:p>
             <a:r>
               <a:rPr lang="en-US" dirty="0"/>
-              <a:t>Result</a:t>
+              <a:t>Training	</a:t>
             </a:r>
           </a:p>
         </p:txBody>
@@ -5984,50 +7066,52 @@
           <a:p>
             <a:r>
               <a:rPr lang="en-US" dirty="0"/>
-              <a:t>Training vs Validation ratio 80:20</a:t>
+              <a:t>Training and Validation Ratio:</a:t>
             </a:r>
           </a:p>
           <a:p>
             <a:pPr lvl="1"/>
             <a:r>
               <a:rPr lang="en-US" dirty="0"/>
-              <a:t>Private Score: 0.15815</a:t>
+              <a:t>First Trial: 80:20</a:t>
             </a:r>
           </a:p>
           <a:p>
             <a:pPr lvl="1"/>
             <a:r>
               <a:rPr lang="en-US" dirty="0"/>
-              <a:t>Public Score: 0.14731</a:t>
-            </a:r>
-          </a:p>
-          <a:p>
-            <a:r>
-              <a:rPr lang="en-US" dirty="0"/>
-              <a:t>Training vs Validation ratio 50:50</a:t>
-            </a:r>
-          </a:p>
-          <a:p>
-            <a:pPr lvl="1"/>
-            <a:r>
-              <a:rPr lang="en-US" dirty="0"/>
-              <a:t>Private Score: 0.15703</a:t>
-            </a:r>
-          </a:p>
-          <a:p>
-            <a:pPr lvl="1"/>
+              <a:t>Second Trial: 50:50</a:t>
+            </a:r>
+          </a:p>
+          <a:p>
+            <a:r>
+              <a:rPr lang="en-US" dirty="0"/>
+              <a:t>Each store was trained, validated, and predicted independently from each other</a:t>
+            </a:r>
+          </a:p>
+          <a:p>
+            <a:r>
+              <a:rPr lang="en-US" dirty="0"/>
+              <a:t>Number of Trees</a:t>
+            </a:r>
             <a:r>
               <a:rPr lang="en-US"/>
-              <a:t>Public Score: 0.14604</a:t>
+              <a:t>: 30</a:t>
             </a:r>
             <a:endParaRPr lang="en-US" dirty="0"/>
+          </a:p>
+          <a:p>
+            <a:r>
+              <a:rPr lang="en-US" dirty="0"/>
+              <a:t>Maximum Features: 0.7</a:t>
+            </a:r>
           </a:p>
         </p:txBody>
       </p:sp>
     </p:spTree>
     <p:extLst>
       <p:ext uri="{BB962C8B-B14F-4D97-AF65-F5344CB8AC3E}">
-        <p14:creationId xmlns:p14="http://schemas.microsoft.com/office/powerpoint/2010/main" val="143699956"/>
+        <p14:creationId xmlns:p14="http://schemas.microsoft.com/office/powerpoint/2010/main" val="4278187125"/>
       </p:ext>
     </p:extLst>
   </p:cSld>
@@ -6071,9 +7155,8 @@
           <a:p>
             <a:r>
               <a:rPr lang="en-US" dirty="0"/>
-              <a:t>Conclusion</a:t>
-            </a:r>
-            <a:endParaRPr lang="en-SG" dirty="0"/>
+              <a:t>Result</a:t>
+            </a:r>
           </a:p>
         </p:txBody>
       </p:sp>
@@ -6094,6 +7177,116 @@
           <a:p>
             <a:r>
               <a:rPr lang="en-US" dirty="0"/>
+              <a:t>Training vs Validation ratio 80:20</a:t>
+            </a:r>
+          </a:p>
+          <a:p>
+            <a:pPr lvl="1"/>
+            <a:r>
+              <a:rPr lang="en-US" dirty="0"/>
+              <a:t>Private Score: 0.15815</a:t>
+            </a:r>
+          </a:p>
+          <a:p>
+            <a:pPr lvl="1"/>
+            <a:r>
+              <a:rPr lang="en-US" dirty="0"/>
+              <a:t>Public Score: 0.14731</a:t>
+            </a:r>
+          </a:p>
+          <a:p>
+            <a:r>
+              <a:rPr lang="en-US" dirty="0"/>
+              <a:t>Training vs Validation ratio 50:50</a:t>
+            </a:r>
+          </a:p>
+          <a:p>
+            <a:pPr lvl="1"/>
+            <a:r>
+              <a:rPr lang="en-US" dirty="0"/>
+              <a:t>Private Score: 0.15703</a:t>
+            </a:r>
+          </a:p>
+          <a:p>
+            <a:pPr lvl="1"/>
+            <a:r>
+              <a:rPr lang="en-US"/>
+              <a:t>Public Score: 0.14604</a:t>
+            </a:r>
+            <a:endParaRPr lang="en-US" dirty="0"/>
+          </a:p>
+        </p:txBody>
+      </p:sp>
+    </p:spTree>
+    <p:extLst>
+      <p:ext uri="{BB962C8B-B14F-4D97-AF65-F5344CB8AC3E}">
+        <p14:creationId xmlns:p14="http://schemas.microsoft.com/office/powerpoint/2010/main" val="143699956"/>
+      </p:ext>
+    </p:extLst>
+  </p:cSld>
+  <p:clrMapOvr>
+    <a:masterClrMapping/>
+  </p:clrMapOvr>
+</p:sld>
+</file>
+
+<file path=ppt/slides/slide22.xml><?xml version="1.0" encoding="utf-8"?>
+<p:sld xmlns:a="http://schemas.openxmlformats.org/drawingml/2006/main" xmlns:r="http://schemas.openxmlformats.org/officeDocument/2006/relationships" xmlns:p="http://schemas.openxmlformats.org/presentationml/2006/main">
+  <p:cSld>
+    <p:spTree>
+      <p:nvGrpSpPr>
+        <p:cNvPr id="1" name=""/>
+        <p:cNvGrpSpPr/>
+        <p:nvPr/>
+      </p:nvGrpSpPr>
+      <p:grpSpPr>
+        <a:xfrm>
+          <a:off x="0" y="0"/>
+          <a:ext cx="0" cy="0"/>
+          <a:chOff x="0" y="0"/>
+          <a:chExt cx="0" cy="0"/>
+        </a:xfrm>
+      </p:grpSpPr>
+      <p:sp>
+        <p:nvSpPr>
+          <p:cNvPr id="2" name="Title 1"/>
+          <p:cNvSpPr>
+            <a:spLocks noGrp="1"/>
+          </p:cNvSpPr>
+          <p:nvPr>
+            <p:ph type="title"/>
+          </p:nvPr>
+        </p:nvSpPr>
+        <p:spPr/>
+        <p:txBody>
+          <a:bodyPr/>
+          <a:lstStyle/>
+          <a:p>
+            <a:r>
+              <a:rPr lang="en-US" dirty="0"/>
+              <a:t>Conclusion</a:t>
+            </a:r>
+            <a:endParaRPr lang="en-SG" dirty="0"/>
+          </a:p>
+        </p:txBody>
+      </p:sp>
+      <p:sp>
+        <p:nvSpPr>
+          <p:cNvPr id="3" name="Content Placeholder 2"/>
+          <p:cNvSpPr>
+            <a:spLocks noGrp="1"/>
+          </p:cNvSpPr>
+          <p:nvPr>
+            <p:ph idx="1"/>
+          </p:nvPr>
+        </p:nvSpPr>
+        <p:spPr/>
+        <p:txBody>
+          <a:bodyPr/>
+          <a:lstStyle/>
+          <a:p>
+            <a:r>
+              <a:rPr lang="en-US" dirty="0"/>
               <a:t>LSTM per store and NN are not performing well.</a:t>
             </a:r>
           </a:p>
@@ -6101,11 +7294,13 @@
             <a:pPr lvl="1"/>
             <a:r>
               <a:rPr lang="en-US" dirty="0"/>
-              <a:t>Unable to increase the number of hidden units in LSTM or hidden layer due to </a:t>
-            </a:r>
-            <a:r>
-              <a:rPr lang="en-US"/>
-              <a:t>hardware limitation</a:t>
+              <a:t>Unable to increase the number of hidden units in LSTM or hidden layer due to hardware limitation</a:t>
+            </a:r>
+          </a:p>
+          <a:p>
+            <a:r>
+              <a:rPr lang="en-US" dirty="0"/>
+              <a:t>Lasso and Ridge perform better than Neural Network and Random Forest, in terms of RMSPE and Execution time.</a:t>
             </a:r>
           </a:p>
         </p:txBody>
@@ -6425,7 +7620,7 @@
         <p:spPr/>
         <p:txBody>
           <a:bodyPr>
-            <a:normAutofit lnSpcReduction="10000"/>
+            <a:normAutofit/>
           </a:bodyPr>
           <a:lstStyle/>
           <a:p>
@@ -7276,9 +8471,9 @@
 </file>
 
 <file path=ppt/theme/theme1.xml><?xml version="1.0" encoding="utf-8"?>
-<a:theme xmlns:a="http://schemas.openxmlformats.org/drawingml/2006/main" name="Office Theme">
+<a:theme xmlns:a="http://schemas.openxmlformats.org/drawingml/2006/main" name="Wood Type">
   <a:themeElements>
-    <a:clrScheme name="Office Theme">
+    <a:clrScheme name="Wood Type">
       <a:dk1>
         <a:sysClr val="windowText" lastClr="000000"/>
       </a:dk1>
@@ -7286,48 +8481,86 @@
         <a:sysClr val="window" lastClr="FFFFFF"/>
       </a:lt1>
       <a:dk2>
-        <a:srgbClr val="44546A"/>
+        <a:srgbClr val="696464"/>
       </a:dk2>
       <a:lt2>
-        <a:srgbClr val="E7E6E6"/>
+        <a:srgbClr val="E9E5DC"/>
       </a:lt2>
       <a:accent1>
-        <a:srgbClr val="5B9BD5"/>
+        <a:srgbClr val="D34817"/>
       </a:accent1>
       <a:accent2>
-        <a:srgbClr val="ED7D31"/>
+        <a:srgbClr val="9B2D1F"/>
       </a:accent2>
       <a:accent3>
-        <a:srgbClr val="A5A5A5"/>
+        <a:srgbClr val="A28E6A"/>
       </a:accent3>
       <a:accent4>
-        <a:srgbClr val="FFC000"/>
+        <a:srgbClr val="956251"/>
       </a:accent4>
       <a:accent5>
-        <a:srgbClr val="4472C4"/>
+        <a:srgbClr val="918485"/>
       </a:accent5>
       <a:accent6>
-        <a:srgbClr val="70AD47"/>
+        <a:srgbClr val="855D5D"/>
       </a:accent6>
       <a:hlink>
-        <a:srgbClr val="0563C1"/>
+        <a:srgbClr val="CC9900"/>
       </a:hlink>
       <a:folHlink>
-        <a:srgbClr val="954F72"/>
+        <a:srgbClr val="96A9A9"/>
       </a:folHlink>
     </a:clrScheme>
-    <a:fontScheme name="Office Theme">
+    <a:fontScheme name="Wood Type">
       <a:majorFont>
-        <a:latin typeface="Calibri Light" panose="020F0302020204030204"/>
+        <a:latin typeface="Rockwell Condensed" panose="02060603050405020104"/>
         <a:ea typeface=""/>
         <a:cs typeface=""/>
-        <a:font script="Jpan" typeface="游ゴシック Light"/>
-        <a:font script="Hang" typeface="맑은 고딕"/>
-        <a:font script="Hans" typeface="等线 Light"/>
-        <a:font script="Hant" typeface="新細明體"/>
+        <a:font script="Grek" typeface="Cambria"/>
+        <a:font script="Cyrl" typeface="Cambria"/>
+        <a:font script="Jpan" typeface="HG明朝B"/>
+        <a:font script="Hang" typeface="바탕"/>
+        <a:font script="Hans" typeface="方正姚体"/>
+        <a:font script="Hant" typeface="微軟正黑體"/>
         <a:font script="Arab" typeface="Times New Roman"/>
-        <a:font script="Hebr" typeface="Times New Roman"/>
-        <a:font script="Thai" typeface="Angsana New"/>
+        <a:font script="Hebr" typeface="David"/>
+        <a:font script="Thai" typeface="JasmineUPC"/>
+        <a:font script="Ethi" typeface="Nyala"/>
+        <a:font script="Beng" typeface="Vrinda"/>
+        <a:font script="Gujr" typeface="Shruti"/>
+        <a:font script="Khmr" typeface="MoolBoran"/>
+        <a:font script="Knda" typeface="Tunga"/>
+        <a:font script="Guru" typeface="Raavi"/>
+        <a:font script="Cans" typeface="Euphemia"/>
+        <a:font script="Cher" typeface="Plantagenet Cherokee"/>
+        <a:font script="Yiii" typeface="Microsoft Yi Baiti"/>
+        <a:font script="Tibt" typeface="Microsoft Himalaya"/>
+        <a:font script="Thaa" typeface="MV Boli"/>
+        <a:font script="Deva" typeface="Mangal"/>
+        <a:font script="Telu" typeface="Gautami"/>
+        <a:font script="Taml" typeface="Latha"/>
+        <a:font script="Syrc" typeface="Estrangelo Edessa"/>
+        <a:font script="Orya" typeface="Kalinga"/>
+        <a:font script="Mlym" typeface="Kartika"/>
+        <a:font script="Laoo" typeface="DokChampa"/>
+        <a:font script="Sinh" typeface="Iskoola Pota"/>
+        <a:font script="Mong" typeface="Mongolian Baiti"/>
+        <a:font script="Viet" typeface="Arial"/>
+        <a:font script="Uigh" typeface="Microsoft Uighur"/>
+      </a:majorFont>
+      <a:minorFont>
+        <a:latin typeface="Rockwell" panose="02060603020205020403"/>
+        <a:ea typeface=""/>
+        <a:cs typeface=""/>
+        <a:font script="Grek" typeface="Cambria"/>
+        <a:font script="Cyrl" typeface="Cambria"/>
+        <a:font script="Jpan" typeface="HG明朝B"/>
+        <a:font script="Hang" typeface="바탕"/>
+        <a:font script="Hans" typeface="方正姚体"/>
+        <a:font script="Hant" typeface="標楷體"/>
+        <a:font script="Arab" typeface="Times New Roman"/>
+        <a:font script="Hebr" typeface="David"/>
+        <a:font script="Thai" typeface="JasmineUPC"/>
         <a:font script="Ethi" typeface="Nyala"/>
         <a:font script="Beng" typeface="Vrinda"/>
         <a:font script="Gujr" typeface="Shruti"/>
@@ -7350,101 +8583,42 @@
         <a:font script="Mong" typeface="Mongolian Baiti"/>
         <a:font script="Viet" typeface="Times New Roman"/>
         <a:font script="Uigh" typeface="Microsoft Uighur"/>
-        <a:font script="Geor" typeface="Sylfaen"/>
-      </a:majorFont>
-      <a:minorFont>
-        <a:latin typeface="Calibri" panose="020F0502020204030204"/>
-        <a:ea typeface=""/>
-        <a:cs typeface=""/>
-        <a:font script="Jpan" typeface="游ゴシック"/>
-        <a:font script="Hang" typeface="맑은 고딕"/>
-        <a:font script="Hans" typeface="等线"/>
-        <a:font script="Hant" typeface="新細明體"/>
-        <a:font script="Arab" typeface="Arial"/>
-        <a:font script="Hebr" typeface="Arial"/>
-        <a:font script="Thai" typeface="Cordia New"/>
-        <a:font script="Ethi" typeface="Nyala"/>
-        <a:font script="Beng" typeface="Vrinda"/>
-        <a:font script="Gujr" typeface="Shruti"/>
-        <a:font script="Khmr" typeface="DaunPenh"/>
-        <a:font script="Knda" typeface="Tunga"/>
-        <a:font script="Guru" typeface="Raavi"/>
-        <a:font script="Cans" typeface="Euphemia"/>
-        <a:font script="Cher" typeface="Plantagenet Cherokee"/>
-        <a:font script="Yiii" typeface="Microsoft Yi Baiti"/>
-        <a:font script="Tibt" typeface="Microsoft Himalaya"/>
-        <a:font script="Thaa" typeface="MV Boli"/>
-        <a:font script="Deva" typeface="Mangal"/>
-        <a:font script="Telu" typeface="Gautami"/>
-        <a:font script="Taml" typeface="Latha"/>
-        <a:font script="Syrc" typeface="Estrangelo Edessa"/>
-        <a:font script="Orya" typeface="Kalinga"/>
-        <a:font script="Mlym" typeface="Kartika"/>
-        <a:font script="Laoo" typeface="DokChampa"/>
-        <a:font script="Sinh" typeface="Iskoola Pota"/>
-        <a:font script="Mong" typeface="Mongolian Baiti"/>
-        <a:font script="Viet" typeface="Arial"/>
-        <a:font script="Uigh" typeface="Microsoft Uighur"/>
-        <a:font script="Geor" typeface="Sylfaen"/>
       </a:minorFont>
     </a:fontScheme>
-    <a:fmtScheme name="Office Theme">
+    <a:fmtScheme name="Wood Type">
       <a:fillStyleLst>
         <a:solidFill>
           <a:schemeClr val="phClr"/>
         </a:solidFill>
-        <a:gradFill rotWithShape="1">
-          <a:gsLst>
-            <a:gs pos="0">
+        <a:blipFill rotWithShape="1">
+          <a:blip xmlns:r="http://schemas.openxmlformats.org/officeDocument/2006/relationships" r:embed="rId1">
+            <a:duotone>
               <a:schemeClr val="phClr">
-                <a:lumMod val="110000"/>
-                <a:satMod val="105000"/>
-                <a:tint val="67000"/>
+                <a:tint val="70000"/>
+                <a:shade val="63000"/>
               </a:schemeClr>
-            </a:gs>
-            <a:gs pos="50000">
               <a:schemeClr val="phClr">
-                <a:lumMod val="105000"/>
-                <a:satMod val="103000"/>
-                <a:tint val="73000"/>
+                <a:tint val="10000"/>
+                <a:satMod val="150000"/>
               </a:schemeClr>
-            </a:gs>
-            <a:gs pos="100000">
+            </a:duotone>
+          </a:blip>
+          <a:tile tx="0" ty="0" sx="60000" sy="59000" flip="none" algn="tl"/>
+        </a:blipFill>
+        <a:blipFill rotWithShape="1">
+          <a:blip xmlns:r="http://schemas.openxmlformats.org/officeDocument/2006/relationships" r:embed="rId1">
+            <a:duotone>
               <a:schemeClr val="phClr">
-                <a:lumMod val="105000"/>
-                <a:satMod val="109000"/>
-                <a:tint val="81000"/>
+                <a:shade val="36000"/>
+                <a:satMod val="120000"/>
               </a:schemeClr>
-            </a:gs>
-          </a:gsLst>
-          <a:lin ang="5400000" scaled="0"/>
-        </a:gradFill>
-        <a:gradFill rotWithShape="1">
-          <a:gsLst>
-            <a:gs pos="0">
               <a:schemeClr val="phClr">
-                <a:satMod val="103000"/>
-                <a:lumMod val="102000"/>
-                <a:tint val="94000"/>
+                <a:tint val="40000"/>
               </a:schemeClr>
-            </a:gs>
-            <a:gs pos="50000">
-              <a:schemeClr val="phClr">
-                <a:satMod val="110000"/>
-                <a:lumMod val="100000"/>
-                <a:shade val="100000"/>
-              </a:schemeClr>
-            </a:gs>
-            <a:gs pos="100000">
-              <a:schemeClr val="phClr">
-                <a:lumMod val="99000"/>
-                <a:satMod val="120000"/>
-                <a:shade val="78000"/>
-              </a:schemeClr>
-            </a:gs>
-          </a:gsLst>
-          <a:lin ang="5400000" scaled="0"/>
-        </a:gradFill>
+            </a:duotone>
+          </a:blip>
+          <a:tile tx="0" ty="0" sx="60000" sy="59000" flip="none" algn="tl"/>
+        </a:blipFill>
       </a:fillStyleLst>
       <a:lnStyleLst>
         <a:ln w="6350" cap="flat" cmpd="sng" algn="ctr">
@@ -7452,21 +8626,18 @@
             <a:schemeClr val="phClr"/>
           </a:solidFill>
           <a:prstDash val="solid"/>
-          <a:miter lim="800000"/>
         </a:ln>
         <a:ln w="12700" cap="flat" cmpd="sng" algn="ctr">
           <a:solidFill>
             <a:schemeClr val="phClr"/>
           </a:solidFill>
           <a:prstDash val="solid"/>
-          <a:miter lim="800000"/>
         </a:ln>
         <a:ln w="19050" cap="flat" cmpd="sng" algn="ctr">
           <a:solidFill>
             <a:schemeClr val="phClr"/>
           </a:solidFill>
           <a:prstDash val="solid"/>
-          <a:miter lim="800000"/>
         </a:ln>
       </a:lnStyleLst>
       <a:effectStyleLst>
@@ -7474,15 +8645,18 @@
           <a:effectLst/>
         </a:effectStyle>
         <a:effectStyle>
-          <a:effectLst/>
+          <a:effectLst>
+            <a:softEdge rad="12700"/>
+          </a:effectLst>
         </a:effectStyle>
         <a:effectStyle>
           <a:effectLst>
-            <a:outerShdw blurRad="57150" dist="19050" dir="5400000" algn="ctr" rotWithShape="0">
+            <a:outerShdw blurRad="50800" dist="19050" dir="5400000" algn="tl" rotWithShape="0">
               <a:srgbClr val="000000">
-                <a:alpha val="63000"/>
+                <a:alpha val="60000"/>
               </a:srgbClr>
             </a:outerShdw>
+            <a:softEdge rad="12700"/>
           </a:effectLst>
         </a:effectStyle>
       </a:effectStyleLst>
@@ -7492,37 +8666,26 @@
         </a:solidFill>
         <a:solidFill>
           <a:schemeClr val="phClr">
-            <a:tint val="95000"/>
-            <a:satMod val="170000"/>
+            <a:shade val="97000"/>
+            <a:satMod val="150000"/>
           </a:schemeClr>
         </a:solidFill>
-        <a:gradFill rotWithShape="1">
-          <a:gsLst>
-            <a:gs pos="0">
+        <a:blipFill rotWithShape="1">
+          <a:blip xmlns:r="http://schemas.openxmlformats.org/officeDocument/2006/relationships" r:embed="rId1">
+            <a:duotone>
               <a:schemeClr val="phClr">
-                <a:tint val="93000"/>
-                <a:satMod val="150000"/>
-                <a:shade val="98000"/>
-                <a:lumMod val="102000"/>
-              </a:schemeClr>
-            </a:gs>
-            <a:gs pos="50000">
-              <a:schemeClr val="phClr">
-                <a:tint val="98000"/>
-                <a:satMod val="130000"/>
-                <a:shade val="90000"/>
-                <a:lumMod val="103000"/>
-              </a:schemeClr>
-            </a:gs>
-            <a:gs pos="100000">
-              <a:schemeClr val="phClr">
-                <a:shade val="63000"/>
+                <a:tint val="75000"/>
+                <a:shade val="58000"/>
                 <a:satMod val="120000"/>
               </a:schemeClr>
-            </a:gs>
-          </a:gsLst>
-          <a:lin ang="5400000" scaled="0"/>
-        </a:gradFill>
+              <a:schemeClr val="phClr">
+                <a:tint val="50000"/>
+                <a:shade val="96000"/>
+              </a:schemeClr>
+            </a:duotone>
+          </a:blip>
+          <a:tile tx="0" ty="0" sx="100000" sy="100000" flip="none" algn="tl"/>
+        </a:blipFill>
       </a:bgFillStyleLst>
     </a:fmtScheme>
   </a:themeElements>
@@ -7530,7 +8693,7 @@
   <a:extraClrSchemeLst/>
   <a:extLst>
     <a:ext uri="{05A4C25C-085E-4340-85A3-A5531E510DB2}">
-      <thm15:themeFamily xmlns:thm15="http://schemas.microsoft.com/office/thememl/2012/main" name="Office Theme" id="{62F939B6-93AF-4DB8-9C6B-D6C7DFDC589F}" vid="{4A3C46E8-61CC-4603-A589-7422A47A8E4A}"/>
+      <thm15:themeFamily xmlns:thm15="http://schemas.microsoft.com/office/thememl/2012/main" name="Wood Type" id="{7ACABC62-BF99-48CF-A9DC-4DB89C7B13DC}" vid="{142A1326-48AB-42A9-8428-CB14AA30176D}"/>
     </a:ext>
   </a:extLst>
 </a:theme>

--- a/slides/main.pptx
+++ b/slides/main.pptx
@@ -2,10 +2,10 @@
 <file path=ppt/presentation.xml><?xml version="1.0" encoding="utf-8"?>
 <p:presentation xmlns:a="http://schemas.openxmlformats.org/drawingml/2006/main" xmlns:r="http://schemas.openxmlformats.org/officeDocument/2006/relationships" xmlns:p="http://schemas.openxmlformats.org/presentationml/2006/main" saveSubsetFonts="1">
   <p:sldMasterIdLst>
-    <p:sldMasterId id="2147483672" r:id="rId1"/>
+    <p:sldMasterId id="2147483684" r:id="rId1"/>
   </p:sldMasterIdLst>
   <p:notesMasterIdLst>
-    <p:notesMasterId r:id="rId24"/>
+    <p:notesMasterId r:id="rId23"/>
   </p:notesMasterIdLst>
   <p:sldIdLst>
     <p:sldId id="256" r:id="rId2"/>
@@ -24,12 +24,11 @@
     <p:sldId id="264" r:id="rId15"/>
     <p:sldId id="265" r:id="rId16"/>
     <p:sldId id="266" r:id="rId17"/>
-    <p:sldId id="277" r:id="rId18"/>
-    <p:sldId id="267" r:id="rId19"/>
-    <p:sldId id="268" r:id="rId20"/>
-    <p:sldId id="269" r:id="rId21"/>
-    <p:sldId id="270" r:id="rId22"/>
-    <p:sldId id="271" r:id="rId23"/>
+    <p:sldId id="267" r:id="rId18"/>
+    <p:sldId id="268" r:id="rId19"/>
+    <p:sldId id="269" r:id="rId20"/>
+    <p:sldId id="270" r:id="rId21"/>
+    <p:sldId id="271" r:id="rId22"/>
   </p:sldIdLst>
   <p:sldSz cx="9144000" cy="6858000" type="screen4x3"/>
   <p:notesSz cx="6858000" cy="9144000"/>
@@ -753,6 +752,14 @@
 <file path=ppt/slideLayouts/slideLayout1.xml><?xml version="1.0" encoding="utf-8"?>
 <p:sldLayout xmlns:a="http://schemas.openxmlformats.org/drawingml/2006/main" xmlns:r="http://schemas.openxmlformats.org/officeDocument/2006/relationships" xmlns:p="http://schemas.openxmlformats.org/presentationml/2006/main" showMasterSp="0" type="title" preserve="1">
   <p:cSld name="Title Slide">
+    <p:bg>
+      <p:bgPr>
+        <a:solidFill>
+          <a:schemeClr val="bg2"/>
+        </a:solidFill>
+        <a:effectLst/>
+      </p:bgPr>
+    </p:bg>
     <p:spTree>
       <p:nvGrpSpPr>
         <p:cNvPr id="1" name=""/>
@@ -769,292 +776,30 @@
       </p:grpSpPr>
       <p:sp>
         <p:nvSpPr>
-          <p:cNvPr id="7" name="Rectangle 6"/>
-          <p:cNvSpPr/>
-          <p:nvPr/>
+          <p:cNvPr id="2" name="Title 1"/>
+          <p:cNvSpPr>
+            <a:spLocks noGrp="1"/>
+          </p:cNvSpPr>
+          <p:nvPr>
+            <p:ph type="ctrTitle"/>
+          </p:nvPr>
         </p:nvSpPr>
         <p:spPr>
           <a:xfrm>
-            <a:off x="685800" y="1346947"/>
-            <a:ext cx="7772400" cy="80683"/>
-          </a:xfrm>
-          <a:prstGeom prst="rect">
-            <a:avLst/>
-          </a:prstGeom>
-          <a:blipFill dpi="0" rotWithShape="1">
-            <a:blip r:embed="rId2">
-              <a:alphaModFix amt="80000"/>
-              <a:lum bright="70000" contrast="-70000"/>
-              <a:extLst>
-                <a:ext uri="{BEBA8EAE-BF5A-486C-A8C5-ECC9F3942E4B}">
-                  <a14:imgProps xmlns:a14="http://schemas.microsoft.com/office/drawing/2010/main">
-                    <a14:imgLayer r:embed="rId3">
-                      <a14:imgEffect>
-                        <a14:sharpenSoften amount="61000"/>
-                      </a14:imgEffect>
-                    </a14:imgLayer>
-                  </a14:imgProps>
-                </a:ext>
-                <a:ext uri="{28A0092B-C50C-407E-A947-70E740481C1C}">
-                  <a14:useLocalDpi xmlns:a14="http://schemas.microsoft.com/office/drawing/2010/main" val="0"/>
-                </a:ext>
-              </a:extLst>
-            </a:blip>
-            <a:srcRect/>
-            <a:tile tx="0" ty="-762000" sx="92000" sy="89000" flip="xy" algn="ctr"/>
-          </a:blipFill>
-          <a:ln>
-            <a:noFill/>
-          </a:ln>
-        </p:spPr>
-        <p:style>
-          <a:lnRef idx="2">
-            <a:schemeClr val="accent1">
-              <a:shade val="50000"/>
-            </a:schemeClr>
-          </a:lnRef>
-          <a:fillRef idx="1">
-            <a:schemeClr val="accent1"/>
-          </a:fillRef>
-          <a:effectRef idx="0">
-            <a:schemeClr val="accent1"/>
-          </a:effectRef>
-          <a:fontRef idx="minor">
-            <a:schemeClr val="lt1"/>
-          </a:fontRef>
-        </p:style>
-      </p:sp>
-      <p:sp>
-        <p:nvSpPr>
-          <p:cNvPr id="8" name="Rectangle 7"/>
-          <p:cNvSpPr/>
-          <p:nvPr/>
-        </p:nvSpPr>
-        <p:spPr>
-          <a:xfrm>
-            <a:off x="685800" y="4282763"/>
-            <a:ext cx="7772400" cy="80683"/>
-          </a:xfrm>
-          <a:prstGeom prst="rect">
-            <a:avLst/>
-          </a:prstGeom>
-          <a:blipFill dpi="0" rotWithShape="1">
-            <a:blip r:embed="rId2">
-              <a:alphaModFix amt="80000"/>
-              <a:lum bright="70000" contrast="-70000"/>
-              <a:extLst>
-                <a:ext uri="{BEBA8EAE-BF5A-486C-A8C5-ECC9F3942E4B}">
-                  <a14:imgProps xmlns:a14="http://schemas.microsoft.com/office/drawing/2010/main">
-                    <a14:imgLayer r:embed="rId3">
-                      <a14:imgEffect>
-                        <a14:sharpenSoften amount="61000"/>
-                      </a14:imgEffect>
-                    </a14:imgLayer>
-                  </a14:imgProps>
-                </a:ext>
-                <a:ext uri="{28A0092B-C50C-407E-A947-70E740481C1C}">
-                  <a14:useLocalDpi xmlns:a14="http://schemas.microsoft.com/office/drawing/2010/main" val="0"/>
-                </a:ext>
-              </a:extLst>
-            </a:blip>
-            <a:srcRect/>
-            <a:tile tx="0" ty="-717550" sx="92000" sy="89000" flip="xy" algn="ctr"/>
-          </a:blipFill>
-          <a:ln>
-            <a:noFill/>
-          </a:ln>
-        </p:spPr>
-        <p:style>
-          <a:lnRef idx="2">
-            <a:schemeClr val="accent1">
-              <a:shade val="50000"/>
-            </a:schemeClr>
-          </a:lnRef>
-          <a:fillRef idx="1">
-            <a:schemeClr val="accent1"/>
-          </a:fillRef>
-          <a:effectRef idx="0">
-            <a:schemeClr val="accent1"/>
-          </a:effectRef>
-          <a:fontRef idx="minor">
-            <a:schemeClr val="lt1"/>
-          </a:fontRef>
-        </p:style>
-      </p:sp>
-      <p:sp>
-        <p:nvSpPr>
-          <p:cNvPr id="9" name="Rectangle 8"/>
-          <p:cNvSpPr/>
-          <p:nvPr/>
-        </p:nvSpPr>
-        <p:spPr>
-          <a:xfrm>
-            <a:off x="685800" y="1484779"/>
-            <a:ext cx="7772400" cy="2743200"/>
-          </a:xfrm>
-          <a:prstGeom prst="rect">
-            <a:avLst/>
-          </a:prstGeom>
-          <a:blipFill dpi="0" rotWithShape="1">
-            <a:blip r:embed="rId2">
-              <a:alphaModFix amt="80000"/>
-              <a:lum bright="70000" contrast="-70000"/>
-              <a:extLst>
-                <a:ext uri="{BEBA8EAE-BF5A-486C-A8C5-ECC9F3942E4B}">
-                  <a14:imgProps xmlns:a14="http://schemas.microsoft.com/office/drawing/2010/main">
-                    <a14:imgLayer r:embed="rId3">
-                      <a14:imgEffect>
-                        <a14:sharpenSoften amount="61000"/>
-                      </a14:imgEffect>
-                    </a14:imgLayer>
-                  </a14:imgProps>
-                </a:ext>
-                <a:ext uri="{28A0092B-C50C-407E-A947-70E740481C1C}">
-                  <a14:useLocalDpi xmlns:a14="http://schemas.microsoft.com/office/drawing/2010/main" val="0"/>
-                </a:ext>
-              </a:extLst>
-            </a:blip>
-            <a:srcRect/>
-            <a:tile tx="0" ty="-704850" sx="92000" sy="89000" flip="xy" algn="ctr"/>
-          </a:blipFill>
-          <a:ln>
-            <a:noFill/>
-          </a:ln>
-        </p:spPr>
-        <p:style>
-          <a:lnRef idx="2">
-            <a:schemeClr val="accent1">
-              <a:shade val="50000"/>
-            </a:schemeClr>
-          </a:lnRef>
-          <a:fillRef idx="1">
-            <a:schemeClr val="accent1"/>
-          </a:fillRef>
-          <a:effectRef idx="0">
-            <a:schemeClr val="accent1"/>
-          </a:effectRef>
-          <a:fontRef idx="minor">
-            <a:schemeClr val="lt1"/>
-          </a:fontRef>
-        </p:style>
-      </p:sp>
-      <p:grpSp>
-        <p:nvGrpSpPr>
-          <p:cNvPr id="10" name="Group 9"/>
-          <p:cNvGrpSpPr>
-            <a:grpSpLocks noChangeAspect="1"/>
-          </p:cNvGrpSpPr>
-          <p:nvPr/>
-        </p:nvGrpSpPr>
-        <p:grpSpPr>
-          <a:xfrm>
-            <a:off x="7234780" y="4107023"/>
-            <a:ext cx="914400" cy="914400"/>
-            <a:chOff x="9685338" y="4460675"/>
-            <a:chExt cx="1080904" cy="1080902"/>
-          </a:xfrm>
-        </p:grpSpPr>
-        <p:sp>
-          <p:nvSpPr>
-            <p:cNvPr id="11" name="Oval 10"/>
-            <p:cNvSpPr/>
-            <p:nvPr/>
-          </p:nvSpPr>
-          <p:spPr>
-            <a:xfrm>
-              <a:off x="9685338" y="4460675"/>
-              <a:ext cx="1080904" cy="1080902"/>
-            </a:xfrm>
-            <a:prstGeom prst="ellipse">
-              <a:avLst/>
-            </a:prstGeom>
-            <a:blipFill dpi="0" rotWithShape="1">
-              <a:blip r:embed="rId4">
-                <a:duotone>
-                  <a:schemeClr val="accent1">
-                    <a:shade val="45000"/>
-                    <a:satMod val="135000"/>
-                  </a:schemeClr>
-                  <a:prstClr val="white"/>
-                </a:duotone>
-                <a:extLst>
-                  <a:ext uri="{BEBA8EAE-BF5A-486C-A8C5-ECC9F3942E4B}">
-                    <a14:imgProps xmlns:a14="http://schemas.microsoft.com/office/drawing/2010/main">
-                      <a14:imgLayer r:embed="rId5">
-                        <a14:imgEffect>
-                          <a14:saturation sat="95000"/>
-                        </a14:imgEffect>
-                      </a14:imgLayer>
-                    </a14:imgProps>
-                  </a:ext>
-                </a:extLst>
-              </a:blip>
-              <a:srcRect/>
-              <a:tile tx="0" ty="0" sx="85000" sy="85000" flip="none" algn="tl"/>
-            </a:blipFill>
-            <a:ln w="25400" cap="flat" cmpd="sng" algn="ctr">
-              <a:noFill/>
-              <a:prstDash val="solid"/>
-            </a:ln>
-            <a:effectLst/>
-          </p:spPr>
-        </p:sp>
-        <p:sp>
-          <p:nvSpPr>
-            <p:cNvPr id="12" name="Oval 11"/>
-            <p:cNvSpPr/>
-            <p:nvPr/>
-          </p:nvSpPr>
-          <p:spPr>
-            <a:xfrm>
-              <a:off x="9793429" y="4568765"/>
-              <a:ext cx="864723" cy="864722"/>
-            </a:xfrm>
-            <a:prstGeom prst="ellipse">
-              <a:avLst/>
-            </a:prstGeom>
-            <a:noFill/>
-            <a:ln w="25400" cap="flat" cmpd="sng" algn="ctr">
-              <a:solidFill>
-                <a:sysClr val="window" lastClr="FFFFFF"/>
-              </a:solidFill>
-              <a:prstDash val="solid"/>
-            </a:ln>
-            <a:effectLst/>
-          </p:spPr>
-        </p:sp>
-      </p:grpSp>
-      <p:sp>
-        <p:nvSpPr>
-          <p:cNvPr id="2" name="Title 1"/>
-          <p:cNvSpPr>
-            <a:spLocks noGrp="1"/>
-          </p:cNvSpPr>
-          <p:nvPr>
-            <p:ph type="ctrTitle"/>
-          </p:nvPr>
-        </p:nvSpPr>
-        <p:spPr>
-          <a:xfrm>
-            <a:off x="788670" y="1432223"/>
-            <a:ext cx="7593330" cy="3035808"/>
+            <a:off x="1436346" y="1788454"/>
+            <a:ext cx="6270922" cy="2098226"/>
           </a:xfrm>
         </p:spPr>
         <p:txBody>
-          <a:bodyPr anchor="ctr">
+          <a:bodyPr anchor="b">
             <a:noAutofit/>
           </a:bodyPr>
           <a:lstStyle>
-            <a:lvl1pPr algn="l">
-              <a:lnSpc>
-                <a:spcPct val="80000"/>
-              </a:lnSpc>
-              <a:defRPr sz="6400" b="0" cap="all" baseline="0">
-                <a:blipFill dpi="0" rotWithShape="1">
-                  <a:blip r:embed="rId4"/>
-                  <a:srcRect/>
-                  <a:tile tx="6350" ty="-127000" sx="65000" sy="64000" flip="none" algn="tl"/>
-                </a:blipFill>
+            <a:lvl1pPr algn="ctr">
+              <a:defRPr sz="6000" cap="all" baseline="0">
+                <a:solidFill>
+                  <a:schemeClr val="tx2"/>
+                </a:solidFill>
               </a:defRPr>
             </a:lvl1pPr>
           </a:lstStyle>
@@ -1079,8 +824,8 @@
         </p:nvSpPr>
         <p:spPr>
           <a:xfrm>
-            <a:off x="802386" y="4389120"/>
-            <a:ext cx="5918454" cy="1069848"/>
+            <a:off x="2009930" y="3956280"/>
+            <a:ext cx="5123755" cy="1086237"/>
           </a:xfrm>
         </p:spPr>
         <p:txBody>
@@ -1088,70 +833,88 @@
             <a:normAutofit/>
           </a:bodyPr>
           <a:lstStyle>
-            <a:lvl1pPr marL="0" indent="0" algn="l">
+            <a:lvl1pPr marL="0" indent="0" algn="ctr">
+              <a:lnSpc>
+                <a:spcPct val="112000"/>
+              </a:lnSpc>
+              <a:spcBef>
+                <a:spcPts val="0"/>
+              </a:spcBef>
+              <a:spcAft>
+                <a:spcPts val="0"/>
+              </a:spcAft>
               <a:buNone/>
-              <a:defRPr sz="1800" b="0">
+              <a:defRPr sz="1800"/>
+            </a:lvl1pPr>
+            <a:lvl2pPr marL="342900" indent="0" algn="ctr">
+              <a:buNone/>
+              <a:defRPr sz="1500"/>
+            </a:lvl2pPr>
+            <a:lvl3pPr marL="685800" indent="0" algn="ctr">
+              <a:buNone/>
+              <a:defRPr sz="1350"/>
+            </a:lvl3pPr>
+            <a:lvl4pPr marL="1028700" indent="0" algn="ctr">
+              <a:buNone/>
+              <a:defRPr sz="1200"/>
+            </a:lvl4pPr>
+            <a:lvl5pPr marL="1371600" indent="0" algn="ctr">
+              <a:buNone/>
+              <a:defRPr sz="1200"/>
+            </a:lvl5pPr>
+            <a:lvl6pPr marL="1714500" indent="0" algn="ctr">
+              <a:buNone/>
+              <a:defRPr sz="1200"/>
+            </a:lvl6pPr>
+            <a:lvl7pPr marL="2057400" indent="0" algn="ctr">
+              <a:buNone/>
+              <a:defRPr sz="1200"/>
+            </a:lvl7pPr>
+            <a:lvl8pPr marL="2400300" indent="0" algn="ctr">
+              <a:buNone/>
+              <a:defRPr sz="1200"/>
+            </a:lvl8pPr>
+            <a:lvl9pPr marL="2743200" indent="0" algn="ctr">
+              <a:buNone/>
+              <a:defRPr sz="1200"/>
+            </a:lvl9pPr>
+          </a:lstStyle>
+          <a:p>
+            <a:r>
+              <a:rPr lang="en-US"/>
+              <a:t>Click to edit Master subtitle style</a:t>
+            </a:r>
+            <a:endParaRPr lang="en-US" dirty="0"/>
+          </a:p>
+        </p:txBody>
+      </p:sp>
+      <p:sp>
+        <p:nvSpPr>
+          <p:cNvPr id="4" name="Date Placeholder 3"/>
+          <p:cNvSpPr>
+            <a:spLocks noGrp="1"/>
+          </p:cNvSpPr>
+          <p:nvPr>
+            <p:ph type="dt" sz="half" idx="10"/>
+          </p:nvPr>
+        </p:nvSpPr>
+        <p:spPr>
+          <a:xfrm>
+            <a:off x="564644" y="6453386"/>
+            <a:ext cx="1205958" cy="404614"/>
+          </a:xfrm>
+        </p:spPr>
+        <p:txBody>
+          <a:bodyPr/>
+          <a:lstStyle>
+            <a:lvl1pPr>
+              <a:defRPr baseline="0">
                 <a:solidFill>
-                  <a:schemeClr val="tx1"/>
+                  <a:schemeClr val="tx2"/>
                 </a:solidFill>
               </a:defRPr>
             </a:lvl1pPr>
-            <a:lvl2pPr marL="457200" indent="0" algn="ctr">
-              <a:buNone/>
-              <a:defRPr sz="1800"/>
-            </a:lvl2pPr>
-            <a:lvl3pPr marL="914400" indent="0" algn="ctr">
-              <a:buNone/>
-              <a:defRPr sz="1800"/>
-            </a:lvl3pPr>
-            <a:lvl4pPr marL="1371600" indent="0" algn="ctr">
-              <a:buNone/>
-              <a:defRPr sz="1800"/>
-            </a:lvl4pPr>
-            <a:lvl5pPr marL="1828800" indent="0" algn="ctr">
-              <a:buNone/>
-              <a:defRPr sz="1800"/>
-            </a:lvl5pPr>
-            <a:lvl6pPr marL="2286000" indent="0" algn="ctr">
-              <a:buNone/>
-              <a:defRPr sz="1800"/>
-            </a:lvl6pPr>
-            <a:lvl7pPr marL="2743200" indent="0" algn="ctr">
-              <a:buNone/>
-              <a:defRPr sz="1800"/>
-            </a:lvl7pPr>
-            <a:lvl8pPr marL="3200400" indent="0" algn="ctr">
-              <a:buNone/>
-              <a:defRPr sz="1800"/>
-            </a:lvl8pPr>
-            <a:lvl9pPr marL="3657600" indent="0" algn="ctr">
-              <a:buNone/>
-              <a:defRPr sz="1800"/>
-            </a:lvl9pPr>
           </a:lstStyle>
-          <a:p>
-            <a:r>
-              <a:rPr lang="en-US"/>
-              <a:t>Click to edit Master subtitle style</a:t>
-            </a:r>
-            <a:endParaRPr lang="en-US" dirty="0"/>
-          </a:p>
-        </p:txBody>
-      </p:sp>
-      <p:sp>
-        <p:nvSpPr>
-          <p:cNvPr id="4" name="Date Placeholder 3"/>
-          <p:cNvSpPr>
-            <a:spLocks noGrp="1"/>
-          </p:cNvSpPr>
-          <p:nvPr>
-            <p:ph type="dt" sz="half" idx="10"/>
-          </p:nvPr>
-        </p:nvSpPr>
-        <p:spPr/>
-        <p:txBody>
-          <a:bodyPr/>
-          <a:lstStyle/>
           <a:p>
             <a:fld id="{3D45E4C3-D8E2-48C0-87AF-BE60E58FCFC6}" type="datetimeFigureOut">
               <a:rPr lang="en-SG" smtClean="0"/>
@@ -1173,13 +936,21 @@
         </p:nvSpPr>
         <p:spPr>
           <a:xfrm>
-            <a:off x="812805" y="6272785"/>
-            <a:ext cx="4745736" cy="365125"/>
+            <a:off x="1938041" y="6453386"/>
+            <a:ext cx="5267533" cy="404614"/>
           </a:xfrm>
         </p:spPr>
         <p:txBody>
           <a:bodyPr/>
-          <a:lstStyle/>
+          <a:lstStyle>
+            <a:lvl1pPr algn="ctr">
+              <a:defRPr baseline="0">
+                <a:solidFill>
+                  <a:schemeClr val="tx2"/>
+                </a:solidFill>
+              </a:defRPr>
+            </a:lvl1pPr>
+          </a:lstStyle>
           <a:p>
             <a:endParaRPr lang="en-SG"/>
           </a:p>
@@ -1197,15 +968,19 @@
         </p:nvSpPr>
         <p:spPr>
           <a:xfrm>
-            <a:off x="7244280" y="4227195"/>
-            <a:ext cx="895401" cy="640080"/>
+            <a:off x="7373012" y="6453386"/>
+            <a:ext cx="1197219" cy="404614"/>
           </a:xfrm>
         </p:spPr>
         <p:txBody>
           <a:bodyPr/>
           <a:lstStyle>
             <a:lvl1pPr>
-              <a:defRPr sz="2800" b="1"/>
+              <a:defRPr baseline="0">
+                <a:solidFill>
+                  <a:schemeClr val="tx2"/>
+                </a:solidFill>
+              </a:defRPr>
             </a:lvl1pPr>
           </a:lstStyle>
           <a:p>
@@ -1217,10 +992,139 @@
           </a:p>
         </p:txBody>
       </p:sp>
+      <p:grpSp>
+        <p:nvGrpSpPr>
+          <p:cNvPr id="8" name="Group 7"/>
+          <p:cNvGrpSpPr/>
+          <p:nvPr/>
+        </p:nvGrpSpPr>
+        <p:grpSpPr>
+          <a:xfrm>
+            <a:off x="564643" y="744469"/>
+            <a:ext cx="8005589" cy="5349671"/>
+            <a:chOff x="564643" y="744469"/>
+            <a:chExt cx="8005589" cy="5349671"/>
+          </a:xfrm>
+        </p:grpSpPr>
+        <p:sp>
+          <p:nvSpPr>
+            <p:cNvPr id="11" name="Freeform 6"/>
+            <p:cNvSpPr/>
+            <p:nvPr/>
+          </p:nvSpPr>
+          <p:spPr bwMode="auto">
+            <a:xfrm>
+              <a:off x="6113972" y="1685652"/>
+              <a:ext cx="2456260" cy="4408488"/>
+            </a:xfrm>
+            <a:custGeom>
+              <a:avLst/>
+              <a:gdLst/>
+              <a:ahLst/>
+              <a:cxnLst/>
+              <a:rect l="l" t="t" r="r" b="b"/>
+              <a:pathLst>
+                <a:path w="10000" h="10000">
+                  <a:moveTo>
+                    <a:pt x="8761" y="0"/>
+                  </a:moveTo>
+                  <a:lnTo>
+                    <a:pt x="10000" y="0"/>
+                  </a:lnTo>
+                  <a:lnTo>
+                    <a:pt x="10000" y="10000"/>
+                  </a:lnTo>
+                  <a:lnTo>
+                    <a:pt x="0" y="10000"/>
+                  </a:lnTo>
+                  <a:lnTo>
+                    <a:pt x="0" y="9357"/>
+                  </a:lnTo>
+                  <a:lnTo>
+                    <a:pt x="8761" y="9357"/>
+                  </a:lnTo>
+                  <a:lnTo>
+                    <a:pt x="8761" y="0"/>
+                  </a:lnTo>
+                  <a:close/>
+                </a:path>
+              </a:pathLst>
+            </a:custGeom>
+            <a:solidFill>
+              <a:schemeClr val="tx2"/>
+            </a:solidFill>
+            <a:ln w="0">
+              <a:noFill/>
+              <a:prstDash val="solid"/>
+              <a:round/>
+              <a:headEnd/>
+              <a:tailEnd/>
+            </a:ln>
+          </p:spPr>
+        </p:sp>
+        <p:sp>
+          <p:nvSpPr>
+            <p:cNvPr id="14" name="Freeform 6"/>
+            <p:cNvSpPr/>
+            <p:nvPr/>
+          </p:nvSpPr>
+          <p:spPr bwMode="auto">
+            <a:xfrm flipH="1" flipV="1">
+              <a:off x="564643" y="744469"/>
+              <a:ext cx="2456505" cy="4408488"/>
+            </a:xfrm>
+            <a:custGeom>
+              <a:avLst/>
+              <a:gdLst/>
+              <a:ahLst/>
+              <a:cxnLst/>
+              <a:rect l="l" t="t" r="r" b="b"/>
+              <a:pathLst>
+                <a:path w="10001" h="10000">
+                  <a:moveTo>
+                    <a:pt x="8762" y="0"/>
+                  </a:moveTo>
+                  <a:lnTo>
+                    <a:pt x="10001" y="0"/>
+                  </a:lnTo>
+                  <a:lnTo>
+                    <a:pt x="10001" y="10000"/>
+                  </a:lnTo>
+                  <a:lnTo>
+                    <a:pt x="1" y="10000"/>
+                  </a:lnTo>
+                  <a:cubicBezTo>
+                    <a:pt x="-2" y="9766"/>
+                    <a:pt x="4" y="9586"/>
+                    <a:pt x="1" y="9352"/>
+                  </a:cubicBezTo>
+                  <a:lnTo>
+                    <a:pt x="8762" y="9346"/>
+                  </a:lnTo>
+                  <a:lnTo>
+                    <a:pt x="8762" y="0"/>
+                  </a:lnTo>
+                  <a:close/>
+                </a:path>
+              </a:pathLst>
+            </a:custGeom>
+            <a:solidFill>
+              <a:schemeClr val="tx2"/>
+            </a:solidFill>
+            <a:ln w="0">
+              <a:noFill/>
+              <a:prstDash val="solid"/>
+              <a:round/>
+              <a:headEnd/>
+              <a:tailEnd/>
+            </a:ln>
+          </p:spPr>
+        </p:sp>
+      </p:grpSp>
     </p:spTree>
     <p:extLst>
       <p:ext uri="{BB962C8B-B14F-4D97-AF65-F5344CB8AC3E}">
-        <p14:creationId xmlns:p14="http://schemas.microsoft.com/office/powerpoint/2010/main" val="1543025912"/>
+        <p14:creationId xmlns:p14="http://schemas.microsoft.com/office/powerpoint/2010/main" val="4278544342"/>
       </p:ext>
     </p:extLst>
   </p:cSld>
@@ -1280,7 +1184,12 @@
             <p:ph type="body" orient="vert" idx="1"/>
           </p:nvPr>
         </p:nvSpPr>
-        <p:spPr/>
+        <p:spPr>
+          <a:xfrm>
+            <a:off x="1028700" y="2295526"/>
+            <a:ext cx="7200900" cy="3571875"/>
+          </a:xfrm>
+        </p:spPr>
         <p:txBody>
           <a:bodyPr vert="eaVert"/>
           <a:lstStyle/>
@@ -1324,7 +1233,7 @@
       </p:sp>
       <p:sp>
         <p:nvSpPr>
-          <p:cNvPr id="7" name="Date Placeholder 6"/>
+          <p:cNvPr id="4" name="Date Placeholder 3"/>
           <p:cNvSpPr>
             <a:spLocks noGrp="1"/>
           </p:cNvSpPr>
@@ -1347,7 +1256,7 @@
       </p:sp>
       <p:sp>
         <p:nvSpPr>
-          <p:cNvPr id="8" name="Footer Placeholder 7"/>
+          <p:cNvPr id="5" name="Footer Placeholder 4"/>
           <p:cNvSpPr>
             <a:spLocks noGrp="1"/>
           </p:cNvSpPr>
@@ -1366,7 +1275,7 @@
       </p:sp>
       <p:sp>
         <p:nvSpPr>
-          <p:cNvPr id="9" name="Slide Number Placeholder 8"/>
+          <p:cNvPr id="6" name="Slide Number Placeholder 5"/>
           <p:cNvSpPr>
             <a:spLocks noGrp="1"/>
           </p:cNvSpPr>
@@ -1390,7 +1299,7 @@
     </p:spTree>
     <p:extLst>
       <p:ext uri="{BB962C8B-B14F-4D97-AF65-F5344CB8AC3E}">
-        <p14:creationId xmlns:p14="http://schemas.microsoft.com/office/powerpoint/2010/main" val="287063533"/>
+        <p14:creationId xmlns:p14="http://schemas.microsoft.com/office/powerpoint/2010/main" val="2212316598"/>
       </p:ext>
     </p:extLst>
   </p:cSld>
@@ -1429,17 +1338,13 @@
         </p:nvSpPr>
         <p:spPr>
           <a:xfrm>
-            <a:off x="6543675" y="533400"/>
-            <a:ext cx="1914525" cy="5638800"/>
+            <a:off x="6880797" y="624156"/>
+            <a:ext cx="1490950" cy="5243244"/>
           </a:xfrm>
         </p:spPr>
         <p:txBody>
           <a:bodyPr vert="eaVert"/>
-          <a:lstStyle>
-            <a:lvl1pPr>
-              <a:defRPr b="0"/>
-            </a:lvl1pPr>
-          </a:lstStyle>
+          <a:lstStyle/>
           <a:p>
             <a:r>
               <a:rPr lang="en-US"/>
@@ -1461,8 +1366,8 @@
         </p:nvSpPr>
         <p:spPr>
           <a:xfrm>
-            <a:off x="800100" y="533400"/>
-            <a:ext cx="5629275" cy="5638800"/>
+            <a:off x="1028700" y="624156"/>
+            <a:ext cx="5724525" cy="5243244"/>
           </a:xfrm>
         </p:spPr>
         <p:txBody>
@@ -1508,7 +1413,7 @@
       </p:sp>
       <p:sp>
         <p:nvSpPr>
-          <p:cNvPr id="7" name="Date Placeholder 6"/>
+          <p:cNvPr id="4" name="Date Placeholder 3"/>
           <p:cNvSpPr>
             <a:spLocks noGrp="1"/>
           </p:cNvSpPr>
@@ -1531,7 +1436,7 @@
       </p:sp>
       <p:sp>
         <p:nvSpPr>
-          <p:cNvPr id="8" name="Footer Placeholder 7"/>
+          <p:cNvPr id="5" name="Footer Placeholder 4"/>
           <p:cNvSpPr>
             <a:spLocks noGrp="1"/>
           </p:cNvSpPr>
@@ -1550,7 +1455,7 @@
       </p:sp>
       <p:sp>
         <p:nvSpPr>
-          <p:cNvPr id="9" name="Slide Number Placeholder 8"/>
+          <p:cNvPr id="6" name="Slide Number Placeholder 5"/>
           <p:cNvSpPr>
             <a:spLocks noGrp="1"/>
           </p:cNvSpPr>
@@ -1574,7 +1479,7 @@
     </p:spTree>
     <p:extLst>
       <p:ext uri="{BB962C8B-B14F-4D97-AF65-F5344CB8AC3E}">
-        <p14:creationId xmlns:p14="http://schemas.microsoft.com/office/powerpoint/2010/main" val="3999345243"/>
+        <p14:creationId xmlns:p14="http://schemas.microsoft.com/office/powerpoint/2010/main" val="2354218958"/>
       </p:ext>
     </p:extLst>
   </p:cSld>
@@ -1678,7 +1583,7 @@
       </p:sp>
       <p:sp>
         <p:nvSpPr>
-          <p:cNvPr id="7" name="Date Placeholder 6"/>
+          <p:cNvPr id="4" name="Date Placeholder 3"/>
           <p:cNvSpPr>
             <a:spLocks noGrp="1"/>
           </p:cNvSpPr>
@@ -1701,7 +1606,7 @@
       </p:sp>
       <p:sp>
         <p:nvSpPr>
-          <p:cNvPr id="8" name="Footer Placeholder 7"/>
+          <p:cNvPr id="5" name="Footer Placeholder 4"/>
           <p:cNvSpPr>
             <a:spLocks noGrp="1"/>
           </p:cNvSpPr>
@@ -1720,7 +1625,7 @@
       </p:sp>
       <p:sp>
         <p:nvSpPr>
-          <p:cNvPr id="9" name="Slide Number Placeholder 8"/>
+          <p:cNvPr id="6" name="Slide Number Placeholder 5"/>
           <p:cNvSpPr>
             <a:spLocks noGrp="1"/>
           </p:cNvSpPr>
@@ -1744,7 +1649,7 @@
     </p:spTree>
     <p:extLst>
       <p:ext uri="{BB962C8B-B14F-4D97-AF65-F5344CB8AC3E}">
-        <p14:creationId xmlns:p14="http://schemas.microsoft.com/office/powerpoint/2010/main" val="1062797276"/>
+        <p14:creationId xmlns:p14="http://schemas.microsoft.com/office/powerpoint/2010/main" val="2610278533"/>
       </p:ext>
     </p:extLst>
   </p:cSld>
@@ -1757,6 +1662,11 @@
 <file path=ppt/slideLayouts/slideLayout3.xml><?xml version="1.0" encoding="utf-8"?>
 <p:sldLayout xmlns:a="http://schemas.openxmlformats.org/drawingml/2006/main" xmlns:r="http://schemas.openxmlformats.org/officeDocument/2006/relationships" xmlns:p="http://schemas.openxmlformats.org/presentationml/2006/main" showMasterSp="0" type="secHead" preserve="1">
   <p:cSld name="Section Header">
+    <p:bg>
+      <p:bgRef idx="1001">
+        <a:schemeClr val="bg2"/>
+      </p:bgRef>
+    </p:bg>
     <p:spTree>
       <p:nvGrpSpPr>
         <p:cNvPr id="1" name=""/>
@@ -1773,132 +1683,81 @@
       </p:grpSpPr>
       <p:sp>
         <p:nvSpPr>
-          <p:cNvPr id="7" name="Rectangle 6"/>
-          <p:cNvSpPr/>
-          <p:nvPr/>
+          <p:cNvPr id="2" name="Title 1"/>
+          <p:cNvSpPr>
+            <a:spLocks noGrp="1"/>
+          </p:cNvSpPr>
+          <p:nvPr>
+            <p:ph type="title"/>
+          </p:nvPr>
         </p:nvSpPr>
         <p:spPr>
           <a:xfrm>
-            <a:off x="0" y="4917989"/>
-            <a:ext cx="9144000" cy="1940010"/>
-          </a:xfrm>
-          <a:prstGeom prst="rect">
-            <a:avLst/>
-          </a:prstGeom>
-          <a:blipFill dpi="0" rotWithShape="1">
-            <a:blip r:embed="rId2">
-              <a:alphaModFix amt="80000"/>
-              <a:lum bright="70000" contrast="-70000"/>
-              <a:extLst>
-                <a:ext uri="{BEBA8EAE-BF5A-486C-A8C5-ECC9F3942E4B}">
-                  <a14:imgProps xmlns:a14="http://schemas.microsoft.com/office/drawing/2010/main">
-                    <a14:imgLayer r:embed="rId3">
-                      <a14:imgEffect>
-                        <a14:sharpenSoften amount="61000"/>
-                      </a14:imgEffect>
-                    </a14:imgLayer>
-                  </a14:imgProps>
-                </a:ext>
-                <a:ext uri="{28A0092B-C50C-407E-A947-70E740481C1C}">
-                  <a14:useLocalDpi xmlns:a14="http://schemas.microsoft.com/office/drawing/2010/main" val="0"/>
-                </a:ext>
-              </a:extLst>
-            </a:blip>
-            <a:srcRect/>
-            <a:tile tx="0" ty="-704850" sx="92000" sy="89000" flip="xy" algn="ctr"/>
-          </a:blipFill>
-          <a:ln>
-            <a:noFill/>
-          </a:ln>
-        </p:spPr>
-        <p:style>
-          <a:lnRef idx="2">
-            <a:schemeClr val="accent1">
-              <a:shade val="50000"/>
-            </a:schemeClr>
-          </a:lnRef>
-          <a:fillRef idx="1">
-            <a:schemeClr val="accent1"/>
-          </a:fillRef>
-          <a:effectRef idx="0">
-            <a:schemeClr val="accent1"/>
-          </a:effectRef>
-          <a:fontRef idx="minor">
-            <a:schemeClr val="lt1"/>
-          </a:fontRef>
-        </p:style>
-      </p:sp>
-      <p:sp>
-        <p:nvSpPr>
-          <p:cNvPr id="2" name="Title 1"/>
-          <p:cNvSpPr>
-            <a:spLocks noGrp="1"/>
-          </p:cNvSpPr>
-          <p:nvPr>
-            <p:ph type="title"/>
-          </p:nvPr>
-        </p:nvSpPr>
-        <p:spPr>
-          <a:xfrm>
-            <a:off x="1625346" y="1225296"/>
-            <a:ext cx="6960870" cy="3520440"/>
+            <a:off x="573769" y="1301361"/>
+            <a:ext cx="7209728" cy="2852737"/>
           </a:xfrm>
         </p:spPr>
         <p:txBody>
-          <a:bodyPr anchor="ctr">
+          <a:bodyPr anchor="b">
             <a:normAutofit/>
           </a:bodyPr>
           <a:lstStyle>
-            <a:lvl1pPr>
-              <a:lnSpc>
-                <a:spcPct val="80000"/>
-              </a:lnSpc>
-              <a:defRPr sz="6400" b="0"/>
-            </a:lvl1pPr>
-          </a:lstStyle>
-          <a:p>
-            <a:r>
-              <a:rPr lang="en-US"/>
-              <a:t>Click to edit Master title style</a:t>
-            </a:r>
-            <a:endParaRPr lang="en-US" dirty="0"/>
-          </a:p>
-        </p:txBody>
-      </p:sp>
-      <p:sp>
-        <p:nvSpPr>
-          <p:cNvPr id="3" name="Text Placeholder 2"/>
-          <p:cNvSpPr>
-            <a:spLocks noGrp="1"/>
-          </p:cNvSpPr>
-          <p:nvPr>
-            <p:ph type="body" idx="1"/>
-          </p:nvPr>
-        </p:nvSpPr>
-        <p:spPr>
-          <a:xfrm>
-            <a:off x="1624330" y="5020056"/>
-            <a:ext cx="6789420" cy="1066800"/>
-          </a:xfrm>
-        </p:spPr>
-        <p:txBody>
-          <a:bodyPr anchor="t">
-            <a:normAutofit/>
-          </a:bodyPr>
-          <a:lstStyle>
-            <a:lvl1pPr marL="0" indent="0">
-              <a:buNone/>
-              <a:defRPr sz="1800" b="0">
+            <a:lvl1pPr algn="r">
+              <a:defRPr sz="6000" cap="all" baseline="0">
                 <a:solidFill>
-                  <a:schemeClr val="accent1">
-                    <a:lumMod val="50000"/>
-                  </a:schemeClr>
+                  <a:schemeClr val="tx2"/>
                 </a:solidFill>
               </a:defRPr>
             </a:lvl1pPr>
-            <a:lvl2pPr marL="457200" indent="0">
+          </a:lstStyle>
+          <a:p>
+            <a:r>
+              <a:rPr lang="en-US"/>
+              <a:t>Click to edit Master title style</a:t>
+            </a:r>
+            <a:endParaRPr lang="en-US" dirty="0"/>
+          </a:p>
+        </p:txBody>
+      </p:sp>
+      <p:sp>
+        <p:nvSpPr>
+          <p:cNvPr id="3" name="Text Placeholder 2"/>
+          <p:cNvSpPr>
+            <a:spLocks noGrp="1"/>
+          </p:cNvSpPr>
+          <p:nvPr>
+            <p:ph type="body" idx="1"/>
+          </p:nvPr>
+        </p:nvSpPr>
+        <p:spPr>
+          <a:xfrm>
+            <a:off x="573769" y="4216328"/>
+            <a:ext cx="7209728" cy="1143324"/>
+          </a:xfrm>
+        </p:spPr>
+        <p:txBody>
+          <a:bodyPr/>
+          <a:lstStyle>
+            <a:lvl1pPr marL="0" indent="0" algn="r">
+              <a:lnSpc>
+                <a:spcPct val="112000"/>
+              </a:lnSpc>
+              <a:spcBef>
+                <a:spcPts val="0"/>
+              </a:spcBef>
+              <a:spcAft>
+                <a:spcPts val="0"/>
+              </a:spcAft>
               <a:buNone/>
               <a:defRPr sz="1800">
+                <a:solidFill>
+                  <a:schemeClr val="tx2"/>
+                </a:solidFill>
+              </a:defRPr>
+            </a:lvl1pPr>
+            <a:lvl2pPr marL="342900" indent="0">
+              <a:buNone/>
+              <a:defRPr sz="1500">
                 <a:solidFill>
                   <a:schemeClr val="tx1">
                     <a:tint val="75000"/>
@@ -1906,9 +1765,9 @@
                 </a:solidFill>
               </a:defRPr>
             </a:lvl2pPr>
-            <a:lvl3pPr marL="914400" indent="0">
+            <a:lvl3pPr marL="685800" indent="0">
               <a:buNone/>
-              <a:defRPr sz="1600">
+              <a:defRPr sz="1350">
                 <a:solidFill>
                   <a:schemeClr val="tx1">
                     <a:tint val="75000"/>
@@ -1916,9 +1775,9 @@
                 </a:solidFill>
               </a:defRPr>
             </a:lvl3pPr>
-            <a:lvl4pPr marL="1371600" indent="0">
+            <a:lvl4pPr marL="1028700" indent="0">
               <a:buNone/>
-              <a:defRPr sz="1400">
+              <a:defRPr sz="1200">
                 <a:solidFill>
                   <a:schemeClr val="tx1">
                     <a:tint val="75000"/>
@@ -1926,9 +1785,9 @@
                 </a:solidFill>
               </a:defRPr>
             </a:lvl4pPr>
-            <a:lvl5pPr marL="1828800" indent="0">
+            <a:lvl5pPr marL="1371600" indent="0">
               <a:buNone/>
-              <a:defRPr sz="1400">
+              <a:defRPr sz="1200">
                 <a:solidFill>
                   <a:schemeClr val="tx1">
                     <a:tint val="75000"/>
@@ -1936,9 +1795,9 @@
                 </a:solidFill>
               </a:defRPr>
             </a:lvl5pPr>
-            <a:lvl6pPr marL="2286000" indent="0">
+            <a:lvl6pPr marL="1714500" indent="0">
               <a:buNone/>
-              <a:defRPr sz="1400">
+              <a:defRPr sz="1200">
                 <a:solidFill>
                   <a:schemeClr val="tx1">
                     <a:tint val="75000"/>
@@ -1946,9 +1805,9 @@
                 </a:solidFill>
               </a:defRPr>
             </a:lvl6pPr>
-            <a:lvl7pPr marL="2743200" indent="0">
+            <a:lvl7pPr marL="2057400" indent="0">
               <a:buNone/>
-              <a:defRPr sz="1400">
+              <a:defRPr sz="1200">
                 <a:solidFill>
                   <a:schemeClr val="tx1">
                     <a:tint val="75000"/>
@@ -1956,9 +1815,9 @@
                 </a:solidFill>
               </a:defRPr>
             </a:lvl7pPr>
-            <a:lvl8pPr marL="3200400" indent="0">
+            <a:lvl8pPr marL="2400300" indent="0">
               <a:buNone/>
-              <a:defRPr sz="1400">
+              <a:defRPr sz="1200">
                 <a:solidFill>
                   <a:schemeClr val="tx1">
                     <a:tint val="75000"/>
@@ -1966,9 +1825,9 @@
                 </a:solidFill>
               </a:defRPr>
             </a:lvl8pPr>
-            <a:lvl9pPr marL="3657600" indent="0">
+            <a:lvl9pPr marL="2743200" indent="0">
               <a:buNone/>
-              <a:defRPr sz="1400">
+              <a:defRPr sz="1200">
                 <a:solidFill>
                   <a:schemeClr val="tx1">
                     <a:tint val="75000"/>
@@ -1998,8 +1857,8 @@
         </p:nvSpPr>
         <p:spPr>
           <a:xfrm>
-            <a:off x="6445251" y="6272785"/>
-            <a:ext cx="1983232" cy="365125"/>
+            <a:off x="554181" y="6453386"/>
+            <a:ext cx="1216807" cy="404614"/>
           </a:xfrm>
         </p:spPr>
         <p:txBody>
@@ -2008,9 +1867,7 @@
             <a:lvl1pPr>
               <a:defRPr>
                 <a:solidFill>
-                  <a:schemeClr val="accent1">
-                    <a:lumMod val="50000"/>
-                  </a:schemeClr>
+                  <a:schemeClr val="tx2"/>
                 </a:solidFill>
               </a:defRPr>
             </a:lvl1pPr>
@@ -2036,8 +1893,40 @@
         </p:nvSpPr>
         <p:spPr>
           <a:xfrm>
-            <a:off x="1636099" y="6272784"/>
-            <a:ext cx="4745736" cy="365125"/>
+            <a:off x="1938234" y="6453386"/>
+            <a:ext cx="5267533" cy="404614"/>
+          </a:xfrm>
+        </p:spPr>
+        <p:txBody>
+          <a:bodyPr/>
+          <a:lstStyle>
+            <a:lvl1pPr algn="ctr">
+              <a:defRPr>
+                <a:solidFill>
+                  <a:schemeClr val="tx2"/>
+                </a:solidFill>
+              </a:defRPr>
+            </a:lvl1pPr>
+          </a:lstStyle>
+          <a:p>
+            <a:endParaRPr lang="en-SG"/>
+          </a:p>
+        </p:txBody>
+      </p:sp>
+      <p:sp>
+        <p:nvSpPr>
+          <p:cNvPr id="6" name="Slide Number Placeholder 5"/>
+          <p:cNvSpPr>
+            <a:spLocks noGrp="1"/>
+          </p:cNvSpPr>
+          <p:nvPr>
+            <p:ph type="sldNum" sz="quarter" idx="12"/>
+          </p:nvPr>
+        </p:nvSpPr>
+        <p:spPr>
+          <a:xfrm>
+            <a:off x="7373012" y="6453386"/>
+            <a:ext cx="1197219" cy="404614"/>
           </a:xfrm>
         </p:spPr>
         <p:txBody>
@@ -2046,125 +1935,9 @@
             <a:lvl1pPr>
               <a:defRPr>
                 <a:solidFill>
-                  <a:schemeClr val="accent1">
-                    <a:lumMod val="50000"/>
-                  </a:schemeClr>
+                  <a:schemeClr val="tx2"/>
                 </a:solidFill>
               </a:defRPr>
-            </a:lvl1pPr>
-          </a:lstStyle>
-          <a:p>
-            <a:endParaRPr lang="en-SG"/>
-          </a:p>
-        </p:txBody>
-      </p:sp>
-      <p:grpSp>
-        <p:nvGrpSpPr>
-          <p:cNvPr id="8" name="Group 7"/>
-          <p:cNvGrpSpPr>
-            <a:grpSpLocks noChangeAspect="1"/>
-          </p:cNvGrpSpPr>
-          <p:nvPr/>
-        </p:nvGrpSpPr>
-        <p:grpSpPr>
-          <a:xfrm>
-            <a:off x="633862" y="2430623"/>
-            <a:ext cx="914400" cy="914400"/>
-            <a:chOff x="9685338" y="4460675"/>
-            <a:chExt cx="1080904" cy="1080902"/>
-          </a:xfrm>
-        </p:grpSpPr>
-        <p:sp>
-          <p:nvSpPr>
-            <p:cNvPr id="9" name="Oval 8"/>
-            <p:cNvSpPr/>
-            <p:nvPr/>
-          </p:nvSpPr>
-          <p:spPr>
-            <a:xfrm>
-              <a:off x="9685338" y="4460675"/>
-              <a:ext cx="1080904" cy="1080902"/>
-            </a:xfrm>
-            <a:prstGeom prst="ellipse">
-              <a:avLst/>
-            </a:prstGeom>
-            <a:blipFill dpi="0" rotWithShape="1">
-              <a:blip r:embed="rId4">
-                <a:duotone>
-                  <a:schemeClr val="accent1">
-                    <a:shade val="45000"/>
-                    <a:satMod val="135000"/>
-                  </a:schemeClr>
-                  <a:prstClr val="white"/>
-                </a:duotone>
-                <a:extLst>
-                  <a:ext uri="{BEBA8EAE-BF5A-486C-A8C5-ECC9F3942E4B}">
-                    <a14:imgProps xmlns:a14="http://schemas.microsoft.com/office/drawing/2010/main">
-                      <a14:imgLayer r:embed="rId5">
-                        <a14:imgEffect>
-                          <a14:saturation sat="95000"/>
-                        </a14:imgEffect>
-                      </a14:imgLayer>
-                    </a14:imgProps>
-                  </a:ext>
-                </a:extLst>
-              </a:blip>
-              <a:srcRect/>
-              <a:tile tx="0" ty="0" sx="85000" sy="85000" flip="none" algn="tl"/>
-            </a:blipFill>
-            <a:ln w="25400" cap="flat" cmpd="sng" algn="ctr">
-              <a:noFill/>
-              <a:prstDash val="solid"/>
-            </a:ln>
-            <a:effectLst/>
-          </p:spPr>
-        </p:sp>
-        <p:sp>
-          <p:nvSpPr>
-            <p:cNvPr id="10" name="Oval 9"/>
-            <p:cNvSpPr/>
-            <p:nvPr/>
-          </p:nvSpPr>
-          <p:spPr>
-            <a:xfrm>
-              <a:off x="9793429" y="4568765"/>
-              <a:ext cx="864723" cy="864722"/>
-            </a:xfrm>
-            <a:prstGeom prst="ellipse">
-              <a:avLst/>
-            </a:prstGeom>
-            <a:noFill/>
-            <a:ln w="25400" cap="flat" cmpd="sng" algn="ctr">
-              <a:solidFill>
-                <a:sysClr val="window" lastClr="FFFFFF"/>
-              </a:solidFill>
-              <a:prstDash val="solid"/>
-            </a:ln>
-            <a:effectLst/>
-          </p:spPr>
-        </p:sp>
-      </p:grpSp>
-      <p:sp>
-        <p:nvSpPr>
-          <p:cNvPr id="6" name="Slide Number Placeholder 5"/>
-          <p:cNvSpPr>
-            <a:spLocks noGrp="1"/>
-          </p:cNvSpPr>
-          <p:nvPr>
-            <p:ph type="sldNum" sz="quarter" idx="12"/>
-          </p:nvPr>
-        </p:nvSpPr>
-        <p:spPr>
-          <a:xfrm>
-            <a:off x="645450" y="2508607"/>
-            <a:ext cx="891224" cy="720332"/>
-          </a:xfrm>
-        </p:spPr>
-        <p:txBody>
-          <a:bodyPr/>
-          <a:lstStyle>
-            <a:lvl1pPr>
-              <a:defRPr sz="2800"/>
             </a:lvl1pPr>
           </a:lstStyle>
           <a:p>
@@ -2176,15 +1949,127 @@
           </a:p>
         </p:txBody>
       </p:sp>
+      <p:sp>
+        <p:nvSpPr>
+          <p:cNvPr id="7" name="Freeform 6"/>
+          <p:cNvSpPr/>
+          <p:nvPr/>
+        </p:nvSpPr>
+        <p:spPr bwMode="auto">
+          <a:xfrm>
+            <a:off x="6113972" y="1685652"/>
+            <a:ext cx="2456260" cy="4408488"/>
+          </a:xfrm>
+          <a:custGeom>
+            <a:avLst/>
+            <a:gdLst/>
+            <a:ahLst/>
+            <a:cxnLst/>
+            <a:rect l="0" t="0" r="r" b="b"/>
+            <a:pathLst>
+              <a:path w="4125" h="5554">
+                <a:moveTo>
+                  <a:pt x="3614" y="0"/>
+                </a:moveTo>
+                <a:lnTo>
+                  <a:pt x="4125" y="0"/>
+                </a:lnTo>
+                <a:lnTo>
+                  <a:pt x="4125" y="5554"/>
+                </a:lnTo>
+                <a:lnTo>
+                  <a:pt x="0" y="5554"/>
+                </a:lnTo>
+                <a:lnTo>
+                  <a:pt x="0" y="5074"/>
+                </a:lnTo>
+                <a:lnTo>
+                  <a:pt x="3614" y="5074"/>
+                </a:lnTo>
+                <a:lnTo>
+                  <a:pt x="3614" y="0"/>
+                </a:lnTo>
+                <a:close/>
+              </a:path>
+            </a:pathLst>
+          </a:custGeom>
+          <a:solidFill>
+            <a:schemeClr val="bg2"/>
+          </a:solidFill>
+          <a:ln w="0">
+            <a:noFill/>
+            <a:prstDash val="solid"/>
+            <a:round/>
+            <a:headEnd/>
+            <a:tailEnd/>
+          </a:ln>
+        </p:spPr>
+      </p:sp>
+      <p:sp>
+        <p:nvSpPr>
+          <p:cNvPr id="8" name="Freeform 7" title="Crop Mark"/>
+          <p:cNvSpPr/>
+          <p:nvPr/>
+        </p:nvSpPr>
+        <p:spPr bwMode="auto">
+          <a:xfrm>
+            <a:off x="6113972" y="1685652"/>
+            <a:ext cx="2456260" cy="4408488"/>
+          </a:xfrm>
+          <a:custGeom>
+            <a:avLst/>
+            <a:gdLst/>
+            <a:ahLst/>
+            <a:cxnLst/>
+            <a:rect l="0" t="0" r="r" b="b"/>
+            <a:pathLst>
+              <a:path w="4125" h="5554">
+                <a:moveTo>
+                  <a:pt x="3614" y="0"/>
+                </a:moveTo>
+                <a:lnTo>
+                  <a:pt x="4125" y="0"/>
+                </a:lnTo>
+                <a:lnTo>
+                  <a:pt x="4125" y="5554"/>
+                </a:lnTo>
+                <a:lnTo>
+                  <a:pt x="0" y="5554"/>
+                </a:lnTo>
+                <a:lnTo>
+                  <a:pt x="0" y="5074"/>
+                </a:lnTo>
+                <a:lnTo>
+                  <a:pt x="3614" y="5074"/>
+                </a:lnTo>
+                <a:lnTo>
+                  <a:pt x="3614" y="0"/>
+                </a:lnTo>
+                <a:close/>
+              </a:path>
+            </a:pathLst>
+          </a:custGeom>
+          <a:solidFill>
+            <a:schemeClr val="tx2"/>
+          </a:solidFill>
+          <a:ln w="0">
+            <a:noFill/>
+            <a:prstDash val="solid"/>
+            <a:round/>
+            <a:headEnd/>
+            <a:tailEnd/>
+          </a:ln>
+        </p:spPr>
+      </p:sp>
     </p:spTree>
     <p:extLst>
       <p:ext uri="{BB962C8B-B14F-4D97-AF65-F5344CB8AC3E}">
-        <p14:creationId xmlns:p14="http://schemas.microsoft.com/office/powerpoint/2010/main" val="1362853079"/>
+        <p14:creationId xmlns:p14="http://schemas.microsoft.com/office/powerpoint/2010/main" val="2914027858"/>
       </p:ext>
     </p:extLst>
   </p:cSld>
   <p:clrMapOvr>
-    <a:masterClrMapping/>
+    <a:overrideClrMapping bg1="dk1" tx1="lt1" bg2="dk2" tx2="lt2" accent1="accent1" accent2="accent2" accent3="accent3" accent4="accent4" accent5="accent5" accent6="accent6" hlink="hlink" folHlink="folHlink"/>
   </p:clrMapOvr>
 </p:sldLayout>
 </file>
@@ -2219,7 +2104,15 @@
         <p:spPr/>
         <p:txBody>
           <a:bodyPr/>
-          <a:lstStyle/>
+          <a:lstStyle>
+            <a:lvl1pPr>
+              <a:defRPr>
+                <a:solidFill>
+                  <a:schemeClr val="tx2"/>
+                </a:solidFill>
+              </a:defRPr>
+            </a:lvl1pPr>
+          </a:lstStyle>
           <a:p>
             <a:r>
               <a:rPr lang="en-US"/>
@@ -2241,40 +2134,48 @@
         </p:nvSpPr>
         <p:spPr>
           <a:xfrm>
-            <a:off x="685800" y="2194560"/>
-            <a:ext cx="3657600" cy="3977640"/>
+            <a:off x="1028700" y="2286000"/>
+            <a:ext cx="3335840" cy="3581401"/>
           </a:xfrm>
         </p:spPr>
         <p:txBody>
           <a:bodyPr/>
           <a:lstStyle>
             <a:lvl1pPr>
-              <a:defRPr sz="2000"/>
+              <a:defRPr baseline="0">
+                <a:solidFill>
+                  <a:schemeClr val="tx2"/>
+                </a:solidFill>
+              </a:defRPr>
             </a:lvl1pPr>
             <a:lvl2pPr>
-              <a:defRPr sz="1800"/>
+              <a:defRPr baseline="0">
+                <a:solidFill>
+                  <a:schemeClr val="tx2"/>
+                </a:solidFill>
+              </a:defRPr>
             </a:lvl2pPr>
             <a:lvl3pPr>
-              <a:defRPr sz="1600"/>
+              <a:defRPr baseline="0">
+                <a:solidFill>
+                  <a:schemeClr val="tx2"/>
+                </a:solidFill>
+              </a:defRPr>
             </a:lvl3pPr>
             <a:lvl4pPr>
-              <a:defRPr sz="1600"/>
+              <a:defRPr baseline="0">
+                <a:solidFill>
+                  <a:schemeClr val="tx2"/>
+                </a:solidFill>
+              </a:defRPr>
             </a:lvl4pPr>
             <a:lvl5pPr>
-              <a:defRPr sz="1600"/>
+              <a:defRPr baseline="0">
+                <a:solidFill>
+                  <a:schemeClr val="tx2"/>
+                </a:solidFill>
+              </a:defRPr>
             </a:lvl5pPr>
-            <a:lvl6pPr>
-              <a:defRPr sz="1600"/>
-            </a:lvl6pPr>
-            <a:lvl7pPr>
-              <a:defRPr sz="1600"/>
-            </a:lvl7pPr>
-            <a:lvl8pPr>
-              <a:defRPr sz="1600"/>
-            </a:lvl8pPr>
-            <a:lvl9pPr>
-              <a:defRPr sz="1600"/>
-            </a:lvl9pPr>
           </a:lstStyle>
           <a:p>
             <a:pPr lvl="0"/>
@@ -2326,40 +2227,48 @@
         </p:nvSpPr>
         <p:spPr>
           <a:xfrm>
-            <a:off x="4792218" y="2194560"/>
-            <a:ext cx="3657600" cy="3977640"/>
+            <a:off x="4894052" y="2286000"/>
+            <a:ext cx="3335840" cy="3581401"/>
           </a:xfrm>
         </p:spPr>
         <p:txBody>
           <a:bodyPr/>
           <a:lstStyle>
             <a:lvl1pPr>
-              <a:defRPr sz="2000"/>
+              <a:defRPr>
+                <a:solidFill>
+                  <a:schemeClr val="tx2"/>
+                </a:solidFill>
+              </a:defRPr>
             </a:lvl1pPr>
             <a:lvl2pPr>
-              <a:defRPr sz="1800"/>
+              <a:defRPr>
+                <a:solidFill>
+                  <a:schemeClr val="tx2"/>
+                </a:solidFill>
+              </a:defRPr>
             </a:lvl2pPr>
             <a:lvl3pPr>
-              <a:defRPr sz="1600"/>
+              <a:defRPr>
+                <a:solidFill>
+                  <a:schemeClr val="tx2"/>
+                </a:solidFill>
+              </a:defRPr>
             </a:lvl3pPr>
             <a:lvl4pPr>
-              <a:defRPr sz="1600"/>
+              <a:defRPr>
+                <a:solidFill>
+                  <a:schemeClr val="tx2"/>
+                </a:solidFill>
+              </a:defRPr>
             </a:lvl4pPr>
             <a:lvl5pPr>
-              <a:defRPr sz="1600"/>
+              <a:defRPr>
+                <a:solidFill>
+                  <a:schemeClr val="tx2"/>
+                </a:solidFill>
+              </a:defRPr>
             </a:lvl5pPr>
-            <a:lvl6pPr>
-              <a:defRPr sz="1600"/>
-            </a:lvl6pPr>
-            <a:lvl7pPr>
-              <a:defRPr sz="1600"/>
-            </a:lvl7pPr>
-            <a:lvl8pPr>
-              <a:defRPr sz="1600"/>
-            </a:lvl8pPr>
-            <a:lvl9pPr>
-              <a:defRPr sz="1600"/>
-            </a:lvl9pPr>
           </a:lstStyle>
           <a:p>
             <a:pPr lvl="0"/>
@@ -2467,7 +2376,7 @@
     </p:spTree>
     <p:extLst>
       <p:ext uri="{BB962C8B-B14F-4D97-AF65-F5344CB8AC3E}">
-        <p14:creationId xmlns:p14="http://schemas.microsoft.com/office/powerpoint/2010/main" val="3305530693"/>
+        <p14:creationId xmlns:p14="http://schemas.microsoft.com/office/powerpoint/2010/main" val="4204673348"/>
       </p:ext>
     </p:extLst>
   </p:cSld>
@@ -2496,7 +2405,7 @@
       </p:grpSpPr>
       <p:sp>
         <p:nvSpPr>
-          <p:cNvPr id="10" name="Title 9"/>
+          <p:cNvPr id="2" name="Title 1"/>
           <p:cNvSpPr>
             <a:spLocks noGrp="1"/>
           </p:cNvSpPr>
@@ -2504,10 +2413,23 @@
             <p:ph type="title"/>
           </p:nvPr>
         </p:nvSpPr>
-        <p:spPr/>
+        <p:spPr>
+          <a:xfrm>
+            <a:off x="1028700" y="685800"/>
+            <a:ext cx="7200900" cy="1485900"/>
+          </a:xfrm>
+        </p:spPr>
         <p:txBody>
           <a:bodyPr/>
-          <a:lstStyle/>
+          <a:lstStyle>
+            <a:lvl1pPr>
+              <a:defRPr>
+                <a:solidFill>
+                  <a:schemeClr val="tx2"/>
+                </a:solidFill>
+              </a:defRPr>
+            </a:lvl1pPr>
+          </a:lstStyle>
           <a:p>
             <a:r>
               <a:rPr lang="en-US"/>
@@ -2529,56 +2451,63 @@
         </p:nvSpPr>
         <p:spPr>
           <a:xfrm>
-            <a:off x="685800" y="2048256"/>
-            <a:ext cx="3657600" cy="640080"/>
+            <a:off x="1028700" y="2340230"/>
+            <a:ext cx="3335840" cy="823912"/>
           </a:xfrm>
         </p:spPr>
         <p:txBody>
-          <a:bodyPr anchor="ctr">
-            <a:normAutofit/>
+          <a:bodyPr anchor="b">
+            <a:noAutofit/>
           </a:bodyPr>
           <a:lstStyle>
             <a:lvl1pPr marL="0" indent="0">
+              <a:lnSpc>
+                <a:spcPct val="84000"/>
+              </a:lnSpc>
+              <a:spcBef>
+                <a:spcPts val="0"/>
+              </a:spcBef>
+              <a:spcAft>
+                <a:spcPts val="0"/>
+              </a:spcAft>
               <a:buNone/>
-              <a:defRPr sz="2000" b="1">
+              <a:defRPr sz="2400" b="0" baseline="0">
                 <a:solidFill>
-                  <a:schemeClr val="accent1">
-                    <a:lumMod val="75000"/>
-                  </a:schemeClr>
+                  <a:schemeClr val="tx2"/>
                 </a:solidFill>
               </a:defRPr>
             </a:lvl1pPr>
-            <a:lvl2pPr marL="457200" indent="0">
+            <a:lvl2pPr marL="342900" indent="0">
               <a:buNone/>
-              <a:defRPr sz="2000" b="1"/>
+              <a:defRPr sz="1500" b="1"/>
             </a:lvl2pPr>
-            <a:lvl3pPr marL="914400" indent="0">
+            <a:lvl3pPr marL="685800" indent="0">
               <a:buNone/>
-              <a:defRPr sz="1800" b="1"/>
+              <a:defRPr sz="1350" b="1"/>
             </a:lvl3pPr>
-            <a:lvl4pPr marL="1371600" indent="0">
+            <a:lvl4pPr marL="1028700" indent="0">
               <a:buNone/>
-              <a:defRPr sz="1600" b="1"/>
+              <a:defRPr sz="1200" b="1"/>
             </a:lvl4pPr>
-            <a:lvl5pPr marL="1828800" indent="0">
+            <a:lvl5pPr marL="1371600" indent="0">
               <a:buNone/>
-              <a:defRPr sz="1600" b="1"/>
+              <a:defRPr sz="1200" b="1"/>
             </a:lvl5pPr>
-            <a:lvl6pPr marL="2286000" indent="0">
+            <a:lvl6pPr marL="1714500" indent="0">
               <a:buNone/>
-              <a:defRPr sz="1600" b="1"/>
+              <a:defRPr sz="1200" b="1"/>
             </a:lvl6pPr>
-            <a:lvl7pPr marL="2743200" indent="0">
+            <a:lvl7pPr marL="2057400" indent="0">
               <a:buNone/>
-              <a:defRPr sz="1600" b="1"/>
+              <a:defRPr sz="1200" b="1"/>
             </a:lvl7pPr>
-            <a:lvl8pPr marL="3200400" indent="0">
+            <a:lvl8pPr marL="2400300" indent="0">
               <a:buNone/>
-              <a:defRPr sz="1600" b="1"/>
+              <a:defRPr sz="1200" b="1"/>
             </a:lvl8pPr>
-            <a:lvl9pPr marL="3657600" indent="0">
+            <a:lvl9pPr marL="2743200" indent="0">
               <a:buNone/>
-              <a:defRPr sz="1600" b="1"/>
+              <a:defRPr sz="1200" b="1"/>
             </a:lvl9pPr>
           </a:lstStyle>
           <a:p>
@@ -2602,40 +2531,48 @@
         </p:nvSpPr>
         <p:spPr>
           <a:xfrm>
-            <a:off x="685800" y="2743200"/>
-            <a:ext cx="3657600" cy="3291840"/>
+            <a:off x="1028700" y="3305208"/>
+            <a:ext cx="3335839" cy="2562193"/>
           </a:xfrm>
         </p:spPr>
         <p:txBody>
           <a:bodyPr/>
           <a:lstStyle>
             <a:lvl1pPr>
-              <a:defRPr sz="2000"/>
+              <a:defRPr baseline="0">
+                <a:solidFill>
+                  <a:schemeClr val="tx2"/>
+                </a:solidFill>
+              </a:defRPr>
             </a:lvl1pPr>
             <a:lvl2pPr>
-              <a:defRPr sz="1800"/>
+              <a:defRPr baseline="0">
+                <a:solidFill>
+                  <a:schemeClr val="tx2"/>
+                </a:solidFill>
+              </a:defRPr>
             </a:lvl2pPr>
             <a:lvl3pPr>
-              <a:defRPr sz="1600"/>
+              <a:defRPr baseline="0">
+                <a:solidFill>
+                  <a:schemeClr val="tx2"/>
+                </a:solidFill>
+              </a:defRPr>
             </a:lvl3pPr>
             <a:lvl4pPr>
-              <a:defRPr sz="1600"/>
+              <a:defRPr baseline="0">
+                <a:solidFill>
+                  <a:schemeClr val="tx2"/>
+                </a:solidFill>
+              </a:defRPr>
             </a:lvl4pPr>
             <a:lvl5pPr>
-              <a:defRPr sz="1600"/>
+              <a:defRPr baseline="0">
+                <a:solidFill>
+                  <a:schemeClr val="tx2"/>
+                </a:solidFill>
+              </a:defRPr>
             </a:lvl5pPr>
-            <a:lvl6pPr>
-              <a:defRPr sz="1600"/>
-            </a:lvl6pPr>
-            <a:lvl7pPr>
-              <a:defRPr sz="1600"/>
-            </a:lvl7pPr>
-            <a:lvl8pPr>
-              <a:defRPr sz="1600"/>
-            </a:lvl8pPr>
-            <a:lvl9pPr>
-              <a:defRPr sz="1600"/>
-            </a:lvl9pPr>
           </a:lstStyle>
           <a:p>
             <a:pPr lvl="0"/>
@@ -2687,56 +2624,63 @@
         </p:nvSpPr>
         <p:spPr>
           <a:xfrm>
-            <a:off x="4820793" y="2048256"/>
-            <a:ext cx="3657600" cy="640080"/>
+            <a:off x="4893760" y="2349754"/>
+            <a:ext cx="3335840" cy="823912"/>
           </a:xfrm>
         </p:spPr>
         <p:txBody>
-          <a:bodyPr anchor="ctr">
-            <a:normAutofit/>
+          <a:bodyPr anchor="b">
+            <a:noAutofit/>
           </a:bodyPr>
           <a:lstStyle>
             <a:lvl1pPr marL="0" indent="0">
+              <a:lnSpc>
+                <a:spcPct val="84000"/>
+              </a:lnSpc>
+              <a:spcBef>
+                <a:spcPts val="0"/>
+              </a:spcBef>
+              <a:spcAft>
+                <a:spcPts val="0"/>
+              </a:spcAft>
               <a:buNone/>
-              <a:defRPr sz="2000" b="1">
+              <a:defRPr sz="2400" b="0" baseline="0">
                 <a:solidFill>
-                  <a:schemeClr val="accent1">
-                    <a:lumMod val="75000"/>
-                  </a:schemeClr>
+                  <a:schemeClr val="tx2"/>
                 </a:solidFill>
               </a:defRPr>
             </a:lvl1pPr>
-            <a:lvl2pPr marL="457200" indent="0">
+            <a:lvl2pPr marL="342900" indent="0">
               <a:buNone/>
-              <a:defRPr sz="2000" b="1"/>
+              <a:defRPr sz="1500" b="1"/>
             </a:lvl2pPr>
-            <a:lvl3pPr marL="914400" indent="0">
+            <a:lvl3pPr marL="685800" indent="0">
               <a:buNone/>
-              <a:defRPr sz="1800" b="1"/>
+              <a:defRPr sz="1350" b="1"/>
             </a:lvl3pPr>
-            <a:lvl4pPr marL="1371600" indent="0">
+            <a:lvl4pPr marL="1028700" indent="0">
               <a:buNone/>
-              <a:defRPr sz="1600" b="1"/>
+              <a:defRPr sz="1200" b="1"/>
             </a:lvl4pPr>
-            <a:lvl5pPr marL="1828800" indent="0">
+            <a:lvl5pPr marL="1371600" indent="0">
               <a:buNone/>
-              <a:defRPr sz="1600" b="1"/>
+              <a:defRPr sz="1200" b="1"/>
             </a:lvl5pPr>
-            <a:lvl6pPr marL="2286000" indent="0">
+            <a:lvl6pPr marL="1714500" indent="0">
               <a:buNone/>
-              <a:defRPr sz="1600" b="1"/>
+              <a:defRPr sz="1200" b="1"/>
             </a:lvl6pPr>
-            <a:lvl7pPr marL="2743200" indent="0">
+            <a:lvl7pPr marL="2057400" indent="0">
               <a:buNone/>
-              <a:defRPr sz="1600" b="1"/>
+              <a:defRPr sz="1200" b="1"/>
             </a:lvl7pPr>
-            <a:lvl8pPr marL="3200400" indent="0">
+            <a:lvl8pPr marL="2400300" indent="0">
               <a:buNone/>
-              <a:defRPr sz="1600" b="1"/>
+              <a:defRPr sz="1200" b="1"/>
             </a:lvl8pPr>
-            <a:lvl9pPr marL="3657600" indent="0">
+            <a:lvl9pPr marL="2743200" indent="0">
               <a:buNone/>
-              <a:defRPr sz="1600" b="1"/>
+              <a:defRPr sz="1200" b="1"/>
             </a:lvl9pPr>
           </a:lstStyle>
           <a:p>
@@ -2760,40 +2704,48 @@
         </p:nvSpPr>
         <p:spPr>
           <a:xfrm>
-            <a:off x="4820793" y="2743200"/>
-            <a:ext cx="3657600" cy="3291840"/>
+            <a:off x="4893760" y="3305208"/>
+            <a:ext cx="3335840" cy="2562193"/>
           </a:xfrm>
         </p:spPr>
         <p:txBody>
           <a:bodyPr/>
           <a:lstStyle>
             <a:lvl1pPr>
-              <a:defRPr sz="2000"/>
+              <a:defRPr baseline="0">
+                <a:solidFill>
+                  <a:schemeClr val="tx2"/>
+                </a:solidFill>
+              </a:defRPr>
             </a:lvl1pPr>
             <a:lvl2pPr>
-              <a:defRPr sz="1800"/>
+              <a:defRPr baseline="0">
+                <a:solidFill>
+                  <a:schemeClr val="tx2"/>
+                </a:solidFill>
+              </a:defRPr>
             </a:lvl2pPr>
             <a:lvl3pPr>
-              <a:defRPr sz="1600"/>
+              <a:defRPr baseline="0">
+                <a:solidFill>
+                  <a:schemeClr val="tx2"/>
+                </a:solidFill>
+              </a:defRPr>
             </a:lvl3pPr>
             <a:lvl4pPr>
-              <a:defRPr sz="1600"/>
+              <a:defRPr baseline="0">
+                <a:solidFill>
+                  <a:schemeClr val="tx2"/>
+                </a:solidFill>
+              </a:defRPr>
             </a:lvl4pPr>
             <a:lvl5pPr>
-              <a:defRPr sz="1600"/>
+              <a:defRPr baseline="0">
+                <a:solidFill>
+                  <a:schemeClr val="tx2"/>
+                </a:solidFill>
+              </a:defRPr>
             </a:lvl5pPr>
-            <a:lvl6pPr>
-              <a:defRPr sz="1600"/>
-            </a:lvl6pPr>
-            <a:lvl7pPr>
-              <a:defRPr sz="1600"/>
-            </a:lvl7pPr>
-            <a:lvl8pPr>
-              <a:defRPr sz="1600"/>
-            </a:lvl8pPr>
-            <a:lvl9pPr>
-              <a:defRPr sz="1600"/>
-            </a:lvl9pPr>
           </a:lstStyle>
           <a:p>
             <a:pPr lvl="0"/>
@@ -2901,7 +2853,7 @@
     </p:spTree>
     <p:extLst>
       <p:ext uri="{BB962C8B-B14F-4D97-AF65-F5344CB8AC3E}">
-        <p14:creationId xmlns:p14="http://schemas.microsoft.com/office/powerpoint/2010/main" val="847276441"/>
+        <p14:creationId xmlns:p14="http://schemas.microsoft.com/office/powerpoint/2010/main" val="2415193322"/>
       </p:ext>
     </p:extLst>
   </p:cSld>
@@ -2930,7 +2882,7 @@
       </p:grpSpPr>
       <p:sp>
         <p:nvSpPr>
-          <p:cNvPr id="6" name="Title 5"/>
+          <p:cNvPr id="2" name="Title 1"/>
           <p:cNvSpPr>
             <a:spLocks noGrp="1"/>
           </p:cNvSpPr>
@@ -2964,17 +2916,7 @@
         <p:spPr/>
         <p:txBody>
           <a:bodyPr/>
-          <a:lstStyle>
-            <a:lvl1pPr>
-              <a:defRPr>
-                <a:solidFill>
-                  <a:schemeClr val="accent1">
-                    <a:lumMod val="50000"/>
-                  </a:schemeClr>
-                </a:solidFill>
-              </a:defRPr>
-            </a:lvl1pPr>
-          </a:lstStyle>
+          <a:lstStyle/>
           <a:p>
             <a:fld id="{3D45E4C3-D8E2-48C0-87AF-BE60E58FCFC6}" type="datetimeFigureOut">
               <a:rPr lang="en-SG" smtClean="0"/>
@@ -2997,17 +2939,7 @@
         <p:spPr/>
         <p:txBody>
           <a:bodyPr/>
-          <a:lstStyle>
-            <a:lvl1pPr>
-              <a:defRPr>
-                <a:solidFill>
-                  <a:schemeClr val="accent1">
-                    <a:lumMod val="50000"/>
-                  </a:schemeClr>
-                </a:solidFill>
-              </a:defRPr>
-            </a:lvl1pPr>
-          </a:lstStyle>
+          <a:lstStyle/>
           <a:p>
             <a:endParaRPr lang="en-SG"/>
           </a:p>
@@ -3039,7 +2971,7 @@
     </p:spTree>
     <p:extLst>
       <p:ext uri="{BB962C8B-B14F-4D97-AF65-F5344CB8AC3E}">
-        <p14:creationId xmlns:p14="http://schemas.microsoft.com/office/powerpoint/2010/main" val="2661401544"/>
+        <p14:creationId xmlns:p14="http://schemas.microsoft.com/office/powerpoint/2010/main" val="509986709"/>
       </p:ext>
     </p:extLst>
   </p:cSld>
@@ -3134,7 +3066,7 @@
     </p:spTree>
     <p:extLst>
       <p:ext uri="{BB962C8B-B14F-4D97-AF65-F5344CB8AC3E}">
-        <p14:creationId xmlns:p14="http://schemas.microsoft.com/office/powerpoint/2010/main" val="4292611276"/>
+        <p14:creationId xmlns:p14="http://schemas.microsoft.com/office/powerpoint/2010/main" val="3392178274"/>
       </p:ext>
     </p:extLst>
   </p:cSld>
@@ -3163,40 +3095,21 @@
       </p:grpSpPr>
       <p:sp>
         <p:nvSpPr>
-          <p:cNvPr id="8" name="Rectangle 7"/>
+          <p:cNvPr id="8" name="Rectangle 7" title="Background Shape"/>
           <p:cNvSpPr/>
           <p:nvPr/>
         </p:nvSpPr>
         <p:spPr>
           <a:xfrm>
-            <a:off x="6227806" y="1"/>
-            <a:ext cx="2916194" cy="6857999"/>
+            <a:off x="0" y="376"/>
+            <a:ext cx="3977640" cy="6857624"/>
           </a:xfrm>
           <a:prstGeom prst="rect">
             <a:avLst/>
           </a:prstGeom>
-          <a:blipFill dpi="0" rotWithShape="1">
-            <a:blip r:embed="rId2">
-              <a:alphaModFix amt="60000"/>
-              <a:lum bright="70000" contrast="-70000"/>
-              <a:extLst>
-                <a:ext uri="{BEBA8EAE-BF5A-486C-A8C5-ECC9F3942E4B}">
-                  <a14:imgProps xmlns:a14="http://schemas.microsoft.com/office/drawing/2010/main">
-                    <a14:imgLayer r:embed="rId3">
-                      <a14:imgEffect>
-                        <a14:sharpenSoften amount="61000"/>
-                      </a14:imgEffect>
-                    </a14:imgLayer>
-                  </a14:imgProps>
-                </a:ext>
-                <a:ext uri="{28A0092B-C50C-407E-A947-70E740481C1C}">
-                  <a14:useLocalDpi xmlns:a14="http://schemas.microsoft.com/office/drawing/2010/main" val="0"/>
-                </a:ext>
-              </a:extLst>
-            </a:blip>
-            <a:srcRect/>
-            <a:tile tx="0" ty="-704850" sx="92000" sy="89000" flip="xy" algn="ctr"/>
-          </a:blipFill>
+          <a:solidFill>
+            <a:schemeClr val="accent1"/>
+          </a:solidFill>
           <a:ln>
             <a:noFill/>
           </a:ln>
@@ -3230,17 +3143,24 @@
         </p:nvSpPr>
         <p:spPr>
           <a:xfrm>
-            <a:off x="6412230" y="685800"/>
-            <a:ext cx="2400300" cy="1737360"/>
+            <a:off x="542925" y="685800"/>
+            <a:ext cx="2891790" cy="2157884"/>
           </a:xfrm>
         </p:spPr>
         <p:txBody>
-          <a:bodyPr anchor="b">
-            <a:normAutofit/>
+          <a:bodyPr anchor="t">
+            <a:noAutofit/>
           </a:bodyPr>
           <a:lstStyle>
             <a:lvl1pPr>
-              <a:defRPr sz="2800" b="0"/>
+              <a:lnSpc>
+                <a:spcPct val="84000"/>
+              </a:lnSpc>
+              <a:defRPr sz="4400" baseline="0">
+                <a:solidFill>
+                  <a:schemeClr val="tx2"/>
+                </a:solidFill>
+              </a:defRPr>
             </a:lvl1pPr>
           </a:lstStyle>
           <a:p>
@@ -3264,39 +3184,39 @@
         </p:nvSpPr>
         <p:spPr>
           <a:xfrm>
-            <a:off x="628650" y="685800"/>
-            <a:ext cx="5033772" cy="5020056"/>
+            <a:off x="4692015" y="685801"/>
+            <a:ext cx="3909060" cy="5175250"/>
           </a:xfrm>
         </p:spPr>
         <p:txBody>
           <a:bodyPr/>
           <a:lstStyle>
             <a:lvl1pPr>
-              <a:defRPr sz="2000"/>
+              <a:defRPr sz="1500"/>
             </a:lvl1pPr>
             <a:lvl2pPr>
-              <a:defRPr sz="1800"/>
+              <a:defRPr sz="1500"/>
             </a:lvl2pPr>
             <a:lvl3pPr>
-              <a:defRPr sz="1600"/>
+              <a:defRPr sz="1350"/>
             </a:lvl3pPr>
             <a:lvl4pPr>
-              <a:defRPr sz="1600"/>
+              <a:defRPr sz="1350"/>
             </a:lvl4pPr>
             <a:lvl5pPr>
-              <a:defRPr sz="1600"/>
+              <a:defRPr sz="1200"/>
             </a:lvl5pPr>
             <a:lvl6pPr>
-              <a:defRPr sz="1600"/>
+              <a:defRPr sz="1200"/>
             </a:lvl6pPr>
             <a:lvl7pPr>
-              <a:defRPr sz="1600"/>
+              <a:defRPr sz="1200"/>
             </a:lvl7pPr>
             <a:lvl8pPr>
-              <a:defRPr sz="1600"/>
+              <a:defRPr sz="1200"/>
             </a:lvl8pPr>
             <a:lvl9pPr>
-              <a:defRPr sz="1600"/>
+              <a:defRPr sz="1200"/>
             </a:lvl9pPr>
           </a:lstStyle>
           <a:p>
@@ -3349,8 +3269,8 @@
         </p:nvSpPr>
         <p:spPr>
           <a:xfrm>
-            <a:off x="6412230" y="2423160"/>
-            <a:ext cx="2400300" cy="3291840"/>
+            <a:off x="542925" y="2856344"/>
+            <a:ext cx="2891790" cy="3011056"/>
           </a:xfrm>
         </p:spPr>
         <p:txBody>
@@ -3360,167 +3280,86 @@
           <a:lstStyle>
             <a:lvl1pPr marL="0" indent="0">
               <a:lnSpc>
-                <a:spcPct val="100000"/>
+                <a:spcPct val="113000"/>
               </a:lnSpc>
               <a:spcBef>
-                <a:spcPts val="1000"/>
+                <a:spcPts val="0"/>
               </a:spcBef>
+              <a:spcAft>
+                <a:spcPts val="1500"/>
+              </a:spcAft>
               <a:buNone/>
-              <a:defRPr sz="1350">
+              <a:defRPr sz="1600"/>
+            </a:lvl1pPr>
+            <a:lvl2pPr marL="342900" indent="0">
+              <a:buNone/>
+              <a:defRPr sz="1050"/>
+            </a:lvl2pPr>
+            <a:lvl3pPr marL="685800" indent="0">
+              <a:buNone/>
+              <a:defRPr sz="900"/>
+            </a:lvl3pPr>
+            <a:lvl4pPr marL="1028700" indent="0">
+              <a:buNone/>
+              <a:defRPr sz="750"/>
+            </a:lvl4pPr>
+            <a:lvl5pPr marL="1371600" indent="0">
+              <a:buNone/>
+              <a:defRPr sz="750"/>
+            </a:lvl5pPr>
+            <a:lvl6pPr marL="1714500" indent="0">
+              <a:buNone/>
+              <a:defRPr sz="750"/>
+            </a:lvl6pPr>
+            <a:lvl7pPr marL="2057400" indent="0">
+              <a:buNone/>
+              <a:defRPr sz="750"/>
+            </a:lvl7pPr>
+            <a:lvl8pPr marL="2400300" indent="0">
+              <a:buNone/>
+              <a:defRPr sz="750"/>
+            </a:lvl8pPr>
+            <a:lvl9pPr marL="2743200" indent="0">
+              <a:buNone/>
+              <a:defRPr sz="750"/>
+            </a:lvl9pPr>
+          </a:lstStyle>
+          <a:p>
+            <a:pPr lvl="0"/>
+            <a:r>
+              <a:rPr lang="en-US"/>
+              <a:t>Edit Master text styles</a:t>
+            </a:r>
+          </a:p>
+        </p:txBody>
+      </p:sp>
+      <p:sp>
+        <p:nvSpPr>
+          <p:cNvPr id="5" name="Date Placeholder 4"/>
+          <p:cNvSpPr>
+            <a:spLocks noGrp="1"/>
+          </p:cNvSpPr>
+          <p:nvPr>
+            <p:ph type="dt" sz="half" idx="10"/>
+          </p:nvPr>
+        </p:nvSpPr>
+        <p:spPr>
+          <a:xfrm>
+            <a:off x="542925" y="6453386"/>
+            <a:ext cx="903429" cy="404614"/>
+          </a:xfrm>
+        </p:spPr>
+        <p:txBody>
+          <a:bodyPr/>
+          <a:lstStyle>
+            <a:lvl1pPr>
+              <a:defRPr>
                 <a:solidFill>
-                  <a:schemeClr val="accent1">
-                    <a:lumMod val="50000"/>
-                  </a:schemeClr>
+                  <a:schemeClr val="tx2"/>
                 </a:solidFill>
               </a:defRPr>
             </a:lvl1pPr>
-            <a:lvl2pPr marL="457200" indent="0">
-              <a:buNone/>
-              <a:defRPr sz="1200"/>
-            </a:lvl2pPr>
-            <a:lvl3pPr marL="914400" indent="0">
-              <a:buNone/>
-              <a:defRPr sz="1000"/>
-            </a:lvl3pPr>
-            <a:lvl4pPr marL="1371600" indent="0">
-              <a:buNone/>
-              <a:defRPr sz="900"/>
-            </a:lvl4pPr>
-            <a:lvl5pPr marL="1828800" indent="0">
-              <a:buNone/>
-              <a:defRPr sz="900"/>
-            </a:lvl5pPr>
-            <a:lvl6pPr marL="2286000" indent="0">
-              <a:buNone/>
-              <a:defRPr sz="900"/>
-            </a:lvl6pPr>
-            <a:lvl7pPr marL="2743200" indent="0">
-              <a:buNone/>
-              <a:defRPr sz="900"/>
-            </a:lvl7pPr>
-            <a:lvl8pPr marL="3200400" indent="0">
-              <a:buNone/>
-              <a:defRPr sz="900"/>
-            </a:lvl8pPr>
-            <a:lvl9pPr marL="3657600" indent="0">
-              <a:buNone/>
-              <a:defRPr sz="900"/>
-            </a:lvl9pPr>
           </a:lstStyle>
-          <a:p>
-            <a:pPr lvl="0"/>
-            <a:r>
-              <a:rPr lang="en-US"/>
-              <a:t>Edit Master text styles</a:t>
-            </a:r>
-          </a:p>
-        </p:txBody>
-      </p:sp>
-      <p:grpSp>
-        <p:nvGrpSpPr>
-          <p:cNvPr id="12" name="Group 11"/>
-          <p:cNvGrpSpPr/>
-          <p:nvPr/>
-        </p:nvGrpSpPr>
-        <p:grpSpPr>
-          <a:xfrm>
-            <a:off x="8522664" y="6255258"/>
-            <a:ext cx="393192" cy="393192"/>
-            <a:chOff x="8532189" y="5068824"/>
-            <a:chExt cx="393192" cy="393192"/>
-          </a:xfrm>
-        </p:grpSpPr>
-        <p:sp>
-          <p:nvSpPr>
-            <p:cNvPr id="13" name="Oval 12"/>
-            <p:cNvSpPr>
-              <a:spLocks noChangeAspect="1"/>
-            </p:cNvSpPr>
-            <p:nvPr/>
-          </p:nvSpPr>
-          <p:spPr>
-            <a:xfrm>
-              <a:off x="8532189" y="5068824"/>
-              <a:ext cx="393192" cy="393192"/>
-            </a:xfrm>
-            <a:prstGeom prst="ellipse">
-              <a:avLst/>
-            </a:prstGeom>
-            <a:blipFill dpi="0" rotWithShape="1">
-              <a:blip r:embed="rId4">
-                <a:duotone>
-                  <a:schemeClr val="accent1">
-                    <a:shade val="45000"/>
-                    <a:satMod val="135000"/>
-                  </a:schemeClr>
-                  <a:prstClr val="white"/>
-                </a:duotone>
-                <a:extLst>
-                  <a:ext uri="{BEBA8EAE-BF5A-486C-A8C5-ECC9F3942E4B}">
-                    <a14:imgProps xmlns:a14="http://schemas.microsoft.com/office/drawing/2010/main">
-                      <a14:imgLayer r:embed="rId5">
-                        <a14:imgEffect>
-                          <a14:saturation sat="95000"/>
-                        </a14:imgEffect>
-                        <a14:imgEffect>
-                          <a14:brightnessContrast bright="-40000" contrast="20000"/>
-                        </a14:imgEffect>
-                      </a14:imgLayer>
-                    </a14:imgProps>
-                  </a:ext>
-                </a:extLst>
-              </a:blip>
-              <a:srcRect/>
-              <a:tile tx="50800" ty="0" sx="85000" sy="85000" flip="none" algn="tl"/>
-            </a:blipFill>
-            <a:ln w="25400" cap="flat" cmpd="sng" algn="ctr">
-              <a:noFill/>
-              <a:prstDash val="solid"/>
-            </a:ln>
-            <a:effectLst/>
-          </p:spPr>
-        </p:sp>
-        <p:sp>
-          <p:nvSpPr>
-            <p:cNvPr id="14" name="Oval 13"/>
-            <p:cNvSpPr>
-              <a:spLocks noChangeAspect="1"/>
-            </p:cNvSpPr>
-            <p:nvPr/>
-          </p:nvSpPr>
-          <p:spPr>
-            <a:xfrm>
-              <a:off x="8568766" y="5105400"/>
-              <a:ext cx="320039" cy="320040"/>
-            </a:xfrm>
-            <a:prstGeom prst="ellipse">
-              <a:avLst/>
-            </a:prstGeom>
-            <a:noFill/>
-            <a:ln w="12700" cap="flat" cmpd="sng" algn="ctr">
-              <a:solidFill>
-                <a:srgbClr val="FFFFFF"/>
-              </a:solidFill>
-              <a:prstDash val="solid"/>
-            </a:ln>
-            <a:effectLst/>
-          </p:spPr>
-        </p:sp>
-      </p:grpSp>
-      <p:sp>
-        <p:nvSpPr>
-          <p:cNvPr id="9" name="Date Placeholder 8"/>
-          <p:cNvSpPr>
-            <a:spLocks noGrp="1"/>
-          </p:cNvSpPr>
-          <p:nvPr>
-            <p:ph type="dt" sz="half" idx="10"/>
-          </p:nvPr>
-        </p:nvSpPr>
-        <p:spPr/>
-        <p:txBody>
-          <a:bodyPr/>
-          <a:lstStyle/>
           <a:p>
             <a:fld id="{3D45E4C3-D8E2-48C0-87AF-BE60E58FCFC6}" type="datetimeFigureOut">
               <a:rPr lang="en-SG" smtClean="0"/>
@@ -3532,7 +3371,7 @@
       </p:sp>
       <p:sp>
         <p:nvSpPr>
-          <p:cNvPr id="10" name="Footer Placeholder 9"/>
+          <p:cNvPr id="6" name="Footer Placeholder 5"/>
           <p:cNvSpPr>
             <a:spLocks noGrp="1"/>
           </p:cNvSpPr>
@@ -3540,10 +3379,23 @@
             <p:ph type="ftr" sz="quarter" idx="11"/>
           </p:nvPr>
         </p:nvSpPr>
-        <p:spPr/>
+        <p:spPr>
+          <a:xfrm>
+            <a:off x="1654459" y="6453386"/>
+            <a:ext cx="1780256" cy="404614"/>
+          </a:xfrm>
+        </p:spPr>
         <p:txBody>
           <a:bodyPr/>
-          <a:lstStyle/>
+          <a:lstStyle>
+            <a:lvl1pPr>
+              <a:defRPr>
+                <a:solidFill>
+                  <a:schemeClr val="tx2"/>
+                </a:solidFill>
+              </a:defRPr>
+            </a:lvl1pPr>
+          </a:lstStyle>
           <a:p>
             <a:endParaRPr lang="en-SG"/>
           </a:p>
@@ -3551,7 +3403,7 @@
       </p:sp>
       <p:sp>
         <p:nvSpPr>
-          <p:cNvPr id="11" name="Slide Number Placeholder 10"/>
+          <p:cNvPr id="7" name="Slide Number Placeholder 6"/>
           <p:cNvSpPr>
             <a:spLocks noGrp="1"/>
           </p:cNvSpPr>
@@ -3559,10 +3411,23 @@
             <p:ph type="sldNum" sz="quarter" idx="12"/>
           </p:nvPr>
         </p:nvSpPr>
-        <p:spPr/>
+        <p:spPr>
+          <a:xfrm>
+            <a:off x="7412355" y="6453386"/>
+            <a:ext cx="1197219" cy="404614"/>
+          </a:xfrm>
+        </p:spPr>
         <p:txBody>
           <a:bodyPr/>
-          <a:lstStyle/>
+          <a:lstStyle>
+            <a:lvl1pPr>
+              <a:defRPr>
+                <a:solidFill>
+                  <a:schemeClr val="tx2"/>
+                </a:solidFill>
+              </a:defRPr>
+            </a:lvl1pPr>
+          </a:lstStyle>
           <a:p>
             <a:fld id="{617BDF6C-29EC-46EC-8E64-665A8F8AD874}" type="slidenum">
               <a:rPr lang="en-SG" smtClean="0"/>
@@ -3572,10 +3437,86 @@
           </a:p>
         </p:txBody>
       </p:sp>
+      <p:sp>
+        <p:nvSpPr>
+          <p:cNvPr id="9" name="Rectangle 8"/>
+          <p:cNvSpPr/>
+          <p:nvPr/>
+        </p:nvSpPr>
+        <p:spPr>
+          <a:xfrm>
+            <a:off x="3977640" y="376"/>
+            <a:ext cx="171450" cy="6858000"/>
+          </a:xfrm>
+          <a:prstGeom prst="rect">
+            <a:avLst/>
+          </a:prstGeom>
+          <a:solidFill>
+            <a:schemeClr val="tx2"/>
+          </a:solidFill>
+          <a:ln>
+            <a:noFill/>
+          </a:ln>
+        </p:spPr>
+        <p:style>
+          <a:lnRef idx="2">
+            <a:schemeClr val="accent1">
+              <a:shade val="50000"/>
+            </a:schemeClr>
+          </a:lnRef>
+          <a:fillRef idx="1">
+            <a:schemeClr val="accent1"/>
+          </a:fillRef>
+          <a:effectRef idx="0">
+            <a:schemeClr val="accent1"/>
+          </a:effectRef>
+          <a:fontRef idx="minor">
+            <a:schemeClr val="lt1"/>
+          </a:fontRef>
+        </p:style>
+      </p:sp>
+      <p:sp>
+        <p:nvSpPr>
+          <p:cNvPr id="11" name="Rectangle 10" title="Divider Bar"/>
+          <p:cNvSpPr/>
+          <p:nvPr/>
+        </p:nvSpPr>
+        <p:spPr>
+          <a:xfrm>
+            <a:off x="3977640" y="376"/>
+            <a:ext cx="171450" cy="6858000"/>
+          </a:xfrm>
+          <a:prstGeom prst="rect">
+            <a:avLst/>
+          </a:prstGeom>
+          <a:solidFill>
+            <a:schemeClr val="tx2"/>
+          </a:solidFill>
+          <a:ln>
+            <a:noFill/>
+          </a:ln>
+        </p:spPr>
+        <p:style>
+          <a:lnRef idx="2">
+            <a:schemeClr val="accent1">
+              <a:shade val="50000"/>
+            </a:schemeClr>
+          </a:lnRef>
+          <a:fillRef idx="1">
+            <a:schemeClr val="accent1"/>
+          </a:fillRef>
+          <a:effectRef idx="0">
+            <a:schemeClr val="accent1"/>
+          </a:effectRef>
+          <a:fontRef idx="minor">
+            <a:schemeClr val="lt1"/>
+          </a:fontRef>
+        </p:style>
+      </p:sp>
     </p:spTree>
     <p:extLst>
       <p:ext uri="{BB962C8B-B14F-4D97-AF65-F5344CB8AC3E}">
-        <p14:creationId xmlns:p14="http://schemas.microsoft.com/office/powerpoint/2010/main" val="2915280279"/>
+        <p14:creationId xmlns:p14="http://schemas.microsoft.com/office/powerpoint/2010/main" val="72579789"/>
       </p:ext>
     </p:extLst>
   </p:cSld>
@@ -3604,40 +3545,21 @@
       </p:grpSpPr>
       <p:sp>
         <p:nvSpPr>
-          <p:cNvPr id="11" name="Rectangle 10"/>
+          <p:cNvPr id="8" name="Rectangle 7" title="Background Shape"/>
           <p:cNvSpPr/>
           <p:nvPr/>
         </p:nvSpPr>
         <p:spPr>
           <a:xfrm>
-            <a:off x="6227806" y="1"/>
-            <a:ext cx="2916194" cy="6857999"/>
+            <a:off x="0" y="376"/>
+            <a:ext cx="3977640" cy="6857624"/>
           </a:xfrm>
           <a:prstGeom prst="rect">
             <a:avLst/>
           </a:prstGeom>
-          <a:blipFill dpi="0" rotWithShape="1">
-            <a:blip r:embed="rId2">
-              <a:alphaModFix amt="60000"/>
-              <a:lum bright="70000" contrast="-70000"/>
-              <a:extLst>
-                <a:ext uri="{BEBA8EAE-BF5A-486C-A8C5-ECC9F3942E4B}">
-                  <a14:imgProps xmlns:a14="http://schemas.microsoft.com/office/drawing/2010/main">
-                    <a14:imgLayer r:embed="rId3">
-                      <a14:imgEffect>
-                        <a14:sharpenSoften amount="61000"/>
-                      </a14:imgEffect>
-                    </a14:imgLayer>
-                  </a14:imgProps>
-                </a:ext>
-                <a:ext uri="{28A0092B-C50C-407E-A947-70E740481C1C}">
-                  <a14:useLocalDpi xmlns:a14="http://schemas.microsoft.com/office/drawing/2010/main" val="0"/>
-                </a:ext>
-              </a:extLst>
-            </a:blip>
-            <a:srcRect/>
-            <a:tile tx="0" ty="-704850" sx="92000" sy="89000" flip="xy" algn="ctr"/>
-          </a:blipFill>
+          <a:solidFill>
+            <a:schemeClr val="accent1"/>
+          </a:solidFill>
           <a:ln>
             <a:noFill/>
           </a:ln>
@@ -3671,17 +3593,20 @@
         </p:nvSpPr>
         <p:spPr>
           <a:xfrm>
-            <a:off x="6412230" y="685800"/>
-            <a:ext cx="2400300" cy="1737360"/>
+            <a:off x="542925" y="685800"/>
+            <a:ext cx="2891790" cy="2157884"/>
           </a:xfrm>
         </p:spPr>
         <p:txBody>
-          <a:bodyPr anchor="b">
+          <a:bodyPr anchor="t">
             <a:normAutofit/>
           </a:bodyPr>
           <a:lstStyle>
             <a:lvl1pPr>
-              <a:defRPr sz="2800" b="0"/>
+              <a:lnSpc>
+                <a:spcPct val="84000"/>
+              </a:lnSpc>
+              <a:defRPr sz="4400" baseline="0"/>
             </a:lvl1pPr>
           </a:lstStyle>
           <a:p>
@@ -3705,54 +3630,50 @@
         </p:nvSpPr>
         <p:spPr>
           <a:xfrm>
-            <a:off x="0" y="0"/>
-            <a:ext cx="6227805" cy="6858000"/>
+            <a:off x="4149090" y="1"/>
+            <a:ext cx="4994910" cy="6857999"/>
           </a:xfrm>
-          <a:solidFill>
-            <a:schemeClr val="tx2">
-              <a:lumMod val="20000"/>
-              <a:lumOff val="80000"/>
-            </a:schemeClr>
-          </a:solidFill>
         </p:spPr>
         <p:txBody>
-          <a:bodyPr anchor="t"/>
+          <a:bodyPr anchor="t">
+            <a:normAutofit/>
+          </a:bodyPr>
           <a:lstStyle>
             <a:lvl1pPr marL="0" indent="0">
               <a:buNone/>
-              <a:defRPr sz="3200"/>
+              <a:defRPr sz="1500"/>
             </a:lvl1pPr>
-            <a:lvl2pPr marL="457200" indent="0">
+            <a:lvl2pPr marL="342900" indent="0">
               <a:buNone/>
-              <a:defRPr sz="2800"/>
+              <a:defRPr sz="1500"/>
             </a:lvl2pPr>
-            <a:lvl3pPr marL="914400" indent="0">
+            <a:lvl3pPr marL="685800" indent="0">
               <a:buNone/>
-              <a:defRPr sz="2400"/>
+              <a:defRPr sz="1500"/>
             </a:lvl3pPr>
-            <a:lvl4pPr marL="1371600" indent="0">
+            <a:lvl4pPr marL="1028700" indent="0">
               <a:buNone/>
-              <a:defRPr sz="2000"/>
+              <a:defRPr sz="1500"/>
             </a:lvl4pPr>
-            <a:lvl5pPr marL="1828800" indent="0">
+            <a:lvl5pPr marL="1371600" indent="0">
               <a:buNone/>
-              <a:defRPr sz="2000"/>
+              <a:defRPr sz="1500"/>
             </a:lvl5pPr>
-            <a:lvl6pPr marL="2286000" indent="0">
+            <a:lvl6pPr marL="1714500" indent="0">
               <a:buNone/>
-              <a:defRPr sz="2000"/>
+              <a:defRPr sz="1500"/>
             </a:lvl6pPr>
-            <a:lvl7pPr marL="2743200" indent="0">
+            <a:lvl7pPr marL="2057400" indent="0">
               <a:buNone/>
-              <a:defRPr sz="2000"/>
+              <a:defRPr sz="1500"/>
             </a:lvl7pPr>
-            <a:lvl8pPr marL="3200400" indent="0">
+            <a:lvl8pPr marL="2400300" indent="0">
               <a:buNone/>
-              <a:defRPr sz="2000"/>
+              <a:defRPr sz="1500"/>
             </a:lvl8pPr>
-            <a:lvl9pPr marL="3657600" indent="0">
+            <a:lvl9pPr marL="2743200" indent="0">
               <a:buNone/>
-              <a:defRPr sz="2000"/>
+              <a:defRPr sz="1500"/>
             </a:lvl9pPr>
           </a:lstStyle>
           <a:p>
@@ -3776,8 +3697,8 @@
         </p:nvSpPr>
         <p:spPr>
           <a:xfrm>
-            <a:off x="6412230" y="2423160"/>
-            <a:ext cx="2400300" cy="3291840"/>
+            <a:off x="542925" y="2855968"/>
+            <a:ext cx="2891790" cy="3011432"/>
           </a:xfrm>
         </p:spPr>
         <p:txBody>
@@ -3787,167 +3708,86 @@
           <a:lstStyle>
             <a:lvl1pPr marL="0" indent="0">
               <a:lnSpc>
-                <a:spcPct val="100000"/>
+                <a:spcPct val="113000"/>
               </a:lnSpc>
               <a:spcBef>
-                <a:spcPts val="1000"/>
+                <a:spcPts val="0"/>
               </a:spcBef>
+              <a:spcAft>
+                <a:spcPts val="1500"/>
+              </a:spcAft>
               <a:buNone/>
-              <a:defRPr sz="1350">
+              <a:defRPr sz="1600"/>
+            </a:lvl1pPr>
+            <a:lvl2pPr marL="342900" indent="0">
+              <a:buNone/>
+              <a:defRPr sz="1050"/>
+            </a:lvl2pPr>
+            <a:lvl3pPr marL="685800" indent="0">
+              <a:buNone/>
+              <a:defRPr sz="900"/>
+            </a:lvl3pPr>
+            <a:lvl4pPr marL="1028700" indent="0">
+              <a:buNone/>
+              <a:defRPr sz="750"/>
+            </a:lvl4pPr>
+            <a:lvl5pPr marL="1371600" indent="0">
+              <a:buNone/>
+              <a:defRPr sz="750"/>
+            </a:lvl5pPr>
+            <a:lvl6pPr marL="1714500" indent="0">
+              <a:buNone/>
+              <a:defRPr sz="750"/>
+            </a:lvl6pPr>
+            <a:lvl7pPr marL="2057400" indent="0">
+              <a:buNone/>
+              <a:defRPr sz="750"/>
+            </a:lvl7pPr>
+            <a:lvl8pPr marL="2400300" indent="0">
+              <a:buNone/>
+              <a:defRPr sz="750"/>
+            </a:lvl8pPr>
+            <a:lvl9pPr marL="2743200" indent="0">
+              <a:buNone/>
+              <a:defRPr sz="750"/>
+            </a:lvl9pPr>
+          </a:lstStyle>
+          <a:p>
+            <a:pPr lvl="0"/>
+            <a:r>
+              <a:rPr lang="en-US"/>
+              <a:t>Edit Master text styles</a:t>
+            </a:r>
+          </a:p>
+        </p:txBody>
+      </p:sp>
+      <p:sp>
+        <p:nvSpPr>
+          <p:cNvPr id="5" name="Date Placeholder 4"/>
+          <p:cNvSpPr>
+            <a:spLocks noGrp="1"/>
+          </p:cNvSpPr>
+          <p:nvPr>
+            <p:ph type="dt" sz="half" idx="10"/>
+          </p:nvPr>
+        </p:nvSpPr>
+        <p:spPr>
+          <a:xfrm>
+            <a:off x="542925" y="6453386"/>
+            <a:ext cx="903429" cy="404614"/>
+          </a:xfrm>
+        </p:spPr>
+        <p:txBody>
+          <a:bodyPr/>
+          <a:lstStyle>
+            <a:lvl1pPr>
+              <a:defRPr>
                 <a:solidFill>
-                  <a:schemeClr val="accent1">
-                    <a:lumMod val="50000"/>
-                  </a:schemeClr>
+                  <a:schemeClr val="tx2"/>
                 </a:solidFill>
               </a:defRPr>
             </a:lvl1pPr>
-            <a:lvl2pPr marL="457200" indent="0">
-              <a:buNone/>
-              <a:defRPr sz="1200"/>
-            </a:lvl2pPr>
-            <a:lvl3pPr marL="914400" indent="0">
-              <a:buNone/>
-              <a:defRPr sz="1000"/>
-            </a:lvl3pPr>
-            <a:lvl4pPr marL="1371600" indent="0">
-              <a:buNone/>
-              <a:defRPr sz="900"/>
-            </a:lvl4pPr>
-            <a:lvl5pPr marL="1828800" indent="0">
-              <a:buNone/>
-              <a:defRPr sz="900"/>
-            </a:lvl5pPr>
-            <a:lvl6pPr marL="2286000" indent="0">
-              <a:buNone/>
-              <a:defRPr sz="900"/>
-            </a:lvl6pPr>
-            <a:lvl7pPr marL="2743200" indent="0">
-              <a:buNone/>
-              <a:defRPr sz="900"/>
-            </a:lvl7pPr>
-            <a:lvl8pPr marL="3200400" indent="0">
-              <a:buNone/>
-              <a:defRPr sz="900"/>
-            </a:lvl8pPr>
-            <a:lvl9pPr marL="3657600" indent="0">
-              <a:buNone/>
-              <a:defRPr sz="900"/>
-            </a:lvl9pPr>
           </a:lstStyle>
-          <a:p>
-            <a:pPr lvl="0"/>
-            <a:r>
-              <a:rPr lang="en-US"/>
-              <a:t>Edit Master text styles</a:t>
-            </a:r>
-          </a:p>
-        </p:txBody>
-      </p:sp>
-      <p:grpSp>
-        <p:nvGrpSpPr>
-          <p:cNvPr id="12" name="Group 11"/>
-          <p:cNvGrpSpPr/>
-          <p:nvPr/>
-        </p:nvGrpSpPr>
-        <p:grpSpPr>
-          <a:xfrm>
-            <a:off x="8522664" y="6255258"/>
-            <a:ext cx="393192" cy="393192"/>
-            <a:chOff x="8532189" y="5068824"/>
-            <a:chExt cx="393192" cy="393192"/>
-          </a:xfrm>
-        </p:grpSpPr>
-        <p:sp>
-          <p:nvSpPr>
-            <p:cNvPr id="13" name="Oval 12"/>
-            <p:cNvSpPr>
-              <a:spLocks noChangeAspect="1"/>
-            </p:cNvSpPr>
-            <p:nvPr/>
-          </p:nvSpPr>
-          <p:spPr>
-            <a:xfrm>
-              <a:off x="8532189" y="5068824"/>
-              <a:ext cx="393192" cy="393192"/>
-            </a:xfrm>
-            <a:prstGeom prst="ellipse">
-              <a:avLst/>
-            </a:prstGeom>
-            <a:blipFill dpi="0" rotWithShape="1">
-              <a:blip r:embed="rId4">
-                <a:duotone>
-                  <a:schemeClr val="accent1">
-                    <a:shade val="45000"/>
-                    <a:satMod val="135000"/>
-                  </a:schemeClr>
-                  <a:prstClr val="white"/>
-                </a:duotone>
-                <a:extLst>
-                  <a:ext uri="{BEBA8EAE-BF5A-486C-A8C5-ECC9F3942E4B}">
-                    <a14:imgProps xmlns:a14="http://schemas.microsoft.com/office/drawing/2010/main">
-                      <a14:imgLayer r:embed="rId5">
-                        <a14:imgEffect>
-                          <a14:saturation sat="95000"/>
-                        </a14:imgEffect>
-                        <a14:imgEffect>
-                          <a14:brightnessContrast bright="-40000" contrast="20000"/>
-                        </a14:imgEffect>
-                      </a14:imgLayer>
-                    </a14:imgProps>
-                  </a:ext>
-                </a:extLst>
-              </a:blip>
-              <a:srcRect/>
-              <a:tile tx="50800" ty="0" sx="85000" sy="85000" flip="none" algn="tl"/>
-            </a:blipFill>
-            <a:ln w="25400" cap="flat" cmpd="sng" algn="ctr">
-              <a:noFill/>
-              <a:prstDash val="solid"/>
-            </a:ln>
-            <a:effectLst/>
-          </p:spPr>
-        </p:sp>
-        <p:sp>
-          <p:nvSpPr>
-            <p:cNvPr id="14" name="Oval 13"/>
-            <p:cNvSpPr>
-              <a:spLocks noChangeAspect="1"/>
-            </p:cNvSpPr>
-            <p:nvPr/>
-          </p:nvSpPr>
-          <p:spPr>
-            <a:xfrm>
-              <a:off x="8568766" y="5105400"/>
-              <a:ext cx="320039" cy="320040"/>
-            </a:xfrm>
-            <a:prstGeom prst="ellipse">
-              <a:avLst/>
-            </a:prstGeom>
-            <a:noFill/>
-            <a:ln w="12700" cap="flat" cmpd="sng" algn="ctr">
-              <a:solidFill>
-                <a:srgbClr val="FFFFFF"/>
-              </a:solidFill>
-              <a:prstDash val="solid"/>
-            </a:ln>
-            <a:effectLst/>
-          </p:spPr>
-        </p:sp>
-      </p:grpSp>
-      <p:sp>
-        <p:nvSpPr>
-          <p:cNvPr id="8" name="Date Placeholder 7"/>
-          <p:cNvSpPr>
-            <a:spLocks noGrp="1"/>
-          </p:cNvSpPr>
-          <p:nvPr>
-            <p:ph type="dt" sz="half" idx="10"/>
-          </p:nvPr>
-        </p:nvSpPr>
-        <p:spPr/>
-        <p:txBody>
-          <a:bodyPr/>
-          <a:lstStyle/>
           <a:p>
             <a:fld id="{3D45E4C3-D8E2-48C0-87AF-BE60E58FCFC6}" type="datetimeFigureOut">
               <a:rPr lang="en-SG" smtClean="0"/>
@@ -3959,7 +3799,39 @@
       </p:sp>
       <p:sp>
         <p:nvSpPr>
-          <p:cNvPr id="10" name="Slide Number Placeholder 9"/>
+          <p:cNvPr id="6" name="Footer Placeholder 5"/>
+          <p:cNvSpPr>
+            <a:spLocks noGrp="1"/>
+          </p:cNvSpPr>
+          <p:nvPr>
+            <p:ph type="ftr" sz="quarter" idx="11"/>
+          </p:nvPr>
+        </p:nvSpPr>
+        <p:spPr>
+          <a:xfrm>
+            <a:off x="1654459" y="6453386"/>
+            <a:ext cx="1780256" cy="404614"/>
+          </a:xfrm>
+        </p:spPr>
+        <p:txBody>
+          <a:bodyPr/>
+          <a:lstStyle>
+            <a:lvl1pPr>
+              <a:defRPr>
+                <a:solidFill>
+                  <a:schemeClr val="tx2"/>
+                </a:solidFill>
+              </a:defRPr>
+            </a:lvl1pPr>
+          </a:lstStyle>
+          <a:p>
+            <a:endParaRPr lang="en-US" dirty="0"/>
+          </a:p>
+        </p:txBody>
+      </p:sp>
+      <p:sp>
+        <p:nvSpPr>
+          <p:cNvPr id="7" name="Slide Number Placeholder 6"/>
           <p:cNvSpPr>
             <a:spLocks noGrp="1"/>
           </p:cNvSpPr>
@@ -3967,10 +3839,23 @@
             <p:ph type="sldNum" sz="quarter" idx="12"/>
           </p:nvPr>
         </p:nvSpPr>
-        <p:spPr/>
+        <p:spPr>
+          <a:xfrm>
+            <a:off x="7412355" y="6453386"/>
+            <a:ext cx="1197219" cy="404614"/>
+          </a:xfrm>
+        </p:spPr>
         <p:txBody>
           <a:bodyPr/>
-          <a:lstStyle/>
+          <a:lstStyle>
+            <a:lvl1pPr>
+              <a:defRPr>
+                <a:solidFill>
+                  <a:schemeClr val="tx2"/>
+                </a:solidFill>
+              </a:defRPr>
+            </a:lvl1pPr>
+          </a:lstStyle>
           <a:p>
             <a:fld id="{617BDF6C-29EC-46EC-8E64-665A8F8AD874}" type="slidenum">
               <a:rPr lang="en-SG" smtClean="0"/>
@@ -3980,10 +3865,86 @@
           </a:p>
         </p:txBody>
       </p:sp>
+      <p:sp>
+        <p:nvSpPr>
+          <p:cNvPr id="9" name="Rectangle 8"/>
+          <p:cNvSpPr/>
+          <p:nvPr/>
+        </p:nvSpPr>
+        <p:spPr>
+          <a:xfrm>
+            <a:off x="3977640" y="376"/>
+            <a:ext cx="171450" cy="6858000"/>
+          </a:xfrm>
+          <a:prstGeom prst="rect">
+            <a:avLst/>
+          </a:prstGeom>
+          <a:solidFill>
+            <a:schemeClr val="tx2"/>
+          </a:solidFill>
+          <a:ln>
+            <a:noFill/>
+          </a:ln>
+        </p:spPr>
+        <p:style>
+          <a:lnRef idx="2">
+            <a:schemeClr val="accent1">
+              <a:shade val="50000"/>
+            </a:schemeClr>
+          </a:lnRef>
+          <a:fillRef idx="1">
+            <a:schemeClr val="accent1"/>
+          </a:fillRef>
+          <a:effectRef idx="0">
+            <a:schemeClr val="accent1"/>
+          </a:effectRef>
+          <a:fontRef idx="minor">
+            <a:schemeClr val="lt1"/>
+          </a:fontRef>
+        </p:style>
+      </p:sp>
+      <p:sp>
+        <p:nvSpPr>
+          <p:cNvPr id="11" name="Rectangle 10" title="Divider Bar"/>
+          <p:cNvSpPr/>
+          <p:nvPr/>
+        </p:nvSpPr>
+        <p:spPr>
+          <a:xfrm>
+            <a:off x="3977640" y="376"/>
+            <a:ext cx="171450" cy="6858000"/>
+          </a:xfrm>
+          <a:prstGeom prst="rect">
+            <a:avLst/>
+          </a:prstGeom>
+          <a:solidFill>
+            <a:schemeClr val="tx2"/>
+          </a:solidFill>
+          <a:ln>
+            <a:noFill/>
+          </a:ln>
+        </p:spPr>
+        <p:style>
+          <a:lnRef idx="2">
+            <a:schemeClr val="accent1">
+              <a:shade val="50000"/>
+            </a:schemeClr>
+          </a:lnRef>
+          <a:fillRef idx="1">
+            <a:schemeClr val="accent1"/>
+          </a:fillRef>
+          <a:effectRef idx="0">
+            <a:schemeClr val="accent1"/>
+          </a:effectRef>
+          <a:fontRef idx="minor">
+            <a:schemeClr val="lt1"/>
+          </a:fontRef>
+        </p:style>
+      </p:sp>
     </p:spTree>
     <p:extLst>
       <p:ext uri="{BB962C8B-B14F-4D97-AF65-F5344CB8AC3E}">
-        <p14:creationId xmlns:p14="http://schemas.microsoft.com/office/powerpoint/2010/main" val="501859154"/>
+        <p14:creationId xmlns:p14="http://schemas.microsoft.com/office/powerpoint/2010/main" val="1479415930"/>
       </p:ext>
     </p:extLst>
   </p:cSld>
@@ -3997,9 +3958,12 @@
 <p:sldMaster xmlns:a="http://schemas.openxmlformats.org/drawingml/2006/main" xmlns:r="http://schemas.openxmlformats.org/officeDocument/2006/relationships" xmlns:p="http://schemas.openxmlformats.org/presentationml/2006/main">
   <p:cSld>
     <p:bg>
-      <p:bgRef idx="1001">
-        <a:schemeClr val="bg1"/>
-      </p:bgRef>
+      <p:bgPr>
+        <a:solidFill>
+          <a:schemeClr val="bg2"/>
+        </a:solidFill>
+        <a:effectLst/>
+      </p:bgPr>
     </p:bg>
     <p:spTree>
       <p:nvGrpSpPr>
@@ -4015,97 +3979,6 @@
           <a:chExt cx="0" cy="0"/>
         </a:xfrm>
       </p:grpSpPr>
-      <p:grpSp>
-        <p:nvGrpSpPr>
-          <p:cNvPr id="12" name="Group 11"/>
-          <p:cNvGrpSpPr/>
-          <p:nvPr/>
-        </p:nvGrpSpPr>
-        <p:grpSpPr>
-          <a:xfrm>
-            <a:off x="8522664" y="6255258"/>
-            <a:ext cx="393192" cy="393192"/>
-            <a:chOff x="8532189" y="5068824"/>
-            <a:chExt cx="393192" cy="393192"/>
-          </a:xfrm>
-        </p:grpSpPr>
-        <p:sp>
-          <p:nvSpPr>
-            <p:cNvPr id="8" name="Oval 7"/>
-            <p:cNvSpPr>
-              <a:spLocks noChangeAspect="1"/>
-            </p:cNvSpPr>
-            <p:nvPr/>
-          </p:nvSpPr>
-          <p:spPr>
-            <a:xfrm>
-              <a:off x="8532189" y="5068824"/>
-              <a:ext cx="393192" cy="393192"/>
-            </a:xfrm>
-            <a:prstGeom prst="ellipse">
-              <a:avLst/>
-            </a:prstGeom>
-            <a:blipFill dpi="0" rotWithShape="1">
-              <a:blip r:embed="rId13">
-                <a:duotone>
-                  <a:schemeClr val="accent1">
-                    <a:shade val="45000"/>
-                    <a:satMod val="135000"/>
-                  </a:schemeClr>
-                  <a:prstClr val="white"/>
-                </a:duotone>
-                <a:extLst>
-                  <a:ext uri="{BEBA8EAE-BF5A-486C-A8C5-ECC9F3942E4B}">
-                    <a14:imgProps xmlns:a14="http://schemas.microsoft.com/office/drawing/2010/main">
-                      <a14:imgLayer r:embed="rId14">
-                        <a14:imgEffect>
-                          <a14:saturation sat="95000"/>
-                        </a14:imgEffect>
-                        <a14:imgEffect>
-                          <a14:brightnessContrast bright="-40000" contrast="20000"/>
-                        </a14:imgEffect>
-                      </a14:imgLayer>
-                    </a14:imgProps>
-                  </a:ext>
-                </a:extLst>
-              </a:blip>
-              <a:srcRect/>
-              <a:tile tx="50800" ty="0" sx="85000" sy="85000" flip="none" algn="tl"/>
-            </a:blipFill>
-            <a:ln w="25400" cap="flat" cmpd="sng" algn="ctr">
-              <a:noFill/>
-              <a:prstDash val="solid"/>
-            </a:ln>
-            <a:effectLst/>
-          </p:spPr>
-        </p:sp>
-        <p:sp>
-          <p:nvSpPr>
-            <p:cNvPr id="9" name="Oval 8"/>
-            <p:cNvSpPr>
-              <a:spLocks noChangeAspect="1"/>
-            </p:cNvSpPr>
-            <p:nvPr/>
-          </p:nvSpPr>
-          <p:spPr>
-            <a:xfrm>
-              <a:off x="8568766" y="5105400"/>
-              <a:ext cx="320039" cy="320040"/>
-            </a:xfrm>
-            <a:prstGeom prst="ellipse">
-              <a:avLst/>
-            </a:prstGeom>
-            <a:noFill/>
-            <a:ln w="12700" cap="flat" cmpd="sng" algn="ctr">
-              <a:solidFill>
-                <a:srgbClr val="FFFFFF"/>
-              </a:solidFill>
-              <a:prstDash val="solid"/>
-            </a:ln>
-            <a:effectLst/>
-          </p:spPr>
-        </p:sp>
-      </p:grpSp>
       <p:sp>
         <p:nvSpPr>
           <p:cNvPr id="2" name="Title Placeholder 1"/>
@@ -4118,15 +3991,15 @@
         </p:nvSpPr>
         <p:spPr>
           <a:xfrm>
-            <a:off x="685800" y="484632"/>
-            <a:ext cx="7772400" cy="1609344"/>
+            <a:off x="1028700" y="685800"/>
+            <a:ext cx="7200900" cy="1485900"/>
           </a:xfrm>
           <a:prstGeom prst="rect">
             <a:avLst/>
           </a:prstGeom>
         </p:spPr>
         <p:txBody>
-          <a:bodyPr vert="horz" lIns="91440" tIns="45720" rIns="91440" bIns="45720" rtlCol="0" anchor="ctr">
+          <a:bodyPr vert="horz" lIns="91440" tIns="45720" rIns="91440" bIns="45720" rtlCol="0" anchor="t">
             <a:normAutofit/>
           </a:bodyPr>
           <a:lstStyle/>
@@ -4151,8 +4024,8 @@
         </p:nvSpPr>
         <p:spPr>
           <a:xfrm>
-            <a:off x="685800" y="2121408"/>
-            <a:ext cx="7772400" cy="4050792"/>
+            <a:off x="1028700" y="2286000"/>
+            <a:ext cx="7200900" cy="3581400"/>
           </a:xfrm>
           <a:prstGeom prst="rect">
             <a:avLst/>
@@ -4213,8 +4086,8 @@
         </p:nvSpPr>
         <p:spPr>
           <a:xfrm>
-            <a:off x="5992368" y="6272785"/>
-            <a:ext cx="2455164" cy="365125"/>
+            <a:off x="1042987" y="6453386"/>
+            <a:ext cx="903429" cy="404614"/>
           </a:xfrm>
           <a:prstGeom prst="rect">
             <a:avLst/>
@@ -4223,12 +4096,10 @@
         <p:txBody>
           <a:bodyPr vert="horz" lIns="91440" tIns="45720" rIns="91440" bIns="45720" rtlCol="0" anchor="ctr"/>
           <a:lstStyle>
-            <a:lvl1pPr algn="r">
-              <a:defRPr sz="1000">
+            <a:lvl1pPr algn="l">
+              <a:defRPr sz="1000" baseline="0">
                 <a:solidFill>
-                  <a:schemeClr val="accent1">
-                    <a:lumMod val="50000"/>
-                  </a:schemeClr>
+                  <a:schemeClr val="tx2"/>
                 </a:solidFill>
               </a:defRPr>
             </a:lvl1pPr>
@@ -4254,8 +4125,8 @@
         </p:nvSpPr>
         <p:spPr>
           <a:xfrm>
-            <a:off x="685800" y="6272785"/>
-            <a:ext cx="4745736" cy="365125"/>
+            <a:off x="2170173" y="6453386"/>
+            <a:ext cx="4710623" cy="404614"/>
           </a:xfrm>
           <a:prstGeom prst="rect">
             <a:avLst/>
@@ -4265,11 +4136,9 @@
           <a:bodyPr vert="horz" lIns="91440" tIns="45720" rIns="91440" bIns="45720" rtlCol="0" anchor="ctr"/>
           <a:lstStyle>
             <a:lvl1pPr algn="l">
-              <a:defRPr sz="1000">
+              <a:defRPr sz="1000" baseline="0">
                 <a:solidFill>
-                  <a:schemeClr val="accent1">
-                    <a:lumMod val="50000"/>
-                  </a:schemeClr>
+                  <a:schemeClr val="tx2"/>
                 </a:solidFill>
               </a:defRPr>
             </a:lvl1pPr>
@@ -4291,8 +4160,8 @@
         </p:nvSpPr>
         <p:spPr>
           <a:xfrm>
-            <a:off x="8483346" y="6272785"/>
-            <a:ext cx="480060" cy="365125"/>
+            <a:off x="7104552" y="6453386"/>
+            <a:ext cx="1197219" cy="404614"/>
           </a:xfrm>
           <a:prstGeom prst="rect">
             <a:avLst/>
@@ -4301,12 +4170,11 @@
         <p:txBody>
           <a:bodyPr vert="horz" lIns="91440" tIns="45720" rIns="91440" bIns="45720" rtlCol="0" anchor="ctr"/>
           <a:lstStyle>
-            <a:lvl1pPr algn="ctr">
-              <a:defRPr sz="1100" b="1" spc="-70" baseline="0">
+            <a:lvl1pPr algn="r">
+              <a:defRPr sz="1000" baseline="0">
                 <a:solidFill>
-                  <a:srgbClr val="FFFFFF"/>
+                  <a:schemeClr val="tx2"/>
                 </a:solidFill>
-                <a:latin typeface="+mn-lt"/>
               </a:defRPr>
             </a:lvl1pPr>
           </a:lstStyle>
@@ -4319,48 +4187,117 @@
           </a:p>
         </p:txBody>
       </p:sp>
+      <p:sp>
+        <p:nvSpPr>
+          <p:cNvPr id="9" name="Rectangle 8"/>
+          <p:cNvSpPr/>
+          <p:nvPr/>
+        </p:nvSpPr>
+        <p:spPr>
+          <a:xfrm>
+            <a:off x="358571" y="376"/>
+            <a:ext cx="171450" cy="6858000"/>
+          </a:xfrm>
+          <a:prstGeom prst="rect">
+            <a:avLst/>
+          </a:prstGeom>
+          <a:solidFill>
+            <a:schemeClr val="tx2"/>
+          </a:solidFill>
+          <a:ln>
+            <a:noFill/>
+          </a:ln>
+        </p:spPr>
+        <p:style>
+          <a:lnRef idx="2">
+            <a:schemeClr val="accent1">
+              <a:shade val="50000"/>
+            </a:schemeClr>
+          </a:lnRef>
+          <a:fillRef idx="1">
+            <a:schemeClr val="accent1"/>
+          </a:fillRef>
+          <a:effectRef idx="0">
+            <a:schemeClr val="accent1"/>
+          </a:effectRef>
+          <a:fontRef idx="minor">
+            <a:schemeClr val="lt1"/>
+          </a:fontRef>
+        </p:style>
+      </p:sp>
+      <p:sp>
+        <p:nvSpPr>
+          <p:cNvPr id="8" name="Rectangle 7" title="Side bar"/>
+          <p:cNvSpPr/>
+          <p:nvPr/>
+        </p:nvSpPr>
+        <p:spPr>
+          <a:xfrm>
+            <a:off x="358571" y="376"/>
+            <a:ext cx="171450" cy="6858000"/>
+          </a:xfrm>
+          <a:prstGeom prst="rect">
+            <a:avLst/>
+          </a:prstGeom>
+          <a:solidFill>
+            <a:schemeClr val="tx2"/>
+          </a:solidFill>
+          <a:ln>
+            <a:noFill/>
+          </a:ln>
+        </p:spPr>
+        <p:style>
+          <a:lnRef idx="2">
+            <a:schemeClr val="accent1">
+              <a:shade val="50000"/>
+            </a:schemeClr>
+          </a:lnRef>
+          <a:fillRef idx="1">
+            <a:schemeClr val="accent1"/>
+          </a:fillRef>
+          <a:effectRef idx="0">
+            <a:schemeClr val="accent1"/>
+          </a:effectRef>
+          <a:fontRef idx="minor">
+            <a:schemeClr val="lt1"/>
+          </a:fontRef>
+        </p:style>
+      </p:sp>
     </p:spTree>
     <p:extLst>
       <p:ext uri="{BB962C8B-B14F-4D97-AF65-F5344CB8AC3E}">
-        <p14:creationId xmlns:p14="http://schemas.microsoft.com/office/powerpoint/2010/main" val="95702650"/>
+        <p14:creationId xmlns:p14="http://schemas.microsoft.com/office/powerpoint/2010/main" val="4229151180"/>
       </p:ext>
     </p:extLst>
   </p:cSld>
   <p:clrMap bg1="lt1" tx1="dk1" bg2="lt2" tx2="dk2" accent1="accent1" accent2="accent2" accent3="accent3" accent4="accent4" accent5="accent5" accent6="accent6" hlink="hlink" folHlink="folHlink"/>
   <p:sldLayoutIdLst>
-    <p:sldLayoutId id="2147483673" r:id="rId1"/>
-    <p:sldLayoutId id="2147483674" r:id="rId2"/>
-    <p:sldLayoutId id="2147483675" r:id="rId3"/>
-    <p:sldLayoutId id="2147483676" r:id="rId4"/>
-    <p:sldLayoutId id="2147483677" r:id="rId5"/>
-    <p:sldLayoutId id="2147483678" r:id="rId6"/>
-    <p:sldLayoutId id="2147483679" r:id="rId7"/>
-    <p:sldLayoutId id="2147483680" r:id="rId8"/>
-    <p:sldLayoutId id="2147483681" r:id="rId9"/>
-    <p:sldLayoutId id="2147483682" r:id="rId10"/>
-    <p:sldLayoutId id="2147483683" r:id="rId11"/>
+    <p:sldLayoutId id="2147483685" r:id="rId1"/>
+    <p:sldLayoutId id="2147483686" r:id="rId2"/>
+    <p:sldLayoutId id="2147483687" r:id="rId3"/>
+    <p:sldLayoutId id="2147483688" r:id="rId4"/>
+    <p:sldLayoutId id="2147483689" r:id="rId5"/>
+    <p:sldLayoutId id="2147483690" r:id="rId6"/>
+    <p:sldLayoutId id="2147483691" r:id="rId7"/>
+    <p:sldLayoutId id="2147483692" r:id="rId8"/>
+    <p:sldLayoutId id="2147483693" r:id="rId9"/>
+    <p:sldLayoutId id="2147483694" r:id="rId10"/>
+    <p:sldLayoutId id="2147483695" r:id="rId11"/>
   </p:sldLayoutIdLst>
   <p:txStyles>
     <p:titleStyle>
-      <a:lvl1pPr algn="l" defTabSz="914400" rtl="0" eaLnBrk="1" latinLnBrk="0" hangingPunct="1">
+      <a:lvl1pPr algn="l" defTabSz="685800" rtl="0" eaLnBrk="1" latinLnBrk="0" hangingPunct="1">
         <a:lnSpc>
-          <a:spcPct val="90000"/>
+          <a:spcPct val="89000"/>
         </a:lnSpc>
         <a:spcBef>
           <a:spcPct val="0"/>
         </a:spcBef>
         <a:buNone/>
-        <a:defRPr sz="4200" b="0" kern="1200" cap="all" baseline="0">
-          <a:blipFill>
-            <a:blip r:embed="rId15">
-              <a:extLst>
-                <a:ext uri="{28A0092B-C50C-407E-A947-70E740481C1C}">
-                  <a14:useLocalDpi xmlns:a14="http://schemas.microsoft.com/office/drawing/2010/main" val="0"/>
-                </a:ext>
-              </a:extLst>
-            </a:blip>
-            <a:tile tx="6350" ty="-127000" sx="65000" sy="64000" flip="none" algn="tl"/>
-          </a:blipFill>
+        <a:defRPr sz="4400" kern="1200" baseline="0">
+          <a:solidFill>
+            <a:schemeClr val="tx2"/>
+          </a:solidFill>
           <a:latin typeface="+mj-lt"/>
           <a:ea typeface="+mj-ea"/>
           <a:cs typeface="+mj-cs"/>
@@ -4368,240 +4305,189 @@
       </a:lvl1pPr>
     </p:titleStyle>
     <p:bodyStyle>
-      <a:lvl1pPr marL="182880" indent="-182880" algn="l" defTabSz="914400" rtl="0" eaLnBrk="1" latinLnBrk="0" hangingPunct="1">
+      <a:lvl1pPr marL="384048" indent="-384048" algn="l" defTabSz="685800" rtl="0" eaLnBrk="1" latinLnBrk="0" hangingPunct="1">
         <a:lnSpc>
-          <a:spcPct val="90000"/>
+          <a:spcPct val="94000"/>
         </a:lnSpc>
         <a:spcBef>
-          <a:spcPts val="1200"/>
+          <a:spcPts val="1000"/>
         </a:spcBef>
-        <a:buClr>
-          <a:schemeClr val="accent1">
-            <a:lumMod val="75000"/>
-          </a:schemeClr>
-        </a:buClr>
-        <a:buSzPct val="85000"/>
-        <a:buFont typeface="Wingdings" pitchFamily="2" charset="2"/>
-        <a:buChar char="§"/>
-        <a:defRPr sz="2000" kern="1200">
+        <a:spcAft>
+          <a:spcPts val="200"/>
+        </a:spcAft>
+        <a:buFont typeface="Franklin Gothic Book" panose="020B0503020102020204" pitchFamily="34" charset="0"/>
+        <a:buChar char="■"/>
+        <a:defRPr sz="2000" kern="1200" baseline="0">
           <a:solidFill>
-            <a:schemeClr val="tx1"/>
+            <a:schemeClr val="tx2"/>
           </a:solidFill>
           <a:latin typeface="+mn-lt"/>
           <a:ea typeface="+mn-ea"/>
           <a:cs typeface="+mn-cs"/>
         </a:defRPr>
       </a:lvl1pPr>
-      <a:lvl2pPr marL="457200" indent="-182880" algn="l" defTabSz="914400" rtl="0" eaLnBrk="1" latinLnBrk="0" hangingPunct="1">
+      <a:lvl2pPr marL="914400" indent="-384048" algn="l" defTabSz="685800" rtl="0" eaLnBrk="1" latinLnBrk="0" hangingPunct="1">
         <a:lnSpc>
-          <a:spcPct val="90000"/>
+          <a:spcPct val="94000"/>
         </a:lnSpc>
         <a:spcBef>
-          <a:spcPts val="400"/>
+          <a:spcPts val="500"/>
         </a:spcBef>
         <a:spcAft>
           <a:spcPts val="200"/>
         </a:spcAft>
-        <a:buClr>
-          <a:schemeClr val="accent1">
-            <a:lumMod val="75000"/>
-          </a:schemeClr>
-        </a:buClr>
-        <a:buSzPct val="85000"/>
-        <a:buFont typeface="Wingdings" pitchFamily="2" charset="2"/>
-        <a:buChar char="§"/>
-        <a:defRPr sz="1800" kern="1200">
+        <a:buFont typeface="Franklin Gothic Book" panose="020B0503020102020204" pitchFamily="34" charset="0"/>
+        <a:buChar char="–"/>
+        <a:defRPr sz="2000" i="1" kern="1200" baseline="0">
           <a:solidFill>
-            <a:schemeClr val="tx1"/>
+            <a:schemeClr val="tx2"/>
           </a:solidFill>
           <a:latin typeface="+mn-lt"/>
           <a:ea typeface="+mn-ea"/>
           <a:cs typeface="+mn-cs"/>
         </a:defRPr>
       </a:lvl2pPr>
-      <a:lvl3pPr marL="731520" indent="-182880" algn="l" defTabSz="914400" rtl="0" eaLnBrk="1" latinLnBrk="0" hangingPunct="1">
+      <a:lvl3pPr marL="1371600" indent="-384048" algn="l" defTabSz="685800" rtl="0" eaLnBrk="1" latinLnBrk="0" hangingPunct="1">
         <a:lnSpc>
-          <a:spcPct val="90000"/>
+          <a:spcPct val="94000"/>
         </a:lnSpc>
         <a:spcBef>
-          <a:spcPts val="400"/>
+          <a:spcPts val="500"/>
         </a:spcBef>
         <a:spcAft>
           <a:spcPts val="200"/>
         </a:spcAft>
-        <a:buClr>
-          <a:schemeClr val="accent1">
-            <a:lumMod val="75000"/>
-          </a:schemeClr>
-        </a:buClr>
-        <a:buSzPct val="85000"/>
-        <a:buFont typeface="Wingdings" pitchFamily="2" charset="2"/>
-        <a:buChar char="§"/>
-        <a:defRPr sz="1600" kern="1200">
+        <a:buFont typeface="Franklin Gothic Book" panose="020B0503020102020204" pitchFamily="34" charset="0"/>
+        <a:buChar char="■"/>
+        <a:defRPr sz="1800" kern="1200" baseline="0">
           <a:solidFill>
-            <a:schemeClr val="tx1"/>
+            <a:schemeClr val="tx2"/>
           </a:solidFill>
           <a:latin typeface="+mn-lt"/>
           <a:ea typeface="+mn-ea"/>
           <a:cs typeface="+mn-cs"/>
         </a:defRPr>
       </a:lvl3pPr>
-      <a:lvl4pPr marL="1005840" indent="-182880" algn="l" defTabSz="914400" rtl="0" eaLnBrk="1" latinLnBrk="0" hangingPunct="1">
+      <a:lvl4pPr marL="1828800" indent="-384048" algn="l" defTabSz="685800" rtl="0" eaLnBrk="1" latinLnBrk="0" hangingPunct="1">
         <a:lnSpc>
-          <a:spcPct val="90000"/>
+          <a:spcPct val="94000"/>
         </a:lnSpc>
         <a:spcBef>
-          <a:spcPts val="400"/>
+          <a:spcPts val="500"/>
         </a:spcBef>
         <a:spcAft>
           <a:spcPts val="200"/>
         </a:spcAft>
-        <a:buClr>
-          <a:schemeClr val="accent1">
-            <a:lumMod val="75000"/>
-          </a:schemeClr>
-        </a:buClr>
-        <a:buSzPct val="85000"/>
-        <a:buFont typeface="Wingdings" pitchFamily="2" charset="2"/>
-        <a:buChar char="§"/>
-        <a:defRPr sz="1600" kern="1200">
+        <a:buFont typeface="Franklin Gothic Book" panose="020B0503020102020204" pitchFamily="34" charset="0"/>
+        <a:buChar char="–"/>
+        <a:defRPr sz="1800" i="1" kern="1200" baseline="0">
           <a:solidFill>
-            <a:schemeClr val="tx1"/>
+            <a:schemeClr val="tx2"/>
           </a:solidFill>
           <a:latin typeface="+mn-lt"/>
           <a:ea typeface="+mn-ea"/>
           <a:cs typeface="+mn-cs"/>
         </a:defRPr>
       </a:lvl4pPr>
-      <a:lvl5pPr marL="1280160" indent="-182880" algn="l" defTabSz="914400" rtl="0" eaLnBrk="1" latinLnBrk="0" hangingPunct="1">
+      <a:lvl5pPr marL="2286000" indent="-384048" algn="l" defTabSz="685800" rtl="0" eaLnBrk="1" latinLnBrk="0" hangingPunct="1">
         <a:lnSpc>
-          <a:spcPct val="90000"/>
+          <a:spcPct val="94000"/>
         </a:lnSpc>
         <a:spcBef>
-          <a:spcPts val="400"/>
+          <a:spcPts val="500"/>
         </a:spcBef>
         <a:spcAft>
           <a:spcPts val="200"/>
         </a:spcAft>
-        <a:buClr>
-          <a:schemeClr val="accent1">
-            <a:lumMod val="75000"/>
-          </a:schemeClr>
-        </a:buClr>
-        <a:buSzPct val="85000"/>
-        <a:buFont typeface="Wingdings" pitchFamily="2" charset="2"/>
-        <a:buChar char="§"/>
-        <a:defRPr sz="1600" kern="1200">
+        <a:buFont typeface="Franklin Gothic Book" panose="020B0503020102020204" pitchFamily="34" charset="0"/>
+        <a:buChar char="■"/>
+        <a:defRPr sz="1600" kern="1200" baseline="0">
           <a:solidFill>
-            <a:schemeClr val="tx1"/>
+            <a:schemeClr val="tx2"/>
           </a:solidFill>
           <a:latin typeface="+mn-lt"/>
           <a:ea typeface="+mn-ea"/>
           <a:cs typeface="+mn-cs"/>
         </a:defRPr>
       </a:lvl5pPr>
-      <a:lvl6pPr marL="1600000" indent="-228600" algn="l" defTabSz="914400" rtl="0" eaLnBrk="1" latinLnBrk="0" hangingPunct="1">
+      <a:lvl6pPr marL="2743200" indent="-384048" algn="l" defTabSz="685800" rtl="0" eaLnBrk="1" latinLnBrk="0" hangingPunct="1">
         <a:lnSpc>
-          <a:spcPct val="90000"/>
+          <a:spcPct val="94000"/>
         </a:lnSpc>
         <a:spcBef>
-          <a:spcPts val="400"/>
+          <a:spcPts val="500"/>
         </a:spcBef>
         <a:spcAft>
           <a:spcPts val="200"/>
         </a:spcAft>
-        <a:buClr>
-          <a:schemeClr val="accent1">
-            <a:lumMod val="75000"/>
-          </a:schemeClr>
-        </a:buClr>
-        <a:buSzPct val="85000"/>
-        <a:buFont typeface="Wingdings" pitchFamily="2" charset="2"/>
-        <a:buChar char="§"/>
-        <a:defRPr sz="1600" kern="1200">
+        <a:buFont typeface="Franklin Gothic Book" panose="020B0503020102020204" pitchFamily="34" charset="0"/>
+        <a:buChar char="–"/>
+        <a:defRPr sz="1600" i="1" kern="1200" baseline="0">
           <a:solidFill>
-            <a:schemeClr val="tx1"/>
+            <a:schemeClr val="tx2"/>
           </a:solidFill>
           <a:latin typeface="+mn-lt"/>
           <a:ea typeface="+mn-ea"/>
           <a:cs typeface="+mn-cs"/>
         </a:defRPr>
       </a:lvl6pPr>
-      <a:lvl7pPr marL="1900000" indent="-228600" algn="l" defTabSz="914400" rtl="0" eaLnBrk="1" latinLnBrk="0" hangingPunct="1">
+      <a:lvl7pPr marL="3200400" indent="-384048" algn="l" defTabSz="685800" rtl="0" eaLnBrk="1" latinLnBrk="0" hangingPunct="1">
         <a:lnSpc>
-          <a:spcPct val="90000"/>
+          <a:spcPct val="94000"/>
         </a:lnSpc>
         <a:spcBef>
-          <a:spcPts val="400"/>
+          <a:spcPts val="500"/>
         </a:spcBef>
         <a:spcAft>
           <a:spcPts val="200"/>
         </a:spcAft>
-        <a:buClr>
-          <a:schemeClr val="accent1">
-            <a:lumMod val="75000"/>
-          </a:schemeClr>
-        </a:buClr>
-        <a:buSzPct val="85000"/>
-        <a:buFont typeface="Wingdings" pitchFamily="2" charset="2"/>
-        <a:buChar char="§"/>
-        <a:defRPr sz="1600" kern="1200">
+        <a:buFont typeface="Franklin Gothic Book" panose="020B0503020102020204" pitchFamily="34" charset="0"/>
+        <a:buChar char="■"/>
+        <a:defRPr sz="1400" kern="1200" baseline="0">
           <a:solidFill>
-            <a:schemeClr val="tx1"/>
+            <a:schemeClr val="tx2"/>
           </a:solidFill>
           <a:latin typeface="+mn-lt"/>
           <a:ea typeface="+mn-ea"/>
           <a:cs typeface="+mn-cs"/>
         </a:defRPr>
       </a:lvl7pPr>
-      <a:lvl8pPr marL="2200000" indent="-228600" algn="l" defTabSz="914400" rtl="0" eaLnBrk="1" latinLnBrk="0" hangingPunct="1">
+      <a:lvl8pPr marL="3657600" indent="-384048" algn="l" defTabSz="685800" rtl="0" eaLnBrk="1" latinLnBrk="0" hangingPunct="1">
         <a:lnSpc>
-          <a:spcPct val="90000"/>
+          <a:spcPct val="94000"/>
         </a:lnSpc>
         <a:spcBef>
-          <a:spcPts val="400"/>
+          <a:spcPts val="500"/>
         </a:spcBef>
         <a:spcAft>
           <a:spcPts val="200"/>
         </a:spcAft>
-        <a:buClr>
-          <a:schemeClr val="accent1">
-            <a:lumMod val="75000"/>
-          </a:schemeClr>
-        </a:buClr>
-        <a:buSzPct val="85000"/>
-        <a:buFont typeface="Wingdings" pitchFamily="2" charset="2"/>
-        <a:buChar char="§"/>
-        <a:defRPr sz="1600" kern="1200">
+        <a:buFont typeface="Franklin Gothic Book" panose="020B0503020102020204" pitchFamily="34" charset="0"/>
+        <a:buChar char="–"/>
+        <a:defRPr sz="1400" i="1" kern="1200" baseline="0">
           <a:solidFill>
-            <a:schemeClr val="tx1"/>
+            <a:schemeClr val="tx2"/>
           </a:solidFill>
           <a:latin typeface="+mn-lt"/>
           <a:ea typeface="+mn-ea"/>
           <a:cs typeface="+mn-cs"/>
         </a:defRPr>
       </a:lvl8pPr>
-      <a:lvl9pPr marL="2500000" indent="-228600" algn="l" defTabSz="914400" rtl="0" eaLnBrk="1" latinLnBrk="0" hangingPunct="1">
+      <a:lvl9pPr marL="4114800" indent="-384048" algn="l" defTabSz="685800" rtl="0" eaLnBrk="1" latinLnBrk="0" hangingPunct="1">
         <a:lnSpc>
-          <a:spcPct val="90000"/>
+          <a:spcPct val="94000"/>
         </a:lnSpc>
         <a:spcBef>
-          <a:spcPts val="400"/>
+          <a:spcPts val="500"/>
         </a:spcBef>
         <a:spcAft>
           <a:spcPts val="200"/>
         </a:spcAft>
-        <a:buClr>
-          <a:schemeClr val="accent1">
-            <a:lumMod val="75000"/>
-          </a:schemeClr>
-        </a:buClr>
-        <a:buSzPct val="85000"/>
-        <a:buFont typeface="Wingdings" pitchFamily="2" charset="2"/>
-        <a:buChar char="§"/>
-        <a:defRPr sz="1600" kern="1200">
+        <a:buFont typeface="Franklin Gothic Book" panose="020B0503020102020204" pitchFamily="34" charset="0"/>
+        <a:buChar char="■"/>
+        <a:defRPr sz="1400" kern="1200" baseline="0">
           <a:solidFill>
-            <a:schemeClr val="tx1"/>
+            <a:schemeClr val="tx2"/>
           </a:solidFill>
           <a:latin typeface="+mn-lt"/>
           <a:ea typeface="+mn-ea"/>
@@ -4613,8 +4499,8 @@
       <a:defPPr>
         <a:defRPr lang="en-US"/>
       </a:defPPr>
-      <a:lvl1pPr marL="0" algn="l" defTabSz="914400" rtl="0" eaLnBrk="1" latinLnBrk="0" hangingPunct="1">
-        <a:defRPr sz="1800" kern="1200">
+      <a:lvl1pPr marL="0" algn="l" defTabSz="685800" rtl="0" eaLnBrk="1" latinLnBrk="0" hangingPunct="1">
+        <a:defRPr sz="1350" kern="1200">
           <a:solidFill>
             <a:schemeClr val="tx1"/>
           </a:solidFill>
@@ -4623,8 +4509,8 @@
           <a:cs typeface="+mn-cs"/>
         </a:defRPr>
       </a:lvl1pPr>
-      <a:lvl2pPr marL="457200" algn="l" defTabSz="914400" rtl="0" eaLnBrk="1" latinLnBrk="0" hangingPunct="1">
-        <a:defRPr sz="1800" kern="1200">
+      <a:lvl2pPr marL="342900" algn="l" defTabSz="685800" rtl="0" eaLnBrk="1" latinLnBrk="0" hangingPunct="1">
+        <a:defRPr sz="1350" kern="1200">
           <a:solidFill>
             <a:schemeClr val="tx1"/>
           </a:solidFill>
@@ -4633,8 +4519,8 @@
           <a:cs typeface="+mn-cs"/>
         </a:defRPr>
       </a:lvl2pPr>
-      <a:lvl3pPr marL="914400" algn="l" defTabSz="914400" rtl="0" eaLnBrk="1" latinLnBrk="0" hangingPunct="1">
-        <a:defRPr sz="1800" kern="1200">
+      <a:lvl3pPr marL="685800" algn="l" defTabSz="685800" rtl="0" eaLnBrk="1" latinLnBrk="0" hangingPunct="1">
+        <a:defRPr sz="1350" kern="1200">
           <a:solidFill>
             <a:schemeClr val="tx1"/>
           </a:solidFill>
@@ -4643,8 +4529,8 @@
           <a:cs typeface="+mn-cs"/>
         </a:defRPr>
       </a:lvl3pPr>
-      <a:lvl4pPr marL="1371600" algn="l" defTabSz="914400" rtl="0" eaLnBrk="1" latinLnBrk="0" hangingPunct="1">
-        <a:defRPr sz="1800" kern="1200">
+      <a:lvl4pPr marL="1028700" algn="l" defTabSz="685800" rtl="0" eaLnBrk="1" latinLnBrk="0" hangingPunct="1">
+        <a:defRPr sz="1350" kern="1200">
           <a:solidFill>
             <a:schemeClr val="tx1"/>
           </a:solidFill>
@@ -4653,8 +4539,8 @@
           <a:cs typeface="+mn-cs"/>
         </a:defRPr>
       </a:lvl4pPr>
-      <a:lvl5pPr marL="1828800" algn="l" defTabSz="914400" rtl="0" eaLnBrk="1" latinLnBrk="0" hangingPunct="1">
-        <a:defRPr sz="1800" kern="1200">
+      <a:lvl5pPr marL="1371600" algn="l" defTabSz="685800" rtl="0" eaLnBrk="1" latinLnBrk="0" hangingPunct="1">
+        <a:defRPr sz="1350" kern="1200">
           <a:solidFill>
             <a:schemeClr val="tx1"/>
           </a:solidFill>
@@ -4663,8 +4549,8 @@
           <a:cs typeface="+mn-cs"/>
         </a:defRPr>
       </a:lvl5pPr>
-      <a:lvl6pPr marL="2286000" algn="l" defTabSz="914400" rtl="0" eaLnBrk="1" latinLnBrk="0" hangingPunct="1">
-        <a:defRPr sz="1800" kern="1200">
+      <a:lvl6pPr marL="1714500" algn="l" defTabSz="685800" rtl="0" eaLnBrk="1" latinLnBrk="0" hangingPunct="1">
+        <a:defRPr sz="1350" kern="1200">
           <a:solidFill>
             <a:schemeClr val="tx1"/>
           </a:solidFill>
@@ -4673,8 +4559,8 @@
           <a:cs typeface="+mn-cs"/>
         </a:defRPr>
       </a:lvl6pPr>
-      <a:lvl7pPr marL="2743200" algn="l" defTabSz="914400" rtl="0" eaLnBrk="1" latinLnBrk="0" hangingPunct="1">
-        <a:defRPr sz="1800" kern="1200">
+      <a:lvl7pPr marL="2057400" algn="l" defTabSz="685800" rtl="0" eaLnBrk="1" latinLnBrk="0" hangingPunct="1">
+        <a:defRPr sz="1350" kern="1200">
           <a:solidFill>
             <a:schemeClr val="tx1"/>
           </a:solidFill>
@@ -4683,8 +4569,8 @@
           <a:cs typeface="+mn-cs"/>
         </a:defRPr>
       </a:lvl7pPr>
-      <a:lvl8pPr marL="3200400" algn="l" defTabSz="914400" rtl="0" eaLnBrk="1" latinLnBrk="0" hangingPunct="1">
-        <a:defRPr sz="1800" kern="1200">
+      <a:lvl8pPr marL="2400300" algn="l" defTabSz="685800" rtl="0" eaLnBrk="1" latinLnBrk="0" hangingPunct="1">
+        <a:defRPr sz="1350" kern="1200">
           <a:solidFill>
             <a:schemeClr val="tx1"/>
           </a:solidFill>
@@ -4693,8 +4579,8 @@
           <a:cs typeface="+mn-cs"/>
         </a:defRPr>
       </a:lvl8pPr>
-      <a:lvl9pPr marL="3657600" algn="l" defTabSz="914400" rtl="0" eaLnBrk="1" latinLnBrk="0" hangingPunct="1">
-        <a:defRPr sz="1800" kern="1200">
+      <a:lvl9pPr marL="2743200" algn="l" defTabSz="685800" rtl="0" eaLnBrk="1" latinLnBrk="0" hangingPunct="1">
+        <a:defRPr sz="1350" kern="1200">
           <a:solidFill>
             <a:schemeClr val="tx1"/>
           </a:solidFill>
@@ -4705,6 +4591,67 @@
       </a:lvl9pPr>
     </p:otherStyle>
   </p:txStyles>
+  <p:extLst mod="1">
+    <p:ext uri="{27BBF7A9-308A-43DC-89C8-2F10F3537804}">
+      <p15:sldGuideLst xmlns:p15="http://schemas.microsoft.com/office/powerpoint/2012/main">
+        <p15:guide id="1" pos="6912">
+          <p15:clr>
+            <a:srgbClr val="F26B43"/>
+          </p15:clr>
+        </p15:guide>
+        <p15:guide id="2" pos="936">
+          <p15:clr>
+            <a:srgbClr val="F26B43"/>
+          </p15:clr>
+        </p15:guide>
+        <p15:guide id="3" pos="864">
+          <p15:clr>
+            <a:srgbClr val="F26B43"/>
+          </p15:clr>
+        </p15:guide>
+        <p15:guide id="0" orient="horz" pos="1368">
+          <p15:clr>
+            <a:srgbClr val="F26B43"/>
+          </p15:clr>
+        </p15:guide>
+        <p15:guide id="4" orient="horz" pos="1440">
+          <p15:clr>
+            <a:srgbClr val="F26B43"/>
+          </p15:clr>
+        </p15:guide>
+        <p15:guide id="5" orient="horz" pos="3696">
+          <p15:clr>
+            <a:srgbClr val="F26B43"/>
+          </p15:clr>
+        </p15:guide>
+        <p15:guide id="6" orient="horz" pos="432">
+          <p15:clr>
+            <a:srgbClr val="F26B43"/>
+          </p15:clr>
+        </p15:guide>
+        <p15:guide id="7" orient="horz" pos="1512">
+          <p15:clr>
+            <a:srgbClr val="F26B43"/>
+          </p15:clr>
+        </p15:guide>
+        <p15:guide id="8" pos="5184">
+          <p15:clr>
+            <a:srgbClr val="F26B43"/>
+          </p15:clr>
+        </p15:guide>
+        <p15:guide id="9" pos="702">
+          <p15:clr>
+            <a:srgbClr val="F26B43"/>
+          </p15:clr>
+        </p15:guide>
+        <p15:guide id="10" pos="648">
+          <p15:clr>
+            <a:srgbClr val="F26B43"/>
+          </p15:clr>
+        </p15:guide>
+      </p15:sldGuideLst>
+    </p:ext>
+  </p:extLst>
 </p:sldMaster>
 </file>
 
@@ -4910,7 +4857,9 @@
         </p:nvSpPr>
         <p:spPr/>
         <p:txBody>
-          <a:bodyPr/>
+          <a:bodyPr>
+            <a:normAutofit lnSpcReduction="10000"/>
+          </a:bodyPr>
           <a:lstStyle/>
           <a:p>
             <a:r>
@@ -5029,7 +4978,9 @@
         </p:nvSpPr>
         <p:spPr/>
         <p:txBody>
-          <a:bodyPr/>
+          <a:bodyPr>
+            <a:normAutofit lnSpcReduction="10000"/>
+          </a:bodyPr>
           <a:lstStyle/>
           <a:p>
             <a:r>
@@ -5238,7 +5189,7 @@
             <a:spLocks noGrp="1"/>
           </p:cNvSpPr>
           <p:nvPr>
-            <p:ph type="ctrTitle"/>
+            <p:ph type="title"/>
           </p:nvPr>
         </p:nvSpPr>
         <p:spPr/>
@@ -5260,7 +5211,7 @@
             <a:spLocks noGrp="1"/>
           </p:cNvSpPr>
           <p:nvPr>
-            <p:ph type="subTitle" idx="1"/>
+            <p:ph type="body" idx="1"/>
           </p:nvPr>
         </p:nvSpPr>
         <p:spPr/>
@@ -5342,7 +5293,7 @@
             <p:spPr/>
             <p:txBody>
               <a:bodyPr>
-                <a:normAutofit lnSpcReduction="10000"/>
+                <a:normAutofit fontScale="77500" lnSpcReduction="20000"/>
               </a:bodyPr>
               <a:lstStyle/>
               <a:p>
@@ -5641,7 +5592,7 @@
               <a:blipFill>
                 <a:blip r:embed="rId3"/>
                 <a:stretch>
-                  <a:fillRect l="-392" b="-12782"/>
+                  <a:fillRect l="-339" b="-11224"/>
                 </a:stretch>
               </a:blipFill>
             </p:spPr>
@@ -5725,7 +5676,7 @@
         <p:spPr/>
         <p:txBody>
           <a:bodyPr>
-            <a:normAutofit fontScale="70000" lnSpcReduction="20000"/>
+            <a:normAutofit fontScale="55000" lnSpcReduction="20000"/>
           </a:bodyPr>
           <a:lstStyle/>
           <a:p>
@@ -5918,14 +5869,14 @@
             <p:ph idx="1"/>
             <p:extLst>
               <p:ext uri="{D42A27DB-BD31-4B8C-83A1-F6EECF244321}">
-                <p14:modId xmlns:p14="http://schemas.microsoft.com/office/powerpoint/2010/main" val="3763516745"/>
+                <p14:modId xmlns:p14="http://schemas.microsoft.com/office/powerpoint/2010/main" val="101347744"/>
               </p:ext>
             </p:extLst>
           </p:nvPr>
         </p:nvGraphicFramePr>
         <p:xfrm>
-          <a:off x="685800" y="2120900"/>
-          <a:ext cx="7772400" cy="4051300"/>
+          <a:off x="1028700" y="2286000"/>
+          <a:ext cx="7200902" cy="3484880"/>
         </p:xfrm>
         <a:graphic>
           <a:graphicData uri="http://schemas.openxmlformats.org/drawingml/2006/table">
@@ -5934,35 +5885,35 @@
                 <a:tableStyleId>{5940675A-B579-460E-94D1-54222C63F5DA}</a:tableStyleId>
               </a:tblPr>
               <a:tblGrid>
-                <a:gridCol w="2446867">
+                <a:gridCol w="2266950">
                   <a:extLst>
                     <a:ext uri="{9D8B030D-6E8A-4147-A177-3AD203B41FA5}">
                       <a16:colId xmlns:a16="http://schemas.microsoft.com/office/drawing/2014/main" val="4014827172"/>
                     </a:ext>
                   </a:extLst>
                 </a:gridCol>
-                <a:gridCol w="1331384">
+                <a:gridCol w="1233488">
                   <a:extLst>
                     <a:ext uri="{9D8B030D-6E8A-4147-A177-3AD203B41FA5}">
                       <a16:colId xmlns:a16="http://schemas.microsoft.com/office/drawing/2014/main" val="492530524"/>
                     </a:ext>
                   </a:extLst>
                 </a:gridCol>
-                <a:gridCol w="1331384">
+                <a:gridCol w="1233488">
                   <a:extLst>
                     <a:ext uri="{9D8B030D-6E8A-4147-A177-3AD203B41FA5}">
                       <a16:colId xmlns:a16="http://schemas.microsoft.com/office/drawing/2014/main" val="2093994012"/>
                     </a:ext>
                   </a:extLst>
                 </a:gridCol>
-                <a:gridCol w="1331384">
+                <a:gridCol w="1233488">
                   <a:extLst>
                     <a:ext uri="{9D8B030D-6E8A-4147-A177-3AD203B41FA5}">
                       <a16:colId xmlns:a16="http://schemas.microsoft.com/office/drawing/2014/main" val="2619117964"/>
                     </a:ext>
                   </a:extLst>
                 </a:gridCol>
-                <a:gridCol w="1331384">
+                <a:gridCol w="1233488">
                   <a:extLst>
                     <a:ext uri="{9D8B030D-6E8A-4147-A177-3AD203B41FA5}">
                       <a16:colId xmlns:a16="http://schemas.microsoft.com/office/drawing/2014/main" val="3288823874"/>
@@ -5983,7 +5934,7 @@
                       </a:r>
                     </a:p>
                   </a:txBody>
-                  <a:tcPr marL="90115" marR="90115" anchor="ctr"/>
+                  <a:tcPr marL="83489" marR="83489" anchor="ctr"/>
                 </a:tc>
                 <a:tc gridSpan="2">
                   <a:txBody>
@@ -5997,7 +5948,7 @@
                       </a:r>
                     </a:p>
                   </a:txBody>
-                  <a:tcPr marL="90115" marR="90115"/>
+                  <a:tcPr marL="83489" marR="83489"/>
                 </a:tc>
                 <a:tc hMerge="1">
                   <a:txBody>
@@ -6021,7 +5972,7 @@
                       </a:r>
                     </a:p>
                   </a:txBody>
-                  <a:tcPr marL="90115" marR="90115"/>
+                  <a:tcPr marL="83489" marR="83489"/>
                 </a:tc>
                 <a:tc hMerge="1">
                   <a:txBody>
@@ -6066,7 +6017,7 @@
                       </a:r>
                     </a:p>
                   </a:txBody>
-                  <a:tcPr marL="90115" marR="90115"/>
+                  <a:tcPr marL="83489" marR="83489"/>
                 </a:tc>
                 <a:tc>
                   <a:txBody>
@@ -6080,7 +6031,7 @@
                       </a:r>
                     </a:p>
                   </a:txBody>
-                  <a:tcPr marL="90115" marR="90115"/>
+                  <a:tcPr marL="83489" marR="83489"/>
                 </a:tc>
                 <a:tc>
                   <a:txBody>
@@ -6094,7 +6045,7 @@
                       </a:r>
                     </a:p>
                   </a:txBody>
-                  <a:tcPr marL="90115" marR="90115"/>
+                  <a:tcPr marL="83489" marR="83489"/>
                 </a:tc>
                 <a:tc>
                   <a:txBody>
@@ -6108,7 +6059,7 @@
                       </a:r>
                     </a:p>
                   </a:txBody>
-                  <a:tcPr marL="90115" marR="90115"/>
+                  <a:tcPr marL="83489" marR="83489"/>
                 </a:tc>
                 <a:extLst>
                   <a:ext uri="{0D108BD9-81ED-4DB2-BD59-A6C34878D82A}">
@@ -6162,7 +6113,7 @@
                       </a:r>
                     </a:p>
                   </a:txBody>
-                  <a:tcPr marL="90115" marR="90115"/>
+                  <a:tcPr marL="83489" marR="83489"/>
                 </a:tc>
                 <a:tc>
                   <a:txBody>
@@ -6176,7 +6127,7 @@
                       </a:r>
                     </a:p>
                   </a:txBody>
-                  <a:tcPr marL="90115" marR="90115" anchor="ctr"/>
+                  <a:tcPr marL="83489" marR="83489" anchor="ctr"/>
                 </a:tc>
                 <a:tc>
                   <a:txBody>
@@ -6190,7 +6141,7 @@
                       </a:r>
                     </a:p>
                   </a:txBody>
-                  <a:tcPr marL="90115" marR="90115" anchor="ctr"/>
+                  <a:tcPr marL="83489" marR="83489" anchor="ctr"/>
                 </a:tc>
                 <a:tc>
                   <a:txBody>
@@ -6204,7 +6155,7 @@
                       </a:r>
                     </a:p>
                   </a:txBody>
-                  <a:tcPr marL="90115" marR="90115" anchor="ctr"/>
+                  <a:tcPr marL="83489" marR="83489" anchor="ctr"/>
                 </a:tc>
                 <a:tc>
                   <a:txBody>
@@ -6218,7 +6169,7 @@
                       </a:r>
                     </a:p>
                   </a:txBody>
-                  <a:tcPr marL="90115" marR="90115" anchor="ctr"/>
+                  <a:tcPr marL="83489" marR="83489" anchor="ctr"/>
                 </a:tc>
                 <a:extLst>
                   <a:ext uri="{0D108BD9-81ED-4DB2-BD59-A6C34878D82A}">
@@ -6272,7 +6223,7 @@
                       </a:r>
                     </a:p>
                   </a:txBody>
-                  <a:tcPr marL="90115" marR="90115"/>
+                  <a:tcPr marL="83489" marR="83489"/>
                 </a:tc>
                 <a:tc>
                   <a:txBody>
@@ -6286,7 +6237,7 @@
                       </a:r>
                     </a:p>
                   </a:txBody>
-                  <a:tcPr marL="90115" marR="90115" anchor="ctr"/>
+                  <a:tcPr marL="83489" marR="83489" anchor="ctr"/>
                 </a:tc>
                 <a:tc>
                   <a:txBody>
@@ -6300,7 +6251,7 @@
                       </a:r>
                     </a:p>
                   </a:txBody>
-                  <a:tcPr marL="90115" marR="90115" anchor="ctr"/>
+                  <a:tcPr marL="83489" marR="83489" anchor="ctr"/>
                 </a:tc>
                 <a:tc>
                   <a:txBody>
@@ -6314,7 +6265,7 @@
                       </a:r>
                     </a:p>
                   </a:txBody>
-                  <a:tcPr marL="90115" marR="90115" anchor="ctr"/>
+                  <a:tcPr marL="83489" marR="83489" anchor="ctr"/>
                 </a:tc>
                 <a:tc>
                   <a:txBody>
@@ -6328,7 +6279,7 @@
                       </a:r>
                     </a:p>
                   </a:txBody>
-                  <a:tcPr marL="90115" marR="90115" anchor="ctr"/>
+                  <a:tcPr marL="83489" marR="83489" anchor="ctr"/>
                 </a:tc>
                 <a:extLst>
                   <a:ext uri="{0D108BD9-81ED-4DB2-BD59-A6C34878D82A}">
@@ -6348,7 +6299,7 @@
                       </a:pPr>
                       <a:r>
                         <a:rPr lang="en-SG" dirty="0"/>
-                        <a:t>28 features</a:t>
+                        <a:t>32 features</a:t>
                       </a:r>
                     </a:p>
                     <a:p>
@@ -6382,7 +6333,7 @@
                       </a:r>
                     </a:p>
                   </a:txBody>
-                  <a:tcPr marL="90115" marR="90115"/>
+                  <a:tcPr marL="83489" marR="83489"/>
                 </a:tc>
                 <a:tc>
                   <a:txBody>
@@ -6396,7 +6347,7 @@
                       </a:r>
                     </a:p>
                   </a:txBody>
-                  <a:tcPr marL="90115" marR="90115" anchor="ctr"/>
+                  <a:tcPr marL="83489" marR="83489" anchor="ctr"/>
                 </a:tc>
                 <a:tc>
                   <a:txBody>
@@ -6410,7 +6361,7 @@
                       </a:r>
                     </a:p>
                   </a:txBody>
-                  <a:tcPr marL="90115" marR="90115" anchor="ctr"/>
+                  <a:tcPr marL="83489" marR="83489" anchor="ctr"/>
                 </a:tc>
                 <a:tc>
                   <a:txBody>
@@ -6424,7 +6375,7 @@
                       </a:r>
                     </a:p>
                   </a:txBody>
-                  <a:tcPr marL="90115" marR="90115" anchor="ctr"/>
+                  <a:tcPr marL="83489" marR="83489" anchor="ctr"/>
                 </a:tc>
                 <a:tc>
                   <a:txBody>
@@ -6438,7 +6389,7 @@
                       </a:r>
                     </a:p>
                   </a:txBody>
-                  <a:tcPr marL="90115" marR="90115" anchor="ctr"/>
+                  <a:tcPr marL="83489" marR="83489" anchor="ctr"/>
                 </a:tc>
                 <a:extLst>
                   <a:ext uri="{0D108BD9-81ED-4DB2-BD59-A6C34878D82A}">
@@ -6487,7 +6438,7 @@
             <a:spLocks noGrp="1"/>
           </p:cNvSpPr>
           <p:nvPr>
-            <p:ph type="ctrTitle"/>
+            <p:ph type="title"/>
           </p:nvPr>
         </p:nvSpPr>
         <p:spPr/>
@@ -6504,12 +6455,12 @@
       </p:sp>
       <p:sp>
         <p:nvSpPr>
-          <p:cNvPr id="3" name="Subtitle 2"/>
-          <p:cNvSpPr>
-            <a:spLocks noGrp="1"/>
-          </p:cNvSpPr>
-          <p:nvPr>
-            <p:ph type="subTitle" idx="1"/>
+          <p:cNvPr id="4" name="Text Placeholder 3"/>
+          <p:cNvSpPr>
+            <a:spLocks noGrp="1"/>
+          </p:cNvSpPr>
+          <p:nvPr>
+            <p:ph type="body" idx="1"/>
           </p:nvPr>
         </p:nvSpPr>
         <p:spPr/>
@@ -6517,7 +6468,7 @@
           <a:bodyPr/>
           <a:lstStyle/>
           <a:p>
-            <a:endParaRPr lang="en-US" dirty="0"/>
+            <a:endParaRPr lang="en-SG"/>
           </a:p>
         </p:txBody>
       </p:sp>
@@ -6553,12 +6504,12 @@
       </p:grpSpPr>
       <p:sp>
         <p:nvSpPr>
-          <p:cNvPr id="4" name="Title 3"/>
-          <p:cNvSpPr>
-            <a:spLocks noGrp="1"/>
-          </p:cNvSpPr>
-          <p:nvPr>
-            <p:ph type="ctrTitle"/>
+          <p:cNvPr id="2" name="Title 1"/>
+          <p:cNvSpPr>
+            <a:spLocks noGrp="1"/>
+          </p:cNvSpPr>
+          <p:nvPr>
+            <p:ph type="title"/>
           </p:nvPr>
         </p:nvSpPr>
         <p:spPr/>
@@ -6567,20 +6518,20 @@
           <a:lstStyle/>
           <a:p>
             <a:r>
-              <a:rPr lang="en-SG" dirty="0"/>
-              <a:t>What is Random Forest?</a:t>
-            </a:r>
-          </a:p>
-        </p:txBody>
-      </p:sp>
-      <p:sp>
-        <p:nvSpPr>
-          <p:cNvPr id="5" name="Subtitle 4"/>
-          <p:cNvSpPr>
-            <a:spLocks noGrp="1"/>
-          </p:cNvSpPr>
-          <p:nvPr>
-            <p:ph type="subTitle" idx="1"/>
+              <a:rPr lang="en-US" dirty="0"/>
+              <a:t>Library and Dependency</a:t>
+            </a:r>
+          </a:p>
+        </p:txBody>
+      </p:sp>
+      <p:sp>
+        <p:nvSpPr>
+          <p:cNvPr id="3" name="Content Placeholder 2"/>
+          <p:cNvSpPr>
+            <a:spLocks noGrp="1"/>
+          </p:cNvSpPr>
+          <p:nvPr>
+            <p:ph idx="1"/>
           </p:nvPr>
         </p:nvSpPr>
         <p:spPr/>
@@ -6588,14 +6539,44 @@
           <a:bodyPr/>
           <a:lstStyle/>
           <a:p>
-            <a:endParaRPr lang="en-SG"/>
+            <a:r>
+              <a:rPr lang="en-US" dirty="0"/>
+              <a:t>Library: </a:t>
+            </a:r>
+            <a:r>
+              <a:rPr lang="en-US" dirty="0" err="1"/>
+              <a:t>Scikit</a:t>
+            </a:r>
+            <a:r>
+              <a:rPr lang="en-US" dirty="0"/>
+              <a:t>-learn </a:t>
+            </a:r>
+            <a:r>
+              <a:rPr lang="en-US" dirty="0" err="1"/>
+              <a:t>RandomForestRegressor</a:t>
+            </a:r>
+            <a:endParaRPr lang="en-US" dirty="0"/>
+          </a:p>
+          <a:p>
+            <a:r>
+              <a:rPr lang="en-US" dirty="0"/>
+              <a:t>Dependency: </a:t>
+            </a:r>
+            <a:r>
+              <a:rPr lang="en-US" dirty="0" err="1"/>
+              <a:t>numpy</a:t>
+            </a:r>
+            <a:r>
+              <a:rPr lang="en-US" dirty="0"/>
+              <a:t>, pandas</a:t>
+            </a:r>
           </a:p>
         </p:txBody>
       </p:sp>
     </p:spTree>
     <p:extLst>
       <p:ext uri="{BB962C8B-B14F-4D97-AF65-F5344CB8AC3E}">
-        <p14:creationId xmlns:p14="http://schemas.microsoft.com/office/powerpoint/2010/main" val="2986566242"/>
+        <p14:creationId xmlns:p14="http://schemas.microsoft.com/office/powerpoint/2010/main" val="1413317331"/>
       </p:ext>
     </p:extLst>
   </p:cSld>
@@ -6639,7 +6620,7 @@
           <a:p>
             <a:r>
               <a:rPr lang="en-US" dirty="0"/>
-              <a:t>Library and Dependency</a:t>
+              <a:t>Preprocessing</a:t>
             </a:r>
           </a:p>
         </p:txBody>
@@ -6661,34 +6642,42 @@
           <a:p>
             <a:r>
               <a:rPr lang="en-US" dirty="0"/>
-              <a:t>Library: </a:t>
+              <a:t>Implemented one-hot encoding for </a:t>
             </a:r>
             <a:r>
               <a:rPr lang="en-US" dirty="0" err="1"/>
-              <a:t>Scikit</a:t>
-            </a:r>
-            <a:r>
-              <a:rPr lang="en-US" dirty="0"/>
-              <a:t>-learn </a:t>
-            </a:r>
-            <a:r>
-              <a:rPr lang="en-US" dirty="0" err="1"/>
-              <a:t>RandomForestRegressor</a:t>
-            </a:r>
-            <a:endParaRPr lang="en-US" dirty="0"/>
-          </a:p>
-          <a:p>
-            <a:r>
-              <a:rPr lang="en-US" dirty="0"/>
-              <a:t>Dependency: </a:t>
-            </a:r>
-            <a:r>
-              <a:rPr lang="en-US" dirty="0" err="1"/>
-              <a:t>numpy</a:t>
-            </a:r>
-            <a:r>
-              <a:rPr lang="en-US" dirty="0"/>
-              <a:t>, pandas</a:t>
+              <a:t>DayOfWeek</a:t>
+            </a:r>
+            <a:r>
+              <a:rPr lang="en-US" dirty="0"/>
+              <a:t>, State Holiday, Assortment, and Store Type</a:t>
+            </a:r>
+          </a:p>
+          <a:p>
+            <a:r>
+              <a:rPr lang="en-US" dirty="0"/>
+              <a:t>Number of Features: 26</a:t>
+            </a:r>
+          </a:p>
+          <a:p>
+            <a:r>
+              <a:rPr lang="en-US" dirty="0"/>
+              <a:t>Date is omitted</a:t>
+            </a:r>
+          </a:p>
+          <a:p>
+            <a:r>
+              <a:rPr lang="en-US" dirty="0"/>
+              <a:t>Each feature from each store was normalized using its corresponding standard deviation and mean</a:t>
+            </a:r>
+          </a:p>
+          <a:p>
+            <a:pPr marL="0" indent="0">
+              <a:buNone/>
+            </a:pPr>
+            <a:r>
+              <a:rPr lang="en-US" dirty="0"/>
+              <a:t> </a:t>
             </a:r>
           </a:p>
         </p:txBody>
@@ -6696,7 +6685,7 @@
     </p:spTree>
     <p:extLst>
       <p:ext uri="{BB962C8B-B14F-4D97-AF65-F5344CB8AC3E}">
-        <p14:creationId xmlns:p14="http://schemas.microsoft.com/office/powerpoint/2010/main" val="1413317331"/>
+        <p14:creationId xmlns:p14="http://schemas.microsoft.com/office/powerpoint/2010/main" val="880531649"/>
       </p:ext>
     </p:extLst>
   </p:cSld>
@@ -6740,7 +6729,7 @@
           <a:p>
             <a:r>
               <a:rPr lang="en-US" dirty="0"/>
-              <a:t>Preprocessing</a:t>
+              <a:t>Training	</a:t>
             </a:r>
           </a:p>
         </p:txBody>
@@ -6762,42 +6751,44 @@
           <a:p>
             <a:r>
               <a:rPr lang="en-US" dirty="0"/>
-              <a:t>Implemented one-hot encoding for </a:t>
-            </a:r>
-            <a:r>
-              <a:rPr lang="en-US" dirty="0" err="1"/>
-              <a:t>DayOfWeek</a:t>
-            </a:r>
-            <a:r>
-              <a:rPr lang="en-US" dirty="0"/>
-              <a:t>, State Holiday, Assortment, and Store Type</a:t>
-            </a:r>
-          </a:p>
-          <a:p>
-            <a:r>
-              <a:rPr lang="en-US" dirty="0"/>
-              <a:t>Number of Features: 26</a:t>
-            </a:r>
-          </a:p>
-          <a:p>
-            <a:r>
-              <a:rPr lang="en-US" dirty="0"/>
-              <a:t>Date is omitted</a:t>
-            </a:r>
-          </a:p>
-          <a:p>
-            <a:r>
-              <a:rPr lang="en-US" dirty="0"/>
-              <a:t>Each feature from each store was normalized using its corresponding standard deviation and mean</a:t>
-            </a:r>
-          </a:p>
-          <a:p>
-            <a:pPr marL="0" indent="0">
-              <a:buNone/>
-            </a:pPr>
-            <a:r>
-              <a:rPr lang="en-US" dirty="0"/>
-              <a:t> </a:t>
+              <a:t>Training and Validation Ratio:</a:t>
+            </a:r>
+          </a:p>
+          <a:p>
+            <a:pPr lvl="1"/>
+            <a:r>
+              <a:rPr lang="en-US" dirty="0"/>
+              <a:t>First Trial: 80:20</a:t>
+            </a:r>
+          </a:p>
+          <a:p>
+            <a:pPr lvl="1"/>
+            <a:r>
+              <a:rPr lang="en-US" dirty="0"/>
+              <a:t>Second Trial: 50:50</a:t>
+            </a:r>
+          </a:p>
+          <a:p>
+            <a:r>
+              <a:rPr lang="en-US" dirty="0"/>
+              <a:t>Each store was trained, validated, and predicted independently from each other</a:t>
+            </a:r>
+          </a:p>
+          <a:p>
+            <a:r>
+              <a:rPr lang="en-US" dirty="0"/>
+              <a:t>Number of Trees</a:t>
+            </a:r>
+            <a:r>
+              <a:rPr lang="en-US"/>
+              <a:t>: 30</a:t>
+            </a:r>
+            <a:endParaRPr lang="en-US" dirty="0"/>
+          </a:p>
+          <a:p>
+            <a:r>
+              <a:rPr lang="en-US" dirty="0"/>
+              <a:t>Maximum Features: 0.7</a:t>
             </a:r>
           </a:p>
         </p:txBody>
@@ -6805,7 +6796,7 @@
     </p:spTree>
     <p:extLst>
       <p:ext uri="{BB962C8B-B14F-4D97-AF65-F5344CB8AC3E}">
-        <p14:creationId xmlns:p14="http://schemas.microsoft.com/office/powerpoint/2010/main" val="880531649"/>
+        <p14:creationId xmlns:p14="http://schemas.microsoft.com/office/powerpoint/2010/main" val="4278187125"/>
       </p:ext>
     </p:extLst>
   </p:cSld>
@@ -7044,117 +7035,6 @@
           <a:p>
             <a:r>
               <a:rPr lang="en-US" dirty="0"/>
-              <a:t>Training	</a:t>
-            </a:r>
-          </a:p>
-        </p:txBody>
-      </p:sp>
-      <p:sp>
-        <p:nvSpPr>
-          <p:cNvPr id="3" name="Content Placeholder 2"/>
-          <p:cNvSpPr>
-            <a:spLocks noGrp="1"/>
-          </p:cNvSpPr>
-          <p:nvPr>
-            <p:ph idx="1"/>
-          </p:nvPr>
-        </p:nvSpPr>
-        <p:spPr/>
-        <p:txBody>
-          <a:bodyPr/>
-          <a:lstStyle/>
-          <a:p>
-            <a:r>
-              <a:rPr lang="en-US" dirty="0"/>
-              <a:t>Training and Validation Ratio:</a:t>
-            </a:r>
-          </a:p>
-          <a:p>
-            <a:pPr lvl="1"/>
-            <a:r>
-              <a:rPr lang="en-US" dirty="0"/>
-              <a:t>First Trial: 80:20</a:t>
-            </a:r>
-          </a:p>
-          <a:p>
-            <a:pPr lvl="1"/>
-            <a:r>
-              <a:rPr lang="en-US" dirty="0"/>
-              <a:t>Second Trial: 50:50</a:t>
-            </a:r>
-          </a:p>
-          <a:p>
-            <a:r>
-              <a:rPr lang="en-US" dirty="0"/>
-              <a:t>Each store was trained, validated, and predicted independently from each other</a:t>
-            </a:r>
-          </a:p>
-          <a:p>
-            <a:r>
-              <a:rPr lang="en-US" dirty="0"/>
-              <a:t>Number of Trees</a:t>
-            </a:r>
-            <a:r>
-              <a:rPr lang="en-US"/>
-              <a:t>: 30</a:t>
-            </a:r>
-            <a:endParaRPr lang="en-US" dirty="0"/>
-          </a:p>
-          <a:p>
-            <a:r>
-              <a:rPr lang="en-US" dirty="0"/>
-              <a:t>Maximum Features: 0.7</a:t>
-            </a:r>
-          </a:p>
-        </p:txBody>
-      </p:sp>
-    </p:spTree>
-    <p:extLst>
-      <p:ext uri="{BB962C8B-B14F-4D97-AF65-F5344CB8AC3E}">
-        <p14:creationId xmlns:p14="http://schemas.microsoft.com/office/powerpoint/2010/main" val="4278187125"/>
-      </p:ext>
-    </p:extLst>
-  </p:cSld>
-  <p:clrMapOvr>
-    <a:masterClrMapping/>
-  </p:clrMapOvr>
-</p:sld>
-</file>
-
-<file path=ppt/slides/slide21.xml><?xml version="1.0" encoding="utf-8"?>
-<p:sld xmlns:a="http://schemas.openxmlformats.org/drawingml/2006/main" xmlns:r="http://schemas.openxmlformats.org/officeDocument/2006/relationships" xmlns:p="http://schemas.openxmlformats.org/presentationml/2006/main">
-  <p:cSld>
-    <p:spTree>
-      <p:nvGrpSpPr>
-        <p:cNvPr id="1" name=""/>
-        <p:cNvGrpSpPr/>
-        <p:nvPr/>
-      </p:nvGrpSpPr>
-      <p:grpSpPr>
-        <a:xfrm>
-          <a:off x="0" y="0"/>
-          <a:ext cx="0" cy="0"/>
-          <a:chOff x="0" y="0"/>
-          <a:chExt cx="0" cy="0"/>
-        </a:xfrm>
-      </p:grpSpPr>
-      <p:sp>
-        <p:nvSpPr>
-          <p:cNvPr id="2" name="Title 1"/>
-          <p:cNvSpPr>
-            <a:spLocks noGrp="1"/>
-          </p:cNvSpPr>
-          <p:nvPr>
-            <p:ph type="title"/>
-          </p:nvPr>
-        </p:nvSpPr>
-        <p:spPr/>
-        <p:txBody>
-          <a:bodyPr/>
-          <a:lstStyle/>
-          <a:p>
-            <a:r>
-              <a:rPr lang="en-US" dirty="0"/>
               <a:t>Result</a:t>
             </a:r>
           </a:p>
@@ -7230,7 +7110,7 @@
 </p:sld>
 </file>
 
-<file path=ppt/slides/slide22.xml><?xml version="1.0" encoding="utf-8"?>
+<file path=ppt/slides/slide21.xml><?xml version="1.0" encoding="utf-8"?>
 <p:sld xmlns:a="http://schemas.openxmlformats.org/drawingml/2006/main" xmlns:r="http://schemas.openxmlformats.org/officeDocument/2006/relationships" xmlns:p="http://schemas.openxmlformats.org/presentationml/2006/main">
   <p:cSld>
     <p:spTree>
@@ -7620,7 +7500,7 @@
         <p:spPr/>
         <p:txBody>
           <a:bodyPr>
-            <a:normAutofit/>
+            <a:normAutofit lnSpcReduction="10000"/>
           </a:bodyPr>
           <a:lstStyle/>
           <a:p>
@@ -8471,9 +8351,9 @@
 </file>
 
 <file path=ppt/theme/theme1.xml><?xml version="1.0" encoding="utf-8"?>
-<a:theme xmlns:a="http://schemas.openxmlformats.org/drawingml/2006/main" name="Wood Type">
+<a:theme xmlns:a="http://schemas.openxmlformats.org/drawingml/2006/main" name="Crop">
   <a:themeElements>
-    <a:clrScheme name="Wood Type">
+    <a:clrScheme name="Crop">
       <a:dk1>
         <a:sysClr val="windowText" lastClr="000000"/>
       </a:dk1>
@@ -8481,54 +8361,52 @@
         <a:sysClr val="window" lastClr="FFFFFF"/>
       </a:lt1>
       <a:dk2>
-        <a:srgbClr val="696464"/>
+        <a:srgbClr val="191B0E"/>
       </a:dk2>
       <a:lt2>
-        <a:srgbClr val="E9E5DC"/>
+        <a:srgbClr val="EFEDE3"/>
       </a:lt2>
       <a:accent1>
-        <a:srgbClr val="D34817"/>
+        <a:srgbClr val="8C8D86"/>
       </a:accent1>
       <a:accent2>
-        <a:srgbClr val="9B2D1F"/>
+        <a:srgbClr val="E6C069"/>
       </a:accent2>
       <a:accent3>
-        <a:srgbClr val="A28E6A"/>
+        <a:srgbClr val="897B61"/>
       </a:accent3>
       <a:accent4>
-        <a:srgbClr val="956251"/>
+        <a:srgbClr val="8DAB8E"/>
       </a:accent4>
       <a:accent5>
-        <a:srgbClr val="918485"/>
+        <a:srgbClr val="77A2BB"/>
       </a:accent5>
       <a:accent6>
-        <a:srgbClr val="855D5D"/>
+        <a:srgbClr val="E28394"/>
       </a:accent6>
       <a:hlink>
-        <a:srgbClr val="CC9900"/>
+        <a:srgbClr val="77A2BB"/>
       </a:hlink>
       <a:folHlink>
-        <a:srgbClr val="96A9A9"/>
+        <a:srgbClr val="957A99"/>
       </a:folHlink>
     </a:clrScheme>
-    <a:fontScheme name="Wood Type">
+    <a:fontScheme name="Crop">
       <a:majorFont>
-        <a:latin typeface="Rockwell Condensed" panose="02060603050405020104"/>
+        <a:latin typeface="Franklin Gothic Book" panose="020B0503020102020204"/>
         <a:ea typeface=""/>
         <a:cs typeface=""/>
-        <a:font script="Grek" typeface="Cambria"/>
-        <a:font script="Cyrl" typeface="Cambria"/>
-        <a:font script="Jpan" typeface="HG明朝B"/>
-        <a:font script="Hang" typeface="바탕"/>
-        <a:font script="Hans" typeface="方正姚体"/>
+        <a:font script="Jpan" typeface="メイリオ"/>
+        <a:font script="Hang" typeface="돋움"/>
+        <a:font script="Hans" typeface="华文楷体"/>
         <a:font script="Hant" typeface="微軟正黑體"/>
-        <a:font script="Arab" typeface="Times New Roman"/>
-        <a:font script="Hebr" typeface="David"/>
-        <a:font script="Thai" typeface="JasmineUPC"/>
+        <a:font script="Arab" typeface="Tahoma"/>
+        <a:font script="Hebr" typeface="Aharoni"/>
+        <a:font script="Thai" typeface="LilyUPC"/>
         <a:font script="Ethi" typeface="Nyala"/>
         <a:font script="Beng" typeface="Vrinda"/>
         <a:font script="Gujr" typeface="Shruti"/>
-        <a:font script="Khmr" typeface="MoolBoran"/>
+        <a:font script="Khmr" typeface="DaunPenh"/>
         <a:font script="Knda" typeface="Tunga"/>
         <a:font script="Guru" typeface="Raavi"/>
         <a:font script="Cans" typeface="Euphemia"/>
@@ -8545,26 +8423,25 @@
         <a:font script="Laoo" typeface="DokChampa"/>
         <a:font script="Sinh" typeface="Iskoola Pota"/>
         <a:font script="Mong" typeface="Mongolian Baiti"/>
-        <a:font script="Viet" typeface="Arial"/>
+        <a:font script="Viet" typeface="Tahoma"/>
         <a:font script="Uigh" typeface="Microsoft Uighur"/>
+        <a:font script="Geor" typeface="Sylfaen"/>
       </a:majorFont>
       <a:minorFont>
-        <a:latin typeface="Rockwell" panose="02060603020205020403"/>
+        <a:latin typeface="Franklin Gothic Book" panose="020B0503020102020204"/>
         <a:ea typeface=""/>
         <a:cs typeface=""/>
-        <a:font script="Grek" typeface="Cambria"/>
-        <a:font script="Cyrl" typeface="Cambria"/>
-        <a:font script="Jpan" typeface="HG明朝B"/>
-        <a:font script="Hang" typeface="바탕"/>
-        <a:font script="Hans" typeface="方正姚体"/>
-        <a:font script="Hant" typeface="標楷體"/>
-        <a:font script="Arab" typeface="Times New Roman"/>
-        <a:font script="Hebr" typeface="David"/>
-        <a:font script="Thai" typeface="JasmineUPC"/>
+        <a:font script="Jpan" typeface="メイリオ"/>
+        <a:font script="Hang" typeface="돋움"/>
+        <a:font script="Hans" typeface="华文楷体"/>
+        <a:font script="Hant" typeface="微軟正黑體"/>
+        <a:font script="Arab" typeface="Tahoma"/>
+        <a:font script="Hebr" typeface="Aharoni"/>
+        <a:font script="Thai" typeface="LilyUPC"/>
         <a:font script="Ethi" typeface="Nyala"/>
         <a:font script="Beng" typeface="Vrinda"/>
         <a:font script="Gujr" typeface="Shruti"/>
-        <a:font script="Khmr" typeface="MoolBoran"/>
+        <a:font script="Khmr" typeface="DaunPenh"/>
         <a:font script="Knda" typeface="Tunga"/>
         <a:font script="Guru" typeface="Raavi"/>
         <a:font script="Cans" typeface="Euphemia"/>
@@ -8581,59 +8458,83 @@
         <a:font script="Laoo" typeface="DokChampa"/>
         <a:font script="Sinh" typeface="Iskoola Pota"/>
         <a:font script="Mong" typeface="Mongolian Baiti"/>
-        <a:font script="Viet" typeface="Times New Roman"/>
+        <a:font script="Viet" typeface="Tahoma"/>
         <a:font script="Uigh" typeface="Microsoft Uighur"/>
+        <a:font script="Geor" typeface="Sylfaen"/>
       </a:minorFont>
     </a:fontScheme>
-    <a:fmtScheme name="Wood Type">
+    <a:fmtScheme name="Crop">
       <a:fillStyleLst>
         <a:solidFill>
           <a:schemeClr val="phClr"/>
         </a:solidFill>
-        <a:blipFill rotWithShape="1">
-          <a:blip xmlns:r="http://schemas.openxmlformats.org/officeDocument/2006/relationships" r:embed="rId1">
-            <a:duotone>
+        <a:gradFill rotWithShape="1">
+          <a:gsLst>
+            <a:gs pos="0">
               <a:schemeClr val="phClr">
-                <a:tint val="70000"/>
-                <a:shade val="63000"/>
+                <a:tint val="67000"/>
+                <a:satMod val="105000"/>
+                <a:lumMod val="110000"/>
               </a:schemeClr>
+            </a:gs>
+            <a:gs pos="50000">
               <a:schemeClr val="phClr">
-                <a:tint val="10000"/>
-                <a:satMod val="150000"/>
+                <a:tint val="73000"/>
+                <a:satMod val="103000"/>
+                <a:lumMod val="105000"/>
               </a:schemeClr>
-            </a:duotone>
-          </a:blip>
-          <a:tile tx="0" ty="0" sx="60000" sy="59000" flip="none" algn="tl"/>
-        </a:blipFill>
-        <a:blipFill rotWithShape="1">
-          <a:blip xmlns:r="http://schemas.openxmlformats.org/officeDocument/2006/relationships" r:embed="rId1">
-            <a:duotone>
+            </a:gs>
+            <a:gs pos="100000">
               <a:schemeClr val="phClr">
-                <a:shade val="36000"/>
+                <a:tint val="81000"/>
+                <a:satMod val="109000"/>
+                <a:lumMod val="105000"/>
+              </a:schemeClr>
+            </a:gs>
+          </a:gsLst>
+          <a:lin ang="5400000" scaled="0"/>
+        </a:gradFill>
+        <a:gradFill rotWithShape="1">
+          <a:gsLst>
+            <a:gs pos="0">
+              <a:schemeClr val="phClr">
+                <a:tint val="94000"/>
+                <a:satMod val="103000"/>
+                <a:lumMod val="102000"/>
+              </a:schemeClr>
+            </a:gs>
+            <a:gs pos="50000">
+              <a:schemeClr val="phClr">
+                <a:shade val="100000"/>
+                <a:satMod val="110000"/>
+                <a:lumMod val="100000"/>
+              </a:schemeClr>
+            </a:gs>
+            <a:gs pos="100000">
+              <a:schemeClr val="phClr">
+                <a:shade val="78000"/>
                 <a:satMod val="120000"/>
+                <a:lumMod val="99000"/>
               </a:schemeClr>
-              <a:schemeClr val="phClr">
-                <a:tint val="40000"/>
-              </a:schemeClr>
-            </a:duotone>
-          </a:blip>
-          <a:tile tx="0" ty="0" sx="60000" sy="59000" flip="none" algn="tl"/>
-        </a:blipFill>
+            </a:gs>
+          </a:gsLst>
+          <a:lin ang="5400000" scaled="0"/>
+        </a:gradFill>
       </a:fillStyleLst>
       <a:lnStyleLst>
-        <a:ln w="6350" cap="flat" cmpd="sng" algn="ctr">
+        <a:ln w="6350" cap="flat" cmpd="sng" algn="in">
           <a:solidFill>
             <a:schemeClr val="phClr"/>
           </a:solidFill>
           <a:prstDash val="solid"/>
         </a:ln>
-        <a:ln w="12700" cap="flat" cmpd="sng" algn="ctr">
+        <a:ln w="34925" cap="flat" cmpd="sng" algn="in">
           <a:solidFill>
             <a:schemeClr val="phClr"/>
           </a:solidFill>
           <a:prstDash val="solid"/>
         </a:ln>
-        <a:ln w="19050" cap="flat" cmpd="sng" algn="ctr">
+        <a:ln w="19050" cap="flat" cmpd="sng" algn="in">
           <a:solidFill>
             <a:schemeClr val="phClr"/>
           </a:solidFill>
@@ -8645,18 +8546,15 @@
           <a:effectLst/>
         </a:effectStyle>
         <a:effectStyle>
-          <a:effectLst>
-            <a:softEdge rad="12700"/>
-          </a:effectLst>
+          <a:effectLst/>
         </a:effectStyle>
         <a:effectStyle>
           <a:effectLst>
-            <a:outerShdw blurRad="50800" dist="19050" dir="5400000" algn="tl" rotWithShape="0">
+            <a:outerShdw blurRad="57150" dist="19050" dir="5400000" algn="ctr" rotWithShape="0">
               <a:srgbClr val="000000">
-                <a:alpha val="60000"/>
+                <a:alpha val="35000"/>
               </a:srgbClr>
             </a:outerShdw>
-            <a:softEdge rad="12700"/>
           </a:effectLst>
         </a:effectStyle>
       </a:effectStyleLst>
@@ -8666,26 +8564,37 @@
         </a:solidFill>
         <a:solidFill>
           <a:schemeClr val="phClr">
-            <a:shade val="97000"/>
-            <a:satMod val="150000"/>
+            <a:tint val="95000"/>
+            <a:satMod val="170000"/>
           </a:schemeClr>
         </a:solidFill>
-        <a:blipFill rotWithShape="1">
-          <a:blip xmlns:r="http://schemas.openxmlformats.org/officeDocument/2006/relationships" r:embed="rId1">
-            <a:duotone>
+        <a:gradFill rotWithShape="1">
+          <a:gsLst>
+            <a:gs pos="0">
               <a:schemeClr val="phClr">
-                <a:tint val="75000"/>
-                <a:shade val="58000"/>
+                <a:tint val="93000"/>
+                <a:shade val="98000"/>
+                <a:satMod val="150000"/>
+                <a:lumMod val="102000"/>
+              </a:schemeClr>
+            </a:gs>
+            <a:gs pos="50000">
+              <a:schemeClr val="phClr">
+                <a:tint val="98000"/>
+                <a:shade val="90000"/>
+                <a:satMod val="130000"/>
+                <a:lumMod val="103000"/>
+              </a:schemeClr>
+            </a:gs>
+            <a:gs pos="100000">
+              <a:schemeClr val="phClr">
+                <a:shade val="63000"/>
                 <a:satMod val="120000"/>
               </a:schemeClr>
-              <a:schemeClr val="phClr">
-                <a:tint val="50000"/>
-                <a:shade val="96000"/>
-              </a:schemeClr>
-            </a:duotone>
-          </a:blip>
-          <a:tile tx="0" ty="0" sx="100000" sy="100000" flip="none" algn="tl"/>
-        </a:blipFill>
+            </a:gs>
+          </a:gsLst>
+          <a:lin ang="5400000" scaled="0"/>
+        </a:gradFill>
       </a:bgFillStyleLst>
     </a:fmtScheme>
   </a:themeElements>
@@ -8693,7 +8602,7 @@
   <a:extraClrSchemeLst/>
   <a:extLst>
     <a:ext uri="{05A4C25C-085E-4340-85A3-A5531E510DB2}">
-      <thm15:themeFamily xmlns:thm15="http://schemas.microsoft.com/office/thememl/2012/main" name="Wood Type" id="{7ACABC62-BF99-48CF-A9DC-4DB89C7B13DC}" vid="{142A1326-48AB-42A9-8428-CB14AA30176D}"/>
+      <thm15:themeFamily xmlns:thm15="http://schemas.microsoft.com/office/thememl/2012/main" name="Crop" id="{EC9488ED-E761-4D60-9AC4-764D1FE2C171}" vid="{CE19780C-D67D-4C13-9DE9-A52BC3BA51B4}"/>
     </a:ext>
   </a:extLst>
 </a:theme>

--- a/slides/main.pptx
+++ b/slides/main.pptx
@@ -5,7 +5,7 @@
     <p:sldMasterId id="2147483684" r:id="rId1"/>
   </p:sldMasterIdLst>
   <p:notesMasterIdLst>
-    <p:notesMasterId r:id="rId23"/>
+    <p:notesMasterId r:id="rId20"/>
   </p:notesMasterIdLst>
   <p:sldIdLst>
     <p:sldId id="256" r:id="rId2"/>
@@ -16,19 +16,16 @@
     <p:sldId id="260" r:id="rId7"/>
     <p:sldId id="261" r:id="rId8"/>
     <p:sldId id="273" r:id="rId9"/>
-    <p:sldId id="274" r:id="rId10"/>
-    <p:sldId id="275" r:id="rId11"/>
-    <p:sldId id="276" r:id="rId12"/>
-    <p:sldId id="262" r:id="rId13"/>
-    <p:sldId id="263" r:id="rId14"/>
-    <p:sldId id="264" r:id="rId15"/>
-    <p:sldId id="265" r:id="rId16"/>
-    <p:sldId id="266" r:id="rId17"/>
-    <p:sldId id="267" r:id="rId18"/>
-    <p:sldId id="268" r:id="rId19"/>
-    <p:sldId id="269" r:id="rId20"/>
-    <p:sldId id="270" r:id="rId21"/>
-    <p:sldId id="271" r:id="rId22"/>
+    <p:sldId id="262" r:id="rId10"/>
+    <p:sldId id="263" r:id="rId11"/>
+    <p:sldId id="264" r:id="rId12"/>
+    <p:sldId id="265" r:id="rId13"/>
+    <p:sldId id="266" r:id="rId14"/>
+    <p:sldId id="267" r:id="rId15"/>
+    <p:sldId id="268" r:id="rId16"/>
+    <p:sldId id="269" r:id="rId17"/>
+    <p:sldId id="270" r:id="rId18"/>
+    <p:sldId id="271" r:id="rId19"/>
   </p:sldIdLst>
   <p:sldSz cx="9144000" cy="6858000" type="screen4x3"/>
   <p:notesSz cx="6858000" cy="9144000"/>
@@ -562,7 +559,7 @@
           <a:p>
             <a:fld id="{4B64A397-3365-40F8-85DC-A2D526C76720}" type="slidenum">
               <a:rPr lang="en-SG" smtClean="0"/>
-              <a:t>13</a:t>
+              <a:t>10</a:t>
             </a:fld>
             <a:endParaRPr lang="en-SG"/>
           </a:p>
@@ -646,7 +643,7 @@
           <a:p>
             <a:fld id="{4B64A397-3365-40F8-85DC-A2D526C76720}" type="slidenum">
               <a:rPr lang="en-SG" smtClean="0"/>
-              <a:t>14</a:t>
+              <a:t>11</a:t>
             </a:fld>
             <a:endParaRPr lang="en-SG"/>
           </a:p>
@@ -730,7 +727,7 @@
           <a:p>
             <a:fld id="{4B64A397-3365-40F8-85DC-A2D526C76720}" type="slidenum">
               <a:rPr lang="en-SG" smtClean="0"/>
-              <a:t>15</a:t>
+              <a:t>12</a:t>
             </a:fld>
             <a:endParaRPr lang="en-SG"/>
           </a:p>
@@ -4824,7 +4821,7 @@
       </p:grpSpPr>
       <p:sp>
         <p:nvSpPr>
-          <p:cNvPr id="2" name="Title 1"/>
+          <p:cNvPr id="4" name="Title 3"/>
           <p:cNvSpPr>
             <a:spLocks noGrp="1"/>
           </p:cNvSpPr>
@@ -4838,448 +4835,14 @@
           <a:lstStyle/>
           <a:p>
             <a:r>
-              <a:rPr lang="en-US" dirty="0"/>
-              <a:t>Neural Network (Cont’d)</a:t>
-            </a:r>
-            <a:endParaRPr lang="en-SG" dirty="0"/>
-          </a:p>
-        </p:txBody>
-      </p:sp>
-      <p:sp>
-        <p:nvSpPr>
-          <p:cNvPr id="4" name="Content Placeholder 3"/>
-          <p:cNvSpPr>
-            <a:spLocks noGrp="1"/>
-          </p:cNvSpPr>
-          <p:nvPr>
-            <p:ph sz="half" idx="1"/>
-          </p:nvPr>
-        </p:nvSpPr>
-        <p:spPr/>
-        <p:txBody>
-          <a:bodyPr>
-            <a:normAutofit lnSpcReduction="10000"/>
-          </a:bodyPr>
-          <a:lstStyle/>
-          <a:p>
-            <a:r>
-              <a:rPr lang="en-US" dirty="0"/>
-              <a:t>Architecture:</a:t>
-            </a:r>
-          </a:p>
-          <a:p>
-            <a:pPr lvl="1"/>
-            <a:r>
-              <a:rPr lang="en-US" dirty="0"/>
-              <a:t>Embedding layers for </a:t>
-            </a:r>
-            <a:r>
-              <a:rPr lang="en-US" i="1" dirty="0" err="1"/>
-              <a:t>StoreID</a:t>
-            </a:r>
-            <a:r>
-              <a:rPr lang="en-US" dirty="0"/>
-              <a:t>, </a:t>
-            </a:r>
-            <a:r>
-              <a:rPr lang="en-US" i="1" dirty="0" err="1"/>
-              <a:t>DayOfWeek</a:t>
-            </a:r>
-            <a:r>
-              <a:rPr lang="en-US" dirty="0"/>
-              <a:t>, </a:t>
-            </a:r>
-            <a:r>
-              <a:rPr lang="en-US" i="1" dirty="0"/>
-              <a:t>Day</a:t>
-            </a:r>
-            <a:r>
-              <a:rPr lang="en-US" dirty="0"/>
-              <a:t>, </a:t>
-            </a:r>
-            <a:r>
-              <a:rPr lang="en-US" i="1" dirty="0"/>
-              <a:t>Month</a:t>
-            </a:r>
-            <a:r>
-              <a:rPr lang="en-US" dirty="0"/>
-              <a:t>, </a:t>
-            </a:r>
-            <a:r>
-              <a:rPr lang="en-US" i="1" dirty="0"/>
-              <a:t>Year</a:t>
-            </a:r>
-            <a:r>
-              <a:rPr lang="en-US" dirty="0"/>
-              <a:t>, </a:t>
-            </a:r>
-            <a:r>
-              <a:rPr lang="en-US" i="1" dirty="0" err="1"/>
-              <a:t>StoreType</a:t>
-            </a:r>
-            <a:r>
-              <a:rPr lang="en-US" dirty="0"/>
-              <a:t>, </a:t>
-            </a:r>
-            <a:r>
-              <a:rPr lang="en-US" i="1" dirty="0"/>
-              <a:t>Assortment</a:t>
-            </a:r>
-          </a:p>
-          <a:p>
-            <a:pPr lvl="1"/>
-            <a:r>
-              <a:rPr lang="en-US" dirty="0"/>
-              <a:t>1</a:t>
-            </a:r>
-            <a:r>
-              <a:rPr lang="en-US" baseline="30000" dirty="0"/>
-              <a:t>st</a:t>
-            </a:r>
-            <a:r>
-              <a:rPr lang="en-US" dirty="0"/>
-              <a:t> hidden layer (128 units)</a:t>
-            </a:r>
-          </a:p>
-          <a:p>
-            <a:pPr lvl="1"/>
-            <a:r>
-              <a:rPr lang="en-US" dirty="0"/>
-              <a:t>2</a:t>
-            </a:r>
-            <a:r>
-              <a:rPr lang="en-US" baseline="30000" dirty="0"/>
-              <a:t>nd</a:t>
-            </a:r>
-            <a:r>
-              <a:rPr lang="en-US" dirty="0"/>
-              <a:t> hidden layer (64 units)</a:t>
-            </a:r>
-          </a:p>
-          <a:p>
-            <a:pPr lvl="1"/>
-            <a:r>
-              <a:rPr lang="en-US" dirty="0"/>
-              <a:t>Output layer</a:t>
-            </a:r>
-            <a:endParaRPr lang="en-SG" dirty="0"/>
-          </a:p>
-        </p:txBody>
-      </p:sp>
-      <p:sp>
-        <p:nvSpPr>
-          <p:cNvPr id="5" name="Content Placeholder 4"/>
-          <p:cNvSpPr>
-            <a:spLocks noGrp="1"/>
-          </p:cNvSpPr>
-          <p:nvPr>
-            <p:ph sz="half" idx="2"/>
-          </p:nvPr>
-        </p:nvSpPr>
-        <p:spPr/>
-        <p:txBody>
-          <a:bodyPr>
-            <a:normAutofit lnSpcReduction="10000"/>
-          </a:bodyPr>
-          <a:lstStyle/>
-          <a:p>
-            <a:r>
-              <a:rPr lang="en-US" dirty="0"/>
-              <a:t>Training method:</a:t>
-            </a:r>
-          </a:p>
-          <a:p>
-            <a:pPr lvl="1"/>
-            <a:r>
-              <a:rPr lang="en-US" dirty="0"/>
-              <a:t>Type: </a:t>
-            </a:r>
-            <a:r>
-              <a:rPr lang="en-US" dirty="0" err="1"/>
-              <a:t>Nesterov</a:t>
-            </a:r>
-            <a:endParaRPr lang="en-US" dirty="0"/>
-          </a:p>
-          <a:p>
-            <a:pPr lvl="1"/>
-            <a:r>
-              <a:rPr lang="en-US" dirty="0"/>
-              <a:t>Momentum: 0.9</a:t>
-            </a:r>
-          </a:p>
-          <a:p>
-            <a:pPr lvl="1"/>
-            <a:r>
-              <a:rPr lang="en-US" dirty="0" err="1"/>
-              <a:t>base_lr</a:t>
-            </a:r>
-            <a:r>
-              <a:rPr lang="en-US" dirty="0"/>
-              <a:t>: 0.01</a:t>
-            </a:r>
-          </a:p>
-          <a:p>
-            <a:pPr lvl="1"/>
-            <a:r>
-              <a:rPr lang="en-US" dirty="0" err="1"/>
-              <a:t>lr_decay</a:t>
-            </a:r>
-            <a:r>
-              <a:rPr lang="en-US" dirty="0"/>
-              <a:t>: 1e-6</a:t>
-            </a:r>
-            <a:endParaRPr lang="en-SG" dirty="0"/>
-          </a:p>
-        </p:txBody>
-      </p:sp>
-    </p:spTree>
-    <p:extLst>
-      <p:ext uri="{BB962C8B-B14F-4D97-AF65-F5344CB8AC3E}">
-        <p14:creationId xmlns:p14="http://schemas.microsoft.com/office/powerpoint/2010/main" val="1074570312"/>
-      </p:ext>
-    </p:extLst>
-  </p:cSld>
-  <p:clrMapOvr>
-    <a:masterClrMapping/>
-  </p:clrMapOvr>
-</p:sld>
-</file>
-
-<file path=ppt/slides/slide11.xml><?xml version="1.0" encoding="utf-8"?>
-<p:sld xmlns:a="http://schemas.openxmlformats.org/drawingml/2006/main" xmlns:r="http://schemas.openxmlformats.org/officeDocument/2006/relationships" xmlns:p="http://schemas.openxmlformats.org/presentationml/2006/main">
-  <p:cSld>
-    <p:spTree>
-      <p:nvGrpSpPr>
-        <p:cNvPr id="1" name=""/>
-        <p:cNvGrpSpPr/>
-        <p:nvPr/>
-      </p:nvGrpSpPr>
-      <p:grpSpPr>
-        <a:xfrm>
-          <a:off x="0" y="0"/>
-          <a:ext cx="0" cy="0"/>
-          <a:chOff x="0" y="0"/>
-          <a:chExt cx="0" cy="0"/>
-        </a:xfrm>
-      </p:grpSpPr>
-      <p:sp>
-        <p:nvSpPr>
-          <p:cNvPr id="2" name="Title 1"/>
-          <p:cNvSpPr>
-            <a:spLocks noGrp="1"/>
-          </p:cNvSpPr>
-          <p:nvPr>
-            <p:ph type="title"/>
-          </p:nvPr>
-        </p:nvSpPr>
-        <p:spPr/>
-        <p:txBody>
-          <a:bodyPr/>
-          <a:lstStyle/>
-          <a:p>
-            <a:r>
-              <a:rPr lang="en-US" dirty="0"/>
-              <a:t>Neural Network (Cont’d)</a:t>
-            </a:r>
-            <a:endParaRPr lang="en-SG" dirty="0"/>
-          </a:p>
-        </p:txBody>
-      </p:sp>
-      <p:sp>
-        <p:nvSpPr>
-          <p:cNvPr id="5" name="Content Placeholder 4"/>
-          <p:cNvSpPr>
-            <a:spLocks noGrp="1"/>
-          </p:cNvSpPr>
-          <p:nvPr>
-            <p:ph idx="1"/>
-          </p:nvPr>
-        </p:nvSpPr>
-        <p:spPr/>
-        <p:txBody>
-          <a:bodyPr/>
-          <a:lstStyle/>
-          <a:p>
-            <a:r>
-              <a:rPr lang="en-US" dirty="0"/>
-              <a:t>Batch size: 5000</a:t>
-            </a:r>
-          </a:p>
-          <a:p>
-            <a:r>
-              <a:rPr lang="en-US" dirty="0"/>
-              <a:t>Number of epochs: 25</a:t>
-            </a:r>
-          </a:p>
-          <a:p>
-            <a:r>
-              <a:rPr lang="en-US" dirty="0"/>
-              <a:t>Validate at every epoch</a:t>
-            </a:r>
-          </a:p>
-          <a:p>
-            <a:r>
-              <a:rPr lang="en-US" dirty="0"/>
-              <a:t>Hardware: GTX 850m</a:t>
-            </a:r>
-          </a:p>
-          <a:p>
-            <a:r>
-              <a:rPr lang="en-US" dirty="0"/>
-              <a:t>Duration &lt; 1 hour</a:t>
-            </a:r>
-          </a:p>
-          <a:p>
-            <a:r>
-              <a:rPr lang="en-US" dirty="0"/>
-              <a:t>Result</a:t>
-            </a:r>
-          </a:p>
-          <a:p>
-            <a:pPr lvl="1"/>
-            <a:r>
-              <a:rPr lang="en-US" dirty="0"/>
-              <a:t>Private score: 0.20356</a:t>
-            </a:r>
-          </a:p>
-          <a:p>
-            <a:pPr lvl="1"/>
-            <a:r>
-              <a:rPr lang="en-US" dirty="0"/>
-              <a:t>Public score: 0.20298</a:t>
-            </a:r>
-            <a:endParaRPr lang="en-SG" dirty="0"/>
-          </a:p>
-        </p:txBody>
-      </p:sp>
-    </p:spTree>
-    <p:extLst>
-      <p:ext uri="{BB962C8B-B14F-4D97-AF65-F5344CB8AC3E}">
-        <p14:creationId xmlns:p14="http://schemas.microsoft.com/office/powerpoint/2010/main" val="1433024377"/>
-      </p:ext>
-    </p:extLst>
-  </p:cSld>
-  <p:clrMapOvr>
-    <a:masterClrMapping/>
-  </p:clrMapOvr>
-</p:sld>
-</file>
-
-<file path=ppt/slides/slide12.xml><?xml version="1.0" encoding="utf-8"?>
-<p:sld xmlns:a="http://schemas.openxmlformats.org/drawingml/2006/main" xmlns:r="http://schemas.openxmlformats.org/officeDocument/2006/relationships" xmlns:p="http://schemas.openxmlformats.org/presentationml/2006/main">
-  <p:cSld>
-    <p:spTree>
-      <p:nvGrpSpPr>
-        <p:cNvPr id="1" name=""/>
-        <p:cNvGrpSpPr/>
-        <p:nvPr/>
-      </p:nvGrpSpPr>
-      <p:grpSpPr>
-        <a:xfrm>
-          <a:off x="0" y="0"/>
-          <a:ext cx="0" cy="0"/>
-          <a:chOff x="0" y="0"/>
-          <a:chExt cx="0" cy="0"/>
-        </a:xfrm>
-      </p:grpSpPr>
-      <p:sp>
-        <p:nvSpPr>
-          <p:cNvPr id="2" name="Title 1"/>
-          <p:cNvSpPr>
-            <a:spLocks noGrp="1"/>
-          </p:cNvSpPr>
-          <p:nvPr>
-            <p:ph type="title"/>
-          </p:nvPr>
-        </p:nvSpPr>
-        <p:spPr/>
-        <p:txBody>
-          <a:bodyPr/>
-          <a:lstStyle/>
-          <a:p>
-            <a:r>
-              <a:rPr lang="en-SG" dirty="0"/>
-              <a:t>Lasso &amp; Ridge</a:t>
-            </a:r>
-          </a:p>
-        </p:txBody>
-      </p:sp>
-      <p:sp>
-        <p:nvSpPr>
-          <p:cNvPr id="3" name="Subtitle 2"/>
-          <p:cNvSpPr>
-            <a:spLocks noGrp="1"/>
-          </p:cNvSpPr>
-          <p:nvPr>
-            <p:ph type="body" idx="1"/>
-          </p:nvPr>
-        </p:nvSpPr>
-        <p:spPr/>
-        <p:txBody>
-          <a:bodyPr/>
-          <a:lstStyle/>
-          <a:p>
-            <a:r>
-              <a:rPr lang="en-SG" dirty="0"/>
-              <a:t>Regression</a:t>
-            </a:r>
-          </a:p>
-        </p:txBody>
-      </p:sp>
-    </p:spTree>
-    <p:extLst>
-      <p:ext uri="{BB962C8B-B14F-4D97-AF65-F5344CB8AC3E}">
-        <p14:creationId xmlns:p14="http://schemas.microsoft.com/office/powerpoint/2010/main" val="408571491"/>
-      </p:ext>
-    </p:extLst>
-  </p:cSld>
-  <p:clrMapOvr>
-    <a:masterClrMapping/>
-  </p:clrMapOvr>
-</p:sld>
-</file>
-
-<file path=ppt/slides/slide13.xml><?xml version="1.0" encoding="utf-8"?>
-<p:sld xmlns:a="http://schemas.openxmlformats.org/drawingml/2006/main" xmlns:r="http://schemas.openxmlformats.org/officeDocument/2006/relationships" xmlns:p="http://schemas.openxmlformats.org/presentationml/2006/main">
-  <p:cSld>
-    <p:spTree>
-      <p:nvGrpSpPr>
-        <p:cNvPr id="1" name=""/>
-        <p:cNvGrpSpPr/>
-        <p:nvPr/>
-      </p:nvGrpSpPr>
-      <p:grpSpPr>
-        <a:xfrm>
-          <a:off x="0" y="0"/>
-          <a:ext cx="0" cy="0"/>
-          <a:chOff x="0" y="0"/>
-          <a:chExt cx="0" cy="0"/>
-        </a:xfrm>
-      </p:grpSpPr>
-      <p:sp>
-        <p:nvSpPr>
-          <p:cNvPr id="4" name="Title 3"/>
-          <p:cNvSpPr>
-            <a:spLocks noGrp="1"/>
-          </p:cNvSpPr>
-          <p:nvPr>
-            <p:ph type="title"/>
-          </p:nvPr>
-        </p:nvSpPr>
-        <p:spPr/>
-        <p:txBody>
-          <a:bodyPr/>
-          <a:lstStyle/>
-          <a:p>
-            <a:r>
               <a:rPr lang="en-SG" dirty="0"/>
               <a:t>Definition</a:t>
             </a:r>
           </a:p>
         </p:txBody>
       </p:sp>
-      <mc:AlternateContent xmlns:mc="http://schemas.openxmlformats.org/markup-compatibility/2006">
-        <mc:Choice xmlns:a14="http://schemas.microsoft.com/office/drawing/2010/main" Requires="a14">
+      <mc:AlternateContent xmlns:mc="http://schemas.openxmlformats.org/markup-compatibility/2006" xmlns:a14="http://schemas.microsoft.com/office/drawing/2010/main">
+        <mc:Choice Requires="a14">
           <p:sp>
             <p:nvSpPr>
               <p:cNvPr id="6" name="Content Placeholder 5"/>
@@ -5577,7 +5140,7 @@
             </p:txBody>
           </p:sp>
         </mc:Choice>
-        <mc:Fallback>
+        <mc:Fallback xmlns="">
           <p:sp>
             <p:nvSpPr>
               <p:cNvPr id="6" name="Content Placeholder 5"/>
@@ -5624,7 +5187,7 @@
 </p:sld>
 </file>
 
-<file path=ppt/slides/slide14.xml><?xml version="1.0" encoding="utf-8"?>
+<file path=ppt/slides/slide11.xml><?xml version="1.0" encoding="utf-8"?>
 <p:sld xmlns:a="http://schemas.openxmlformats.org/drawingml/2006/main" xmlns:r="http://schemas.openxmlformats.org/officeDocument/2006/relationships" xmlns:p="http://schemas.openxmlformats.org/presentationml/2006/main">
   <p:cSld>
     <p:spTree>
@@ -5676,132 +5239,165 @@
         <p:spPr/>
         <p:txBody>
           <a:bodyPr>
-            <a:normAutofit fontScale="55000" lnSpcReduction="20000"/>
+            <a:normAutofit lnSpcReduction="10000"/>
           </a:bodyPr>
           <a:lstStyle/>
           <a:p>
             <a:pPr>
               <a:lnSpc>
-                <a:spcPct val="150000"/>
+                <a:spcPct val="100000"/>
               </a:lnSpc>
+              <a:spcAft>
+                <a:spcPts val="0"/>
+              </a:spcAft>
             </a:pPr>
             <a:r>
-              <a:rPr lang="en-SG" dirty="0" err="1"/>
+              <a:rPr lang="en-SG" sz="1600" dirty="0" err="1"/>
               <a:t>Preprocessing</a:t>
             </a:r>
-            <a:endParaRPr lang="en-SG" dirty="0"/>
+            <a:endParaRPr lang="en-SG" sz="1600" dirty="0"/>
           </a:p>
           <a:p>
             <a:pPr lvl="1">
               <a:lnSpc>
-                <a:spcPct val="150000"/>
+                <a:spcPct val="100000"/>
               </a:lnSpc>
+              <a:spcAft>
+                <a:spcPts val="0"/>
+              </a:spcAft>
             </a:pPr>
             <a:r>
-              <a:rPr lang="en-SG" dirty="0"/>
+              <a:rPr lang="en-SG" sz="1600" dirty="0"/>
               <a:t>Normalization</a:t>
             </a:r>
           </a:p>
           <a:p>
             <a:pPr lvl="1">
               <a:lnSpc>
-                <a:spcPct val="150000"/>
+                <a:spcPct val="100000"/>
               </a:lnSpc>
+              <a:spcAft>
+                <a:spcPts val="0"/>
+              </a:spcAft>
             </a:pPr>
             <a:r>
-              <a:rPr lang="en-SG" dirty="0"/>
+              <a:rPr lang="en-SG" sz="1600" dirty="0"/>
               <a:t>Features Addition</a:t>
             </a:r>
           </a:p>
           <a:p>
             <a:pPr lvl="1">
               <a:lnSpc>
-                <a:spcPct val="150000"/>
+                <a:spcPct val="100000"/>
               </a:lnSpc>
+              <a:spcAft>
+                <a:spcPts val="0"/>
+              </a:spcAft>
             </a:pPr>
             <a:r>
-              <a:rPr lang="en-SG" dirty="0"/>
+              <a:rPr lang="en-SG" sz="1600" dirty="0"/>
               <a:t>Features Removal</a:t>
             </a:r>
           </a:p>
           <a:p>
             <a:pPr>
               <a:lnSpc>
-                <a:spcPct val="150000"/>
+                <a:spcPct val="100000"/>
               </a:lnSpc>
+              <a:spcAft>
+                <a:spcPts val="0"/>
+              </a:spcAft>
             </a:pPr>
             <a:r>
-              <a:rPr lang="en-SG" dirty="0"/>
+              <a:rPr lang="en-SG" sz="1600" dirty="0"/>
               <a:t>Training</a:t>
             </a:r>
           </a:p>
           <a:p>
             <a:pPr lvl="1">
               <a:lnSpc>
-                <a:spcPct val="150000"/>
+                <a:spcPct val="100000"/>
               </a:lnSpc>
+              <a:spcAft>
+                <a:spcPts val="0"/>
+              </a:spcAft>
             </a:pPr>
             <a:r>
-              <a:rPr lang="en-SG" dirty="0"/>
+              <a:rPr lang="en-SG" sz="1600" dirty="0"/>
               <a:t>Model per Store</a:t>
             </a:r>
           </a:p>
           <a:p>
             <a:pPr lvl="1">
               <a:lnSpc>
-                <a:spcPct val="150000"/>
+                <a:spcPct val="100000"/>
               </a:lnSpc>
+              <a:spcAft>
+                <a:spcPts val="0"/>
+              </a:spcAft>
             </a:pPr>
             <a:r>
-              <a:rPr lang="en-SG" dirty="0"/>
+              <a:rPr lang="en-SG" sz="1600" dirty="0"/>
               <a:t>K-Fold Cross Validation</a:t>
             </a:r>
           </a:p>
           <a:p>
             <a:pPr>
               <a:lnSpc>
-                <a:spcPct val="150000"/>
+                <a:spcPct val="100000"/>
               </a:lnSpc>
+              <a:spcAft>
+                <a:spcPts val="0"/>
+              </a:spcAft>
             </a:pPr>
             <a:r>
-              <a:rPr lang="en-SG" dirty="0"/>
+              <a:rPr lang="en-SG" sz="1600" dirty="0"/>
               <a:t>Prediction</a:t>
             </a:r>
           </a:p>
           <a:p>
             <a:pPr lvl="1">
               <a:lnSpc>
-                <a:spcPct val="150000"/>
+                <a:spcPct val="100000"/>
               </a:lnSpc>
+              <a:spcAft>
+                <a:spcPts val="0"/>
+              </a:spcAft>
             </a:pPr>
             <a:r>
-              <a:rPr lang="en-SG" dirty="0"/>
+              <a:rPr lang="en-SG" sz="1600" dirty="0"/>
               <a:t>Predict per store</a:t>
             </a:r>
           </a:p>
           <a:p>
             <a:pPr lvl="1">
               <a:lnSpc>
-                <a:spcPct val="150000"/>
+                <a:spcPct val="100000"/>
               </a:lnSpc>
+              <a:spcAft>
+                <a:spcPts val="0"/>
+              </a:spcAft>
             </a:pPr>
             <a:r>
-              <a:rPr lang="en-SG" dirty="0"/>
+              <a:rPr lang="en-SG" sz="1600" dirty="0"/>
               <a:t>Predict only open stores (sales prediction for closed store will be set to 0)</a:t>
             </a:r>
           </a:p>
           <a:p>
             <a:pPr lvl="1">
               <a:lnSpc>
-                <a:spcPct val="150000"/>
+                <a:spcPct val="100000"/>
               </a:lnSpc>
+              <a:spcAft>
+                <a:spcPts val="0"/>
+              </a:spcAft>
             </a:pPr>
             <a:r>
-              <a:rPr lang="en-SG" dirty="0" err="1"/>
+              <a:rPr lang="en-SG" sz="1600" dirty="0" err="1"/>
               <a:t>Denormalize</a:t>
             </a:r>
             <a:r>
-              <a:rPr lang="en-SG" dirty="0"/>
+              <a:rPr lang="en-SG" sz="1600" dirty="0"/>
               <a:t> prediction result</a:t>
             </a:r>
           </a:p>
@@ -5820,7 +5416,7 @@
 </p:sld>
 </file>
 
-<file path=ppt/slides/slide15.xml><?xml version="1.0" encoding="utf-8"?>
+<file path=ppt/slides/slide12.xml><?xml version="1.0" encoding="utf-8"?>
 <p:sld xmlns:a="http://schemas.openxmlformats.org/drawingml/2006/main" xmlns:r="http://schemas.openxmlformats.org/officeDocument/2006/relationships" xmlns:p="http://schemas.openxmlformats.org/presentationml/2006/main">
   <p:cSld>
     <p:spTree>
@@ -6414,6 +6010,287 @@
 </p:sld>
 </file>
 
+<file path=ppt/slides/slide13.xml><?xml version="1.0" encoding="utf-8"?>
+<p:sld xmlns:a="http://schemas.openxmlformats.org/drawingml/2006/main" xmlns:r="http://schemas.openxmlformats.org/officeDocument/2006/relationships" xmlns:p="http://schemas.openxmlformats.org/presentationml/2006/main">
+  <p:cSld>
+    <p:spTree>
+      <p:nvGrpSpPr>
+        <p:cNvPr id="1" name=""/>
+        <p:cNvGrpSpPr/>
+        <p:nvPr/>
+      </p:nvGrpSpPr>
+      <p:grpSpPr>
+        <a:xfrm>
+          <a:off x="0" y="0"/>
+          <a:ext cx="0" cy="0"/>
+          <a:chOff x="0" y="0"/>
+          <a:chExt cx="0" cy="0"/>
+        </a:xfrm>
+      </p:grpSpPr>
+      <p:sp>
+        <p:nvSpPr>
+          <p:cNvPr id="2" name="Title 1"/>
+          <p:cNvSpPr>
+            <a:spLocks noGrp="1"/>
+          </p:cNvSpPr>
+          <p:nvPr>
+            <p:ph type="title"/>
+          </p:nvPr>
+        </p:nvSpPr>
+        <p:spPr/>
+        <p:txBody>
+          <a:bodyPr/>
+          <a:lstStyle/>
+          <a:p>
+            <a:r>
+              <a:rPr lang="en-US" dirty="0"/>
+              <a:t>Random Forest</a:t>
+            </a:r>
+          </a:p>
+        </p:txBody>
+      </p:sp>
+      <p:sp>
+        <p:nvSpPr>
+          <p:cNvPr id="4" name="Text Placeholder 3"/>
+          <p:cNvSpPr>
+            <a:spLocks noGrp="1"/>
+          </p:cNvSpPr>
+          <p:nvPr>
+            <p:ph type="body" idx="1"/>
+          </p:nvPr>
+        </p:nvSpPr>
+        <p:spPr/>
+        <p:txBody>
+          <a:bodyPr/>
+          <a:lstStyle/>
+          <a:p>
+            <a:endParaRPr lang="en-SG"/>
+          </a:p>
+        </p:txBody>
+      </p:sp>
+    </p:spTree>
+    <p:extLst>
+      <p:ext uri="{BB962C8B-B14F-4D97-AF65-F5344CB8AC3E}">
+        <p14:creationId xmlns:p14="http://schemas.microsoft.com/office/powerpoint/2010/main" val="2800532170"/>
+      </p:ext>
+    </p:extLst>
+  </p:cSld>
+  <p:clrMapOvr>
+    <a:masterClrMapping/>
+  </p:clrMapOvr>
+</p:sld>
+</file>
+
+<file path=ppt/slides/slide14.xml><?xml version="1.0" encoding="utf-8"?>
+<p:sld xmlns:a="http://schemas.openxmlformats.org/drawingml/2006/main" xmlns:r="http://schemas.openxmlformats.org/officeDocument/2006/relationships" xmlns:p="http://schemas.openxmlformats.org/presentationml/2006/main">
+  <p:cSld>
+    <p:spTree>
+      <p:nvGrpSpPr>
+        <p:cNvPr id="1" name=""/>
+        <p:cNvGrpSpPr/>
+        <p:nvPr/>
+      </p:nvGrpSpPr>
+      <p:grpSpPr>
+        <a:xfrm>
+          <a:off x="0" y="0"/>
+          <a:ext cx="0" cy="0"/>
+          <a:chOff x="0" y="0"/>
+          <a:chExt cx="0" cy="0"/>
+        </a:xfrm>
+      </p:grpSpPr>
+      <p:sp>
+        <p:nvSpPr>
+          <p:cNvPr id="2" name="Title 1"/>
+          <p:cNvSpPr>
+            <a:spLocks noGrp="1"/>
+          </p:cNvSpPr>
+          <p:nvPr>
+            <p:ph type="title"/>
+          </p:nvPr>
+        </p:nvSpPr>
+        <p:spPr/>
+        <p:txBody>
+          <a:bodyPr/>
+          <a:lstStyle/>
+          <a:p>
+            <a:r>
+              <a:rPr lang="en-US" dirty="0"/>
+              <a:t>Library and Dependency</a:t>
+            </a:r>
+          </a:p>
+        </p:txBody>
+      </p:sp>
+      <p:sp>
+        <p:nvSpPr>
+          <p:cNvPr id="3" name="Content Placeholder 2"/>
+          <p:cNvSpPr>
+            <a:spLocks noGrp="1"/>
+          </p:cNvSpPr>
+          <p:nvPr>
+            <p:ph idx="1"/>
+          </p:nvPr>
+        </p:nvSpPr>
+        <p:spPr/>
+        <p:txBody>
+          <a:bodyPr/>
+          <a:lstStyle/>
+          <a:p>
+            <a:r>
+              <a:rPr lang="en-US" dirty="0"/>
+              <a:t>Library: </a:t>
+            </a:r>
+            <a:r>
+              <a:rPr lang="en-US" dirty="0" err="1"/>
+              <a:t>Scikit</a:t>
+            </a:r>
+            <a:r>
+              <a:rPr lang="en-US" dirty="0"/>
+              <a:t>-learn </a:t>
+            </a:r>
+            <a:r>
+              <a:rPr lang="en-US" dirty="0" err="1"/>
+              <a:t>RandomForestRegressor</a:t>
+            </a:r>
+            <a:endParaRPr lang="en-US" dirty="0"/>
+          </a:p>
+          <a:p>
+            <a:r>
+              <a:rPr lang="en-US" dirty="0"/>
+              <a:t>Dependency: </a:t>
+            </a:r>
+            <a:r>
+              <a:rPr lang="en-US" dirty="0" err="1"/>
+              <a:t>numpy</a:t>
+            </a:r>
+            <a:r>
+              <a:rPr lang="en-US" dirty="0"/>
+              <a:t>, pandas</a:t>
+            </a:r>
+          </a:p>
+        </p:txBody>
+      </p:sp>
+    </p:spTree>
+    <p:extLst>
+      <p:ext uri="{BB962C8B-B14F-4D97-AF65-F5344CB8AC3E}">
+        <p14:creationId xmlns:p14="http://schemas.microsoft.com/office/powerpoint/2010/main" val="1413317331"/>
+      </p:ext>
+    </p:extLst>
+  </p:cSld>
+  <p:clrMapOvr>
+    <a:masterClrMapping/>
+  </p:clrMapOvr>
+</p:sld>
+</file>
+
+<file path=ppt/slides/slide15.xml><?xml version="1.0" encoding="utf-8"?>
+<p:sld xmlns:a="http://schemas.openxmlformats.org/drawingml/2006/main" xmlns:r="http://schemas.openxmlformats.org/officeDocument/2006/relationships" xmlns:p="http://schemas.openxmlformats.org/presentationml/2006/main">
+  <p:cSld>
+    <p:spTree>
+      <p:nvGrpSpPr>
+        <p:cNvPr id="1" name=""/>
+        <p:cNvGrpSpPr/>
+        <p:nvPr/>
+      </p:nvGrpSpPr>
+      <p:grpSpPr>
+        <a:xfrm>
+          <a:off x="0" y="0"/>
+          <a:ext cx="0" cy="0"/>
+          <a:chOff x="0" y="0"/>
+          <a:chExt cx="0" cy="0"/>
+        </a:xfrm>
+      </p:grpSpPr>
+      <p:sp>
+        <p:nvSpPr>
+          <p:cNvPr id="2" name="Title 1"/>
+          <p:cNvSpPr>
+            <a:spLocks noGrp="1"/>
+          </p:cNvSpPr>
+          <p:nvPr>
+            <p:ph type="title"/>
+          </p:nvPr>
+        </p:nvSpPr>
+        <p:spPr/>
+        <p:txBody>
+          <a:bodyPr/>
+          <a:lstStyle/>
+          <a:p>
+            <a:r>
+              <a:rPr lang="en-US" dirty="0"/>
+              <a:t>Preprocessing</a:t>
+            </a:r>
+          </a:p>
+        </p:txBody>
+      </p:sp>
+      <p:sp>
+        <p:nvSpPr>
+          <p:cNvPr id="3" name="Content Placeholder 2"/>
+          <p:cNvSpPr>
+            <a:spLocks noGrp="1"/>
+          </p:cNvSpPr>
+          <p:nvPr>
+            <p:ph idx="1"/>
+          </p:nvPr>
+        </p:nvSpPr>
+        <p:spPr/>
+        <p:txBody>
+          <a:bodyPr/>
+          <a:lstStyle/>
+          <a:p>
+            <a:r>
+              <a:rPr lang="en-US" dirty="0"/>
+              <a:t>Implemented one-hot encoding for </a:t>
+            </a:r>
+            <a:r>
+              <a:rPr lang="en-US" dirty="0" err="1"/>
+              <a:t>DayOfWeek</a:t>
+            </a:r>
+            <a:r>
+              <a:rPr lang="en-US" dirty="0"/>
+              <a:t>, State Holiday, Assortment, and Store Type</a:t>
+            </a:r>
+          </a:p>
+          <a:p>
+            <a:r>
+              <a:rPr lang="en-US" dirty="0"/>
+              <a:t>Number of Features: 26</a:t>
+            </a:r>
+          </a:p>
+          <a:p>
+            <a:r>
+              <a:rPr lang="en-US" dirty="0"/>
+              <a:t>Date is omitted</a:t>
+            </a:r>
+          </a:p>
+          <a:p>
+            <a:r>
+              <a:rPr lang="en-US" dirty="0"/>
+              <a:t>Each feature from each store was normalized using its corresponding standard deviation and mean</a:t>
+            </a:r>
+          </a:p>
+          <a:p>
+            <a:pPr marL="0" indent="0">
+              <a:buNone/>
+            </a:pPr>
+            <a:r>
+              <a:rPr lang="en-US" dirty="0"/>
+              <a:t> </a:t>
+            </a:r>
+          </a:p>
+        </p:txBody>
+      </p:sp>
+    </p:spTree>
+    <p:extLst>
+      <p:ext uri="{BB962C8B-B14F-4D97-AF65-F5344CB8AC3E}">
+        <p14:creationId xmlns:p14="http://schemas.microsoft.com/office/powerpoint/2010/main" val="880531649"/>
+      </p:ext>
+    </p:extLst>
+  </p:cSld>
+  <p:clrMapOvr>
+    <a:masterClrMapping/>
+  </p:clrMapOvr>
+</p:sld>
+</file>
+
 <file path=ppt/slides/slide16.xml><?xml version="1.0" encoding="utf-8"?>
 <p:sld xmlns:a="http://schemas.openxmlformats.org/drawingml/2006/main" xmlns:r="http://schemas.openxmlformats.org/officeDocument/2006/relationships" xmlns:p="http://schemas.openxmlformats.org/presentationml/2006/main">
   <p:cSld>
@@ -6448,19 +6325,19 @@
           <a:p>
             <a:r>
               <a:rPr lang="en-US" dirty="0"/>
-              <a:t>Random Forest</a:t>
-            </a:r>
-          </a:p>
-        </p:txBody>
-      </p:sp>
-      <p:sp>
-        <p:nvSpPr>
-          <p:cNvPr id="4" name="Text Placeholder 3"/>
-          <p:cNvSpPr>
-            <a:spLocks noGrp="1"/>
-          </p:cNvSpPr>
-          <p:nvPr>
-            <p:ph type="body" idx="1"/>
+              <a:t>Training	</a:t>
+            </a:r>
+          </a:p>
+        </p:txBody>
+      </p:sp>
+      <p:sp>
+        <p:nvSpPr>
+          <p:cNvPr id="3" name="Content Placeholder 2"/>
+          <p:cNvSpPr>
+            <a:spLocks noGrp="1"/>
+          </p:cNvSpPr>
+          <p:nvPr>
+            <p:ph idx="1"/>
           </p:nvPr>
         </p:nvSpPr>
         <p:spPr/>
@@ -6468,14 +6345,54 @@
           <a:bodyPr/>
           <a:lstStyle/>
           <a:p>
-            <a:endParaRPr lang="en-SG"/>
+            <a:r>
+              <a:rPr lang="en-US" dirty="0"/>
+              <a:t>Training and Validation Ratio:</a:t>
+            </a:r>
+          </a:p>
+          <a:p>
+            <a:pPr lvl="1"/>
+            <a:r>
+              <a:rPr lang="en-US" dirty="0"/>
+              <a:t>First Trial: 80:20</a:t>
+            </a:r>
+          </a:p>
+          <a:p>
+            <a:pPr lvl="1"/>
+            <a:r>
+              <a:rPr lang="en-US" dirty="0"/>
+              <a:t>Second Trial: 50:50</a:t>
+            </a:r>
+          </a:p>
+          <a:p>
+            <a:r>
+              <a:rPr lang="en-US" dirty="0"/>
+              <a:t>Each store was trained, validated, and predicted independently from each other</a:t>
+            </a:r>
+          </a:p>
+          <a:p>
+            <a:r>
+              <a:rPr lang="en-US" dirty="0"/>
+              <a:t>Number of Trees</a:t>
+            </a:r>
+            <a:r>
+              <a:rPr lang="en-US"/>
+              <a:t>: 30</a:t>
+            </a:r>
+            <a:endParaRPr lang="en-US" dirty="0"/>
+          </a:p>
+          <a:p>
+            <a:r>
+              <a:rPr lang="en-US" dirty="0"/>
+              <a:t>Maximum Features: 0.7</a:t>
+            </a:r>
           </a:p>
         </p:txBody>
       </p:sp>
     </p:spTree>
     <p:extLst>
       <p:ext uri="{BB962C8B-B14F-4D97-AF65-F5344CB8AC3E}">
-        <p14:creationId xmlns:p14="http://schemas.microsoft.com/office/powerpoint/2010/main" val="2800532170"/>
+        <p14:creationId xmlns:p14="http://schemas.microsoft.com/office/powerpoint/2010/main" val="4278187125"/>
       </p:ext>
     </p:extLst>
   </p:cSld>
@@ -6519,7 +6436,7 @@
           <a:p>
             <a:r>
               <a:rPr lang="en-US" dirty="0"/>
-              <a:t>Library and Dependency</a:t>
+              <a:t>Result</a:t>
             </a:r>
           </a:p>
         </p:txBody>
@@ -6541,42 +6458,50 @@
           <a:p>
             <a:r>
               <a:rPr lang="en-US" dirty="0"/>
-              <a:t>Library: </a:t>
-            </a:r>
-            <a:r>
-              <a:rPr lang="en-US" dirty="0" err="1"/>
-              <a:t>Scikit</a:t>
-            </a:r>
-            <a:r>
-              <a:rPr lang="en-US" dirty="0"/>
-              <a:t>-learn </a:t>
-            </a:r>
-            <a:r>
-              <a:rPr lang="en-US" dirty="0" err="1"/>
-              <a:t>RandomForestRegressor</a:t>
+              <a:t>Training vs Validation ratio 80:20</a:t>
+            </a:r>
+          </a:p>
+          <a:p>
+            <a:pPr lvl="1"/>
+            <a:r>
+              <a:rPr lang="en-US" dirty="0"/>
+              <a:t>Private Score: 0.15815</a:t>
+            </a:r>
+          </a:p>
+          <a:p>
+            <a:pPr lvl="1"/>
+            <a:r>
+              <a:rPr lang="en-US" dirty="0"/>
+              <a:t>Public Score: 0.14731</a:t>
+            </a:r>
+          </a:p>
+          <a:p>
+            <a:r>
+              <a:rPr lang="en-US" dirty="0"/>
+              <a:t>Training vs Validation ratio 50:50</a:t>
+            </a:r>
+          </a:p>
+          <a:p>
+            <a:pPr lvl="1"/>
+            <a:r>
+              <a:rPr lang="en-US" dirty="0"/>
+              <a:t>Private Score: 0.15703</a:t>
+            </a:r>
+          </a:p>
+          <a:p>
+            <a:pPr lvl="1"/>
+            <a:r>
+              <a:rPr lang="en-US"/>
+              <a:t>Public Score: 0.14604</a:t>
             </a:r>
             <a:endParaRPr lang="en-US" dirty="0"/>
-          </a:p>
-          <a:p>
-            <a:r>
-              <a:rPr lang="en-US" dirty="0"/>
-              <a:t>Dependency: </a:t>
-            </a:r>
-            <a:r>
-              <a:rPr lang="en-US" dirty="0" err="1"/>
-              <a:t>numpy</a:t>
-            </a:r>
-            <a:r>
-              <a:rPr lang="en-US" dirty="0"/>
-              <a:t>, pandas</a:t>
-            </a:r>
           </a:p>
         </p:txBody>
       </p:sp>
     </p:spTree>
     <p:extLst>
       <p:ext uri="{BB962C8B-B14F-4D97-AF65-F5344CB8AC3E}">
-        <p14:creationId xmlns:p14="http://schemas.microsoft.com/office/powerpoint/2010/main" val="1413317331"/>
+        <p14:creationId xmlns:p14="http://schemas.microsoft.com/office/powerpoint/2010/main" val="143699956"/>
       </p:ext>
     </p:extLst>
   </p:cSld>
@@ -6620,8 +6545,9 @@
           <a:p>
             <a:r>
               <a:rPr lang="en-US" dirty="0"/>
-              <a:t>Preprocessing</a:t>
-            </a:r>
+              <a:t>Conclusion</a:t>
+            </a:r>
+            <a:endParaRPr lang="en-SG" dirty="0"/>
           </a:p>
         </p:txBody>
       </p:sp>
@@ -6642,42 +6568,32 @@
           <a:p>
             <a:r>
               <a:rPr lang="en-US" dirty="0"/>
-              <a:t>Implemented one-hot encoding for </a:t>
-            </a:r>
-            <a:r>
-              <a:rPr lang="en-US" dirty="0" err="1"/>
-              <a:t>DayOfWeek</a:t>
-            </a:r>
-            <a:r>
-              <a:rPr lang="en-US" dirty="0"/>
-              <a:t>, State Holiday, Assortment, and Store Type</a:t>
-            </a:r>
-          </a:p>
-          <a:p>
-            <a:r>
-              <a:rPr lang="en-US" dirty="0"/>
-              <a:t>Number of Features: 26</a:t>
-            </a:r>
-          </a:p>
-          <a:p>
-            <a:r>
-              <a:rPr lang="en-US" dirty="0"/>
-              <a:t>Date is omitted</a:t>
-            </a:r>
-          </a:p>
-          <a:p>
-            <a:r>
-              <a:rPr lang="en-US" dirty="0"/>
-              <a:t>Each feature from each store was normalized using its corresponding standard deviation and mean</a:t>
-            </a:r>
-          </a:p>
-          <a:p>
-            <a:pPr marL="0" indent="0">
-              <a:buNone/>
-            </a:pPr>
-            <a:r>
-              <a:rPr lang="en-US" dirty="0"/>
-              <a:t> </a:t>
+              <a:t>LSTM per store and NN are not performing well.</a:t>
+            </a:r>
+          </a:p>
+          <a:p>
+            <a:pPr lvl="1"/>
+            <a:r>
+              <a:rPr lang="en-US" dirty="0"/>
+              <a:t>Unable to increase the number of hidden units in LSTM or hidden layer due to hardware limitation</a:t>
+            </a:r>
+          </a:p>
+          <a:p>
+            <a:r>
+              <a:rPr lang="en-US" dirty="0"/>
+              <a:t>Lasso and Ridge perform better than Neural Network and Random Forest, in terms of RMSPE and Execution time.</a:t>
+            </a:r>
+          </a:p>
+          <a:p>
+            <a:r>
+              <a:rPr lang="en-US" dirty="0"/>
+              <a:t>The best RMSPE Random Forest could achieve was 0.146 by implementing 30 trees and 0.7 as maximum features. </a:t>
+            </a:r>
+          </a:p>
+          <a:p>
+            <a:r>
+              <a:rPr lang="en-US" dirty="0"/>
+              <a:t>Lowest RMSPE was achieved using Ridge Regression with RMSPE of 0.143</a:t>
             </a:r>
           </a:p>
         </p:txBody>
@@ -6685,118 +6601,7 @@
     </p:spTree>
     <p:extLst>
       <p:ext uri="{BB962C8B-B14F-4D97-AF65-F5344CB8AC3E}">
-        <p14:creationId xmlns:p14="http://schemas.microsoft.com/office/powerpoint/2010/main" val="880531649"/>
-      </p:ext>
-    </p:extLst>
-  </p:cSld>
-  <p:clrMapOvr>
-    <a:masterClrMapping/>
-  </p:clrMapOvr>
-</p:sld>
-</file>
-
-<file path=ppt/slides/slide19.xml><?xml version="1.0" encoding="utf-8"?>
-<p:sld xmlns:a="http://schemas.openxmlformats.org/drawingml/2006/main" xmlns:r="http://schemas.openxmlformats.org/officeDocument/2006/relationships" xmlns:p="http://schemas.openxmlformats.org/presentationml/2006/main">
-  <p:cSld>
-    <p:spTree>
-      <p:nvGrpSpPr>
-        <p:cNvPr id="1" name=""/>
-        <p:cNvGrpSpPr/>
-        <p:nvPr/>
-      </p:nvGrpSpPr>
-      <p:grpSpPr>
-        <a:xfrm>
-          <a:off x="0" y="0"/>
-          <a:ext cx="0" cy="0"/>
-          <a:chOff x="0" y="0"/>
-          <a:chExt cx="0" cy="0"/>
-        </a:xfrm>
-      </p:grpSpPr>
-      <p:sp>
-        <p:nvSpPr>
-          <p:cNvPr id="2" name="Title 1"/>
-          <p:cNvSpPr>
-            <a:spLocks noGrp="1"/>
-          </p:cNvSpPr>
-          <p:nvPr>
-            <p:ph type="title"/>
-          </p:nvPr>
-        </p:nvSpPr>
-        <p:spPr/>
-        <p:txBody>
-          <a:bodyPr/>
-          <a:lstStyle/>
-          <a:p>
-            <a:r>
-              <a:rPr lang="en-US" dirty="0"/>
-              <a:t>Training	</a:t>
-            </a:r>
-          </a:p>
-        </p:txBody>
-      </p:sp>
-      <p:sp>
-        <p:nvSpPr>
-          <p:cNvPr id="3" name="Content Placeholder 2"/>
-          <p:cNvSpPr>
-            <a:spLocks noGrp="1"/>
-          </p:cNvSpPr>
-          <p:nvPr>
-            <p:ph idx="1"/>
-          </p:nvPr>
-        </p:nvSpPr>
-        <p:spPr/>
-        <p:txBody>
-          <a:bodyPr/>
-          <a:lstStyle/>
-          <a:p>
-            <a:r>
-              <a:rPr lang="en-US" dirty="0"/>
-              <a:t>Training and Validation Ratio:</a:t>
-            </a:r>
-          </a:p>
-          <a:p>
-            <a:pPr lvl="1"/>
-            <a:r>
-              <a:rPr lang="en-US" dirty="0"/>
-              <a:t>First Trial: 80:20</a:t>
-            </a:r>
-          </a:p>
-          <a:p>
-            <a:pPr lvl="1"/>
-            <a:r>
-              <a:rPr lang="en-US" dirty="0"/>
-              <a:t>Second Trial: 50:50</a:t>
-            </a:r>
-          </a:p>
-          <a:p>
-            <a:r>
-              <a:rPr lang="en-US" dirty="0"/>
-              <a:t>Each store was trained, validated, and predicted independently from each other</a:t>
-            </a:r>
-          </a:p>
-          <a:p>
-            <a:r>
-              <a:rPr lang="en-US" dirty="0"/>
-              <a:t>Number of Trees</a:t>
-            </a:r>
-            <a:r>
-              <a:rPr lang="en-US"/>
-              <a:t>: 30</a:t>
-            </a:r>
-            <a:endParaRPr lang="en-US" dirty="0"/>
-          </a:p>
-          <a:p>
-            <a:r>
-              <a:rPr lang="en-US" dirty="0"/>
-              <a:t>Maximum Features: 0.7</a:t>
-            </a:r>
-          </a:p>
-        </p:txBody>
-      </p:sp>
-    </p:spTree>
-    <p:extLst>
-      <p:ext uri="{BB962C8B-B14F-4D97-AF65-F5344CB8AC3E}">
-        <p14:creationId xmlns:p14="http://schemas.microsoft.com/office/powerpoint/2010/main" val="4278187125"/>
+        <p14:creationId xmlns:p14="http://schemas.microsoft.com/office/powerpoint/2010/main" val="3229727196"/>
       </p:ext>
     </p:extLst>
   </p:cSld>
@@ -6992,203 +6797,6 @@
     <p:extLst>
       <p:ext uri="{BB962C8B-B14F-4D97-AF65-F5344CB8AC3E}">
         <p14:creationId xmlns:p14="http://schemas.microsoft.com/office/powerpoint/2010/main" val="912276473"/>
-      </p:ext>
-    </p:extLst>
-  </p:cSld>
-  <p:clrMapOvr>
-    <a:masterClrMapping/>
-  </p:clrMapOvr>
-</p:sld>
-</file>
-
-<file path=ppt/slides/slide20.xml><?xml version="1.0" encoding="utf-8"?>
-<p:sld xmlns:a="http://schemas.openxmlformats.org/drawingml/2006/main" xmlns:r="http://schemas.openxmlformats.org/officeDocument/2006/relationships" xmlns:p="http://schemas.openxmlformats.org/presentationml/2006/main">
-  <p:cSld>
-    <p:spTree>
-      <p:nvGrpSpPr>
-        <p:cNvPr id="1" name=""/>
-        <p:cNvGrpSpPr/>
-        <p:nvPr/>
-      </p:nvGrpSpPr>
-      <p:grpSpPr>
-        <a:xfrm>
-          <a:off x="0" y="0"/>
-          <a:ext cx="0" cy="0"/>
-          <a:chOff x="0" y="0"/>
-          <a:chExt cx="0" cy="0"/>
-        </a:xfrm>
-      </p:grpSpPr>
-      <p:sp>
-        <p:nvSpPr>
-          <p:cNvPr id="2" name="Title 1"/>
-          <p:cNvSpPr>
-            <a:spLocks noGrp="1"/>
-          </p:cNvSpPr>
-          <p:nvPr>
-            <p:ph type="title"/>
-          </p:nvPr>
-        </p:nvSpPr>
-        <p:spPr/>
-        <p:txBody>
-          <a:bodyPr/>
-          <a:lstStyle/>
-          <a:p>
-            <a:r>
-              <a:rPr lang="en-US" dirty="0"/>
-              <a:t>Result</a:t>
-            </a:r>
-          </a:p>
-        </p:txBody>
-      </p:sp>
-      <p:sp>
-        <p:nvSpPr>
-          <p:cNvPr id="3" name="Content Placeholder 2"/>
-          <p:cNvSpPr>
-            <a:spLocks noGrp="1"/>
-          </p:cNvSpPr>
-          <p:nvPr>
-            <p:ph idx="1"/>
-          </p:nvPr>
-        </p:nvSpPr>
-        <p:spPr/>
-        <p:txBody>
-          <a:bodyPr/>
-          <a:lstStyle/>
-          <a:p>
-            <a:r>
-              <a:rPr lang="en-US" dirty="0"/>
-              <a:t>Training vs Validation ratio 80:20</a:t>
-            </a:r>
-          </a:p>
-          <a:p>
-            <a:pPr lvl="1"/>
-            <a:r>
-              <a:rPr lang="en-US" dirty="0"/>
-              <a:t>Private Score: 0.15815</a:t>
-            </a:r>
-          </a:p>
-          <a:p>
-            <a:pPr lvl="1"/>
-            <a:r>
-              <a:rPr lang="en-US" dirty="0"/>
-              <a:t>Public Score: 0.14731</a:t>
-            </a:r>
-          </a:p>
-          <a:p>
-            <a:r>
-              <a:rPr lang="en-US" dirty="0"/>
-              <a:t>Training vs Validation ratio 50:50</a:t>
-            </a:r>
-          </a:p>
-          <a:p>
-            <a:pPr lvl="1"/>
-            <a:r>
-              <a:rPr lang="en-US" dirty="0"/>
-              <a:t>Private Score: 0.15703</a:t>
-            </a:r>
-          </a:p>
-          <a:p>
-            <a:pPr lvl="1"/>
-            <a:r>
-              <a:rPr lang="en-US"/>
-              <a:t>Public Score: 0.14604</a:t>
-            </a:r>
-            <a:endParaRPr lang="en-US" dirty="0"/>
-          </a:p>
-        </p:txBody>
-      </p:sp>
-    </p:spTree>
-    <p:extLst>
-      <p:ext uri="{BB962C8B-B14F-4D97-AF65-F5344CB8AC3E}">
-        <p14:creationId xmlns:p14="http://schemas.microsoft.com/office/powerpoint/2010/main" val="143699956"/>
-      </p:ext>
-    </p:extLst>
-  </p:cSld>
-  <p:clrMapOvr>
-    <a:masterClrMapping/>
-  </p:clrMapOvr>
-</p:sld>
-</file>
-
-<file path=ppt/slides/slide21.xml><?xml version="1.0" encoding="utf-8"?>
-<p:sld xmlns:a="http://schemas.openxmlformats.org/drawingml/2006/main" xmlns:r="http://schemas.openxmlformats.org/officeDocument/2006/relationships" xmlns:p="http://schemas.openxmlformats.org/presentationml/2006/main">
-  <p:cSld>
-    <p:spTree>
-      <p:nvGrpSpPr>
-        <p:cNvPr id="1" name=""/>
-        <p:cNvGrpSpPr/>
-        <p:nvPr/>
-      </p:nvGrpSpPr>
-      <p:grpSpPr>
-        <a:xfrm>
-          <a:off x="0" y="0"/>
-          <a:ext cx="0" cy="0"/>
-          <a:chOff x="0" y="0"/>
-          <a:chExt cx="0" cy="0"/>
-        </a:xfrm>
-      </p:grpSpPr>
-      <p:sp>
-        <p:nvSpPr>
-          <p:cNvPr id="2" name="Title 1"/>
-          <p:cNvSpPr>
-            <a:spLocks noGrp="1"/>
-          </p:cNvSpPr>
-          <p:nvPr>
-            <p:ph type="title"/>
-          </p:nvPr>
-        </p:nvSpPr>
-        <p:spPr/>
-        <p:txBody>
-          <a:bodyPr/>
-          <a:lstStyle/>
-          <a:p>
-            <a:r>
-              <a:rPr lang="en-US" dirty="0"/>
-              <a:t>Conclusion</a:t>
-            </a:r>
-            <a:endParaRPr lang="en-SG" dirty="0"/>
-          </a:p>
-        </p:txBody>
-      </p:sp>
-      <p:sp>
-        <p:nvSpPr>
-          <p:cNvPr id="3" name="Content Placeholder 2"/>
-          <p:cNvSpPr>
-            <a:spLocks noGrp="1"/>
-          </p:cNvSpPr>
-          <p:nvPr>
-            <p:ph idx="1"/>
-          </p:nvPr>
-        </p:nvSpPr>
-        <p:spPr/>
-        <p:txBody>
-          <a:bodyPr/>
-          <a:lstStyle/>
-          <a:p>
-            <a:r>
-              <a:rPr lang="en-US" dirty="0"/>
-              <a:t>LSTM per store and NN are not performing well.</a:t>
-            </a:r>
-          </a:p>
-          <a:p>
-            <a:pPr lvl="1"/>
-            <a:r>
-              <a:rPr lang="en-US" dirty="0"/>
-              <a:t>Unable to increase the number of hidden units in LSTM or hidden layer due to hardware limitation</a:t>
-            </a:r>
-          </a:p>
-          <a:p>
-            <a:r>
-              <a:rPr lang="en-US" dirty="0"/>
-              <a:t>Lasso and Ridge perform better than Neural Network and Random Forest, in terms of RMSPE and Execution time.</a:t>
-            </a:r>
-          </a:p>
-        </p:txBody>
-      </p:sp>
-    </p:spTree>
-    <p:extLst>
-      <p:ext uri="{BB962C8B-B14F-4D97-AF65-F5344CB8AC3E}">
-        <p14:creationId xmlns:p14="http://schemas.microsoft.com/office/powerpoint/2010/main" val="3229727196"/>
       </p:ext>
     </p:extLst>
   </p:cSld>
@@ -8099,7 +7707,7 @@
       </p:grpSpPr>
       <p:sp>
         <p:nvSpPr>
-          <p:cNvPr id="4" name="Title 3"/>
+          <p:cNvPr id="2" name="Title 1"/>
           <p:cNvSpPr>
             <a:spLocks noGrp="1"/>
           </p:cNvSpPr>
@@ -8113,21 +7721,20 @@
           <a:lstStyle/>
           <a:p>
             <a:r>
-              <a:rPr lang="en-US" dirty="0"/>
-              <a:t>Neural Network</a:t>
-            </a:r>
-            <a:endParaRPr lang="en-SG" dirty="0"/>
-          </a:p>
-        </p:txBody>
-      </p:sp>
-      <p:sp>
-        <p:nvSpPr>
-          <p:cNvPr id="5" name="Text Placeholder 4"/>
-          <p:cNvSpPr>
-            <a:spLocks noGrp="1"/>
-          </p:cNvSpPr>
-          <p:nvPr>
-            <p:ph type="body" idx="1"/>
+              <a:rPr lang="en-SG" dirty="0"/>
+              <a:t>Other Networks</a:t>
+            </a:r>
+          </a:p>
+        </p:txBody>
+      </p:sp>
+      <p:sp>
+        <p:nvSpPr>
+          <p:cNvPr id="3" name="Content Placeholder 2"/>
+          <p:cNvSpPr>
+            <a:spLocks noGrp="1"/>
+          </p:cNvSpPr>
+          <p:nvPr>
+            <p:ph idx="1"/>
           </p:nvPr>
         </p:nvSpPr>
         <p:spPr/>
@@ -8136,8 +7743,51 @@
           <a:lstStyle/>
           <a:p>
             <a:r>
-              <a:rPr lang="en-US" dirty="0"/>
-              <a:t>with 2 hidden layers</a:t>
+              <a:rPr lang="en-SG" dirty="0"/>
+              <a:t>LSTM for all stores does not perform well</a:t>
+            </a:r>
+          </a:p>
+          <a:p>
+            <a:pPr lvl="1"/>
+            <a:r>
+              <a:rPr lang="en-SG" dirty="0"/>
+              <a:t>Private score: 0.</a:t>
+            </a:r>
+            <a:r>
+              <a:rPr lang="en-SG" dirty="0"/>
+              <a:t>17947</a:t>
+            </a:r>
+            <a:endParaRPr lang="en-SG" dirty="0"/>
+          </a:p>
+          <a:p>
+            <a:pPr lvl="1"/>
+            <a:r>
+              <a:rPr lang="en-SG" dirty="0"/>
+              <a:t>Public score: 0.46181</a:t>
+            </a:r>
+          </a:p>
+          <a:p>
+            <a:r>
+              <a:rPr lang="en-SG" dirty="0"/>
+              <a:t>NN for all stores does not have a good result as well</a:t>
+            </a:r>
+          </a:p>
+          <a:p>
+            <a:pPr lvl="1"/>
+            <a:r>
+              <a:rPr lang="en-SG" dirty="0"/>
+              <a:t>Private score: 0.</a:t>
+            </a:r>
+            <a:r>
+              <a:rPr lang="en-SG" dirty="0"/>
+              <a:t>20356</a:t>
+            </a:r>
+          </a:p>
+          <a:p>
+            <a:pPr lvl="1"/>
+            <a:r>
+              <a:rPr lang="en-SG" dirty="0"/>
+              <a:t>Public score: 0.20298</a:t>
             </a:r>
             <a:endParaRPr lang="en-SG" dirty="0"/>
           </a:p>
@@ -8146,7 +7796,7 @@
     </p:spTree>
     <p:extLst>
       <p:ext uri="{BB962C8B-B14F-4D97-AF65-F5344CB8AC3E}">
-        <p14:creationId xmlns:p14="http://schemas.microsoft.com/office/powerpoint/2010/main" val="1975046552"/>
+        <p14:creationId xmlns:p14="http://schemas.microsoft.com/office/powerpoint/2010/main" val="483764737"/>
       </p:ext>
     </p:extLst>
   </p:cSld>
@@ -8175,7 +7825,7 @@
       </p:grpSpPr>
       <p:sp>
         <p:nvSpPr>
-          <p:cNvPr id="4" name="Title 3"/>
+          <p:cNvPr id="2" name="Title 1"/>
           <p:cNvSpPr>
             <a:spLocks noGrp="1"/>
           </p:cNvSpPr>
@@ -8189,21 +7839,20 @@
           <a:lstStyle/>
           <a:p>
             <a:r>
-              <a:rPr lang="en-US" dirty="0"/>
-              <a:t>Neural Network</a:t>
-            </a:r>
-            <a:endParaRPr lang="en-SG" dirty="0"/>
-          </a:p>
-        </p:txBody>
-      </p:sp>
-      <p:sp>
-        <p:nvSpPr>
-          <p:cNvPr id="5" name="Content Placeholder 4"/>
-          <p:cNvSpPr>
-            <a:spLocks noGrp="1"/>
-          </p:cNvSpPr>
-          <p:nvPr>
-            <p:ph idx="1"/>
+              <a:rPr lang="en-SG" dirty="0"/>
+              <a:t>Lasso &amp; Ridge</a:t>
+            </a:r>
+          </a:p>
+        </p:txBody>
+      </p:sp>
+      <p:sp>
+        <p:nvSpPr>
+          <p:cNvPr id="3" name="Subtitle 2"/>
+          <p:cNvSpPr>
+            <a:spLocks noGrp="1"/>
+          </p:cNvSpPr>
+          <p:nvPr>
+            <p:ph type="body" idx="1"/>
           </p:nvPr>
         </p:nvSpPr>
         <p:spPr/>
@@ -8212,127 +7861,8 @@
           <a:lstStyle/>
           <a:p>
             <a:r>
-              <a:rPr lang="en-US" dirty="0"/>
-              <a:t>Dependencies: CUDA 8.0, </a:t>
-            </a:r>
-            <a:r>
-              <a:rPr lang="en-US" dirty="0" err="1"/>
-              <a:t>cuDNN</a:t>
-            </a:r>
-            <a:r>
-              <a:rPr lang="en-US" dirty="0"/>
-              <a:t> v5.1, Caffe, pandas, </a:t>
-            </a:r>
-            <a:r>
-              <a:rPr lang="en-US" dirty="0" err="1"/>
-              <a:t>numpy</a:t>
-            </a:r>
-            <a:endParaRPr lang="en-US" dirty="0"/>
-          </a:p>
-          <a:p>
-            <a:r>
-              <a:rPr lang="en-US" dirty="0"/>
-              <a:t>Preprocessing:</a:t>
-            </a:r>
-          </a:p>
-          <a:p>
-            <a:pPr lvl="1"/>
-            <a:r>
-              <a:rPr lang="en-US" dirty="0"/>
-              <a:t>Shuffle the data (order is not important)</a:t>
-            </a:r>
-          </a:p>
-          <a:p>
-            <a:pPr lvl="1"/>
-            <a:r>
-              <a:rPr lang="en-US" dirty="0"/>
-              <a:t>Take 100k samples for validation</a:t>
-            </a:r>
-          </a:p>
-          <a:p>
-            <a:pPr lvl="1"/>
-            <a:r>
-              <a:rPr lang="en-US" dirty="0"/>
-              <a:t>Add 6 new features, </a:t>
-            </a:r>
-            <a:r>
-              <a:rPr lang="en-US" i="1" dirty="0" err="1"/>
-              <a:t>SalesAvg</a:t>
-            </a:r>
-            <a:r>
-              <a:rPr lang="en-US" dirty="0"/>
-              <a:t>, </a:t>
-            </a:r>
-            <a:r>
-              <a:rPr lang="en-US" i="1" dirty="0" err="1"/>
-              <a:t>SalesMax</a:t>
-            </a:r>
-            <a:r>
-              <a:rPr lang="en-US" dirty="0"/>
-              <a:t>, </a:t>
-            </a:r>
-            <a:r>
-              <a:rPr lang="en-US" i="1" dirty="0" err="1"/>
-              <a:t>SalesMean</a:t>
-            </a:r>
-            <a:r>
-              <a:rPr lang="en-US" dirty="0"/>
-              <a:t>, </a:t>
-            </a:r>
-            <a:r>
-              <a:rPr lang="en-US" i="1" dirty="0" err="1"/>
-              <a:t>CustomersAvg</a:t>
-            </a:r>
-            <a:r>
-              <a:rPr lang="en-US" dirty="0"/>
-              <a:t>, </a:t>
-            </a:r>
-            <a:r>
-              <a:rPr lang="en-US" i="1" dirty="0" err="1"/>
-              <a:t>CustomersMax</a:t>
-            </a:r>
-            <a:r>
-              <a:rPr lang="en-US" dirty="0"/>
-              <a:t>, </a:t>
-            </a:r>
-            <a:r>
-              <a:rPr lang="en-US" i="1" dirty="0" err="1"/>
-              <a:t>CustomersMean</a:t>
-            </a:r>
-            <a:r>
-              <a:rPr lang="en-US" dirty="0"/>
-              <a:t> for each store respectively, and normalize these features</a:t>
-            </a:r>
-            <a:endParaRPr lang="en-US" i="1" dirty="0"/>
-          </a:p>
-          <a:p>
-            <a:pPr lvl="1"/>
-            <a:r>
-              <a:rPr lang="en-US" dirty="0"/>
-              <a:t>Normalize </a:t>
-            </a:r>
-            <a:r>
-              <a:rPr lang="en-US" i="1" dirty="0"/>
-              <a:t>Sales</a:t>
-            </a:r>
-            <a:r>
-              <a:rPr lang="en-US" dirty="0"/>
-              <a:t> globally</a:t>
-            </a:r>
-          </a:p>
-          <a:p>
-            <a:pPr lvl="1"/>
-            <a:r>
-              <a:rPr lang="en-US" dirty="0"/>
-              <a:t>Drop </a:t>
-            </a:r>
-            <a:r>
-              <a:rPr lang="en-US" i="1" dirty="0"/>
-              <a:t>Customers</a:t>
-            </a:r>
-            <a:r>
-              <a:rPr lang="en-US" dirty="0"/>
-              <a:t> column</a:t>
+              <a:rPr lang="en-SG" dirty="0"/>
+              <a:t>Regression</a:t>
             </a:r>
           </a:p>
         </p:txBody>
@@ -8340,7 +7870,7 @@
     </p:spTree>
     <p:extLst>
       <p:ext uri="{BB962C8B-B14F-4D97-AF65-F5344CB8AC3E}">
-        <p14:creationId xmlns:p14="http://schemas.microsoft.com/office/powerpoint/2010/main" val="890720893"/>
+        <p14:creationId xmlns:p14="http://schemas.microsoft.com/office/powerpoint/2010/main" val="408571491"/>
       </p:ext>
     </p:extLst>
   </p:cSld>
